--- a/ML_project/rewarding Insurance.pptx
+++ b/ML_project/rewarding Insurance.pptx
@@ -132,10 +132,10 @@
   </p:defaultTextStyle>
   <p:extLst>
     <p:ext uri="{EFAFB233-063F-42B5-8137-9DF3F51BA10A}">
-      <p15:sldGuideLst xmlns:p15="http://schemas.microsoft.com/office/powerpoint/2012/main"/>
+      <p15:sldGuideLst xmlns:p15="http://schemas.microsoft.com/office/powerpoint/2012/main" xmlns=""/>
     </p:ext>
     <p:ext uri="{2D200454-40CA-4A62-9FC3-DE9A4176ACB9}">
-      <p15:notesGuideLst xmlns:p15="http://schemas.microsoft.com/office/powerpoint/2012/main"/>
+      <p15:notesGuideLst xmlns:p15="http://schemas.microsoft.com/office/powerpoint/2012/main" xmlns=""/>
     </p:ext>
   </p:extLst>
 </p:presentation>
@@ -152,7 +152,7 @@
   <p:cmAuthor id="1" name="Administrator" initials="A" lastIdx="2" clrIdx="0">
     <p:extLst>
       <p:ext uri="{19B8F6BF-5375-455C-9EA6-DF929625EA0E}">
-        <p15:presenceInfo xmlns:p15="http://schemas.microsoft.com/office/powerpoint/2012/main" userId="60fc6dffff3322a5" providerId="Windows Live"/>
+        <p15:presenceInfo xmlns:p15="http://schemas.microsoft.com/office/powerpoint/2012/main" xmlns="" userId="60fc6dffff3322a5" providerId="Windows Live"/>
       </p:ext>
     </p:extLst>
   </p:cmAuthor>
@@ -160,18 +160,8 @@
 </file>
 
 <file path=ppt/charts/chart1.xml><?xml version="1.0" encoding="utf-8"?>
-<c:chartSpace xmlns:c="http://schemas.openxmlformats.org/drawingml/2006/chart" xmlns:a="http://schemas.openxmlformats.org/drawingml/2006/main" xmlns:r="http://schemas.openxmlformats.org/officeDocument/2006/relationships" xmlns:c16r2="http://schemas.microsoft.com/office/drawing/2015/06/chart">
-  <c:date1904 val="0"/>
-  <c:lang val="en-US"/>
-  <c:roundedCorners val="0"/>
-  <mc:AlternateContent xmlns:mc="http://schemas.openxmlformats.org/markup-compatibility/2006">
-    <mc:Choice xmlns:c14="http://schemas.microsoft.com/office/drawing/2007/8/2/chart" Requires="c14">
-      <c14:style val="102"/>
-    </mc:Choice>
-    <mc:Fallback>
-      <c:style val="2"/>
-    </mc:Fallback>
-  </mc:AlternateContent>
+<c:chartSpace xmlns:c="http://schemas.openxmlformats.org/drawingml/2006/chart" xmlns:a="http://schemas.openxmlformats.org/drawingml/2006/main" xmlns:r="http://schemas.openxmlformats.org/officeDocument/2006/relationships">
+  <c:lang val="pl-PL"/>
   <c:chart>
     <c:autoTitleDeleted val="1"/>
     <c:plotArea>
@@ -179,7 +169,6 @@
       <c:barChart>
         <c:barDir val="col"/>
         <c:grouping val="clustered"/>
-        <c:varyColors val="0"/>
         <c:ser>
           <c:idx val="0"/>
           <c:order val="0"/>
@@ -203,7 +192,6 @@
             </a:ln>
             <a:effectLst/>
           </c:spPr>
-          <c:invertIfNegative val="0"/>
           <c:cat>
             <c:strRef>
               <c:f>Sheet1!$A$2:$A$5</c:f>
@@ -245,35 +233,26 @@
               </c:numCache>
             </c:numRef>
           </c:val>
-          <c:extLst>
+          <c:extLst xmlns:c16r2="http://schemas.microsoft.com/office/drawing/2015/06/chart">
             <c:ext xmlns:c16="http://schemas.microsoft.com/office/drawing/2014/chart" uri="{C3380CC4-5D6E-409C-BE32-E72D297353CC}">
               <c16:uniqueId val="{00000000-1426-4D6F-8901-30DE7FC55EAB}"/>
             </c:ext>
           </c:extLst>
         </c:ser>
-        <c:dLbls>
-          <c:showLegendKey val="0"/>
-          <c:showVal val="0"/>
-          <c:showCatName val="0"/>
-          <c:showSerName val="0"/>
-          <c:showPercent val="0"/>
-          <c:showBubbleSize val="0"/>
-        </c:dLbls>
+        <c:dLbls/>
         <c:gapWidth val="50"/>
         <c:overlap val="-27"/>
-        <c:axId val="886489736"/>
-        <c:axId val="886498920"/>
+        <c:axId val="120442240"/>
+        <c:axId val="63964288"/>
       </c:barChart>
       <c:catAx>
-        <c:axId val="886489736"/>
+        <c:axId val="120442240"/>
         <c:scaling>
           <c:orientation val="minMax"/>
         </c:scaling>
-        <c:delete val="0"/>
         <c:axPos val="b"/>
         <c:numFmt formatCode="General" sourceLinked="1"/>
         <c:majorTickMark val="none"/>
-        <c:minorTickMark val="none"/>
         <c:tickLblPos val="nextTo"/>
         <c:spPr>
           <a:noFill/>
@@ -293,7 +272,7 @@
           <a:lstStyle/>
           <a:p>
             <a:pPr>
-              <a:defRPr sz="1197" b="1" i="0" u="none" strike="noStrike" kern="1200" baseline="0">
+              <a:defRPr lang="en-US" sz="1197" b="1" i="0" u="none" strike="noStrike" kern="1200" baseline="0">
                 <a:solidFill>
                   <a:schemeClr val="tx1">
                     <a:lumMod val="65000"/>
@@ -305,23 +284,21 @@
                 <a:cs typeface="Calibri" panose="020F0502020204030204" pitchFamily="34" charset="0"/>
               </a:defRPr>
             </a:pPr>
-            <a:endParaRPr lang="en-US"/>
+            <a:endParaRPr lang="pl-PL"/>
           </a:p>
         </c:txPr>
-        <c:crossAx val="886498920"/>
+        <c:crossAx val="63964288"/>
         <c:crosses val="autoZero"/>
         <c:auto val="1"/>
         <c:lblAlgn val="ctr"/>
         <c:lblOffset val="100"/>
-        <c:noMultiLvlLbl val="0"/>
       </c:catAx>
       <c:valAx>
-        <c:axId val="886498920"/>
+        <c:axId val="63964288"/>
         <c:scaling>
           <c:orientation val="minMax"/>
           <c:max val="40000"/>
         </c:scaling>
-        <c:delete val="0"/>
         <c:axPos val="l"/>
         <c:majorGridlines>
           <c:spPr>
@@ -338,7 +315,6 @@
         </c:majorGridlines>
         <c:numFmt formatCode="#,##0\ &quot;zł&quot;" sourceLinked="0"/>
         <c:majorTickMark val="none"/>
-        <c:minorTickMark val="none"/>
         <c:tickLblPos val="nextTo"/>
         <c:spPr>
           <a:noFill/>
@@ -352,7 +328,7 @@
           <a:lstStyle/>
           <a:p>
             <a:pPr>
-              <a:defRPr sz="1197" b="1" i="0" u="none" strike="noStrike" kern="1200" baseline="0">
+              <a:defRPr lang="en-US" sz="1197" b="1" i="0" u="none" strike="noStrike" kern="1200" baseline="0">
                 <a:solidFill>
                   <a:schemeClr val="tx1">
                     <a:lumMod val="65000"/>
@@ -364,10 +340,10 @@
                 <a:cs typeface="Calibri" panose="020F0502020204030204" pitchFamily="34" charset="0"/>
               </a:defRPr>
             </a:pPr>
-            <a:endParaRPr lang="en-US"/>
+            <a:endParaRPr lang="pl-PL"/>
           </a:p>
         </c:txPr>
-        <c:crossAx val="886489736"/>
+        <c:crossAx val="120442240"/>
         <c:crosses val="autoZero"/>
         <c:crossBetween val="between"/>
         <c:majorUnit val="10000"/>
@@ -382,14 +358,13 @@
     </c:plotArea>
     <c:plotVisOnly val="1"/>
     <c:dispBlanksAs val="gap"/>
-    <c:extLst>
+    <c:extLst xmlns:c16r2="http://schemas.microsoft.com/office/drawing/2015/06/chart">
       <c:ext xmlns:c16r3="http://schemas.microsoft.com/office/drawing/2017/03/chart" uri="{56B9EC1D-385E-4148-901F-78D8002777C0}">
         <c16r3:dataDisplayOptions16>
           <c16r3:dispNaAsBlank val="1"/>
         </c16r3:dataDisplayOptions16>
       </c:ext>
     </c:extLst>
-    <c:showDLblsOverMax val="0"/>
   </c:chart>
   <c:spPr>
     <a:noFill/>
@@ -405,28 +380,16 @@
       <a:pPr>
         <a:defRPr/>
       </a:pPr>
-      <a:endParaRPr lang="en-US"/>
+      <a:endParaRPr lang="pl-PL"/>
     </a:p>
   </c:txPr>
-  <c:externalData r:id="rId3">
-    <c:autoUpdate val="0"/>
-  </c:externalData>
+  <c:externalData r:id="rId1"/>
 </c:chartSpace>
 </file>
 
 <file path=ppt/charts/chart2.xml><?xml version="1.0" encoding="utf-8"?>
-<c:chartSpace xmlns:c="http://schemas.openxmlformats.org/drawingml/2006/chart" xmlns:a="http://schemas.openxmlformats.org/drawingml/2006/main" xmlns:r="http://schemas.openxmlformats.org/officeDocument/2006/relationships" xmlns:c16r2="http://schemas.microsoft.com/office/drawing/2015/06/chart">
-  <c:date1904 val="0"/>
-  <c:lang val="en-US"/>
-  <c:roundedCorners val="0"/>
-  <mc:AlternateContent xmlns:mc="http://schemas.openxmlformats.org/markup-compatibility/2006">
-    <mc:Choice xmlns:c14="http://schemas.microsoft.com/office/drawing/2007/8/2/chart" Requires="c14">
-      <c14:style val="102"/>
-    </mc:Choice>
-    <mc:Fallback>
-      <c:style val="2"/>
-    </mc:Fallback>
-  </mc:AlternateContent>
+<c:chartSpace xmlns:c="http://schemas.openxmlformats.org/drawingml/2006/chart" xmlns:a="http://schemas.openxmlformats.org/drawingml/2006/main" xmlns:r="http://schemas.openxmlformats.org/officeDocument/2006/relationships">
+  <c:lang val="pl-PL"/>
   <c:chart>
     <c:autoTitleDeleted val="1"/>
     <c:plotArea>
@@ -434,7 +397,6 @@
       <c:barChart>
         <c:barDir val="col"/>
         <c:grouping val="stacked"/>
-        <c:varyColors val="0"/>
         <c:ser>
           <c:idx val="0"/>
           <c:order val="0"/>
@@ -447,7 +409,6 @@
             </a:ln>
             <a:effectLst/>
           </c:spPr>
-          <c:invertIfNegative val="0"/>
           <c:val>
             <c:numRef>
               <c:f>Sheet1!$B$2</c:f>
@@ -460,7 +421,7 @@
               </c:numCache>
             </c:numRef>
           </c:val>
-          <c:extLst>
+          <c:extLst xmlns:c16r2="http://schemas.microsoft.com/office/drawing/2015/06/chart">
             <c:ext xmlns:c15="http://schemas.microsoft.com/office/drawing/2012/chart" uri="{02D57815-91ED-43cb-92C2-25804820EDAC}">
               <c15:filteredSeriesTitle>
                 <c15:tx>
@@ -520,7 +481,6 @@
             </a:ln>
             <a:effectLst/>
           </c:spPr>
-          <c:invertIfNegative val="0"/>
           <c:val>
             <c:numRef>
               <c:f>Sheet1!$C$2</c:f>
@@ -533,7 +493,7 @@
               </c:numCache>
             </c:numRef>
           </c:val>
-          <c:extLst>
+          <c:extLst xmlns:c16r2="http://schemas.microsoft.com/office/drawing/2015/06/chart">
             <c:ext xmlns:c15="http://schemas.microsoft.com/office/drawing/2012/chart" uri="{02D57815-91ED-43cb-92C2-25804820EDAC}">
               <c15:filteredSeriesTitle>
                 <c15:tx>
@@ -581,21 +541,13 @@
             </c:ext>
           </c:extLst>
         </c:ser>
-        <c:dLbls>
-          <c:showLegendKey val="0"/>
-          <c:showVal val="0"/>
-          <c:showCatName val="0"/>
-          <c:showSerName val="0"/>
-          <c:showPercent val="0"/>
-          <c:showBubbleSize val="0"/>
-        </c:dLbls>
-        <c:gapWidth val="150"/>
+        <c:dLbls/>
         <c:overlap val="100"/>
-        <c:axId val="877055744"/>
-        <c:axId val="877061984"/>
+        <c:axId val="122231424"/>
+        <c:axId val="122233216"/>
       </c:barChart>
       <c:catAx>
-        <c:axId val="877055744"/>
+        <c:axId val="122231424"/>
         <c:scaling>
           <c:orientation val="minMax"/>
         </c:scaling>
@@ -603,17 +555,15 @@
         <c:axPos val="b"/>
         <c:numFmt formatCode="General" sourceLinked="1"/>
         <c:majorTickMark val="none"/>
-        <c:minorTickMark val="none"/>
         <c:tickLblPos val="nextTo"/>
-        <c:crossAx val="877061984"/>
+        <c:crossAx val="122233216"/>
         <c:crosses val="autoZero"/>
         <c:auto val="1"/>
         <c:lblAlgn val="ctr"/>
         <c:lblOffset val="100"/>
-        <c:noMultiLvlLbl val="0"/>
       </c:catAx>
       <c:valAx>
-        <c:axId val="877061984"/>
+        <c:axId val="122233216"/>
         <c:scaling>
           <c:orientation val="minMax"/>
         </c:scaling>
@@ -630,9 +580,8 @@
         </c:majorGridlines>
         <c:numFmt formatCode="General" sourceLinked="1"/>
         <c:majorTickMark val="none"/>
-        <c:minorTickMark val="none"/>
         <c:tickLblPos val="nextTo"/>
-        <c:crossAx val="877055744"/>
+        <c:crossAx val="122231424"/>
         <c:crosses val="autoZero"/>
         <c:crossBetween val="between"/>
       </c:valAx>
@@ -646,14 +595,13 @@
     </c:plotArea>
     <c:plotVisOnly val="1"/>
     <c:dispBlanksAs val="gap"/>
-    <c:extLst>
+    <c:extLst xmlns:c16r2="http://schemas.microsoft.com/office/drawing/2015/06/chart">
       <c:ext xmlns:c16r3="http://schemas.microsoft.com/office/drawing/2017/03/chart" uri="{56B9EC1D-385E-4148-901F-78D8002777C0}">
         <c16r3:dataDisplayOptions16>
           <c16r3:dispNaAsBlank val="1"/>
         </c16r3:dataDisplayOptions16>
       </c:ext>
     </c:extLst>
-    <c:showDLblsOverMax val="0"/>
   </c:chart>
   <c:spPr>
     <a:noFill/>
@@ -669,28 +617,16 @@
       <a:pPr>
         <a:defRPr/>
       </a:pPr>
-      <a:endParaRPr lang="en-US"/>
+      <a:endParaRPr lang="pl-PL"/>
     </a:p>
   </c:txPr>
-  <c:externalData r:id="rId3">
-    <c:autoUpdate val="0"/>
-  </c:externalData>
+  <c:externalData r:id="rId1"/>
 </c:chartSpace>
 </file>
 
 <file path=ppt/charts/chart3.xml><?xml version="1.0" encoding="utf-8"?>
-<c:chartSpace xmlns:c="http://schemas.openxmlformats.org/drawingml/2006/chart" xmlns:a="http://schemas.openxmlformats.org/drawingml/2006/main" xmlns:r="http://schemas.openxmlformats.org/officeDocument/2006/relationships" xmlns:c16r2="http://schemas.microsoft.com/office/drawing/2015/06/chart">
-  <c:date1904 val="0"/>
-  <c:lang val="en-US"/>
-  <c:roundedCorners val="0"/>
-  <mc:AlternateContent xmlns:mc="http://schemas.openxmlformats.org/markup-compatibility/2006">
-    <mc:Choice xmlns:c14="http://schemas.microsoft.com/office/drawing/2007/8/2/chart" Requires="c14">
-      <c14:style val="102"/>
-    </mc:Choice>
-    <mc:Fallback>
-      <c:style val="2"/>
-    </mc:Fallback>
-  </mc:AlternateContent>
+<c:chartSpace xmlns:c="http://schemas.openxmlformats.org/drawingml/2006/chart" xmlns:a="http://schemas.openxmlformats.org/drawingml/2006/main" xmlns:r="http://schemas.openxmlformats.org/officeDocument/2006/relationships">
+  <c:lang val="pl-PL"/>
   <c:chart>
     <c:autoTitleDeleted val="1"/>
     <c:plotArea>
@@ -698,7 +634,6 @@
       <c:barChart>
         <c:barDir val="col"/>
         <c:grouping val="stacked"/>
-        <c:varyColors val="0"/>
         <c:ser>
           <c:idx val="0"/>
           <c:order val="0"/>
@@ -711,7 +646,6 @@
             </a:ln>
             <a:effectLst/>
           </c:spPr>
-          <c:invertIfNegative val="0"/>
           <c:val>
             <c:numRef>
               <c:f>Sheet1!$B$2</c:f>
@@ -724,7 +658,7 @@
               </c:numCache>
             </c:numRef>
           </c:val>
-          <c:extLst>
+          <c:extLst xmlns:c16r2="http://schemas.microsoft.com/office/drawing/2015/06/chart">
             <c:ext xmlns:c15="http://schemas.microsoft.com/office/drawing/2012/chart" uri="{02D57815-91ED-43cb-92C2-25804820EDAC}">
               <c15:filteredSeriesTitle>
                 <c15:tx>
@@ -784,7 +718,6 @@
             </a:ln>
             <a:effectLst/>
           </c:spPr>
-          <c:invertIfNegative val="0"/>
           <c:val>
             <c:numRef>
               <c:f>Sheet1!$C$2</c:f>
@@ -797,7 +730,7 @@
               </c:numCache>
             </c:numRef>
           </c:val>
-          <c:extLst>
+          <c:extLst xmlns:c16r2="http://schemas.microsoft.com/office/drawing/2015/06/chart">
             <c:ext xmlns:c15="http://schemas.microsoft.com/office/drawing/2012/chart" uri="{02D57815-91ED-43cb-92C2-25804820EDAC}">
               <c15:filteredSeriesTitle>
                 <c15:tx>
@@ -845,21 +778,13 @@
             </c:ext>
           </c:extLst>
         </c:ser>
-        <c:dLbls>
-          <c:showLegendKey val="0"/>
-          <c:showVal val="0"/>
-          <c:showCatName val="0"/>
-          <c:showSerName val="0"/>
-          <c:showPercent val="0"/>
-          <c:showBubbleSize val="0"/>
-        </c:dLbls>
-        <c:gapWidth val="150"/>
+        <c:dLbls/>
         <c:overlap val="100"/>
-        <c:axId val="877055744"/>
-        <c:axId val="877061984"/>
+        <c:axId val="122385152"/>
+        <c:axId val="122386688"/>
       </c:barChart>
       <c:catAx>
-        <c:axId val="877055744"/>
+        <c:axId val="122385152"/>
         <c:scaling>
           <c:orientation val="minMax"/>
         </c:scaling>
@@ -867,17 +792,15 @@
         <c:axPos val="b"/>
         <c:numFmt formatCode="General" sourceLinked="1"/>
         <c:majorTickMark val="none"/>
-        <c:minorTickMark val="none"/>
         <c:tickLblPos val="nextTo"/>
-        <c:crossAx val="877061984"/>
+        <c:crossAx val="122386688"/>
         <c:crosses val="autoZero"/>
         <c:auto val="1"/>
         <c:lblAlgn val="ctr"/>
         <c:lblOffset val="100"/>
-        <c:noMultiLvlLbl val="0"/>
       </c:catAx>
       <c:valAx>
-        <c:axId val="877061984"/>
+        <c:axId val="122386688"/>
         <c:scaling>
           <c:orientation val="minMax"/>
         </c:scaling>
@@ -894,9 +817,8 @@
         </c:majorGridlines>
         <c:numFmt formatCode="General" sourceLinked="1"/>
         <c:majorTickMark val="none"/>
-        <c:minorTickMark val="none"/>
         <c:tickLblPos val="nextTo"/>
-        <c:crossAx val="877055744"/>
+        <c:crossAx val="122385152"/>
         <c:crosses val="autoZero"/>
         <c:crossBetween val="between"/>
       </c:valAx>
@@ -910,14 +832,13 @@
     </c:plotArea>
     <c:plotVisOnly val="1"/>
     <c:dispBlanksAs val="gap"/>
-    <c:extLst>
+    <c:extLst xmlns:c16r2="http://schemas.microsoft.com/office/drawing/2015/06/chart">
       <c:ext xmlns:c16r3="http://schemas.microsoft.com/office/drawing/2017/03/chart" uri="{56B9EC1D-385E-4148-901F-78D8002777C0}">
         <c16r3:dataDisplayOptions16>
           <c16r3:dispNaAsBlank val="1"/>
         </c16r3:dataDisplayOptions16>
       </c:ext>
     </c:extLst>
-    <c:showDLblsOverMax val="0"/>
   </c:chart>
   <c:spPr>
     <a:noFill/>
@@ -933,28 +854,16 @@
       <a:pPr>
         <a:defRPr/>
       </a:pPr>
-      <a:endParaRPr lang="en-US"/>
+      <a:endParaRPr lang="pl-PL"/>
     </a:p>
   </c:txPr>
-  <c:externalData r:id="rId3">
-    <c:autoUpdate val="0"/>
-  </c:externalData>
+  <c:externalData r:id="rId1"/>
 </c:chartSpace>
 </file>
 
 <file path=ppt/charts/chart4.xml><?xml version="1.0" encoding="utf-8"?>
-<c:chartSpace xmlns:c="http://schemas.openxmlformats.org/drawingml/2006/chart" xmlns:a="http://schemas.openxmlformats.org/drawingml/2006/main" xmlns:r="http://schemas.openxmlformats.org/officeDocument/2006/relationships" xmlns:c16r2="http://schemas.microsoft.com/office/drawing/2015/06/chart">
-  <c:date1904 val="0"/>
-  <c:lang val="en-US"/>
-  <c:roundedCorners val="0"/>
-  <mc:AlternateContent xmlns:mc="http://schemas.openxmlformats.org/markup-compatibility/2006">
-    <mc:Choice xmlns:c14="http://schemas.microsoft.com/office/drawing/2007/8/2/chart" Requires="c14">
-      <c14:style val="102"/>
-    </mc:Choice>
-    <mc:Fallback>
-      <c:style val="2"/>
-    </mc:Fallback>
-  </mc:AlternateContent>
+<c:chartSpace xmlns:c="http://schemas.openxmlformats.org/drawingml/2006/chart" xmlns:a="http://schemas.openxmlformats.org/drawingml/2006/main" xmlns:r="http://schemas.openxmlformats.org/officeDocument/2006/relationships">
+  <c:lang val="pl-PL"/>
   <c:chart>
     <c:autoTitleDeleted val="1"/>
     <c:plotArea>
@@ -962,7 +871,6 @@
       <c:barChart>
         <c:barDir val="col"/>
         <c:grouping val="stacked"/>
-        <c:varyColors val="0"/>
         <c:ser>
           <c:idx val="0"/>
           <c:order val="0"/>
@@ -975,7 +883,6 @@
             </a:ln>
             <a:effectLst/>
           </c:spPr>
-          <c:invertIfNegative val="0"/>
           <c:val>
             <c:numRef>
               <c:f>Sheet1!$B$2</c:f>
@@ -988,7 +895,7 @@
               </c:numCache>
             </c:numRef>
           </c:val>
-          <c:extLst>
+          <c:extLst xmlns:c16r2="http://schemas.microsoft.com/office/drawing/2015/06/chart">
             <c:ext xmlns:c15="http://schemas.microsoft.com/office/drawing/2012/chart" uri="{02D57815-91ED-43cb-92C2-25804820EDAC}">
               <c15:filteredSeriesTitle>
                 <c15:tx>
@@ -1048,7 +955,6 @@
             </a:ln>
             <a:effectLst/>
           </c:spPr>
-          <c:invertIfNegative val="0"/>
           <c:val>
             <c:numRef>
               <c:f>Sheet1!$C$2</c:f>
@@ -1061,7 +967,7 @@
               </c:numCache>
             </c:numRef>
           </c:val>
-          <c:extLst>
+          <c:extLst xmlns:c16r2="http://schemas.microsoft.com/office/drawing/2015/06/chart">
             <c:ext xmlns:c15="http://schemas.microsoft.com/office/drawing/2012/chart" uri="{02D57815-91ED-43cb-92C2-25804820EDAC}">
               <c15:filteredSeriesTitle>
                 <c15:tx>
@@ -1109,21 +1015,13 @@
             </c:ext>
           </c:extLst>
         </c:ser>
-        <c:dLbls>
-          <c:showLegendKey val="0"/>
-          <c:showVal val="0"/>
-          <c:showCatName val="0"/>
-          <c:showSerName val="0"/>
-          <c:showPercent val="0"/>
-          <c:showBubbleSize val="0"/>
-        </c:dLbls>
-        <c:gapWidth val="150"/>
+        <c:dLbls/>
         <c:overlap val="100"/>
-        <c:axId val="877055744"/>
-        <c:axId val="877061984"/>
+        <c:axId val="122428032"/>
+        <c:axId val="122438016"/>
       </c:barChart>
       <c:catAx>
-        <c:axId val="877055744"/>
+        <c:axId val="122428032"/>
         <c:scaling>
           <c:orientation val="minMax"/>
         </c:scaling>
@@ -1131,17 +1029,15 @@
         <c:axPos val="b"/>
         <c:numFmt formatCode="General" sourceLinked="1"/>
         <c:majorTickMark val="none"/>
-        <c:minorTickMark val="none"/>
         <c:tickLblPos val="nextTo"/>
-        <c:crossAx val="877061984"/>
+        <c:crossAx val="122438016"/>
         <c:crosses val="autoZero"/>
         <c:auto val="1"/>
         <c:lblAlgn val="ctr"/>
         <c:lblOffset val="100"/>
-        <c:noMultiLvlLbl val="0"/>
       </c:catAx>
       <c:valAx>
-        <c:axId val="877061984"/>
+        <c:axId val="122438016"/>
         <c:scaling>
           <c:orientation val="minMax"/>
         </c:scaling>
@@ -1158,9 +1054,8 @@
         </c:majorGridlines>
         <c:numFmt formatCode="General" sourceLinked="1"/>
         <c:majorTickMark val="none"/>
-        <c:minorTickMark val="none"/>
         <c:tickLblPos val="nextTo"/>
-        <c:crossAx val="877055744"/>
+        <c:crossAx val="122428032"/>
         <c:crosses val="autoZero"/>
         <c:crossBetween val="between"/>
       </c:valAx>
@@ -1174,14 +1069,13 @@
     </c:plotArea>
     <c:plotVisOnly val="1"/>
     <c:dispBlanksAs val="gap"/>
-    <c:extLst>
+    <c:extLst xmlns:c16r2="http://schemas.microsoft.com/office/drawing/2015/06/chart">
       <c:ext xmlns:c16r3="http://schemas.microsoft.com/office/drawing/2017/03/chart" uri="{56B9EC1D-385E-4148-901F-78D8002777C0}">
         <c16r3:dataDisplayOptions16>
           <c16r3:dispNaAsBlank val="1"/>
         </c16r3:dataDisplayOptions16>
       </c:ext>
     </c:extLst>
-    <c:showDLblsOverMax val="0"/>
   </c:chart>
   <c:spPr>
     <a:noFill/>
@@ -1197,28 +1091,16 @@
       <a:pPr>
         <a:defRPr/>
       </a:pPr>
-      <a:endParaRPr lang="en-US"/>
+      <a:endParaRPr lang="pl-PL"/>
     </a:p>
   </c:txPr>
-  <c:externalData r:id="rId3">
-    <c:autoUpdate val="0"/>
-  </c:externalData>
+  <c:externalData r:id="rId1"/>
 </c:chartSpace>
 </file>
 
 <file path=ppt/charts/chart5.xml><?xml version="1.0" encoding="utf-8"?>
-<c:chartSpace xmlns:c="http://schemas.openxmlformats.org/drawingml/2006/chart" xmlns:a="http://schemas.openxmlformats.org/drawingml/2006/main" xmlns:r="http://schemas.openxmlformats.org/officeDocument/2006/relationships" xmlns:c16r2="http://schemas.microsoft.com/office/drawing/2015/06/chart">
-  <c:date1904 val="0"/>
-  <c:lang val="en-US"/>
-  <c:roundedCorners val="0"/>
-  <mc:AlternateContent xmlns:mc="http://schemas.openxmlformats.org/markup-compatibility/2006">
-    <mc:Choice xmlns:c14="http://schemas.microsoft.com/office/drawing/2007/8/2/chart" Requires="c14">
-      <c14:style val="102"/>
-    </mc:Choice>
-    <mc:Fallback>
-      <c:style val="2"/>
-    </mc:Fallback>
-  </mc:AlternateContent>
+<c:chartSpace xmlns:c="http://schemas.openxmlformats.org/drawingml/2006/chart" xmlns:a="http://schemas.openxmlformats.org/drawingml/2006/main" xmlns:r="http://schemas.openxmlformats.org/officeDocument/2006/relationships">
+  <c:lang val="pl-PL"/>
   <c:chart>
     <c:autoTitleDeleted val="1"/>
     <c:plotArea>
@@ -1226,7 +1108,6 @@
       <c:barChart>
         <c:barDir val="col"/>
         <c:grouping val="stacked"/>
-        <c:varyColors val="0"/>
         <c:ser>
           <c:idx val="0"/>
           <c:order val="0"/>
@@ -1239,7 +1120,6 @@
             </a:ln>
             <a:effectLst/>
           </c:spPr>
-          <c:invertIfNegative val="0"/>
           <c:val>
             <c:numRef>
               <c:f>Sheet1!$B$2</c:f>
@@ -1252,7 +1132,7 @@
               </c:numCache>
             </c:numRef>
           </c:val>
-          <c:extLst>
+          <c:extLst xmlns:c16r2="http://schemas.microsoft.com/office/drawing/2015/06/chart">
             <c:ext xmlns:c15="http://schemas.microsoft.com/office/drawing/2012/chart" uri="{02D57815-91ED-43cb-92C2-25804820EDAC}">
               <c15:filteredSeriesTitle>
                 <c15:tx>
@@ -1312,7 +1192,6 @@
             </a:ln>
             <a:effectLst/>
           </c:spPr>
-          <c:invertIfNegative val="0"/>
           <c:val>
             <c:numRef>
               <c:f>Sheet1!$C$2</c:f>
@@ -1325,7 +1204,7 @@
               </c:numCache>
             </c:numRef>
           </c:val>
-          <c:extLst>
+          <c:extLst xmlns:c16r2="http://schemas.microsoft.com/office/drawing/2015/06/chart">
             <c:ext xmlns:c15="http://schemas.microsoft.com/office/drawing/2012/chart" uri="{02D57815-91ED-43cb-92C2-25804820EDAC}">
               <c15:filteredSeriesTitle>
                 <c15:tx>
@@ -1373,21 +1252,13 @@
             </c:ext>
           </c:extLst>
         </c:ser>
-        <c:dLbls>
-          <c:showLegendKey val="0"/>
-          <c:showVal val="0"/>
-          <c:showCatName val="0"/>
-          <c:showSerName val="0"/>
-          <c:showPercent val="0"/>
-          <c:showBubbleSize val="0"/>
-        </c:dLbls>
-        <c:gapWidth val="150"/>
+        <c:dLbls/>
         <c:overlap val="100"/>
-        <c:axId val="877055744"/>
-        <c:axId val="877061984"/>
+        <c:axId val="122786560"/>
+        <c:axId val="122788096"/>
       </c:barChart>
       <c:catAx>
-        <c:axId val="877055744"/>
+        <c:axId val="122786560"/>
         <c:scaling>
           <c:orientation val="minMax"/>
         </c:scaling>
@@ -1395,17 +1266,15 @@
         <c:axPos val="b"/>
         <c:numFmt formatCode="General" sourceLinked="1"/>
         <c:majorTickMark val="none"/>
-        <c:minorTickMark val="none"/>
         <c:tickLblPos val="nextTo"/>
-        <c:crossAx val="877061984"/>
+        <c:crossAx val="122788096"/>
         <c:crosses val="autoZero"/>
         <c:auto val="1"/>
         <c:lblAlgn val="ctr"/>
         <c:lblOffset val="100"/>
-        <c:noMultiLvlLbl val="0"/>
       </c:catAx>
       <c:valAx>
-        <c:axId val="877061984"/>
+        <c:axId val="122788096"/>
         <c:scaling>
           <c:orientation val="minMax"/>
         </c:scaling>
@@ -1422,9 +1291,8 @@
         </c:majorGridlines>
         <c:numFmt formatCode="General" sourceLinked="1"/>
         <c:majorTickMark val="none"/>
-        <c:minorTickMark val="none"/>
         <c:tickLblPos val="nextTo"/>
-        <c:crossAx val="877055744"/>
+        <c:crossAx val="122786560"/>
         <c:crosses val="autoZero"/>
         <c:crossBetween val="between"/>
       </c:valAx>
@@ -1438,14 +1306,13 @@
     </c:plotArea>
     <c:plotVisOnly val="1"/>
     <c:dispBlanksAs val="gap"/>
-    <c:extLst>
+    <c:extLst xmlns:c16r2="http://schemas.microsoft.com/office/drawing/2015/06/chart">
       <c:ext xmlns:c16r3="http://schemas.microsoft.com/office/drawing/2017/03/chart" uri="{56B9EC1D-385E-4148-901F-78D8002777C0}">
         <c16r3:dataDisplayOptions16>
           <c16r3:dispNaAsBlank val="1"/>
         </c16r3:dataDisplayOptions16>
       </c:ext>
     </c:extLst>
-    <c:showDLblsOverMax val="0"/>
   </c:chart>
   <c:spPr>
     <a:noFill/>
@@ -1461,12 +1328,10 @@
       <a:pPr>
         <a:defRPr/>
       </a:pPr>
-      <a:endParaRPr lang="en-US"/>
+      <a:endParaRPr lang="pl-PL"/>
     </a:p>
   </c:txPr>
-  <c:externalData r:id="rId3">
-    <c:autoUpdate val="0"/>
-  </c:externalData>
+  <c:externalData r:id="rId1"/>
 </c:chartSpace>
 </file>
 
@@ -4200,7 +4065,7 @@
     <p:text>Może bardziej: "aplikacji przewidującej wydatki jaki może ponieść ubezpieczony"</p:text>
     <p:extLst>
       <p:ext uri="{C676402C-5697-4E1C-873F-D02D1690AC5C}">
-        <p15:threadingInfo xmlns:p15="http://schemas.microsoft.com/office/powerpoint/2012/main" timeZoneBias="-120"/>
+        <p15:threadingInfo xmlns:p15="http://schemas.microsoft.com/office/powerpoint/2012/main" xmlns="" timeZoneBias="-120"/>
       </p:ext>
     </p:extLst>
   </p:cm>
@@ -4214,7 +4079,7 @@
     <p:text>pamiętać tutaj aby ewentualnie zmienić jeśli nasza app nie będzie liczyła składek</p:text>
     <p:extLst>
       <p:ext uri="{C676402C-5697-4E1C-873F-D02D1690AC5C}">
-        <p15:threadingInfo xmlns:p15="http://schemas.microsoft.com/office/powerpoint/2012/main" timeZoneBias="-120"/>
+        <p15:threadingInfo xmlns:p15="http://schemas.microsoft.com/office/powerpoint/2012/main" xmlns="" timeZoneBias="-120"/>
       </p:ext>
     </p:extLst>
   </p:cm>
@@ -4248,7 +4113,7 @@
           <p:cNvPr id="2" name="Nagłówek — symbol zastępczy 1">
             <a:extLst>
               <a:ext uri="{FF2B5EF4-FFF2-40B4-BE49-F238E27FC236}">
-                <a16:creationId xmlns:a16="http://schemas.microsoft.com/office/drawing/2014/main" id="{C95450C9-30E0-4ACF-BDD1-092463FFFB02}"/>
+                <a16:creationId xmlns:a16="http://schemas.microsoft.com/office/drawing/2014/main" xmlns="" id="{C95450C9-30E0-4ACF-BDD1-092463FFFB02}"/>
               </a:ext>
             </a:extLst>
           </p:cNvPr>
@@ -4286,7 +4151,7 @@
           <p:cNvPr id="3" name="Data — symbol zastępczy 2">
             <a:extLst>
               <a:ext uri="{FF2B5EF4-FFF2-40B4-BE49-F238E27FC236}">
-                <a16:creationId xmlns:a16="http://schemas.microsoft.com/office/drawing/2014/main" id="{FB36ABAD-DFC6-41BB-AF76-77EBFA456892}"/>
+                <a16:creationId xmlns:a16="http://schemas.microsoft.com/office/drawing/2014/main" xmlns="" id="{FB36ABAD-DFC6-41BB-AF76-77EBFA456892}"/>
               </a:ext>
             </a:extLst>
           </p:cNvPr>
@@ -4317,7 +4182,8 @@
             <a:pPr rtl="0"/>
             <a:fld id="{91ADC225-6AE7-47A5-A54C-8B72C1384C15}" type="datetime1">
               <a:rPr lang="pl-PL" smtClean="0"/>
-              <a:t>27.05.2022</a:t>
+              <a:pPr rtl="0"/>
+              <a:t>28.05.2022</a:t>
             </a:fld>
             <a:endParaRPr lang="pl-PL" dirty="0"/>
           </a:p>
@@ -4328,7 +4194,7 @@
           <p:cNvPr id="4" name="Stopka — symbol zastępczy 3">
             <a:extLst>
               <a:ext uri="{FF2B5EF4-FFF2-40B4-BE49-F238E27FC236}">
-                <a16:creationId xmlns:a16="http://schemas.microsoft.com/office/drawing/2014/main" id="{EEAC7E56-E390-43F2-A87A-4A200501E443}"/>
+                <a16:creationId xmlns:a16="http://schemas.microsoft.com/office/drawing/2014/main" xmlns="" id="{EEAC7E56-E390-43F2-A87A-4A200501E443}"/>
               </a:ext>
             </a:extLst>
           </p:cNvPr>
@@ -4366,7 +4232,7 @@
           <p:cNvPr id="5" name="Numer slajdu — symbol zastępczy 4">
             <a:extLst>
               <a:ext uri="{FF2B5EF4-FFF2-40B4-BE49-F238E27FC236}">
-                <a16:creationId xmlns:a16="http://schemas.microsoft.com/office/drawing/2014/main" id="{756FB9EB-179C-4409-A4AF-09861B235A3B}"/>
+                <a16:creationId xmlns:a16="http://schemas.microsoft.com/office/drawing/2014/main" xmlns="" id="{756FB9EB-179C-4409-A4AF-09861B235A3B}"/>
               </a:ext>
             </a:extLst>
           </p:cNvPr>
@@ -4397,6 +4263,7 @@
             <a:pPr rtl="0"/>
             <a:fld id="{85762803-C07A-499E-9504-8ED8734DAF46}" type="slidenum">
               <a:rPr lang="pl-PL" smtClean="0"/>
+              <a:pPr rtl="0"/>
               <a:t>‹#›</a:t>
             </a:fld>
             <a:endParaRPr lang="pl-PL"/>
@@ -4406,7 +4273,7 @@
     </p:spTree>
     <p:extLst>
       <p:ext uri="{BB962C8B-B14F-4D97-AF65-F5344CB8AC3E}">
-        <p14:creationId xmlns:p14="http://schemas.microsoft.com/office/powerpoint/2010/main" val="2624469252"/>
+        <p14:creationId xmlns:p14="http://schemas.microsoft.com/office/powerpoint/2010/main" xmlns="" val="2624469252"/>
       </p:ext>
     </p:extLst>
   </p:cSld>
@@ -4498,7 +4365,7 @@
             <a:fld id="{A3BA6A65-3A4A-411E-AD02-233752A20BF1}" type="datetime1">
               <a:rPr lang="pl-PL" smtClean="0"/>
               <a:pPr/>
-              <a:t>27.05.2022</a:t>
+              <a:t>28.05.2022</a:t>
             </a:fld>
             <a:endParaRPr lang="pl-PL" dirty="0"/>
           </a:p>
@@ -4659,6 +4526,7 @@
             <a:pPr rtl="0"/>
             <a:fld id="{2CB3F336-7DD2-47CF-A0F3-D1163B2A9C10}" type="slidenum">
               <a:rPr lang="pl-PL" noProof="0" smtClean="0"/>
+              <a:pPr rtl="0"/>
               <a:t>‹#›</a:t>
             </a:fld>
             <a:endParaRPr lang="pl-PL" noProof="0"/>
@@ -4668,7 +4536,7 @@
     </p:spTree>
     <p:extLst>
       <p:ext uri="{BB962C8B-B14F-4D97-AF65-F5344CB8AC3E}">
-        <p14:creationId xmlns:p14="http://schemas.microsoft.com/office/powerpoint/2010/main" val="1747130746"/>
+        <p14:creationId xmlns:p14="http://schemas.microsoft.com/office/powerpoint/2010/main" xmlns="" val="1747130746"/>
       </p:ext>
     </p:extLst>
   </p:cSld>
@@ -4835,6 +4703,7 @@
             <a:pPr rtl="0"/>
             <a:fld id="{2CB3F336-7DD2-47CF-A0F3-D1163B2A9C10}" type="slidenum">
               <a:rPr lang="pl-PL" smtClean="0"/>
+              <a:pPr rtl="0"/>
               <a:t>1</a:t>
             </a:fld>
             <a:endParaRPr lang="pl-PL"/>
@@ -4844,7 +4713,7 @@
     </p:spTree>
     <p:extLst>
       <p:ext uri="{BB962C8B-B14F-4D97-AF65-F5344CB8AC3E}">
-        <p14:creationId xmlns:p14="http://schemas.microsoft.com/office/powerpoint/2010/main" val="1534897508"/>
+        <p14:creationId xmlns:p14="http://schemas.microsoft.com/office/powerpoint/2010/main" xmlns="" val="1534897508"/>
       </p:ext>
     </p:extLst>
   </p:cSld>
@@ -4920,6 +4789,7 @@
             <a:pPr rtl="0"/>
             <a:fld id="{2CB3F336-7DD2-47CF-A0F3-D1163B2A9C10}" type="slidenum">
               <a:rPr lang="pl-PL" smtClean="0"/>
+              <a:pPr rtl="0"/>
               <a:t>10</a:t>
             </a:fld>
             <a:endParaRPr lang="pl-PL"/>
@@ -4929,7 +4799,7 @@
     </p:spTree>
     <p:extLst>
       <p:ext uri="{BB962C8B-B14F-4D97-AF65-F5344CB8AC3E}">
-        <p14:creationId xmlns:p14="http://schemas.microsoft.com/office/powerpoint/2010/main" val="4241177469"/>
+        <p14:creationId xmlns:p14="http://schemas.microsoft.com/office/powerpoint/2010/main" xmlns="" val="4241177469"/>
       </p:ext>
     </p:extLst>
   </p:cSld>
@@ -5005,6 +4875,7 @@
             <a:pPr rtl="0"/>
             <a:fld id="{2CB3F336-7DD2-47CF-A0F3-D1163B2A9C10}" type="slidenum">
               <a:rPr lang="pl-PL" smtClean="0"/>
+              <a:pPr rtl="0"/>
               <a:t>11</a:t>
             </a:fld>
             <a:endParaRPr lang="pl-PL"/>
@@ -5014,7 +4885,7 @@
     </p:spTree>
     <p:extLst>
       <p:ext uri="{BB962C8B-B14F-4D97-AF65-F5344CB8AC3E}">
-        <p14:creationId xmlns:p14="http://schemas.microsoft.com/office/powerpoint/2010/main" val="2689656709"/>
+        <p14:creationId xmlns:p14="http://schemas.microsoft.com/office/powerpoint/2010/main" xmlns="" val="2689656709"/>
       </p:ext>
     </p:extLst>
   </p:cSld>
@@ -5090,6 +4961,7 @@
             <a:pPr rtl="0"/>
             <a:fld id="{2CB3F336-7DD2-47CF-A0F3-D1163B2A9C10}" type="slidenum">
               <a:rPr lang="pl-PL" smtClean="0"/>
+              <a:pPr rtl="0"/>
               <a:t>12</a:t>
             </a:fld>
             <a:endParaRPr lang="pl-PL"/>
@@ -5099,7 +4971,7 @@
     </p:spTree>
     <p:extLst>
       <p:ext uri="{BB962C8B-B14F-4D97-AF65-F5344CB8AC3E}">
-        <p14:creationId xmlns:p14="http://schemas.microsoft.com/office/powerpoint/2010/main" val="449164307"/>
+        <p14:creationId xmlns:p14="http://schemas.microsoft.com/office/powerpoint/2010/main" xmlns="" val="449164307"/>
       </p:ext>
     </p:extLst>
   </p:cSld>
@@ -5175,6 +5047,7 @@
             <a:pPr rtl="0"/>
             <a:fld id="{2CB3F336-7DD2-47CF-A0F3-D1163B2A9C10}" type="slidenum">
               <a:rPr lang="pl-PL" smtClean="0"/>
+              <a:pPr rtl="0"/>
               <a:t>13</a:t>
             </a:fld>
             <a:endParaRPr lang="pl-PL"/>
@@ -5184,7 +5057,7 @@
     </p:spTree>
     <p:extLst>
       <p:ext uri="{BB962C8B-B14F-4D97-AF65-F5344CB8AC3E}">
-        <p14:creationId xmlns:p14="http://schemas.microsoft.com/office/powerpoint/2010/main" val="4049564518"/>
+        <p14:creationId xmlns:p14="http://schemas.microsoft.com/office/powerpoint/2010/main" xmlns="" val="4049564518"/>
       </p:ext>
     </p:extLst>
   </p:cSld>
@@ -5260,6 +5133,7 @@
             <a:pPr rtl="0"/>
             <a:fld id="{2CB3F336-7DD2-47CF-A0F3-D1163B2A9C10}" type="slidenum">
               <a:rPr lang="pl-PL" smtClean="0"/>
+              <a:pPr rtl="0"/>
               <a:t>14</a:t>
             </a:fld>
             <a:endParaRPr lang="pl-PL"/>
@@ -5269,7 +5143,7 @@
     </p:spTree>
     <p:extLst>
       <p:ext uri="{BB962C8B-B14F-4D97-AF65-F5344CB8AC3E}">
-        <p14:creationId xmlns:p14="http://schemas.microsoft.com/office/powerpoint/2010/main" val="3651013388"/>
+        <p14:creationId xmlns:p14="http://schemas.microsoft.com/office/powerpoint/2010/main" xmlns="" val="3651013388"/>
       </p:ext>
     </p:extLst>
   </p:cSld>
@@ -5345,6 +5219,7 @@
             <a:pPr rtl="0"/>
             <a:fld id="{2CB3F336-7DD2-47CF-A0F3-D1163B2A9C10}" type="slidenum">
               <a:rPr lang="pl-PL" smtClean="0"/>
+              <a:pPr rtl="0"/>
               <a:t>15</a:t>
             </a:fld>
             <a:endParaRPr lang="pl-PL"/>
@@ -5354,7 +5229,7 @@
     </p:spTree>
     <p:extLst>
       <p:ext uri="{BB962C8B-B14F-4D97-AF65-F5344CB8AC3E}">
-        <p14:creationId xmlns:p14="http://schemas.microsoft.com/office/powerpoint/2010/main" val="1476171433"/>
+        <p14:creationId xmlns:p14="http://schemas.microsoft.com/office/powerpoint/2010/main" xmlns="" val="1476171433"/>
       </p:ext>
     </p:extLst>
   </p:cSld>
@@ -5430,6 +5305,7 @@
             <a:pPr rtl="0"/>
             <a:fld id="{2CB3F336-7DD2-47CF-A0F3-D1163B2A9C10}" type="slidenum">
               <a:rPr lang="pl-PL" smtClean="0"/>
+              <a:pPr rtl="0"/>
               <a:t>16</a:t>
             </a:fld>
             <a:endParaRPr lang="pl-PL"/>
@@ -5439,7 +5315,7 @@
     </p:spTree>
     <p:extLst>
       <p:ext uri="{BB962C8B-B14F-4D97-AF65-F5344CB8AC3E}">
-        <p14:creationId xmlns:p14="http://schemas.microsoft.com/office/powerpoint/2010/main" val="1019178927"/>
+        <p14:creationId xmlns:p14="http://schemas.microsoft.com/office/powerpoint/2010/main" xmlns="" val="1019178927"/>
       </p:ext>
     </p:extLst>
   </p:cSld>
@@ -5515,6 +5391,7 @@
             <a:pPr rtl="0"/>
             <a:fld id="{2CB3F336-7DD2-47CF-A0F3-D1163B2A9C10}" type="slidenum">
               <a:rPr lang="pl-PL" smtClean="0"/>
+              <a:pPr rtl="0"/>
               <a:t>18</a:t>
             </a:fld>
             <a:endParaRPr lang="pl-PL"/>
@@ -5524,7 +5401,7 @@
     </p:spTree>
     <p:extLst>
       <p:ext uri="{BB962C8B-B14F-4D97-AF65-F5344CB8AC3E}">
-        <p14:creationId xmlns:p14="http://schemas.microsoft.com/office/powerpoint/2010/main" val="2908990017"/>
+        <p14:creationId xmlns:p14="http://schemas.microsoft.com/office/powerpoint/2010/main" xmlns="" val="2908990017"/>
       </p:ext>
     </p:extLst>
   </p:cSld>
@@ -5600,6 +5477,7 @@
             <a:pPr rtl="0"/>
             <a:fld id="{2CB3F336-7DD2-47CF-A0F3-D1163B2A9C10}" type="slidenum">
               <a:rPr lang="pl-PL" smtClean="0"/>
+              <a:pPr rtl="0"/>
               <a:t>19</a:t>
             </a:fld>
             <a:endParaRPr lang="pl-PL"/>
@@ -5609,7 +5487,7 @@
     </p:spTree>
     <p:extLst>
       <p:ext uri="{BB962C8B-B14F-4D97-AF65-F5344CB8AC3E}">
-        <p14:creationId xmlns:p14="http://schemas.microsoft.com/office/powerpoint/2010/main" val="284058436"/>
+        <p14:creationId xmlns:p14="http://schemas.microsoft.com/office/powerpoint/2010/main" xmlns="" val="284058436"/>
       </p:ext>
     </p:extLst>
   </p:cSld>
@@ -5685,6 +5563,7 @@
             <a:pPr rtl="0"/>
             <a:fld id="{2CB3F336-7DD2-47CF-A0F3-D1163B2A9C10}" type="slidenum">
               <a:rPr lang="pl-PL" smtClean="0"/>
+              <a:pPr rtl="0"/>
               <a:t>20</a:t>
             </a:fld>
             <a:endParaRPr lang="pl-PL"/>
@@ -5694,7 +5573,7 @@
     </p:spTree>
     <p:extLst>
       <p:ext uri="{BB962C8B-B14F-4D97-AF65-F5344CB8AC3E}">
-        <p14:creationId xmlns:p14="http://schemas.microsoft.com/office/powerpoint/2010/main" val="2263672148"/>
+        <p14:creationId xmlns:p14="http://schemas.microsoft.com/office/powerpoint/2010/main" xmlns="" val="2263672148"/>
       </p:ext>
     </p:extLst>
   </p:cSld>
@@ -5770,6 +5649,7 @@
             <a:pPr rtl="0"/>
             <a:fld id="{2CB3F336-7DD2-47CF-A0F3-D1163B2A9C10}" type="slidenum">
               <a:rPr lang="pl-PL" smtClean="0"/>
+              <a:pPr rtl="0"/>
               <a:t>2</a:t>
             </a:fld>
             <a:endParaRPr lang="pl-PL"/>
@@ -5779,7 +5659,7 @@
     </p:spTree>
     <p:extLst>
       <p:ext uri="{BB962C8B-B14F-4D97-AF65-F5344CB8AC3E}">
-        <p14:creationId xmlns:p14="http://schemas.microsoft.com/office/powerpoint/2010/main" val="853138697"/>
+        <p14:creationId xmlns:p14="http://schemas.microsoft.com/office/powerpoint/2010/main" xmlns="" val="853138697"/>
       </p:ext>
     </p:extLst>
   </p:cSld>
@@ -5855,6 +5735,7 @@
             <a:pPr rtl="0"/>
             <a:fld id="{2CB3F336-7DD2-47CF-A0F3-D1163B2A9C10}" type="slidenum">
               <a:rPr lang="pl-PL" smtClean="0"/>
+              <a:pPr rtl="0"/>
               <a:t>21</a:t>
             </a:fld>
             <a:endParaRPr lang="pl-PL"/>
@@ -5864,7 +5745,7 @@
     </p:spTree>
     <p:extLst>
       <p:ext uri="{BB962C8B-B14F-4D97-AF65-F5344CB8AC3E}">
-        <p14:creationId xmlns:p14="http://schemas.microsoft.com/office/powerpoint/2010/main" val="1371371425"/>
+        <p14:creationId xmlns:p14="http://schemas.microsoft.com/office/powerpoint/2010/main" xmlns="" val="1371371425"/>
       </p:ext>
     </p:extLst>
   </p:cSld>
@@ -5940,6 +5821,7 @@
             <a:pPr rtl="0"/>
             <a:fld id="{2CB3F336-7DD2-47CF-A0F3-D1163B2A9C10}" type="slidenum">
               <a:rPr lang="pl-PL" smtClean="0"/>
+              <a:pPr rtl="0"/>
               <a:t>3</a:t>
             </a:fld>
             <a:endParaRPr lang="pl-PL"/>
@@ -5949,7 +5831,7 @@
     </p:spTree>
     <p:extLst>
       <p:ext uri="{BB962C8B-B14F-4D97-AF65-F5344CB8AC3E}">
-        <p14:creationId xmlns:p14="http://schemas.microsoft.com/office/powerpoint/2010/main" val="3292966659"/>
+        <p14:creationId xmlns:p14="http://schemas.microsoft.com/office/powerpoint/2010/main" xmlns="" val="3292966659"/>
       </p:ext>
     </p:extLst>
   </p:cSld>
@@ -6025,6 +5907,7 @@
             <a:pPr rtl="0"/>
             <a:fld id="{2CB3F336-7DD2-47CF-A0F3-D1163B2A9C10}" type="slidenum">
               <a:rPr lang="pl-PL" smtClean="0"/>
+              <a:pPr rtl="0"/>
               <a:t>4</a:t>
             </a:fld>
             <a:endParaRPr lang="pl-PL"/>
@@ -6034,7 +5917,7 @@
     </p:spTree>
     <p:extLst>
       <p:ext uri="{BB962C8B-B14F-4D97-AF65-F5344CB8AC3E}">
-        <p14:creationId xmlns:p14="http://schemas.microsoft.com/office/powerpoint/2010/main" val="708307342"/>
+        <p14:creationId xmlns:p14="http://schemas.microsoft.com/office/powerpoint/2010/main" xmlns="" val="708307342"/>
       </p:ext>
     </p:extLst>
   </p:cSld>
@@ -6110,6 +5993,7 @@
             <a:pPr rtl="0"/>
             <a:fld id="{2CB3F336-7DD2-47CF-A0F3-D1163B2A9C10}" type="slidenum">
               <a:rPr lang="pl-PL" smtClean="0"/>
+              <a:pPr rtl="0"/>
               <a:t>5</a:t>
             </a:fld>
             <a:endParaRPr lang="pl-PL"/>
@@ -6119,7 +6003,7 @@
     </p:spTree>
     <p:extLst>
       <p:ext uri="{BB962C8B-B14F-4D97-AF65-F5344CB8AC3E}">
-        <p14:creationId xmlns:p14="http://schemas.microsoft.com/office/powerpoint/2010/main" val="11419449"/>
+        <p14:creationId xmlns:p14="http://schemas.microsoft.com/office/powerpoint/2010/main" xmlns="" val="11419449"/>
       </p:ext>
     </p:extLst>
   </p:cSld>
@@ -6195,6 +6079,7 @@
             <a:pPr rtl="0"/>
             <a:fld id="{2CB3F336-7DD2-47CF-A0F3-D1163B2A9C10}" type="slidenum">
               <a:rPr lang="pl-PL" smtClean="0"/>
+              <a:pPr rtl="0"/>
               <a:t>6</a:t>
             </a:fld>
             <a:endParaRPr lang="pl-PL"/>
@@ -6204,7 +6089,7 @@
     </p:spTree>
     <p:extLst>
       <p:ext uri="{BB962C8B-B14F-4D97-AF65-F5344CB8AC3E}">
-        <p14:creationId xmlns:p14="http://schemas.microsoft.com/office/powerpoint/2010/main" val="1645569653"/>
+        <p14:creationId xmlns:p14="http://schemas.microsoft.com/office/powerpoint/2010/main" xmlns="" val="1645569653"/>
       </p:ext>
     </p:extLst>
   </p:cSld>
@@ -6280,6 +6165,7 @@
             <a:pPr rtl="0"/>
             <a:fld id="{2CB3F336-7DD2-47CF-A0F3-D1163B2A9C10}" type="slidenum">
               <a:rPr lang="pl-PL" smtClean="0"/>
+              <a:pPr rtl="0"/>
               <a:t>7</a:t>
             </a:fld>
             <a:endParaRPr lang="pl-PL"/>
@@ -6289,7 +6175,7 @@
     </p:spTree>
     <p:extLst>
       <p:ext uri="{BB962C8B-B14F-4D97-AF65-F5344CB8AC3E}">
-        <p14:creationId xmlns:p14="http://schemas.microsoft.com/office/powerpoint/2010/main" val="2224149292"/>
+        <p14:creationId xmlns:p14="http://schemas.microsoft.com/office/powerpoint/2010/main" xmlns="" val="2224149292"/>
       </p:ext>
     </p:extLst>
   </p:cSld>
@@ -6365,6 +6251,7 @@
             <a:pPr rtl="0"/>
             <a:fld id="{2CB3F336-7DD2-47CF-A0F3-D1163B2A9C10}" type="slidenum">
               <a:rPr lang="pl-PL" smtClean="0"/>
+              <a:pPr rtl="0"/>
               <a:t>8</a:t>
             </a:fld>
             <a:endParaRPr lang="pl-PL"/>
@@ -6374,7 +6261,7 @@
     </p:spTree>
     <p:extLst>
       <p:ext uri="{BB962C8B-B14F-4D97-AF65-F5344CB8AC3E}">
-        <p14:creationId xmlns:p14="http://schemas.microsoft.com/office/powerpoint/2010/main" val="1575071165"/>
+        <p14:creationId xmlns:p14="http://schemas.microsoft.com/office/powerpoint/2010/main" xmlns="" val="1575071165"/>
       </p:ext>
     </p:extLst>
   </p:cSld>
@@ -6450,6 +6337,7 @@
             <a:pPr rtl="0"/>
             <a:fld id="{2CB3F336-7DD2-47CF-A0F3-D1163B2A9C10}" type="slidenum">
               <a:rPr lang="pl-PL" smtClean="0"/>
+              <a:pPr rtl="0"/>
               <a:t>9</a:t>
             </a:fld>
             <a:endParaRPr lang="pl-PL"/>
@@ -6459,7 +6347,7 @@
     </p:spTree>
     <p:extLst>
       <p:ext uri="{BB962C8B-B14F-4D97-AF65-F5344CB8AC3E}">
-        <p14:creationId xmlns:p14="http://schemas.microsoft.com/office/powerpoint/2010/main" val="2610996290"/>
+        <p14:creationId xmlns:p14="http://schemas.microsoft.com/office/powerpoint/2010/main" xmlns="" val="2610996290"/>
       </p:ext>
     </p:extLst>
   </p:cSld>
@@ -6491,10 +6379,10 @@
           <p:cNvPr id="7" name="Prostokąt 6">
             <a:extLst>
               <a:ext uri="{FF2B5EF4-FFF2-40B4-BE49-F238E27FC236}">
-                <a16:creationId xmlns:a16="http://schemas.microsoft.com/office/drawing/2014/main" id="{E7343BBF-5896-492F-B293-DE44DE83197D}"/>
+                <a16:creationId xmlns:a16="http://schemas.microsoft.com/office/drawing/2014/main" xmlns="" id="{E7343BBF-5896-492F-B293-DE44DE83197D}"/>
               </a:ext>
               <a:ext uri="{C183D7F6-B498-43B3-948B-1728B52AA6E4}">
-                <adec:decorative xmlns:adec="http://schemas.microsoft.com/office/drawing/2017/decorative" val="1"/>
+                <adec:decorative xmlns:adec="http://schemas.microsoft.com/office/drawing/2017/decorative" xmlns="" val="1"/>
               </a:ext>
             </a:extLst>
           </p:cNvPr>
@@ -6551,7 +6439,7 @@
           <p:cNvPr id="6" name="Obraz — symbol zastępczy 5">
             <a:extLst>
               <a:ext uri="{FF2B5EF4-FFF2-40B4-BE49-F238E27FC236}">
-                <a16:creationId xmlns:a16="http://schemas.microsoft.com/office/drawing/2014/main" id="{28BC4C36-9C93-4585-BF64-797C379471F5}"/>
+                <a16:creationId xmlns:a16="http://schemas.microsoft.com/office/drawing/2014/main" xmlns="" id="{28BC4C36-9C93-4585-BF64-797C379471F5}"/>
               </a:ext>
             </a:extLst>
           </p:cNvPr>
@@ -6670,7 +6558,7 @@
           <p:cNvPr id="18" name="Tekst — symbol zastępczy 17">
             <a:extLst>
               <a:ext uri="{FF2B5EF4-FFF2-40B4-BE49-F238E27FC236}">
-                <a16:creationId xmlns:a16="http://schemas.microsoft.com/office/drawing/2014/main" id="{7749D11F-03B6-400D-94E7-177EEBC5C7C3}"/>
+                <a16:creationId xmlns:a16="http://schemas.microsoft.com/office/drawing/2014/main" xmlns="" id="{7749D11F-03B6-400D-94E7-177EEBC5C7C3}"/>
               </a:ext>
             </a:extLst>
           </p:cNvPr>
@@ -6715,7 +6603,7 @@
           <p:cNvPr id="2" name="Tytuł 1">
             <a:extLst>
               <a:ext uri="{FF2B5EF4-FFF2-40B4-BE49-F238E27FC236}">
-                <a16:creationId xmlns:a16="http://schemas.microsoft.com/office/drawing/2014/main" id="{984C86F7-04B1-4F1F-B4FB-8A3C2793606D}"/>
+                <a16:creationId xmlns:a16="http://schemas.microsoft.com/office/drawing/2014/main" xmlns="" id="{984C86F7-04B1-4F1F-B4FB-8A3C2793606D}"/>
               </a:ext>
             </a:extLst>
           </p:cNvPr>
@@ -6763,7 +6651,7 @@
     </p:spTree>
     <p:extLst>
       <p:ext uri="{BB962C8B-B14F-4D97-AF65-F5344CB8AC3E}">
-        <p14:creationId xmlns:p14="http://schemas.microsoft.com/office/powerpoint/2010/main" val="3136384502"/>
+        <p14:creationId xmlns:p14="http://schemas.microsoft.com/office/powerpoint/2010/main" xmlns="" val="3136384502"/>
       </p:ext>
     </p:extLst>
   </p:cSld>
@@ -6795,7 +6683,7 @@
           <p:cNvPr id="2" name="Prostokąt 1">
             <a:extLst>
               <a:ext uri="{FF2B5EF4-FFF2-40B4-BE49-F238E27FC236}">
-                <a16:creationId xmlns:a16="http://schemas.microsoft.com/office/drawing/2014/main" id="{088D0226-3AB8-4591-90BD-C0E6D9A30301}"/>
+                <a16:creationId xmlns:a16="http://schemas.microsoft.com/office/drawing/2014/main" xmlns="" id="{088D0226-3AB8-4591-90BD-C0E6D9A30301}"/>
               </a:ext>
             </a:extLst>
           </p:cNvPr>
@@ -6852,7 +6740,7 @@
           <p:cNvPr id="3" name="Prostokąt 2">
             <a:extLst>
               <a:ext uri="{FF2B5EF4-FFF2-40B4-BE49-F238E27FC236}">
-                <a16:creationId xmlns:a16="http://schemas.microsoft.com/office/drawing/2014/main" id="{3D12CA40-DF7D-4358-831F-BC9B8960CBDB}"/>
+                <a16:creationId xmlns:a16="http://schemas.microsoft.com/office/drawing/2014/main" xmlns="" id="{3D12CA40-DF7D-4358-831F-BC9B8960CBDB}"/>
               </a:ext>
             </a:extLst>
           </p:cNvPr>
@@ -6909,7 +6797,7 @@
           <p:cNvPr id="12" name="Prostokąt 11">
             <a:extLst>
               <a:ext uri="{FF2B5EF4-FFF2-40B4-BE49-F238E27FC236}">
-                <a16:creationId xmlns:a16="http://schemas.microsoft.com/office/drawing/2014/main" id="{95E1A6E6-C76B-400D-9A19-F1B09AD38A3E}"/>
+                <a16:creationId xmlns:a16="http://schemas.microsoft.com/office/drawing/2014/main" xmlns="" id="{95E1A6E6-C76B-400D-9A19-F1B09AD38A3E}"/>
               </a:ext>
             </a:extLst>
           </p:cNvPr>
@@ -6966,7 +6854,7 @@
           <p:cNvPr id="13" name="Tekst — symbol zastępczy 10">
             <a:extLst>
               <a:ext uri="{FF2B5EF4-FFF2-40B4-BE49-F238E27FC236}">
-                <a16:creationId xmlns:a16="http://schemas.microsoft.com/office/drawing/2014/main" id="{E67140AA-40F5-4101-B5AA-DDCDA4906E33}"/>
+                <a16:creationId xmlns:a16="http://schemas.microsoft.com/office/drawing/2014/main" xmlns="" id="{E67140AA-40F5-4101-B5AA-DDCDA4906E33}"/>
               </a:ext>
             </a:extLst>
           </p:cNvPr>
@@ -7021,7 +6909,7 @@
           <p:cNvPr id="14" name="Tekst — symbol zastępczy 10">
             <a:extLst>
               <a:ext uri="{FF2B5EF4-FFF2-40B4-BE49-F238E27FC236}">
-                <a16:creationId xmlns:a16="http://schemas.microsoft.com/office/drawing/2014/main" id="{1966AA58-3FAC-4126-8C63-16F104203B6A}"/>
+                <a16:creationId xmlns:a16="http://schemas.microsoft.com/office/drawing/2014/main" xmlns="" id="{1966AA58-3FAC-4126-8C63-16F104203B6A}"/>
               </a:ext>
             </a:extLst>
           </p:cNvPr>
@@ -7070,7 +6958,7 @@
           <p:cNvPr id="15" name="Tekst — symbol zastępczy 10">
             <a:extLst>
               <a:ext uri="{FF2B5EF4-FFF2-40B4-BE49-F238E27FC236}">
-                <a16:creationId xmlns:a16="http://schemas.microsoft.com/office/drawing/2014/main" id="{3B430FA7-46C5-4651-8ED7-21284AF01213}"/>
+                <a16:creationId xmlns:a16="http://schemas.microsoft.com/office/drawing/2014/main" xmlns="" id="{3B430FA7-46C5-4651-8ED7-21284AF01213}"/>
               </a:ext>
             </a:extLst>
           </p:cNvPr>
@@ -7125,7 +7013,7 @@
           <p:cNvPr id="16" name="Tekst — symbol zastępczy 10">
             <a:extLst>
               <a:ext uri="{FF2B5EF4-FFF2-40B4-BE49-F238E27FC236}">
-                <a16:creationId xmlns:a16="http://schemas.microsoft.com/office/drawing/2014/main" id="{1C698088-82D8-4D90-AE73-66B661DFCBC2}"/>
+                <a16:creationId xmlns:a16="http://schemas.microsoft.com/office/drawing/2014/main" xmlns="" id="{1C698088-82D8-4D90-AE73-66B661DFCBC2}"/>
               </a:ext>
             </a:extLst>
           </p:cNvPr>
@@ -7174,7 +7062,7 @@
           <p:cNvPr id="17" name="Tekst — symbol zastępczy 10">
             <a:extLst>
               <a:ext uri="{FF2B5EF4-FFF2-40B4-BE49-F238E27FC236}">
-                <a16:creationId xmlns:a16="http://schemas.microsoft.com/office/drawing/2014/main" id="{83FF934E-D2F5-409F-B4EB-CD316340BF37}"/>
+                <a16:creationId xmlns:a16="http://schemas.microsoft.com/office/drawing/2014/main" xmlns="" id="{83FF934E-D2F5-409F-B4EB-CD316340BF37}"/>
               </a:ext>
             </a:extLst>
           </p:cNvPr>
@@ -7229,7 +7117,7 @@
           <p:cNvPr id="18" name="Tekst — symbol zastępczy 10">
             <a:extLst>
               <a:ext uri="{FF2B5EF4-FFF2-40B4-BE49-F238E27FC236}">
-                <a16:creationId xmlns:a16="http://schemas.microsoft.com/office/drawing/2014/main" id="{7E006825-EBAA-451B-AD52-683B7109D507}"/>
+                <a16:creationId xmlns:a16="http://schemas.microsoft.com/office/drawing/2014/main" xmlns="" id="{7E006825-EBAA-451B-AD52-683B7109D507}"/>
               </a:ext>
             </a:extLst>
           </p:cNvPr>
@@ -7278,7 +7166,7 @@
           <p:cNvPr id="19" name="Data — symbol zastępczy 4">
             <a:extLst>
               <a:ext uri="{FF2B5EF4-FFF2-40B4-BE49-F238E27FC236}">
-                <a16:creationId xmlns:a16="http://schemas.microsoft.com/office/drawing/2014/main" id="{044D0E17-B284-4856-BBDB-FFF2EBAB974A}"/>
+                <a16:creationId xmlns:a16="http://schemas.microsoft.com/office/drawing/2014/main" xmlns="" id="{044D0E17-B284-4856-BBDB-FFF2EBAB974A}"/>
               </a:ext>
             </a:extLst>
           </p:cNvPr>
@@ -7314,7 +7202,7 @@
           <p:cNvPr id="20" name="Stopka — symbol zastępczy 5">
             <a:extLst>
               <a:ext uri="{FF2B5EF4-FFF2-40B4-BE49-F238E27FC236}">
-                <a16:creationId xmlns:a16="http://schemas.microsoft.com/office/drawing/2014/main" id="{56B7B285-9E5D-48DB-B740-3FDA433FE99C}"/>
+                <a16:creationId xmlns:a16="http://schemas.microsoft.com/office/drawing/2014/main" xmlns="" id="{56B7B285-9E5D-48DB-B740-3FDA433FE99C}"/>
               </a:ext>
             </a:extLst>
           </p:cNvPr>
@@ -7350,7 +7238,7 @@
           <p:cNvPr id="21" name="Numer slajdu — symbol zastępczy 6">
             <a:extLst>
               <a:ext uri="{FF2B5EF4-FFF2-40B4-BE49-F238E27FC236}">
-                <a16:creationId xmlns:a16="http://schemas.microsoft.com/office/drawing/2014/main" id="{73D1A241-8F30-495A-8B68-B8A5CAA1F6BB}"/>
+                <a16:creationId xmlns:a16="http://schemas.microsoft.com/office/drawing/2014/main" xmlns="" id="{73D1A241-8F30-495A-8B68-B8A5CAA1F6BB}"/>
               </a:ext>
             </a:extLst>
           </p:cNvPr>
@@ -7376,6 +7264,7 @@
             <a:pPr rtl="0"/>
             <a:fld id="{BF860B6F-2FE3-4DE6-9496-980E987E7466}" type="slidenum">
               <a:rPr lang="pl-PL" noProof="0" smtClean="0"/>
+              <a:pPr rtl="0"/>
               <a:t>‹#›</a:t>
             </a:fld>
             <a:endParaRPr lang="pl-PL" noProof="0"/>
@@ -7387,7 +7276,7 @@
           <p:cNvPr id="23" name="Prostokąt 22">
             <a:extLst>
               <a:ext uri="{FF2B5EF4-FFF2-40B4-BE49-F238E27FC236}">
-                <a16:creationId xmlns:a16="http://schemas.microsoft.com/office/drawing/2014/main" id="{CC931C97-3E53-4030-A6E5-50E4DF9A1C34}"/>
+                <a16:creationId xmlns:a16="http://schemas.microsoft.com/office/drawing/2014/main" xmlns="" id="{CC931C97-3E53-4030-A6E5-50E4DF9A1C34}"/>
               </a:ext>
             </a:extLst>
           </p:cNvPr>
@@ -7444,7 +7333,7 @@
           <p:cNvPr id="4" name="Tytuł 3">
             <a:extLst>
               <a:ext uri="{FF2B5EF4-FFF2-40B4-BE49-F238E27FC236}">
-                <a16:creationId xmlns:a16="http://schemas.microsoft.com/office/drawing/2014/main" id="{F3F8C40A-9F2A-4E97-956E-E8A1BFB94E15}"/>
+                <a16:creationId xmlns:a16="http://schemas.microsoft.com/office/drawing/2014/main" xmlns="" id="{F3F8C40A-9F2A-4E97-956E-E8A1BFB94E15}"/>
               </a:ext>
             </a:extLst>
           </p:cNvPr>
@@ -7480,7 +7369,7 @@
     </p:spTree>
     <p:extLst>
       <p:ext uri="{BB962C8B-B14F-4D97-AF65-F5344CB8AC3E}">
-        <p14:creationId xmlns:p14="http://schemas.microsoft.com/office/powerpoint/2010/main" val="1024192482"/>
+        <p14:creationId xmlns:p14="http://schemas.microsoft.com/office/powerpoint/2010/main" xmlns="" val="1024192482"/>
       </p:ext>
     </p:extLst>
   </p:cSld>
@@ -7512,7 +7401,7 @@
           <p:cNvPr id="3" name="Obraz — symbol zastępczy 2">
             <a:extLst>
               <a:ext uri="{FF2B5EF4-FFF2-40B4-BE49-F238E27FC236}">
-                <a16:creationId xmlns:a16="http://schemas.microsoft.com/office/drawing/2014/main" id="{B8E1A5FC-3F83-4927-88B5-5BCBA3EA6843}"/>
+                <a16:creationId xmlns:a16="http://schemas.microsoft.com/office/drawing/2014/main" xmlns="" id="{B8E1A5FC-3F83-4927-88B5-5BCBA3EA6843}"/>
               </a:ext>
             </a:extLst>
           </p:cNvPr>
@@ -7553,7 +7442,7 @@
           <p:cNvPr id="4" name="Data — symbol zastępczy 3">
             <a:extLst>
               <a:ext uri="{FF2B5EF4-FFF2-40B4-BE49-F238E27FC236}">
-                <a16:creationId xmlns:a16="http://schemas.microsoft.com/office/drawing/2014/main" id="{4A2EE9FB-42C5-4A09-A4FE-4DDE8CF93548}"/>
+                <a16:creationId xmlns:a16="http://schemas.microsoft.com/office/drawing/2014/main" xmlns="" id="{4A2EE9FB-42C5-4A09-A4FE-4DDE8CF93548}"/>
               </a:ext>
             </a:extLst>
           </p:cNvPr>
@@ -7584,7 +7473,7 @@
           <p:cNvPr id="5" name="Stopka — symbol zastępczy 4">
             <a:extLst>
               <a:ext uri="{FF2B5EF4-FFF2-40B4-BE49-F238E27FC236}">
-                <a16:creationId xmlns:a16="http://schemas.microsoft.com/office/drawing/2014/main" id="{38208DFF-BE58-419E-A8E1-FD94281589CF}"/>
+                <a16:creationId xmlns:a16="http://schemas.microsoft.com/office/drawing/2014/main" xmlns="" id="{38208DFF-BE58-419E-A8E1-FD94281589CF}"/>
               </a:ext>
             </a:extLst>
           </p:cNvPr>
@@ -7615,7 +7504,7 @@
           <p:cNvPr id="6" name="Numer slajdu — symbol zastępczy 5">
             <a:extLst>
               <a:ext uri="{FF2B5EF4-FFF2-40B4-BE49-F238E27FC236}">
-                <a16:creationId xmlns:a16="http://schemas.microsoft.com/office/drawing/2014/main" id="{A424A919-F912-4129-B930-D8A078A8C686}"/>
+                <a16:creationId xmlns:a16="http://schemas.microsoft.com/office/drawing/2014/main" xmlns="" id="{A424A919-F912-4129-B930-D8A078A8C686}"/>
               </a:ext>
             </a:extLst>
           </p:cNvPr>
@@ -7636,6 +7525,7 @@
             <a:pPr rtl="0"/>
             <a:fld id="{BF860B6F-2FE3-4DE6-9496-980E987E7466}" type="slidenum">
               <a:rPr lang="pl-PL" noProof="0" smtClean="0"/>
+              <a:pPr rtl="0"/>
               <a:t>‹#›</a:t>
             </a:fld>
             <a:endParaRPr lang="pl-PL" noProof="0"/>
@@ -7647,7 +7537,7 @@
           <p:cNvPr id="10" name="Tekst — symbol zastępczy 10">
             <a:extLst>
               <a:ext uri="{FF2B5EF4-FFF2-40B4-BE49-F238E27FC236}">
-                <a16:creationId xmlns:a16="http://schemas.microsoft.com/office/drawing/2014/main" id="{7CEA9B97-0004-4411-ABB4-A27F463B897A}"/>
+                <a16:creationId xmlns:a16="http://schemas.microsoft.com/office/drawing/2014/main" xmlns="" id="{7CEA9B97-0004-4411-ABB4-A27F463B897A}"/>
               </a:ext>
             </a:extLst>
           </p:cNvPr>
@@ -7702,7 +7592,7 @@
           <p:cNvPr id="11" name="Tekst — symbol zastępczy 10">
             <a:extLst>
               <a:ext uri="{FF2B5EF4-FFF2-40B4-BE49-F238E27FC236}">
-                <a16:creationId xmlns:a16="http://schemas.microsoft.com/office/drawing/2014/main" id="{5ED60F60-B501-479A-A75A-8FD1F9796572}"/>
+                <a16:creationId xmlns:a16="http://schemas.microsoft.com/office/drawing/2014/main" xmlns="" id="{5ED60F60-B501-479A-A75A-8FD1F9796572}"/>
               </a:ext>
             </a:extLst>
           </p:cNvPr>
@@ -7751,7 +7641,7 @@
           <p:cNvPr id="12" name="Tekst — symbol zastępczy 10">
             <a:extLst>
               <a:ext uri="{FF2B5EF4-FFF2-40B4-BE49-F238E27FC236}">
-                <a16:creationId xmlns:a16="http://schemas.microsoft.com/office/drawing/2014/main" id="{9170FD0E-EBE1-4417-BC9D-4CD5F92BFD36}"/>
+                <a16:creationId xmlns:a16="http://schemas.microsoft.com/office/drawing/2014/main" xmlns="" id="{9170FD0E-EBE1-4417-BC9D-4CD5F92BFD36}"/>
               </a:ext>
             </a:extLst>
           </p:cNvPr>
@@ -7806,7 +7696,7 @@
           <p:cNvPr id="13" name="Tekst — symbol zastępczy 10">
             <a:extLst>
               <a:ext uri="{FF2B5EF4-FFF2-40B4-BE49-F238E27FC236}">
-                <a16:creationId xmlns:a16="http://schemas.microsoft.com/office/drawing/2014/main" id="{17738676-CB36-4BE1-A9C9-0215DEEECB12}"/>
+                <a16:creationId xmlns:a16="http://schemas.microsoft.com/office/drawing/2014/main" xmlns="" id="{17738676-CB36-4BE1-A9C9-0215DEEECB12}"/>
               </a:ext>
             </a:extLst>
           </p:cNvPr>
@@ -7855,7 +7745,7 @@
           <p:cNvPr id="2" name="Tytuł 1">
             <a:extLst>
               <a:ext uri="{FF2B5EF4-FFF2-40B4-BE49-F238E27FC236}">
-                <a16:creationId xmlns:a16="http://schemas.microsoft.com/office/drawing/2014/main" id="{CC438544-38E0-4456-B973-6058B99619B8}"/>
+                <a16:creationId xmlns:a16="http://schemas.microsoft.com/office/drawing/2014/main" xmlns="" id="{CC438544-38E0-4456-B973-6058B99619B8}"/>
               </a:ext>
             </a:extLst>
           </p:cNvPr>
@@ -7891,7 +7781,7 @@
     </p:spTree>
     <p:extLst>
       <p:ext uri="{BB962C8B-B14F-4D97-AF65-F5344CB8AC3E}">
-        <p14:creationId xmlns:p14="http://schemas.microsoft.com/office/powerpoint/2010/main" val="600868005"/>
+        <p14:creationId xmlns:p14="http://schemas.microsoft.com/office/powerpoint/2010/main" xmlns="" val="600868005"/>
       </p:ext>
     </p:extLst>
   </p:cSld>
@@ -7923,7 +7813,7 @@
           <p:cNvPr id="3" name="Data — symbol zastępczy 2">
             <a:extLst>
               <a:ext uri="{FF2B5EF4-FFF2-40B4-BE49-F238E27FC236}">
-                <a16:creationId xmlns:a16="http://schemas.microsoft.com/office/drawing/2014/main" id="{51F3F335-C36A-4214-BC97-BB4C9721814B}"/>
+                <a16:creationId xmlns:a16="http://schemas.microsoft.com/office/drawing/2014/main" xmlns="" id="{51F3F335-C36A-4214-BC97-BB4C9721814B}"/>
               </a:ext>
             </a:extLst>
           </p:cNvPr>
@@ -7954,7 +7844,7 @@
           <p:cNvPr id="4" name="Stopka — symbol zastępczy 3">
             <a:extLst>
               <a:ext uri="{FF2B5EF4-FFF2-40B4-BE49-F238E27FC236}">
-                <a16:creationId xmlns:a16="http://schemas.microsoft.com/office/drawing/2014/main" id="{31CCBA95-53AF-4D84-851A-58323862300D}"/>
+                <a16:creationId xmlns:a16="http://schemas.microsoft.com/office/drawing/2014/main" xmlns="" id="{31CCBA95-53AF-4D84-851A-58323862300D}"/>
               </a:ext>
             </a:extLst>
           </p:cNvPr>
@@ -7985,7 +7875,7 @@
           <p:cNvPr id="5" name="Numer slajdu — symbol zastępczy 4">
             <a:extLst>
               <a:ext uri="{FF2B5EF4-FFF2-40B4-BE49-F238E27FC236}">
-                <a16:creationId xmlns:a16="http://schemas.microsoft.com/office/drawing/2014/main" id="{4138AEEC-9F28-4200-B5D7-453E32B3B8C5}"/>
+                <a16:creationId xmlns:a16="http://schemas.microsoft.com/office/drawing/2014/main" xmlns="" id="{4138AEEC-9F28-4200-B5D7-453E32B3B8C5}"/>
               </a:ext>
             </a:extLst>
           </p:cNvPr>
@@ -8006,7 +7896,7 @@
             <a:pPr rtl="0"/>
             <a:fld id="{BF860B6F-2FE3-4DE6-9496-980E987E7466}" type="slidenum">
               <a:rPr lang="pl-PL" noProof="0" smtClean="0"/>
-              <a:pPr/>
+              <a:pPr rtl="0"/>
               <a:t>‹#›</a:t>
             </a:fld>
             <a:endParaRPr lang="pl-PL" noProof="0"/>
@@ -8018,7 +7908,7 @@
           <p:cNvPr id="45" name="Łącznik prosty 44">
             <a:extLst>
               <a:ext uri="{FF2B5EF4-FFF2-40B4-BE49-F238E27FC236}">
-                <a16:creationId xmlns:a16="http://schemas.microsoft.com/office/drawing/2014/main" id="{0D9967FE-B330-4703-9D6E-CC40B84B1030}"/>
+                <a16:creationId xmlns:a16="http://schemas.microsoft.com/office/drawing/2014/main" xmlns="" id="{0D9967FE-B330-4703-9D6E-CC40B84B1030}"/>
               </a:ext>
             </a:extLst>
           </p:cNvPr>
@@ -8063,7 +7953,7 @@
           <p:cNvPr id="46" name="Łącznik prosty 45">
             <a:extLst>
               <a:ext uri="{FF2B5EF4-FFF2-40B4-BE49-F238E27FC236}">
-                <a16:creationId xmlns:a16="http://schemas.microsoft.com/office/drawing/2014/main" id="{EBC0FBFA-8000-40C6-8EF3-D30A0A48CBC5}"/>
+                <a16:creationId xmlns:a16="http://schemas.microsoft.com/office/drawing/2014/main" xmlns="" id="{EBC0FBFA-8000-40C6-8EF3-D30A0A48CBC5}"/>
               </a:ext>
             </a:extLst>
           </p:cNvPr>
@@ -8108,7 +7998,7 @@
           <p:cNvPr id="53" name="Tekst — symbol zastępczy 10">
             <a:extLst>
               <a:ext uri="{FF2B5EF4-FFF2-40B4-BE49-F238E27FC236}">
-                <a16:creationId xmlns:a16="http://schemas.microsoft.com/office/drawing/2014/main" id="{2DCC767D-316F-42DA-9712-29C185B762F2}"/>
+                <a16:creationId xmlns:a16="http://schemas.microsoft.com/office/drawing/2014/main" xmlns="" id="{2DCC767D-316F-42DA-9712-29C185B762F2}"/>
               </a:ext>
             </a:extLst>
           </p:cNvPr>
@@ -8159,7 +8049,7 @@
           <p:cNvPr id="54" name="Tekst — symbol zastępczy 10">
             <a:extLst>
               <a:ext uri="{FF2B5EF4-FFF2-40B4-BE49-F238E27FC236}">
-                <a16:creationId xmlns:a16="http://schemas.microsoft.com/office/drawing/2014/main" id="{DC3AF654-39ED-4B70-9A85-34D9DC793D53}"/>
+                <a16:creationId xmlns:a16="http://schemas.microsoft.com/office/drawing/2014/main" xmlns="" id="{DC3AF654-39ED-4B70-9A85-34D9DC793D53}"/>
               </a:ext>
             </a:extLst>
           </p:cNvPr>
@@ -8210,7 +8100,7 @@
           <p:cNvPr id="55" name="Tekst — symbol zastępczy 10">
             <a:extLst>
               <a:ext uri="{FF2B5EF4-FFF2-40B4-BE49-F238E27FC236}">
-                <a16:creationId xmlns:a16="http://schemas.microsoft.com/office/drawing/2014/main" id="{3E0B0DF9-E558-439A-9B7D-4C600008B0DE}"/>
+                <a16:creationId xmlns:a16="http://schemas.microsoft.com/office/drawing/2014/main" xmlns="" id="{3E0B0DF9-E558-439A-9B7D-4C600008B0DE}"/>
               </a:ext>
             </a:extLst>
           </p:cNvPr>
@@ -8261,7 +8151,7 @@
           <p:cNvPr id="56" name="Tekst — symbol zastępczy 10">
             <a:extLst>
               <a:ext uri="{FF2B5EF4-FFF2-40B4-BE49-F238E27FC236}">
-                <a16:creationId xmlns:a16="http://schemas.microsoft.com/office/drawing/2014/main" id="{6BB9DF13-A501-4465-8844-F8ADFE8BEDA6}"/>
+                <a16:creationId xmlns:a16="http://schemas.microsoft.com/office/drawing/2014/main" xmlns="" id="{6BB9DF13-A501-4465-8844-F8ADFE8BEDA6}"/>
               </a:ext>
             </a:extLst>
           </p:cNvPr>
@@ -8312,7 +8202,7 @@
           <p:cNvPr id="57" name="Tekst — symbol zastępczy 10">
             <a:extLst>
               <a:ext uri="{FF2B5EF4-FFF2-40B4-BE49-F238E27FC236}">
-                <a16:creationId xmlns:a16="http://schemas.microsoft.com/office/drawing/2014/main" id="{D23EF573-9496-4229-ABB9-B58C441687E6}"/>
+                <a16:creationId xmlns:a16="http://schemas.microsoft.com/office/drawing/2014/main" xmlns="" id="{D23EF573-9496-4229-ABB9-B58C441687E6}"/>
               </a:ext>
             </a:extLst>
           </p:cNvPr>
@@ -8367,7 +8257,7 @@
           <p:cNvPr id="58" name="Tekst — symbol zastępczy 10">
             <a:extLst>
               <a:ext uri="{FF2B5EF4-FFF2-40B4-BE49-F238E27FC236}">
-                <a16:creationId xmlns:a16="http://schemas.microsoft.com/office/drawing/2014/main" id="{6C96D231-4BEB-47C0-BC89-3D69A5E0DD10}"/>
+                <a16:creationId xmlns:a16="http://schemas.microsoft.com/office/drawing/2014/main" xmlns="" id="{6C96D231-4BEB-47C0-BC89-3D69A5E0DD10}"/>
               </a:ext>
             </a:extLst>
           </p:cNvPr>
@@ -8416,7 +8306,7 @@
           <p:cNvPr id="59" name="Tekst — symbol zastępczy 10">
             <a:extLst>
               <a:ext uri="{FF2B5EF4-FFF2-40B4-BE49-F238E27FC236}">
-                <a16:creationId xmlns:a16="http://schemas.microsoft.com/office/drawing/2014/main" id="{18B3BFCC-5202-4CF7-8748-EA1165299B92}"/>
+                <a16:creationId xmlns:a16="http://schemas.microsoft.com/office/drawing/2014/main" xmlns="" id="{18B3BFCC-5202-4CF7-8748-EA1165299B92}"/>
               </a:ext>
             </a:extLst>
           </p:cNvPr>
@@ -8465,7 +8355,7 @@
           <p:cNvPr id="60" name="Tekst — symbol zastępczy 10">
             <a:extLst>
               <a:ext uri="{FF2B5EF4-FFF2-40B4-BE49-F238E27FC236}">
-                <a16:creationId xmlns:a16="http://schemas.microsoft.com/office/drawing/2014/main" id="{0F78A8C0-E488-4B82-A881-BAF70EF5261C}"/>
+                <a16:creationId xmlns:a16="http://schemas.microsoft.com/office/drawing/2014/main" xmlns="" id="{0F78A8C0-E488-4B82-A881-BAF70EF5261C}"/>
               </a:ext>
             </a:extLst>
           </p:cNvPr>
@@ -8514,7 +8404,7 @@
           <p:cNvPr id="61" name="Tekst — symbol zastępczy 10">
             <a:extLst>
               <a:ext uri="{FF2B5EF4-FFF2-40B4-BE49-F238E27FC236}">
-                <a16:creationId xmlns:a16="http://schemas.microsoft.com/office/drawing/2014/main" id="{9CBF7863-921B-428D-857E-AC4D195E887A}"/>
+                <a16:creationId xmlns:a16="http://schemas.microsoft.com/office/drawing/2014/main" xmlns="" id="{9CBF7863-921B-428D-857E-AC4D195E887A}"/>
               </a:ext>
             </a:extLst>
           </p:cNvPr>
@@ -8563,7 +8453,7 @@
           <p:cNvPr id="62" name="Tekst — symbol zastępczy 10">
             <a:extLst>
               <a:ext uri="{FF2B5EF4-FFF2-40B4-BE49-F238E27FC236}">
-                <a16:creationId xmlns:a16="http://schemas.microsoft.com/office/drawing/2014/main" id="{3818CA49-6F16-4527-9CE5-335D522ECAA7}"/>
+                <a16:creationId xmlns:a16="http://schemas.microsoft.com/office/drawing/2014/main" xmlns="" id="{3818CA49-6F16-4527-9CE5-335D522ECAA7}"/>
               </a:ext>
             </a:extLst>
           </p:cNvPr>
@@ -8612,7 +8502,7 @@
           <p:cNvPr id="2" name="Tytuł 1">
             <a:extLst>
               <a:ext uri="{FF2B5EF4-FFF2-40B4-BE49-F238E27FC236}">
-                <a16:creationId xmlns:a16="http://schemas.microsoft.com/office/drawing/2014/main" id="{EEA8460B-1230-475A-839A-BB0365A3D529}"/>
+                <a16:creationId xmlns:a16="http://schemas.microsoft.com/office/drawing/2014/main" xmlns="" id="{EEA8460B-1230-475A-839A-BB0365A3D529}"/>
               </a:ext>
             </a:extLst>
           </p:cNvPr>
@@ -8648,7 +8538,7 @@
     </p:spTree>
     <p:extLst>
       <p:ext uri="{BB962C8B-B14F-4D97-AF65-F5344CB8AC3E}">
-        <p14:creationId xmlns:p14="http://schemas.microsoft.com/office/powerpoint/2010/main" val="274389565"/>
+        <p14:creationId xmlns:p14="http://schemas.microsoft.com/office/powerpoint/2010/main" xmlns="" val="274389565"/>
       </p:ext>
     </p:extLst>
   </p:cSld>
@@ -8680,7 +8570,7 @@
           <p:cNvPr id="2" name="Prostokąt 1">
             <a:extLst>
               <a:ext uri="{FF2B5EF4-FFF2-40B4-BE49-F238E27FC236}">
-                <a16:creationId xmlns:a16="http://schemas.microsoft.com/office/drawing/2014/main" id="{E43D11A1-D567-4DE9-AFD4-7A6BC7C300C1}"/>
+                <a16:creationId xmlns:a16="http://schemas.microsoft.com/office/drawing/2014/main" xmlns="" id="{E43D11A1-D567-4DE9-AFD4-7A6BC7C300C1}"/>
               </a:ext>
             </a:extLst>
           </p:cNvPr>
@@ -8731,7 +8621,7 @@
           <p:cNvPr id="9" name="Prostokąt 8">
             <a:extLst>
               <a:ext uri="{FF2B5EF4-FFF2-40B4-BE49-F238E27FC236}">
-                <a16:creationId xmlns:a16="http://schemas.microsoft.com/office/drawing/2014/main" id="{21398470-6F00-41F0-B63E-42C03BC992F8}"/>
+                <a16:creationId xmlns:a16="http://schemas.microsoft.com/office/drawing/2014/main" xmlns="" id="{21398470-6F00-41F0-B63E-42C03BC992F8}"/>
               </a:ext>
             </a:extLst>
           </p:cNvPr>
@@ -8785,7 +8675,7 @@
           <p:cNvPr id="11" name="Prostokąt 10">
             <a:extLst>
               <a:ext uri="{FF2B5EF4-FFF2-40B4-BE49-F238E27FC236}">
-                <a16:creationId xmlns:a16="http://schemas.microsoft.com/office/drawing/2014/main" id="{BF06A024-E68E-4F1C-887D-415804C89479}"/>
+                <a16:creationId xmlns:a16="http://schemas.microsoft.com/office/drawing/2014/main" xmlns="" id="{BF06A024-E68E-4F1C-887D-415804C89479}"/>
               </a:ext>
             </a:extLst>
           </p:cNvPr>
@@ -8836,7 +8726,7 @@
           <p:cNvPr id="13" name="Prostokąt 12">
             <a:extLst>
               <a:ext uri="{FF2B5EF4-FFF2-40B4-BE49-F238E27FC236}">
-                <a16:creationId xmlns:a16="http://schemas.microsoft.com/office/drawing/2014/main" id="{0B3C2448-350F-482F-92C0-4F1495265933}"/>
+                <a16:creationId xmlns:a16="http://schemas.microsoft.com/office/drawing/2014/main" xmlns="" id="{0B3C2448-350F-482F-92C0-4F1495265933}"/>
               </a:ext>
             </a:extLst>
           </p:cNvPr>
@@ -8890,7 +8780,7 @@
           <p:cNvPr id="26" name="Prostokąt 25">
             <a:extLst>
               <a:ext uri="{FF2B5EF4-FFF2-40B4-BE49-F238E27FC236}">
-                <a16:creationId xmlns:a16="http://schemas.microsoft.com/office/drawing/2014/main" id="{F1BFB613-F647-4C24-8072-6BA560C2CF35}"/>
+                <a16:creationId xmlns:a16="http://schemas.microsoft.com/office/drawing/2014/main" xmlns="" id="{F1BFB613-F647-4C24-8072-6BA560C2CF35}"/>
               </a:ext>
             </a:extLst>
           </p:cNvPr>
@@ -8944,7 +8834,7 @@
           <p:cNvPr id="3" name="Data — symbol zastępczy 2">
             <a:extLst>
               <a:ext uri="{FF2B5EF4-FFF2-40B4-BE49-F238E27FC236}">
-                <a16:creationId xmlns:a16="http://schemas.microsoft.com/office/drawing/2014/main" id="{CA52D8BE-09E0-4B54-871E-627BA3688E32}"/>
+                <a16:creationId xmlns:a16="http://schemas.microsoft.com/office/drawing/2014/main" xmlns="" id="{CA52D8BE-09E0-4B54-871E-627BA3688E32}"/>
               </a:ext>
             </a:extLst>
           </p:cNvPr>
@@ -8975,7 +8865,7 @@
           <p:cNvPr id="4" name="Stopka — symbol zastępczy 3">
             <a:extLst>
               <a:ext uri="{FF2B5EF4-FFF2-40B4-BE49-F238E27FC236}">
-                <a16:creationId xmlns:a16="http://schemas.microsoft.com/office/drawing/2014/main" id="{30158535-C39C-4032-BC07-CC7DA7456E17}"/>
+                <a16:creationId xmlns:a16="http://schemas.microsoft.com/office/drawing/2014/main" xmlns="" id="{30158535-C39C-4032-BC07-CC7DA7456E17}"/>
               </a:ext>
             </a:extLst>
           </p:cNvPr>
@@ -9006,7 +8896,7 @@
           <p:cNvPr id="5" name="Numer slajdu — symbol zastępczy 4">
             <a:extLst>
               <a:ext uri="{FF2B5EF4-FFF2-40B4-BE49-F238E27FC236}">
-                <a16:creationId xmlns:a16="http://schemas.microsoft.com/office/drawing/2014/main" id="{CE638FD9-7569-4F67-9902-EA32B7F93F68}"/>
+                <a16:creationId xmlns:a16="http://schemas.microsoft.com/office/drawing/2014/main" xmlns="" id="{CE638FD9-7569-4F67-9902-EA32B7F93F68}"/>
               </a:ext>
             </a:extLst>
           </p:cNvPr>
@@ -9027,7 +8917,7 @@
             <a:pPr rtl="0"/>
             <a:fld id="{BF860B6F-2FE3-4DE6-9496-980E987E7466}" type="slidenum">
               <a:rPr lang="pl-PL" noProof="0" smtClean="0"/>
-              <a:pPr/>
+              <a:pPr rtl="0"/>
               <a:t>‹#›</a:t>
             </a:fld>
             <a:endParaRPr lang="pl-PL" noProof="0"/>
@@ -9039,7 +8929,7 @@
           <p:cNvPr id="7" name="Tekst — symbol zastępczy 10">
             <a:extLst>
               <a:ext uri="{FF2B5EF4-FFF2-40B4-BE49-F238E27FC236}">
-                <a16:creationId xmlns:a16="http://schemas.microsoft.com/office/drawing/2014/main" id="{36849D09-65B8-4E5C-986A-AB5E3748D42E}"/>
+                <a16:creationId xmlns:a16="http://schemas.microsoft.com/office/drawing/2014/main" xmlns="" id="{36849D09-65B8-4E5C-986A-AB5E3748D42E}"/>
               </a:ext>
             </a:extLst>
           </p:cNvPr>
@@ -9094,7 +8984,7 @@
           <p:cNvPr id="8" name="Prostokąt 7">
             <a:extLst>
               <a:ext uri="{FF2B5EF4-FFF2-40B4-BE49-F238E27FC236}">
-                <a16:creationId xmlns:a16="http://schemas.microsoft.com/office/drawing/2014/main" id="{23AC480B-19BB-48E2-8BEF-4AA0680D32DE}"/>
+                <a16:creationId xmlns:a16="http://schemas.microsoft.com/office/drawing/2014/main" xmlns="" id="{23AC480B-19BB-48E2-8BEF-4AA0680D32DE}"/>
               </a:ext>
             </a:extLst>
           </p:cNvPr>
@@ -9145,7 +9035,7 @@
           <p:cNvPr id="14" name="Prostokąt 13">
             <a:extLst>
               <a:ext uri="{FF2B5EF4-FFF2-40B4-BE49-F238E27FC236}">
-                <a16:creationId xmlns:a16="http://schemas.microsoft.com/office/drawing/2014/main" id="{82C09E39-FAAE-43BC-8BD6-08DC89C45F5B}"/>
+                <a16:creationId xmlns:a16="http://schemas.microsoft.com/office/drawing/2014/main" xmlns="" id="{82C09E39-FAAE-43BC-8BD6-08DC89C45F5B}"/>
               </a:ext>
             </a:extLst>
           </p:cNvPr>
@@ -9199,7 +9089,7 @@
           <p:cNvPr id="19" name="Tekst — symbol zastępczy 10">
             <a:extLst>
               <a:ext uri="{FF2B5EF4-FFF2-40B4-BE49-F238E27FC236}">
-                <a16:creationId xmlns:a16="http://schemas.microsoft.com/office/drawing/2014/main" id="{07156FBE-72BD-4A64-99F7-1ABAA272A0FA}"/>
+                <a16:creationId xmlns:a16="http://schemas.microsoft.com/office/drawing/2014/main" xmlns="" id="{07156FBE-72BD-4A64-99F7-1ABAA272A0FA}"/>
               </a:ext>
             </a:extLst>
           </p:cNvPr>
@@ -9254,7 +9144,7 @@
           <p:cNvPr id="20" name="Tekst — symbol zastępczy 10">
             <a:extLst>
               <a:ext uri="{FF2B5EF4-FFF2-40B4-BE49-F238E27FC236}">
-                <a16:creationId xmlns:a16="http://schemas.microsoft.com/office/drawing/2014/main" id="{0AEE629F-FF1D-44AE-B728-8EA70D72A35B}"/>
+                <a16:creationId xmlns:a16="http://schemas.microsoft.com/office/drawing/2014/main" xmlns="" id="{0AEE629F-FF1D-44AE-B728-8EA70D72A35B}"/>
               </a:ext>
             </a:extLst>
           </p:cNvPr>
@@ -9309,7 +9199,7 @@
           <p:cNvPr id="21" name="Tekst — symbol zastępczy 10">
             <a:extLst>
               <a:ext uri="{FF2B5EF4-FFF2-40B4-BE49-F238E27FC236}">
-                <a16:creationId xmlns:a16="http://schemas.microsoft.com/office/drawing/2014/main" id="{5C4D74F9-C022-4D89-9C64-1A0A5FD3A6EC}"/>
+                <a16:creationId xmlns:a16="http://schemas.microsoft.com/office/drawing/2014/main" xmlns="" id="{5C4D74F9-C022-4D89-9C64-1A0A5FD3A6EC}"/>
               </a:ext>
             </a:extLst>
           </p:cNvPr>
@@ -9364,7 +9254,7 @@
           <p:cNvPr id="22" name="Tekst — symbol zastępczy 10">
             <a:extLst>
               <a:ext uri="{FF2B5EF4-FFF2-40B4-BE49-F238E27FC236}">
-                <a16:creationId xmlns:a16="http://schemas.microsoft.com/office/drawing/2014/main" id="{75D06BD1-5247-47AE-87C4-5720ED5AC7FC}"/>
+                <a16:creationId xmlns:a16="http://schemas.microsoft.com/office/drawing/2014/main" xmlns="" id="{75D06BD1-5247-47AE-87C4-5720ED5AC7FC}"/>
               </a:ext>
             </a:extLst>
           </p:cNvPr>
@@ -9419,7 +9309,7 @@
           <p:cNvPr id="23" name="Tekst — symbol zastępczy 10">
             <a:extLst>
               <a:ext uri="{FF2B5EF4-FFF2-40B4-BE49-F238E27FC236}">
-                <a16:creationId xmlns:a16="http://schemas.microsoft.com/office/drawing/2014/main" id="{FD3684C2-E9CD-4A2A-993D-ABF39BD30C21}"/>
+                <a16:creationId xmlns:a16="http://schemas.microsoft.com/office/drawing/2014/main" xmlns="" id="{FD3684C2-E9CD-4A2A-993D-ABF39BD30C21}"/>
               </a:ext>
             </a:extLst>
           </p:cNvPr>
@@ -9474,7 +9364,7 @@
           <p:cNvPr id="24" name="Tekst — symbol zastępczy 10">
             <a:extLst>
               <a:ext uri="{FF2B5EF4-FFF2-40B4-BE49-F238E27FC236}">
-                <a16:creationId xmlns:a16="http://schemas.microsoft.com/office/drawing/2014/main" id="{A960BEA5-C2B5-456D-8982-4C8A8E7EE686}"/>
+                <a16:creationId xmlns:a16="http://schemas.microsoft.com/office/drawing/2014/main" xmlns="" id="{A960BEA5-C2B5-456D-8982-4C8A8E7EE686}"/>
               </a:ext>
             </a:extLst>
           </p:cNvPr>
@@ -9529,7 +9419,7 @@
           <p:cNvPr id="10" name="Tytuł 9">
             <a:extLst>
               <a:ext uri="{FF2B5EF4-FFF2-40B4-BE49-F238E27FC236}">
-                <a16:creationId xmlns:a16="http://schemas.microsoft.com/office/drawing/2014/main" id="{8CDC00CA-B925-48D9-91B3-A79A59C280A1}"/>
+                <a16:creationId xmlns:a16="http://schemas.microsoft.com/office/drawing/2014/main" xmlns="" id="{8CDC00CA-B925-48D9-91B3-A79A59C280A1}"/>
               </a:ext>
             </a:extLst>
           </p:cNvPr>
@@ -9565,7 +9455,7 @@
     </p:spTree>
     <p:extLst>
       <p:ext uri="{BB962C8B-B14F-4D97-AF65-F5344CB8AC3E}">
-        <p14:creationId xmlns:p14="http://schemas.microsoft.com/office/powerpoint/2010/main" val="497463862"/>
+        <p14:creationId xmlns:p14="http://schemas.microsoft.com/office/powerpoint/2010/main" xmlns="" val="497463862"/>
       </p:ext>
     </p:extLst>
   </p:cSld>
@@ -9574,7 +9464,7 @@
   </p:clrMapOvr>
   <p:extLst>
     <p:ext uri="{DCECCB84-F9BA-43D5-87BE-67443E8EF086}">
-      <p15:sldGuideLst xmlns:p15="http://schemas.microsoft.com/office/powerpoint/2012/main">
+      <p15:sldGuideLst xmlns:p15="http://schemas.microsoft.com/office/powerpoint/2012/main" xmlns="">
         <p15:guide id="1" orient="horz" pos="2160" userDrawn="1">
           <p15:clr>
             <a:srgbClr val="FBAE40"/>
@@ -9613,7 +9503,7 @@
           <p:cNvPr id="3" name="Data — symbol zastępczy 2">
             <a:extLst>
               <a:ext uri="{FF2B5EF4-FFF2-40B4-BE49-F238E27FC236}">
-                <a16:creationId xmlns:a16="http://schemas.microsoft.com/office/drawing/2014/main" id="{DC336D74-17F7-4684-B610-18AB1682D138}"/>
+                <a16:creationId xmlns:a16="http://schemas.microsoft.com/office/drawing/2014/main" xmlns="" id="{DC336D74-17F7-4684-B610-18AB1682D138}"/>
               </a:ext>
             </a:extLst>
           </p:cNvPr>
@@ -9644,7 +9534,7 @@
           <p:cNvPr id="4" name="Stopka — symbol zastępczy 3">
             <a:extLst>
               <a:ext uri="{FF2B5EF4-FFF2-40B4-BE49-F238E27FC236}">
-                <a16:creationId xmlns:a16="http://schemas.microsoft.com/office/drawing/2014/main" id="{AB1FBB6F-A08B-41AD-8AD2-DC5AE674EE23}"/>
+                <a16:creationId xmlns:a16="http://schemas.microsoft.com/office/drawing/2014/main" xmlns="" id="{AB1FBB6F-A08B-41AD-8AD2-DC5AE674EE23}"/>
               </a:ext>
             </a:extLst>
           </p:cNvPr>
@@ -9675,7 +9565,7 @@
           <p:cNvPr id="5" name="Numer slajdu — symbol zastępczy 4">
             <a:extLst>
               <a:ext uri="{FF2B5EF4-FFF2-40B4-BE49-F238E27FC236}">
-                <a16:creationId xmlns:a16="http://schemas.microsoft.com/office/drawing/2014/main" id="{5BFA4285-BB73-4E13-BBDF-3F14D2AD95BA}"/>
+                <a16:creationId xmlns:a16="http://schemas.microsoft.com/office/drawing/2014/main" xmlns="" id="{5BFA4285-BB73-4E13-BBDF-3F14D2AD95BA}"/>
               </a:ext>
             </a:extLst>
           </p:cNvPr>
@@ -9696,7 +9586,7 @@
             <a:pPr rtl="0"/>
             <a:fld id="{BF860B6F-2FE3-4DE6-9496-980E987E7466}" type="slidenum">
               <a:rPr lang="pl-PL" noProof="0" smtClean="0"/>
-              <a:pPr/>
+              <a:pPr rtl="0"/>
               <a:t>‹#›</a:t>
             </a:fld>
             <a:endParaRPr lang="pl-PL" noProof="0"/>
@@ -9708,7 +9598,7 @@
           <p:cNvPr id="8" name="Tekst — symbol zastępczy 10">
             <a:extLst>
               <a:ext uri="{FF2B5EF4-FFF2-40B4-BE49-F238E27FC236}">
-                <a16:creationId xmlns:a16="http://schemas.microsoft.com/office/drawing/2014/main" id="{6F28238E-356F-43CD-AA8F-3BC1FA26B6E7}"/>
+                <a16:creationId xmlns:a16="http://schemas.microsoft.com/office/drawing/2014/main" xmlns="" id="{6F28238E-356F-43CD-AA8F-3BC1FA26B6E7}"/>
               </a:ext>
             </a:extLst>
           </p:cNvPr>
@@ -9763,7 +9653,7 @@
           <p:cNvPr id="36" name="Tekst — symbol zastępczy 10">
             <a:extLst>
               <a:ext uri="{FF2B5EF4-FFF2-40B4-BE49-F238E27FC236}">
-                <a16:creationId xmlns:a16="http://schemas.microsoft.com/office/drawing/2014/main" id="{050BF9B7-44D3-43B3-8650-0E38FB9F8025}"/>
+                <a16:creationId xmlns:a16="http://schemas.microsoft.com/office/drawing/2014/main" xmlns="" id="{050BF9B7-44D3-43B3-8650-0E38FB9F8025}"/>
               </a:ext>
             </a:extLst>
           </p:cNvPr>
@@ -9812,7 +9702,7 @@
           <p:cNvPr id="51" name="Tekst — symbol zastępczy 10">
             <a:extLst>
               <a:ext uri="{FF2B5EF4-FFF2-40B4-BE49-F238E27FC236}">
-                <a16:creationId xmlns:a16="http://schemas.microsoft.com/office/drawing/2014/main" id="{00A34C87-263B-4C39-95B1-6A3E78FC480B}"/>
+                <a16:creationId xmlns:a16="http://schemas.microsoft.com/office/drawing/2014/main" xmlns="" id="{00A34C87-263B-4C39-95B1-6A3E78FC480B}"/>
               </a:ext>
             </a:extLst>
           </p:cNvPr>
@@ -9861,7 +9751,7 @@
           <p:cNvPr id="10" name="Zawartość — symbol zastępczy 9">
             <a:extLst>
               <a:ext uri="{FF2B5EF4-FFF2-40B4-BE49-F238E27FC236}">
-                <a16:creationId xmlns:a16="http://schemas.microsoft.com/office/drawing/2014/main" id="{38FDE5E1-CA4F-47D6-B408-560DFA59D301}"/>
+                <a16:creationId xmlns:a16="http://schemas.microsoft.com/office/drawing/2014/main" xmlns="" id="{38FDE5E1-CA4F-47D6-B408-560DFA59D301}"/>
               </a:ext>
             </a:extLst>
           </p:cNvPr>
@@ -9925,7 +9815,7 @@
           <p:cNvPr id="53" name="Zawartość — symbol zastępczy 9">
             <a:extLst>
               <a:ext uri="{FF2B5EF4-FFF2-40B4-BE49-F238E27FC236}">
-                <a16:creationId xmlns:a16="http://schemas.microsoft.com/office/drawing/2014/main" id="{E8933B94-68E9-4F8A-95B3-C8A867B06FF5}"/>
+                <a16:creationId xmlns:a16="http://schemas.microsoft.com/office/drawing/2014/main" xmlns="" id="{E8933B94-68E9-4F8A-95B3-C8A867B06FF5}"/>
               </a:ext>
             </a:extLst>
           </p:cNvPr>
@@ -9989,7 +9879,7 @@
           <p:cNvPr id="11" name="Tytuł 10">
             <a:extLst>
               <a:ext uri="{FF2B5EF4-FFF2-40B4-BE49-F238E27FC236}">
-                <a16:creationId xmlns:a16="http://schemas.microsoft.com/office/drawing/2014/main" id="{9997C22C-C02E-4D5D-866A-A163E2B47034}"/>
+                <a16:creationId xmlns:a16="http://schemas.microsoft.com/office/drawing/2014/main" xmlns="" id="{9997C22C-C02E-4D5D-866A-A163E2B47034}"/>
               </a:ext>
             </a:extLst>
           </p:cNvPr>
@@ -10025,7 +9915,7 @@
     </p:spTree>
     <p:extLst>
       <p:ext uri="{BB962C8B-B14F-4D97-AF65-F5344CB8AC3E}">
-        <p14:creationId xmlns:p14="http://schemas.microsoft.com/office/powerpoint/2010/main" val="3967859458"/>
+        <p14:creationId xmlns:p14="http://schemas.microsoft.com/office/powerpoint/2010/main" xmlns="" val="3967859458"/>
       </p:ext>
     </p:extLst>
   </p:cSld>
@@ -10057,7 +9947,7 @@
           <p:cNvPr id="100" name="Prostokąt 99">
             <a:extLst>
               <a:ext uri="{FF2B5EF4-FFF2-40B4-BE49-F238E27FC236}">
-                <a16:creationId xmlns:a16="http://schemas.microsoft.com/office/drawing/2014/main" id="{9A6EC546-1FDF-48B1-BB0F-4069A4AF6B46}"/>
+                <a16:creationId xmlns:a16="http://schemas.microsoft.com/office/drawing/2014/main" xmlns="" id="{9A6EC546-1FDF-48B1-BB0F-4069A4AF6B46}"/>
               </a:ext>
             </a:extLst>
           </p:cNvPr>
@@ -10114,7 +10004,7 @@
           <p:cNvPr id="3" name="Data — symbol zastępczy 2">
             <a:extLst>
               <a:ext uri="{FF2B5EF4-FFF2-40B4-BE49-F238E27FC236}">
-                <a16:creationId xmlns:a16="http://schemas.microsoft.com/office/drawing/2014/main" id="{8F8787A3-6FE4-43A8-B38B-0F6A2EF11D64}"/>
+                <a16:creationId xmlns:a16="http://schemas.microsoft.com/office/drawing/2014/main" xmlns="" id="{8F8787A3-6FE4-43A8-B38B-0F6A2EF11D64}"/>
               </a:ext>
             </a:extLst>
           </p:cNvPr>
@@ -10145,7 +10035,7 @@
           <p:cNvPr id="4" name="Stopka — symbol zastępczy 3">
             <a:extLst>
               <a:ext uri="{FF2B5EF4-FFF2-40B4-BE49-F238E27FC236}">
-                <a16:creationId xmlns:a16="http://schemas.microsoft.com/office/drawing/2014/main" id="{D1DE0A1E-0F1E-4FFE-B209-3D9679190548}"/>
+                <a16:creationId xmlns:a16="http://schemas.microsoft.com/office/drawing/2014/main" xmlns="" id="{D1DE0A1E-0F1E-4FFE-B209-3D9679190548}"/>
               </a:ext>
             </a:extLst>
           </p:cNvPr>
@@ -10176,7 +10066,7 @@
           <p:cNvPr id="5" name="Numer slajdu — symbol zastępczy 4">
             <a:extLst>
               <a:ext uri="{FF2B5EF4-FFF2-40B4-BE49-F238E27FC236}">
-                <a16:creationId xmlns:a16="http://schemas.microsoft.com/office/drawing/2014/main" id="{A8999867-6933-40F9-BEA0-F30FA6975498}"/>
+                <a16:creationId xmlns:a16="http://schemas.microsoft.com/office/drawing/2014/main" xmlns="" id="{A8999867-6933-40F9-BEA0-F30FA6975498}"/>
               </a:ext>
             </a:extLst>
           </p:cNvPr>
@@ -10197,7 +10087,7 @@
             <a:pPr rtl="0"/>
             <a:fld id="{BF860B6F-2FE3-4DE6-9496-980E987E7466}" type="slidenum">
               <a:rPr lang="pl-PL" noProof="0" smtClean="0"/>
-              <a:pPr/>
+              <a:pPr rtl="0"/>
               <a:t>‹#›</a:t>
             </a:fld>
             <a:endParaRPr lang="pl-PL" noProof="0"/>
@@ -10209,7 +10099,7 @@
           <p:cNvPr id="16" name="Tekst — symbol zastępczy 14">
             <a:extLst>
               <a:ext uri="{FF2B5EF4-FFF2-40B4-BE49-F238E27FC236}">
-                <a16:creationId xmlns:a16="http://schemas.microsoft.com/office/drawing/2014/main" id="{00E72126-EBC8-4AA7-AA53-38A15FDEC6E3}"/>
+                <a16:creationId xmlns:a16="http://schemas.microsoft.com/office/drawing/2014/main" xmlns="" id="{00E72126-EBC8-4AA7-AA53-38A15FDEC6E3}"/>
               </a:ext>
             </a:extLst>
           </p:cNvPr>
@@ -10266,7 +10156,7 @@
           <p:cNvPr id="17" name="Tekst — symbol zastępczy 14">
             <a:extLst>
               <a:ext uri="{FF2B5EF4-FFF2-40B4-BE49-F238E27FC236}">
-                <a16:creationId xmlns:a16="http://schemas.microsoft.com/office/drawing/2014/main" id="{C44CA5E4-4215-49A0-86F5-2C4847D87E61}"/>
+                <a16:creationId xmlns:a16="http://schemas.microsoft.com/office/drawing/2014/main" xmlns="" id="{C44CA5E4-4215-49A0-86F5-2C4847D87E61}"/>
               </a:ext>
             </a:extLst>
           </p:cNvPr>
@@ -10323,7 +10213,7 @@
           <p:cNvPr id="18" name="Tekst — symbol zastępczy 14">
             <a:extLst>
               <a:ext uri="{FF2B5EF4-FFF2-40B4-BE49-F238E27FC236}">
-                <a16:creationId xmlns:a16="http://schemas.microsoft.com/office/drawing/2014/main" id="{735C1917-DDF3-4A5B-AEB9-E0FBD98EC516}"/>
+                <a16:creationId xmlns:a16="http://schemas.microsoft.com/office/drawing/2014/main" xmlns="" id="{735C1917-DDF3-4A5B-AEB9-E0FBD98EC516}"/>
               </a:ext>
             </a:extLst>
           </p:cNvPr>
@@ -10380,7 +10270,7 @@
           <p:cNvPr id="19" name="Tekst — symbol zastępczy 14">
             <a:extLst>
               <a:ext uri="{FF2B5EF4-FFF2-40B4-BE49-F238E27FC236}">
-                <a16:creationId xmlns:a16="http://schemas.microsoft.com/office/drawing/2014/main" id="{D0FF36A3-BF35-4A36-ADAB-547CA8CAED9F}"/>
+                <a16:creationId xmlns:a16="http://schemas.microsoft.com/office/drawing/2014/main" xmlns="" id="{D0FF36A3-BF35-4A36-ADAB-547CA8CAED9F}"/>
               </a:ext>
             </a:extLst>
           </p:cNvPr>
@@ -10437,7 +10327,7 @@
           <p:cNvPr id="20" name="Tekst — symbol zastępczy 14">
             <a:extLst>
               <a:ext uri="{FF2B5EF4-FFF2-40B4-BE49-F238E27FC236}">
-                <a16:creationId xmlns:a16="http://schemas.microsoft.com/office/drawing/2014/main" id="{3BE85149-0E6D-4CDC-82B6-EF6894D9C904}"/>
+                <a16:creationId xmlns:a16="http://schemas.microsoft.com/office/drawing/2014/main" xmlns="" id="{3BE85149-0E6D-4CDC-82B6-EF6894D9C904}"/>
               </a:ext>
             </a:extLst>
           </p:cNvPr>
@@ -10494,7 +10384,7 @@
           <p:cNvPr id="21" name="Tekst — symbol zastępczy 14">
             <a:extLst>
               <a:ext uri="{FF2B5EF4-FFF2-40B4-BE49-F238E27FC236}">
-                <a16:creationId xmlns:a16="http://schemas.microsoft.com/office/drawing/2014/main" id="{66E8B6B5-41D1-4EC9-84EF-1989A504B7D6}"/>
+                <a16:creationId xmlns:a16="http://schemas.microsoft.com/office/drawing/2014/main" xmlns="" id="{66E8B6B5-41D1-4EC9-84EF-1989A504B7D6}"/>
               </a:ext>
             </a:extLst>
           </p:cNvPr>
@@ -10551,7 +10441,7 @@
           <p:cNvPr id="22" name="Tekst — symbol zastępczy 14">
             <a:extLst>
               <a:ext uri="{FF2B5EF4-FFF2-40B4-BE49-F238E27FC236}">
-                <a16:creationId xmlns:a16="http://schemas.microsoft.com/office/drawing/2014/main" id="{0F13F401-A13F-4EF3-88FC-D517D7F7BA55}"/>
+                <a16:creationId xmlns:a16="http://schemas.microsoft.com/office/drawing/2014/main" xmlns="" id="{0F13F401-A13F-4EF3-88FC-D517D7F7BA55}"/>
               </a:ext>
             </a:extLst>
           </p:cNvPr>
@@ -10608,7 +10498,7 @@
           <p:cNvPr id="23" name="Tekst — symbol zastępczy 14">
             <a:extLst>
               <a:ext uri="{FF2B5EF4-FFF2-40B4-BE49-F238E27FC236}">
-                <a16:creationId xmlns:a16="http://schemas.microsoft.com/office/drawing/2014/main" id="{94639D5D-D529-4EF5-9EF8-8C9B3715A28E}"/>
+                <a16:creationId xmlns:a16="http://schemas.microsoft.com/office/drawing/2014/main" xmlns="" id="{94639D5D-D529-4EF5-9EF8-8C9B3715A28E}"/>
               </a:ext>
             </a:extLst>
           </p:cNvPr>
@@ -10665,7 +10555,7 @@
           <p:cNvPr id="24" name="Tekst — symbol zastępczy 14">
             <a:extLst>
               <a:ext uri="{FF2B5EF4-FFF2-40B4-BE49-F238E27FC236}">
-                <a16:creationId xmlns:a16="http://schemas.microsoft.com/office/drawing/2014/main" id="{45E22B01-C64B-4A03-9118-68BCAECC32FA}"/>
+                <a16:creationId xmlns:a16="http://schemas.microsoft.com/office/drawing/2014/main" xmlns="" id="{45E22B01-C64B-4A03-9118-68BCAECC32FA}"/>
               </a:ext>
             </a:extLst>
           </p:cNvPr>
@@ -10722,7 +10612,7 @@
           <p:cNvPr id="25" name="Tekst — symbol zastępczy 14">
             <a:extLst>
               <a:ext uri="{FF2B5EF4-FFF2-40B4-BE49-F238E27FC236}">
-                <a16:creationId xmlns:a16="http://schemas.microsoft.com/office/drawing/2014/main" id="{04BA50FF-5CC3-4F90-9AA6-5942DF634BAB}"/>
+                <a16:creationId xmlns:a16="http://schemas.microsoft.com/office/drawing/2014/main" xmlns="" id="{04BA50FF-5CC3-4F90-9AA6-5942DF634BAB}"/>
               </a:ext>
             </a:extLst>
           </p:cNvPr>
@@ -10779,7 +10669,7 @@
           <p:cNvPr id="26" name="Tekst — symbol zastępczy 14">
             <a:extLst>
               <a:ext uri="{FF2B5EF4-FFF2-40B4-BE49-F238E27FC236}">
-                <a16:creationId xmlns:a16="http://schemas.microsoft.com/office/drawing/2014/main" id="{5B3EEE7C-67C5-49ED-A602-F8E162B21AA6}"/>
+                <a16:creationId xmlns:a16="http://schemas.microsoft.com/office/drawing/2014/main" xmlns="" id="{5B3EEE7C-67C5-49ED-A602-F8E162B21AA6}"/>
               </a:ext>
             </a:extLst>
           </p:cNvPr>
@@ -10836,7 +10726,7 @@
           <p:cNvPr id="27" name="Tekst — symbol zastępczy 14">
             <a:extLst>
               <a:ext uri="{FF2B5EF4-FFF2-40B4-BE49-F238E27FC236}">
-                <a16:creationId xmlns:a16="http://schemas.microsoft.com/office/drawing/2014/main" id="{EE91B34F-5506-49A1-8594-9259C64066FA}"/>
+                <a16:creationId xmlns:a16="http://schemas.microsoft.com/office/drawing/2014/main" xmlns="" id="{EE91B34F-5506-49A1-8594-9259C64066FA}"/>
               </a:ext>
             </a:extLst>
           </p:cNvPr>
@@ -10893,7 +10783,7 @@
           <p:cNvPr id="28" name="Tekst — symbol zastępczy 14">
             <a:extLst>
               <a:ext uri="{FF2B5EF4-FFF2-40B4-BE49-F238E27FC236}">
-                <a16:creationId xmlns:a16="http://schemas.microsoft.com/office/drawing/2014/main" id="{6A7D7592-A438-4BE7-82A5-188EF3B7021B}"/>
+                <a16:creationId xmlns:a16="http://schemas.microsoft.com/office/drawing/2014/main" xmlns="" id="{6A7D7592-A438-4BE7-82A5-188EF3B7021B}"/>
               </a:ext>
             </a:extLst>
           </p:cNvPr>
@@ -10950,7 +10840,7 @@
           <p:cNvPr id="29" name="Tekst — symbol zastępczy 14">
             <a:extLst>
               <a:ext uri="{FF2B5EF4-FFF2-40B4-BE49-F238E27FC236}">
-                <a16:creationId xmlns:a16="http://schemas.microsoft.com/office/drawing/2014/main" id="{70F1DE9A-9607-4D77-B1CA-EA7A15A4CACA}"/>
+                <a16:creationId xmlns:a16="http://schemas.microsoft.com/office/drawing/2014/main" xmlns="" id="{70F1DE9A-9607-4D77-B1CA-EA7A15A4CACA}"/>
               </a:ext>
             </a:extLst>
           </p:cNvPr>
@@ -11007,7 +10897,7 @@
           <p:cNvPr id="30" name="Tekst — symbol zastępczy 14">
             <a:extLst>
               <a:ext uri="{FF2B5EF4-FFF2-40B4-BE49-F238E27FC236}">
-                <a16:creationId xmlns:a16="http://schemas.microsoft.com/office/drawing/2014/main" id="{FE726AB2-7D79-4CF4-ACA3-327A065CAA16}"/>
+                <a16:creationId xmlns:a16="http://schemas.microsoft.com/office/drawing/2014/main" xmlns="" id="{FE726AB2-7D79-4CF4-ACA3-327A065CAA16}"/>
               </a:ext>
             </a:extLst>
           </p:cNvPr>
@@ -11064,7 +10954,7 @@
           <p:cNvPr id="31" name="Tekst — symbol zastępczy 14">
             <a:extLst>
               <a:ext uri="{FF2B5EF4-FFF2-40B4-BE49-F238E27FC236}">
-                <a16:creationId xmlns:a16="http://schemas.microsoft.com/office/drawing/2014/main" id="{07991841-3C5D-4E23-ACEF-AC0C7BA2866F}"/>
+                <a16:creationId xmlns:a16="http://schemas.microsoft.com/office/drawing/2014/main" xmlns="" id="{07991841-3C5D-4E23-ACEF-AC0C7BA2866F}"/>
               </a:ext>
             </a:extLst>
           </p:cNvPr>
@@ -11121,7 +11011,7 @@
           <p:cNvPr id="32" name="Tekst — symbol zastępczy 14">
             <a:extLst>
               <a:ext uri="{FF2B5EF4-FFF2-40B4-BE49-F238E27FC236}">
-                <a16:creationId xmlns:a16="http://schemas.microsoft.com/office/drawing/2014/main" id="{E827F407-DC92-4E39-85F3-56B3405B23A9}"/>
+                <a16:creationId xmlns:a16="http://schemas.microsoft.com/office/drawing/2014/main" xmlns="" id="{E827F407-DC92-4E39-85F3-56B3405B23A9}"/>
               </a:ext>
             </a:extLst>
           </p:cNvPr>
@@ -11178,7 +11068,7 @@
           <p:cNvPr id="33" name="Tekst — symbol zastępczy 14">
             <a:extLst>
               <a:ext uri="{FF2B5EF4-FFF2-40B4-BE49-F238E27FC236}">
-                <a16:creationId xmlns:a16="http://schemas.microsoft.com/office/drawing/2014/main" id="{ADBEC4B1-A92B-4923-B3C2-44570B971C86}"/>
+                <a16:creationId xmlns:a16="http://schemas.microsoft.com/office/drawing/2014/main" xmlns="" id="{ADBEC4B1-A92B-4923-B3C2-44570B971C86}"/>
               </a:ext>
             </a:extLst>
           </p:cNvPr>
@@ -11235,7 +11125,7 @@
           <p:cNvPr id="34" name="Tekst — symbol zastępczy 14">
             <a:extLst>
               <a:ext uri="{FF2B5EF4-FFF2-40B4-BE49-F238E27FC236}">
-                <a16:creationId xmlns:a16="http://schemas.microsoft.com/office/drawing/2014/main" id="{32CD6E05-4E76-4ADF-9FC8-4321B2B9600C}"/>
+                <a16:creationId xmlns:a16="http://schemas.microsoft.com/office/drawing/2014/main" xmlns="" id="{32CD6E05-4E76-4ADF-9FC8-4321B2B9600C}"/>
               </a:ext>
             </a:extLst>
           </p:cNvPr>
@@ -11292,7 +11182,7 @@
           <p:cNvPr id="35" name="Tekst — symbol zastępczy 14">
             <a:extLst>
               <a:ext uri="{FF2B5EF4-FFF2-40B4-BE49-F238E27FC236}">
-                <a16:creationId xmlns:a16="http://schemas.microsoft.com/office/drawing/2014/main" id="{3D40BE94-38F8-48B0-9A42-DA1A41975046}"/>
+                <a16:creationId xmlns:a16="http://schemas.microsoft.com/office/drawing/2014/main" xmlns="" id="{3D40BE94-38F8-48B0-9A42-DA1A41975046}"/>
               </a:ext>
             </a:extLst>
           </p:cNvPr>
@@ -11349,7 +11239,7 @@
           <p:cNvPr id="36" name="Tekst — symbol zastępczy 14">
             <a:extLst>
               <a:ext uri="{FF2B5EF4-FFF2-40B4-BE49-F238E27FC236}">
-                <a16:creationId xmlns:a16="http://schemas.microsoft.com/office/drawing/2014/main" id="{CCFECD0B-5901-4EBC-92AA-3DE8CD1132DF}"/>
+                <a16:creationId xmlns:a16="http://schemas.microsoft.com/office/drawing/2014/main" xmlns="" id="{CCFECD0B-5901-4EBC-92AA-3DE8CD1132DF}"/>
               </a:ext>
             </a:extLst>
           </p:cNvPr>
@@ -11406,7 +11296,7 @@
           <p:cNvPr id="37" name="Tekst — symbol zastępczy 14">
             <a:extLst>
               <a:ext uri="{FF2B5EF4-FFF2-40B4-BE49-F238E27FC236}">
-                <a16:creationId xmlns:a16="http://schemas.microsoft.com/office/drawing/2014/main" id="{B173BBB1-992E-4C62-B6EF-38E5859DA795}"/>
+                <a16:creationId xmlns:a16="http://schemas.microsoft.com/office/drawing/2014/main" xmlns="" id="{B173BBB1-992E-4C62-B6EF-38E5859DA795}"/>
               </a:ext>
             </a:extLst>
           </p:cNvPr>
@@ -11463,7 +11353,7 @@
           <p:cNvPr id="38" name="Tekst — symbol zastępczy 14">
             <a:extLst>
               <a:ext uri="{FF2B5EF4-FFF2-40B4-BE49-F238E27FC236}">
-                <a16:creationId xmlns:a16="http://schemas.microsoft.com/office/drawing/2014/main" id="{83639117-6091-4743-897D-3E5F4468CCAE}"/>
+                <a16:creationId xmlns:a16="http://schemas.microsoft.com/office/drawing/2014/main" xmlns="" id="{83639117-6091-4743-897D-3E5F4468CCAE}"/>
               </a:ext>
             </a:extLst>
           </p:cNvPr>
@@ -11520,7 +11410,7 @@
           <p:cNvPr id="39" name="Tekst — symbol zastępczy 14">
             <a:extLst>
               <a:ext uri="{FF2B5EF4-FFF2-40B4-BE49-F238E27FC236}">
-                <a16:creationId xmlns:a16="http://schemas.microsoft.com/office/drawing/2014/main" id="{B7A64542-4E5B-4701-845E-5101F87E1102}"/>
+                <a16:creationId xmlns:a16="http://schemas.microsoft.com/office/drawing/2014/main" xmlns="" id="{B7A64542-4E5B-4701-845E-5101F87E1102}"/>
               </a:ext>
             </a:extLst>
           </p:cNvPr>
@@ -11577,7 +11467,7 @@
           <p:cNvPr id="52" name="Tekst — symbol zastępczy 14">
             <a:extLst>
               <a:ext uri="{FF2B5EF4-FFF2-40B4-BE49-F238E27FC236}">
-                <a16:creationId xmlns:a16="http://schemas.microsoft.com/office/drawing/2014/main" id="{0F74B4EA-4966-4ABC-8DFD-01157881B81B}"/>
+                <a16:creationId xmlns:a16="http://schemas.microsoft.com/office/drawing/2014/main" xmlns="" id="{0F74B4EA-4966-4ABC-8DFD-01157881B81B}"/>
               </a:ext>
             </a:extLst>
           </p:cNvPr>
@@ -11628,7 +11518,7 @@
           <p:cNvPr id="53" name="Tekst — symbol zastępczy 14">
             <a:extLst>
               <a:ext uri="{FF2B5EF4-FFF2-40B4-BE49-F238E27FC236}">
-                <a16:creationId xmlns:a16="http://schemas.microsoft.com/office/drawing/2014/main" id="{D7536456-E749-466F-8EFA-F33D82812277}"/>
+                <a16:creationId xmlns:a16="http://schemas.microsoft.com/office/drawing/2014/main" xmlns="" id="{D7536456-E749-466F-8EFA-F33D82812277}"/>
               </a:ext>
             </a:extLst>
           </p:cNvPr>
@@ -11679,7 +11569,7 @@
           <p:cNvPr id="54" name="Tekst — symbol zastępczy 14">
             <a:extLst>
               <a:ext uri="{FF2B5EF4-FFF2-40B4-BE49-F238E27FC236}">
-                <a16:creationId xmlns:a16="http://schemas.microsoft.com/office/drawing/2014/main" id="{A6C85040-3D7A-4FD1-B96E-3ED738367662}"/>
+                <a16:creationId xmlns:a16="http://schemas.microsoft.com/office/drawing/2014/main" xmlns="" id="{A6C85040-3D7A-4FD1-B96E-3ED738367662}"/>
               </a:ext>
             </a:extLst>
           </p:cNvPr>
@@ -11736,7 +11626,7 @@
           <p:cNvPr id="55" name="Tekst — symbol zastępczy 14">
             <a:extLst>
               <a:ext uri="{FF2B5EF4-FFF2-40B4-BE49-F238E27FC236}">
-                <a16:creationId xmlns:a16="http://schemas.microsoft.com/office/drawing/2014/main" id="{966941C8-0858-4060-8F85-A63D40D05872}"/>
+                <a16:creationId xmlns:a16="http://schemas.microsoft.com/office/drawing/2014/main" xmlns="" id="{966941C8-0858-4060-8F85-A63D40D05872}"/>
               </a:ext>
             </a:extLst>
           </p:cNvPr>
@@ -11793,7 +11683,7 @@
           <p:cNvPr id="56" name="Tekst — symbol zastępczy 14">
             <a:extLst>
               <a:ext uri="{FF2B5EF4-FFF2-40B4-BE49-F238E27FC236}">
-                <a16:creationId xmlns:a16="http://schemas.microsoft.com/office/drawing/2014/main" id="{B66D6339-390D-45A7-BBF7-ADB8D6A0168F}"/>
+                <a16:creationId xmlns:a16="http://schemas.microsoft.com/office/drawing/2014/main" xmlns="" id="{B66D6339-390D-45A7-BBF7-ADB8D6A0168F}"/>
               </a:ext>
             </a:extLst>
           </p:cNvPr>
@@ -11850,7 +11740,7 @@
           <p:cNvPr id="57" name="Tekst — symbol zastępczy 14">
             <a:extLst>
               <a:ext uri="{FF2B5EF4-FFF2-40B4-BE49-F238E27FC236}">
-                <a16:creationId xmlns:a16="http://schemas.microsoft.com/office/drawing/2014/main" id="{89C25EC2-6755-441D-BD59-204C60EFD6AE}"/>
+                <a16:creationId xmlns:a16="http://schemas.microsoft.com/office/drawing/2014/main" xmlns="" id="{89C25EC2-6755-441D-BD59-204C60EFD6AE}"/>
               </a:ext>
             </a:extLst>
           </p:cNvPr>
@@ -11907,7 +11797,7 @@
           <p:cNvPr id="58" name="Tekst — symbol zastępczy 14">
             <a:extLst>
               <a:ext uri="{FF2B5EF4-FFF2-40B4-BE49-F238E27FC236}">
-                <a16:creationId xmlns:a16="http://schemas.microsoft.com/office/drawing/2014/main" id="{5AA552AB-DFEE-4CE4-9596-F63F557FD478}"/>
+                <a16:creationId xmlns:a16="http://schemas.microsoft.com/office/drawing/2014/main" xmlns="" id="{5AA552AB-DFEE-4CE4-9596-F63F557FD478}"/>
               </a:ext>
             </a:extLst>
           </p:cNvPr>
@@ -11962,7 +11852,7 @@
           <p:cNvPr id="59" name="Tekst — symbol zastępczy 14">
             <a:extLst>
               <a:ext uri="{FF2B5EF4-FFF2-40B4-BE49-F238E27FC236}">
-                <a16:creationId xmlns:a16="http://schemas.microsoft.com/office/drawing/2014/main" id="{8AA79F31-661A-42DB-97E9-B3633BF6622E}"/>
+                <a16:creationId xmlns:a16="http://schemas.microsoft.com/office/drawing/2014/main" xmlns="" id="{8AA79F31-661A-42DB-97E9-B3633BF6622E}"/>
               </a:ext>
             </a:extLst>
           </p:cNvPr>
@@ -12019,7 +11909,7 @@
           <p:cNvPr id="2" name="Tytuł 1">
             <a:extLst>
               <a:ext uri="{FF2B5EF4-FFF2-40B4-BE49-F238E27FC236}">
-                <a16:creationId xmlns:a16="http://schemas.microsoft.com/office/drawing/2014/main" id="{5171E1E5-ACAD-4ED5-AAF2-539AF0733FC8}"/>
+                <a16:creationId xmlns:a16="http://schemas.microsoft.com/office/drawing/2014/main" xmlns="" id="{5171E1E5-ACAD-4ED5-AAF2-539AF0733FC8}"/>
               </a:ext>
             </a:extLst>
           </p:cNvPr>
@@ -12055,7 +11945,7 @@
     </p:spTree>
     <p:extLst>
       <p:ext uri="{BB962C8B-B14F-4D97-AF65-F5344CB8AC3E}">
-        <p14:creationId xmlns:p14="http://schemas.microsoft.com/office/powerpoint/2010/main" val="180835875"/>
+        <p14:creationId xmlns:p14="http://schemas.microsoft.com/office/powerpoint/2010/main" xmlns="" val="180835875"/>
       </p:ext>
     </p:extLst>
   </p:cSld>
@@ -12087,7 +11977,7 @@
           <p:cNvPr id="3" name="Data — symbol zastępczy 2">
             <a:extLst>
               <a:ext uri="{FF2B5EF4-FFF2-40B4-BE49-F238E27FC236}">
-                <a16:creationId xmlns:a16="http://schemas.microsoft.com/office/drawing/2014/main" id="{91DFB87B-D4AD-42B4-8993-D5BD0311CFF4}"/>
+                <a16:creationId xmlns:a16="http://schemas.microsoft.com/office/drawing/2014/main" xmlns="" id="{91DFB87B-D4AD-42B4-8993-D5BD0311CFF4}"/>
               </a:ext>
             </a:extLst>
           </p:cNvPr>
@@ -12128,7 +12018,7 @@
           <p:cNvPr id="4" name="Stopka — symbol zastępczy 3">
             <a:extLst>
               <a:ext uri="{FF2B5EF4-FFF2-40B4-BE49-F238E27FC236}">
-                <a16:creationId xmlns:a16="http://schemas.microsoft.com/office/drawing/2014/main" id="{DEBDA0E7-08C2-442E-A8B3-F1218B69F28B}"/>
+                <a16:creationId xmlns:a16="http://schemas.microsoft.com/office/drawing/2014/main" xmlns="" id="{DEBDA0E7-08C2-442E-A8B3-F1218B69F28B}"/>
               </a:ext>
             </a:extLst>
           </p:cNvPr>
@@ -12169,7 +12059,7 @@
           <p:cNvPr id="5" name="Numer slajdu — symbol zastępczy 4">
             <a:extLst>
               <a:ext uri="{FF2B5EF4-FFF2-40B4-BE49-F238E27FC236}">
-                <a16:creationId xmlns:a16="http://schemas.microsoft.com/office/drawing/2014/main" id="{869842E0-2E48-4C5C-9EC5-429BF2DA44B5}"/>
+                <a16:creationId xmlns:a16="http://schemas.microsoft.com/office/drawing/2014/main" xmlns="" id="{869842E0-2E48-4C5C-9EC5-429BF2DA44B5}"/>
               </a:ext>
             </a:extLst>
           </p:cNvPr>
@@ -12200,7 +12090,7 @@
             <a:pPr rtl="0"/>
             <a:fld id="{BF860B6F-2FE3-4DE6-9496-980E987E7466}" type="slidenum">
               <a:rPr lang="pl-PL" noProof="0" smtClean="0"/>
-              <a:pPr/>
+              <a:pPr rtl="0"/>
               <a:t>‹#›</a:t>
             </a:fld>
             <a:endParaRPr lang="pl-PL" noProof="0"/>
@@ -12212,7 +12102,7 @@
           <p:cNvPr id="2" name="Prostokąt 1">
             <a:extLst>
               <a:ext uri="{FF2B5EF4-FFF2-40B4-BE49-F238E27FC236}">
-                <a16:creationId xmlns:a16="http://schemas.microsoft.com/office/drawing/2014/main" id="{AA3808EC-BC22-46D4-895E-0A67F6EE1907}"/>
+                <a16:creationId xmlns:a16="http://schemas.microsoft.com/office/drawing/2014/main" xmlns="" id="{AA3808EC-BC22-46D4-895E-0A67F6EE1907}"/>
               </a:ext>
             </a:extLst>
           </p:cNvPr>
@@ -12269,7 +12159,7 @@
           <p:cNvPr id="6" name="Tytuł 5">
             <a:extLst>
               <a:ext uri="{FF2B5EF4-FFF2-40B4-BE49-F238E27FC236}">
-                <a16:creationId xmlns:a16="http://schemas.microsoft.com/office/drawing/2014/main" id="{6783E2FE-F5EA-4C43-BC5B-23330B11D446}"/>
+                <a16:creationId xmlns:a16="http://schemas.microsoft.com/office/drawing/2014/main" xmlns="" id="{6783E2FE-F5EA-4C43-BC5B-23330B11D446}"/>
               </a:ext>
             </a:extLst>
           </p:cNvPr>
@@ -12305,7 +12195,7 @@
     </p:spTree>
     <p:extLst>
       <p:ext uri="{BB962C8B-B14F-4D97-AF65-F5344CB8AC3E}">
-        <p14:creationId xmlns:p14="http://schemas.microsoft.com/office/powerpoint/2010/main" val="578592739"/>
+        <p14:creationId xmlns:p14="http://schemas.microsoft.com/office/powerpoint/2010/main" xmlns="" val="578592739"/>
       </p:ext>
     </p:extLst>
   </p:cSld>
@@ -12337,7 +12227,7 @@
           <p:cNvPr id="6" name="Prostokąt 5">
             <a:extLst>
               <a:ext uri="{FF2B5EF4-FFF2-40B4-BE49-F238E27FC236}">
-                <a16:creationId xmlns:a16="http://schemas.microsoft.com/office/drawing/2014/main" id="{340F7723-F5B1-4A97-921F-93E42B12D62B}"/>
+                <a16:creationId xmlns:a16="http://schemas.microsoft.com/office/drawing/2014/main" xmlns="" id="{340F7723-F5B1-4A97-921F-93E42B12D62B}"/>
               </a:ext>
             </a:extLst>
           </p:cNvPr>
@@ -12391,7 +12281,7 @@
           <p:cNvPr id="3" name="Data — symbol zastępczy 2">
             <a:extLst>
               <a:ext uri="{FF2B5EF4-FFF2-40B4-BE49-F238E27FC236}">
-                <a16:creationId xmlns:a16="http://schemas.microsoft.com/office/drawing/2014/main" id="{E1670FDF-6533-4E3F-94A4-2548DA2F9C6C}"/>
+                <a16:creationId xmlns:a16="http://schemas.microsoft.com/office/drawing/2014/main" xmlns="" id="{E1670FDF-6533-4E3F-94A4-2548DA2F9C6C}"/>
               </a:ext>
             </a:extLst>
           </p:cNvPr>
@@ -12422,7 +12312,7 @@
           <p:cNvPr id="4" name="Stopka — symbol zastępczy 3">
             <a:extLst>
               <a:ext uri="{FF2B5EF4-FFF2-40B4-BE49-F238E27FC236}">
-                <a16:creationId xmlns:a16="http://schemas.microsoft.com/office/drawing/2014/main" id="{DFDB69DE-3108-4A10-8EDD-EC2EF3F52F04}"/>
+                <a16:creationId xmlns:a16="http://schemas.microsoft.com/office/drawing/2014/main" xmlns="" id="{DFDB69DE-3108-4A10-8EDD-EC2EF3F52F04}"/>
               </a:ext>
             </a:extLst>
           </p:cNvPr>
@@ -12453,7 +12343,7 @@
           <p:cNvPr id="5" name="Numer slajdu — symbol zastępczy 4">
             <a:extLst>
               <a:ext uri="{FF2B5EF4-FFF2-40B4-BE49-F238E27FC236}">
-                <a16:creationId xmlns:a16="http://schemas.microsoft.com/office/drawing/2014/main" id="{C49B337B-1B07-4B9D-9563-C5E433F8395A}"/>
+                <a16:creationId xmlns:a16="http://schemas.microsoft.com/office/drawing/2014/main" xmlns="" id="{C49B337B-1B07-4B9D-9563-C5E433F8395A}"/>
               </a:ext>
             </a:extLst>
           </p:cNvPr>
@@ -12474,7 +12364,7 @@
             <a:pPr rtl="0"/>
             <a:fld id="{BF860B6F-2FE3-4DE6-9496-980E987E7466}" type="slidenum">
               <a:rPr lang="pl-PL" noProof="0" smtClean="0"/>
-              <a:pPr/>
+              <a:pPr rtl="0"/>
               <a:t>‹#›</a:t>
             </a:fld>
             <a:endParaRPr lang="pl-PL" noProof="0"/>
@@ -12486,7 +12376,7 @@
           <p:cNvPr id="9" name="Obraz — symbol zastępczy 9">
             <a:extLst>
               <a:ext uri="{FF2B5EF4-FFF2-40B4-BE49-F238E27FC236}">
-                <a16:creationId xmlns:a16="http://schemas.microsoft.com/office/drawing/2014/main" id="{FA44B00A-A50E-49C2-AE8C-E243734442AF}"/>
+                <a16:creationId xmlns:a16="http://schemas.microsoft.com/office/drawing/2014/main" xmlns="" id="{FA44B00A-A50E-49C2-AE8C-E243734442AF}"/>
               </a:ext>
             </a:extLst>
           </p:cNvPr>
@@ -12530,7 +12420,7 @@
           <p:cNvPr id="10" name="Tekst — symbol zastępczy 10">
             <a:extLst>
               <a:ext uri="{FF2B5EF4-FFF2-40B4-BE49-F238E27FC236}">
-                <a16:creationId xmlns:a16="http://schemas.microsoft.com/office/drawing/2014/main" id="{300A1A7F-BD7F-4CB8-A8BD-C7DDCD62C9A8}"/>
+                <a16:creationId xmlns:a16="http://schemas.microsoft.com/office/drawing/2014/main" xmlns="" id="{300A1A7F-BD7F-4CB8-A8BD-C7DDCD62C9A8}"/>
               </a:ext>
             </a:extLst>
           </p:cNvPr>
@@ -12579,7 +12469,7 @@
           <p:cNvPr id="11" name="Tekst — symbol zastępczy 10">
             <a:extLst>
               <a:ext uri="{FF2B5EF4-FFF2-40B4-BE49-F238E27FC236}">
-                <a16:creationId xmlns:a16="http://schemas.microsoft.com/office/drawing/2014/main" id="{C4253CF9-87EA-4162-8CBD-63E10EBEB6E6}"/>
+                <a16:creationId xmlns:a16="http://schemas.microsoft.com/office/drawing/2014/main" xmlns="" id="{C4253CF9-87EA-4162-8CBD-63E10EBEB6E6}"/>
               </a:ext>
             </a:extLst>
           </p:cNvPr>
@@ -12628,7 +12518,7 @@
           <p:cNvPr id="24" name="Obraz — symbol zastępczy 9">
             <a:extLst>
               <a:ext uri="{FF2B5EF4-FFF2-40B4-BE49-F238E27FC236}">
-                <a16:creationId xmlns:a16="http://schemas.microsoft.com/office/drawing/2014/main" id="{F099E8E6-E766-4B5B-8E98-7D92E8F91A95}"/>
+                <a16:creationId xmlns:a16="http://schemas.microsoft.com/office/drawing/2014/main" xmlns="" id="{F099E8E6-E766-4B5B-8E98-7D92E8F91A95}"/>
               </a:ext>
             </a:extLst>
           </p:cNvPr>
@@ -12672,7 +12562,7 @@
           <p:cNvPr id="30" name="Tekst — symbol zastępczy 10">
             <a:extLst>
               <a:ext uri="{FF2B5EF4-FFF2-40B4-BE49-F238E27FC236}">
-                <a16:creationId xmlns:a16="http://schemas.microsoft.com/office/drawing/2014/main" id="{A3AC6007-1F43-4D93-842F-2E1F01D19B20}"/>
+                <a16:creationId xmlns:a16="http://schemas.microsoft.com/office/drawing/2014/main" xmlns="" id="{A3AC6007-1F43-4D93-842F-2E1F01D19B20}"/>
               </a:ext>
             </a:extLst>
           </p:cNvPr>
@@ -12721,7 +12611,7 @@
           <p:cNvPr id="31" name="Tekst — symbol zastępczy 10">
             <a:extLst>
               <a:ext uri="{FF2B5EF4-FFF2-40B4-BE49-F238E27FC236}">
-                <a16:creationId xmlns:a16="http://schemas.microsoft.com/office/drawing/2014/main" id="{85EC4308-1195-47F4-A415-8637701ADF8A}"/>
+                <a16:creationId xmlns:a16="http://schemas.microsoft.com/office/drawing/2014/main" xmlns="" id="{85EC4308-1195-47F4-A415-8637701ADF8A}"/>
               </a:ext>
             </a:extLst>
           </p:cNvPr>
@@ -12770,7 +12660,7 @@
           <p:cNvPr id="38" name="Obraz — symbol zastępczy 9">
             <a:extLst>
               <a:ext uri="{FF2B5EF4-FFF2-40B4-BE49-F238E27FC236}">
-                <a16:creationId xmlns:a16="http://schemas.microsoft.com/office/drawing/2014/main" id="{8E583185-DBE3-45E6-B367-B88C50A91CEA}"/>
+                <a16:creationId xmlns:a16="http://schemas.microsoft.com/office/drawing/2014/main" xmlns="" id="{8E583185-DBE3-45E6-B367-B88C50A91CEA}"/>
               </a:ext>
             </a:extLst>
           </p:cNvPr>
@@ -12814,7 +12704,7 @@
           <p:cNvPr id="39" name="Tekst — symbol zastępczy 10">
             <a:extLst>
               <a:ext uri="{FF2B5EF4-FFF2-40B4-BE49-F238E27FC236}">
-                <a16:creationId xmlns:a16="http://schemas.microsoft.com/office/drawing/2014/main" id="{0B472BE4-F051-416A-AFCF-53E847C3E546}"/>
+                <a16:creationId xmlns:a16="http://schemas.microsoft.com/office/drawing/2014/main" xmlns="" id="{0B472BE4-F051-416A-AFCF-53E847C3E546}"/>
               </a:ext>
             </a:extLst>
           </p:cNvPr>
@@ -12863,7 +12753,7 @@
           <p:cNvPr id="40" name="Tekst — symbol zastępczy 10">
             <a:extLst>
               <a:ext uri="{FF2B5EF4-FFF2-40B4-BE49-F238E27FC236}">
-                <a16:creationId xmlns:a16="http://schemas.microsoft.com/office/drawing/2014/main" id="{FF4A7512-D4D0-4D2E-A300-C5EE0AC2EC89}"/>
+                <a16:creationId xmlns:a16="http://schemas.microsoft.com/office/drawing/2014/main" xmlns="" id="{FF4A7512-D4D0-4D2E-A300-C5EE0AC2EC89}"/>
               </a:ext>
             </a:extLst>
           </p:cNvPr>
@@ -12912,7 +12802,7 @@
           <p:cNvPr id="41" name="Obraz — symbol zastępczy 9">
             <a:extLst>
               <a:ext uri="{FF2B5EF4-FFF2-40B4-BE49-F238E27FC236}">
-                <a16:creationId xmlns:a16="http://schemas.microsoft.com/office/drawing/2014/main" id="{7CBE80F1-F6E2-416E-9F4A-EBE15E0F94A5}"/>
+                <a16:creationId xmlns:a16="http://schemas.microsoft.com/office/drawing/2014/main" xmlns="" id="{7CBE80F1-F6E2-416E-9F4A-EBE15E0F94A5}"/>
               </a:ext>
             </a:extLst>
           </p:cNvPr>
@@ -12956,7 +12846,7 @@
           <p:cNvPr id="42" name="Tekst — symbol zastępczy 10">
             <a:extLst>
               <a:ext uri="{FF2B5EF4-FFF2-40B4-BE49-F238E27FC236}">
-                <a16:creationId xmlns:a16="http://schemas.microsoft.com/office/drawing/2014/main" id="{B9A76D07-863C-4818-9D9C-99B8F83B8F41}"/>
+                <a16:creationId xmlns:a16="http://schemas.microsoft.com/office/drawing/2014/main" xmlns="" id="{B9A76D07-863C-4818-9D9C-99B8F83B8F41}"/>
               </a:ext>
             </a:extLst>
           </p:cNvPr>
@@ -13005,7 +12895,7 @@
           <p:cNvPr id="43" name="Tekst — symbol zastępczy 10">
             <a:extLst>
               <a:ext uri="{FF2B5EF4-FFF2-40B4-BE49-F238E27FC236}">
-                <a16:creationId xmlns:a16="http://schemas.microsoft.com/office/drawing/2014/main" id="{822CAEC7-C513-41B6-9F77-3D5481F849EE}"/>
+                <a16:creationId xmlns:a16="http://schemas.microsoft.com/office/drawing/2014/main" xmlns="" id="{822CAEC7-C513-41B6-9F77-3D5481F849EE}"/>
               </a:ext>
             </a:extLst>
           </p:cNvPr>
@@ -13054,7 +12944,7 @@
           <p:cNvPr id="2" name="Tytuł 1">
             <a:extLst>
               <a:ext uri="{FF2B5EF4-FFF2-40B4-BE49-F238E27FC236}">
-                <a16:creationId xmlns:a16="http://schemas.microsoft.com/office/drawing/2014/main" id="{2CC03895-E987-4148-AB13-798D65CB7B03}"/>
+                <a16:creationId xmlns:a16="http://schemas.microsoft.com/office/drawing/2014/main" xmlns="" id="{2CC03895-E987-4148-AB13-798D65CB7B03}"/>
               </a:ext>
             </a:extLst>
           </p:cNvPr>
@@ -13090,7 +12980,7 @@
     </p:spTree>
     <p:extLst>
       <p:ext uri="{BB962C8B-B14F-4D97-AF65-F5344CB8AC3E}">
-        <p14:creationId xmlns:p14="http://schemas.microsoft.com/office/powerpoint/2010/main" val="2289745140"/>
+        <p14:creationId xmlns:p14="http://schemas.microsoft.com/office/powerpoint/2010/main" xmlns="" val="2289745140"/>
       </p:ext>
     </p:extLst>
   </p:cSld>
@@ -13122,7 +13012,7 @@
           <p:cNvPr id="6" name="Prostokąt 5">
             <a:extLst>
               <a:ext uri="{FF2B5EF4-FFF2-40B4-BE49-F238E27FC236}">
-                <a16:creationId xmlns:a16="http://schemas.microsoft.com/office/drawing/2014/main" id="{0A64182B-9BBA-4B44-BC53-045107E9371D}"/>
+                <a16:creationId xmlns:a16="http://schemas.microsoft.com/office/drawing/2014/main" xmlns="" id="{0A64182B-9BBA-4B44-BC53-045107E9371D}"/>
               </a:ext>
             </a:extLst>
           </p:cNvPr>
@@ -13176,7 +13066,7 @@
           <p:cNvPr id="3" name="Data — symbol zastępczy 2">
             <a:extLst>
               <a:ext uri="{FF2B5EF4-FFF2-40B4-BE49-F238E27FC236}">
-                <a16:creationId xmlns:a16="http://schemas.microsoft.com/office/drawing/2014/main" id="{07DA1795-FD62-4E99-989E-A14C0571A741}"/>
+                <a16:creationId xmlns:a16="http://schemas.microsoft.com/office/drawing/2014/main" xmlns="" id="{07DA1795-FD62-4E99-989E-A14C0571A741}"/>
               </a:ext>
             </a:extLst>
           </p:cNvPr>
@@ -13207,7 +13097,7 @@
           <p:cNvPr id="4" name="Stopka — symbol zastępczy 3">
             <a:extLst>
               <a:ext uri="{FF2B5EF4-FFF2-40B4-BE49-F238E27FC236}">
-                <a16:creationId xmlns:a16="http://schemas.microsoft.com/office/drawing/2014/main" id="{0F25EE35-717E-4E9F-A75B-366341B39E7B}"/>
+                <a16:creationId xmlns:a16="http://schemas.microsoft.com/office/drawing/2014/main" xmlns="" id="{0F25EE35-717E-4E9F-A75B-366341B39E7B}"/>
               </a:ext>
             </a:extLst>
           </p:cNvPr>
@@ -13238,7 +13128,7 @@
           <p:cNvPr id="5" name="Numer slajdu — symbol zastępczy 4">
             <a:extLst>
               <a:ext uri="{FF2B5EF4-FFF2-40B4-BE49-F238E27FC236}">
-                <a16:creationId xmlns:a16="http://schemas.microsoft.com/office/drawing/2014/main" id="{43C606A6-DC50-4DDF-8621-3D530D52B5E4}"/>
+                <a16:creationId xmlns:a16="http://schemas.microsoft.com/office/drawing/2014/main" xmlns="" id="{43C606A6-DC50-4DDF-8621-3D530D52B5E4}"/>
               </a:ext>
             </a:extLst>
           </p:cNvPr>
@@ -13259,7 +13149,7 @@
             <a:pPr rtl="0"/>
             <a:fld id="{BF860B6F-2FE3-4DE6-9496-980E987E7466}" type="slidenum">
               <a:rPr lang="pl-PL" noProof="0" smtClean="0"/>
-              <a:pPr/>
+              <a:pPr rtl="0"/>
               <a:t>‹#›</a:t>
             </a:fld>
             <a:endParaRPr lang="pl-PL" noProof="0"/>
@@ -13271,7 +13161,7 @@
           <p:cNvPr id="8" name="Obraz — symbol zastępczy 9">
             <a:extLst>
               <a:ext uri="{FF2B5EF4-FFF2-40B4-BE49-F238E27FC236}">
-                <a16:creationId xmlns:a16="http://schemas.microsoft.com/office/drawing/2014/main" id="{9DE112EE-5EA4-49AF-8AF9-754D30C1448E}"/>
+                <a16:creationId xmlns:a16="http://schemas.microsoft.com/office/drawing/2014/main" xmlns="" id="{9DE112EE-5EA4-49AF-8AF9-754D30C1448E}"/>
               </a:ext>
             </a:extLst>
           </p:cNvPr>
@@ -13315,7 +13205,7 @@
           <p:cNvPr id="9" name="Tekst — symbol zastępczy 10">
             <a:extLst>
               <a:ext uri="{FF2B5EF4-FFF2-40B4-BE49-F238E27FC236}">
-                <a16:creationId xmlns:a16="http://schemas.microsoft.com/office/drawing/2014/main" id="{63210BF0-55FD-4D41-9458-4492BAD292AE}"/>
+                <a16:creationId xmlns:a16="http://schemas.microsoft.com/office/drawing/2014/main" xmlns="" id="{63210BF0-55FD-4D41-9458-4492BAD292AE}"/>
               </a:ext>
             </a:extLst>
           </p:cNvPr>
@@ -13364,7 +13254,7 @@
           <p:cNvPr id="10" name="Tekst — symbol zastępczy 10">
             <a:extLst>
               <a:ext uri="{FF2B5EF4-FFF2-40B4-BE49-F238E27FC236}">
-                <a16:creationId xmlns:a16="http://schemas.microsoft.com/office/drawing/2014/main" id="{A739369F-4EDD-4B19-8395-084759667B62}"/>
+                <a16:creationId xmlns:a16="http://schemas.microsoft.com/office/drawing/2014/main" xmlns="" id="{A739369F-4EDD-4B19-8395-084759667B62}"/>
               </a:ext>
             </a:extLst>
           </p:cNvPr>
@@ -13419,7 +13309,7 @@
           <p:cNvPr id="17" name="Obraz — symbol zastępczy 9">
             <a:extLst>
               <a:ext uri="{FF2B5EF4-FFF2-40B4-BE49-F238E27FC236}">
-                <a16:creationId xmlns:a16="http://schemas.microsoft.com/office/drawing/2014/main" id="{A72E3657-9D29-484E-819B-67EA4ADC474B}"/>
+                <a16:creationId xmlns:a16="http://schemas.microsoft.com/office/drawing/2014/main" xmlns="" id="{A72E3657-9D29-484E-819B-67EA4ADC474B}"/>
               </a:ext>
             </a:extLst>
           </p:cNvPr>
@@ -13463,7 +13353,7 @@
           <p:cNvPr id="18" name="Tekst — symbol zastępczy 10">
             <a:extLst>
               <a:ext uri="{FF2B5EF4-FFF2-40B4-BE49-F238E27FC236}">
-                <a16:creationId xmlns:a16="http://schemas.microsoft.com/office/drawing/2014/main" id="{3E59867B-1A93-4A9B-9C2E-AE7B5FCF5109}"/>
+                <a16:creationId xmlns:a16="http://schemas.microsoft.com/office/drawing/2014/main" xmlns="" id="{3E59867B-1A93-4A9B-9C2E-AE7B5FCF5109}"/>
               </a:ext>
             </a:extLst>
           </p:cNvPr>
@@ -13512,7 +13402,7 @@
           <p:cNvPr id="19" name="Tekst — symbol zastępczy 10">
             <a:extLst>
               <a:ext uri="{FF2B5EF4-FFF2-40B4-BE49-F238E27FC236}">
-                <a16:creationId xmlns:a16="http://schemas.microsoft.com/office/drawing/2014/main" id="{690192BD-CD3C-44D3-9A9A-8782B80F765D}"/>
+                <a16:creationId xmlns:a16="http://schemas.microsoft.com/office/drawing/2014/main" xmlns="" id="{690192BD-CD3C-44D3-9A9A-8782B80F765D}"/>
               </a:ext>
             </a:extLst>
           </p:cNvPr>
@@ -13567,7 +13457,7 @@
           <p:cNvPr id="20" name="Obraz — symbol zastępczy 9">
             <a:extLst>
               <a:ext uri="{FF2B5EF4-FFF2-40B4-BE49-F238E27FC236}">
-                <a16:creationId xmlns:a16="http://schemas.microsoft.com/office/drawing/2014/main" id="{75E378BE-4D71-48F2-BA16-CCF8158EF7E8}"/>
+                <a16:creationId xmlns:a16="http://schemas.microsoft.com/office/drawing/2014/main" xmlns="" id="{75E378BE-4D71-48F2-BA16-CCF8158EF7E8}"/>
               </a:ext>
             </a:extLst>
           </p:cNvPr>
@@ -13611,7 +13501,7 @@
           <p:cNvPr id="21" name="Tekst — symbol zastępczy 10">
             <a:extLst>
               <a:ext uri="{FF2B5EF4-FFF2-40B4-BE49-F238E27FC236}">
-                <a16:creationId xmlns:a16="http://schemas.microsoft.com/office/drawing/2014/main" id="{80F28DC9-C26A-4D42-8BFA-540BB696E04D}"/>
+                <a16:creationId xmlns:a16="http://schemas.microsoft.com/office/drawing/2014/main" xmlns="" id="{80F28DC9-C26A-4D42-8BFA-540BB696E04D}"/>
               </a:ext>
             </a:extLst>
           </p:cNvPr>
@@ -13660,7 +13550,7 @@
           <p:cNvPr id="22" name="Tekst — symbol zastępczy 10">
             <a:extLst>
               <a:ext uri="{FF2B5EF4-FFF2-40B4-BE49-F238E27FC236}">
-                <a16:creationId xmlns:a16="http://schemas.microsoft.com/office/drawing/2014/main" id="{9642AD6D-085C-424D-B340-7731A4F95D4A}"/>
+                <a16:creationId xmlns:a16="http://schemas.microsoft.com/office/drawing/2014/main" xmlns="" id="{9642AD6D-085C-424D-B340-7731A4F95D4A}"/>
               </a:ext>
             </a:extLst>
           </p:cNvPr>
@@ -13715,7 +13605,7 @@
           <p:cNvPr id="23" name="Obraz — symbol zastępczy 9">
             <a:extLst>
               <a:ext uri="{FF2B5EF4-FFF2-40B4-BE49-F238E27FC236}">
-                <a16:creationId xmlns:a16="http://schemas.microsoft.com/office/drawing/2014/main" id="{9CD02B3D-3B05-4CE4-98EF-4772E813751D}"/>
+                <a16:creationId xmlns:a16="http://schemas.microsoft.com/office/drawing/2014/main" xmlns="" id="{9CD02B3D-3B05-4CE4-98EF-4772E813751D}"/>
               </a:ext>
             </a:extLst>
           </p:cNvPr>
@@ -13759,7 +13649,7 @@
           <p:cNvPr id="24" name="Tekst — symbol zastępczy 10">
             <a:extLst>
               <a:ext uri="{FF2B5EF4-FFF2-40B4-BE49-F238E27FC236}">
-                <a16:creationId xmlns:a16="http://schemas.microsoft.com/office/drawing/2014/main" id="{758AF150-35C5-4E99-97F8-798A80E52A7C}"/>
+                <a16:creationId xmlns:a16="http://schemas.microsoft.com/office/drawing/2014/main" xmlns="" id="{758AF150-35C5-4E99-97F8-798A80E52A7C}"/>
               </a:ext>
             </a:extLst>
           </p:cNvPr>
@@ -13808,7 +13698,7 @@
           <p:cNvPr id="25" name="Tekst — symbol zastępczy 10">
             <a:extLst>
               <a:ext uri="{FF2B5EF4-FFF2-40B4-BE49-F238E27FC236}">
-                <a16:creationId xmlns:a16="http://schemas.microsoft.com/office/drawing/2014/main" id="{B02EB253-A55A-4EC6-A5A8-ABACCF75D015}"/>
+                <a16:creationId xmlns:a16="http://schemas.microsoft.com/office/drawing/2014/main" xmlns="" id="{B02EB253-A55A-4EC6-A5A8-ABACCF75D015}"/>
               </a:ext>
             </a:extLst>
           </p:cNvPr>
@@ -13863,7 +13753,7 @@
           <p:cNvPr id="26" name="Obraz — symbol zastępczy 9">
             <a:extLst>
               <a:ext uri="{FF2B5EF4-FFF2-40B4-BE49-F238E27FC236}">
-                <a16:creationId xmlns:a16="http://schemas.microsoft.com/office/drawing/2014/main" id="{1A02BB49-28DB-48E5-8959-D36C9840302C}"/>
+                <a16:creationId xmlns:a16="http://schemas.microsoft.com/office/drawing/2014/main" xmlns="" id="{1A02BB49-28DB-48E5-8959-D36C9840302C}"/>
               </a:ext>
             </a:extLst>
           </p:cNvPr>
@@ -13907,7 +13797,7 @@
           <p:cNvPr id="27" name="Tekst — symbol zastępczy 10">
             <a:extLst>
               <a:ext uri="{FF2B5EF4-FFF2-40B4-BE49-F238E27FC236}">
-                <a16:creationId xmlns:a16="http://schemas.microsoft.com/office/drawing/2014/main" id="{03C6BE33-794C-464D-886A-DB31DC137B0D}"/>
+                <a16:creationId xmlns:a16="http://schemas.microsoft.com/office/drawing/2014/main" xmlns="" id="{03C6BE33-794C-464D-886A-DB31DC137B0D}"/>
               </a:ext>
             </a:extLst>
           </p:cNvPr>
@@ -13956,7 +13846,7 @@
           <p:cNvPr id="28" name="Tekst — symbol zastępczy 10">
             <a:extLst>
               <a:ext uri="{FF2B5EF4-FFF2-40B4-BE49-F238E27FC236}">
-                <a16:creationId xmlns:a16="http://schemas.microsoft.com/office/drawing/2014/main" id="{51088B84-C9AE-4E0F-BE0B-7691872F7898}"/>
+                <a16:creationId xmlns:a16="http://schemas.microsoft.com/office/drawing/2014/main" xmlns="" id="{51088B84-C9AE-4E0F-BE0B-7691872F7898}"/>
               </a:ext>
             </a:extLst>
           </p:cNvPr>
@@ -14011,7 +13901,7 @@
           <p:cNvPr id="29" name="Obraz — symbol zastępczy 9">
             <a:extLst>
               <a:ext uri="{FF2B5EF4-FFF2-40B4-BE49-F238E27FC236}">
-                <a16:creationId xmlns:a16="http://schemas.microsoft.com/office/drawing/2014/main" id="{EC807298-9742-4D0C-86D4-A25C5ED3069C}"/>
+                <a16:creationId xmlns:a16="http://schemas.microsoft.com/office/drawing/2014/main" xmlns="" id="{EC807298-9742-4D0C-86D4-A25C5ED3069C}"/>
               </a:ext>
             </a:extLst>
           </p:cNvPr>
@@ -14055,7 +13945,7 @@
           <p:cNvPr id="30" name="Tekst — symbol zastępczy 10">
             <a:extLst>
               <a:ext uri="{FF2B5EF4-FFF2-40B4-BE49-F238E27FC236}">
-                <a16:creationId xmlns:a16="http://schemas.microsoft.com/office/drawing/2014/main" id="{7B94081A-B2B7-439C-B7CA-91A63FB88DF1}"/>
+                <a16:creationId xmlns:a16="http://schemas.microsoft.com/office/drawing/2014/main" xmlns="" id="{7B94081A-B2B7-439C-B7CA-91A63FB88DF1}"/>
               </a:ext>
             </a:extLst>
           </p:cNvPr>
@@ -14104,7 +13994,7 @@
           <p:cNvPr id="31" name="Tekst — symbol zastępczy 10">
             <a:extLst>
               <a:ext uri="{FF2B5EF4-FFF2-40B4-BE49-F238E27FC236}">
-                <a16:creationId xmlns:a16="http://schemas.microsoft.com/office/drawing/2014/main" id="{875898E2-098E-4BDE-8BA8-C1D0755D7EB9}"/>
+                <a16:creationId xmlns:a16="http://schemas.microsoft.com/office/drawing/2014/main" xmlns="" id="{875898E2-098E-4BDE-8BA8-C1D0755D7EB9}"/>
               </a:ext>
             </a:extLst>
           </p:cNvPr>
@@ -14159,7 +14049,7 @@
           <p:cNvPr id="32" name="Obraz — symbol zastępczy 9">
             <a:extLst>
               <a:ext uri="{FF2B5EF4-FFF2-40B4-BE49-F238E27FC236}">
-                <a16:creationId xmlns:a16="http://schemas.microsoft.com/office/drawing/2014/main" id="{EEB78526-379C-43C5-ABE7-2F184FC309A1}"/>
+                <a16:creationId xmlns:a16="http://schemas.microsoft.com/office/drawing/2014/main" xmlns="" id="{EEB78526-379C-43C5-ABE7-2F184FC309A1}"/>
               </a:ext>
             </a:extLst>
           </p:cNvPr>
@@ -14203,7 +14093,7 @@
           <p:cNvPr id="33" name="Tekst — symbol zastępczy 10">
             <a:extLst>
               <a:ext uri="{FF2B5EF4-FFF2-40B4-BE49-F238E27FC236}">
-                <a16:creationId xmlns:a16="http://schemas.microsoft.com/office/drawing/2014/main" id="{FAA9378E-4336-4D84-9033-052E57D5470C}"/>
+                <a16:creationId xmlns:a16="http://schemas.microsoft.com/office/drawing/2014/main" xmlns="" id="{FAA9378E-4336-4D84-9033-052E57D5470C}"/>
               </a:ext>
             </a:extLst>
           </p:cNvPr>
@@ -14252,7 +14142,7 @@
           <p:cNvPr id="34" name="Tekst — symbol zastępczy 10">
             <a:extLst>
               <a:ext uri="{FF2B5EF4-FFF2-40B4-BE49-F238E27FC236}">
-                <a16:creationId xmlns:a16="http://schemas.microsoft.com/office/drawing/2014/main" id="{4AF0D6AA-392E-489E-8457-370F653057E9}"/>
+                <a16:creationId xmlns:a16="http://schemas.microsoft.com/office/drawing/2014/main" xmlns="" id="{4AF0D6AA-392E-489E-8457-370F653057E9}"/>
               </a:ext>
             </a:extLst>
           </p:cNvPr>
@@ -14307,7 +14197,7 @@
           <p:cNvPr id="35" name="Obraz — symbol zastępczy 9">
             <a:extLst>
               <a:ext uri="{FF2B5EF4-FFF2-40B4-BE49-F238E27FC236}">
-                <a16:creationId xmlns:a16="http://schemas.microsoft.com/office/drawing/2014/main" id="{515D701A-667D-41D8-B25B-72B088C7E9E4}"/>
+                <a16:creationId xmlns:a16="http://schemas.microsoft.com/office/drawing/2014/main" xmlns="" id="{515D701A-667D-41D8-B25B-72B088C7E9E4}"/>
               </a:ext>
             </a:extLst>
           </p:cNvPr>
@@ -14351,7 +14241,7 @@
           <p:cNvPr id="36" name="Tekst — symbol zastępczy 10">
             <a:extLst>
               <a:ext uri="{FF2B5EF4-FFF2-40B4-BE49-F238E27FC236}">
-                <a16:creationId xmlns:a16="http://schemas.microsoft.com/office/drawing/2014/main" id="{D0AB2C67-89B8-459B-BB18-3655BA5AB355}"/>
+                <a16:creationId xmlns:a16="http://schemas.microsoft.com/office/drawing/2014/main" xmlns="" id="{D0AB2C67-89B8-459B-BB18-3655BA5AB355}"/>
               </a:ext>
             </a:extLst>
           </p:cNvPr>
@@ -14400,7 +14290,7 @@
           <p:cNvPr id="37" name="Tekst — symbol zastępczy 10">
             <a:extLst>
               <a:ext uri="{FF2B5EF4-FFF2-40B4-BE49-F238E27FC236}">
-                <a16:creationId xmlns:a16="http://schemas.microsoft.com/office/drawing/2014/main" id="{88DB254D-C387-4A49-A475-DA300A713177}"/>
+                <a16:creationId xmlns:a16="http://schemas.microsoft.com/office/drawing/2014/main" xmlns="" id="{88DB254D-C387-4A49-A475-DA300A713177}"/>
               </a:ext>
             </a:extLst>
           </p:cNvPr>
@@ -14455,7 +14345,7 @@
           <p:cNvPr id="38" name="Tytuł 1">
             <a:extLst>
               <a:ext uri="{FF2B5EF4-FFF2-40B4-BE49-F238E27FC236}">
-                <a16:creationId xmlns:a16="http://schemas.microsoft.com/office/drawing/2014/main" id="{3C00339E-E516-47A3-98FD-7904488645B5}"/>
+                <a16:creationId xmlns:a16="http://schemas.microsoft.com/office/drawing/2014/main" xmlns="" id="{3C00339E-E516-47A3-98FD-7904488645B5}"/>
               </a:ext>
             </a:extLst>
           </p:cNvPr>
@@ -14491,7 +14381,7 @@
     </p:spTree>
     <p:extLst>
       <p:ext uri="{BB962C8B-B14F-4D97-AF65-F5344CB8AC3E}">
-        <p14:creationId xmlns:p14="http://schemas.microsoft.com/office/powerpoint/2010/main" val="710110303"/>
+        <p14:creationId xmlns:p14="http://schemas.microsoft.com/office/powerpoint/2010/main" xmlns="" val="710110303"/>
       </p:ext>
     </p:extLst>
   </p:cSld>
@@ -14523,7 +14413,7 @@
           <p:cNvPr id="3" name="Data — symbol zastępczy 2">
             <a:extLst>
               <a:ext uri="{FF2B5EF4-FFF2-40B4-BE49-F238E27FC236}">
-                <a16:creationId xmlns:a16="http://schemas.microsoft.com/office/drawing/2014/main" id="{0E516B3E-BF5D-4CBE-AA15-FEAD2B0B9811}"/>
+                <a16:creationId xmlns:a16="http://schemas.microsoft.com/office/drawing/2014/main" xmlns="" id="{0E516B3E-BF5D-4CBE-AA15-FEAD2B0B9811}"/>
               </a:ext>
             </a:extLst>
           </p:cNvPr>
@@ -14554,7 +14444,7 @@
           <p:cNvPr id="4" name="Stopka — symbol zastępczy 3">
             <a:extLst>
               <a:ext uri="{FF2B5EF4-FFF2-40B4-BE49-F238E27FC236}">
-                <a16:creationId xmlns:a16="http://schemas.microsoft.com/office/drawing/2014/main" id="{9AC6F15C-2031-4B28-91FF-8532EFEE84D6}"/>
+                <a16:creationId xmlns:a16="http://schemas.microsoft.com/office/drawing/2014/main" xmlns="" id="{9AC6F15C-2031-4B28-91FF-8532EFEE84D6}"/>
               </a:ext>
             </a:extLst>
           </p:cNvPr>
@@ -14585,7 +14475,7 @@
           <p:cNvPr id="5" name="Numer slajdu — symbol zastępczy 4">
             <a:extLst>
               <a:ext uri="{FF2B5EF4-FFF2-40B4-BE49-F238E27FC236}">
-                <a16:creationId xmlns:a16="http://schemas.microsoft.com/office/drawing/2014/main" id="{12847681-AA55-4F94-8741-812FB362831F}"/>
+                <a16:creationId xmlns:a16="http://schemas.microsoft.com/office/drawing/2014/main" xmlns="" id="{12847681-AA55-4F94-8741-812FB362831F}"/>
               </a:ext>
             </a:extLst>
           </p:cNvPr>
@@ -14606,7 +14496,7 @@
             <a:pPr rtl="0"/>
             <a:fld id="{BF860B6F-2FE3-4DE6-9496-980E987E7466}" type="slidenum">
               <a:rPr lang="pl-PL" noProof="0" smtClean="0"/>
-              <a:pPr/>
+              <a:pPr rtl="0"/>
               <a:t>‹#›</a:t>
             </a:fld>
             <a:endParaRPr lang="pl-PL" noProof="0"/>
@@ -14618,7 +14508,7 @@
           <p:cNvPr id="26" name="Prostokąt 25">
             <a:extLst>
               <a:ext uri="{FF2B5EF4-FFF2-40B4-BE49-F238E27FC236}">
-                <a16:creationId xmlns:a16="http://schemas.microsoft.com/office/drawing/2014/main" id="{0FB5880F-F841-4DE6-B266-C373510AF249}"/>
+                <a16:creationId xmlns:a16="http://schemas.microsoft.com/office/drawing/2014/main" xmlns="" id="{0FB5880F-F841-4DE6-B266-C373510AF249}"/>
               </a:ext>
             </a:extLst>
           </p:cNvPr>
@@ -14675,7 +14565,7 @@
           <p:cNvPr id="28" name="Tekst — symbol zastępczy 10">
             <a:extLst>
               <a:ext uri="{FF2B5EF4-FFF2-40B4-BE49-F238E27FC236}">
-                <a16:creationId xmlns:a16="http://schemas.microsoft.com/office/drawing/2014/main" id="{388B7164-58B7-4BB5-998B-0E7F664D9290}"/>
+                <a16:creationId xmlns:a16="http://schemas.microsoft.com/office/drawing/2014/main" xmlns="" id="{388B7164-58B7-4BB5-998B-0E7F664D9290}"/>
               </a:ext>
             </a:extLst>
           </p:cNvPr>
@@ -14727,7 +14617,7 @@
           <p:cNvPr id="29" name="Tekst — symbol zastępczy 10">
             <a:extLst>
               <a:ext uri="{FF2B5EF4-FFF2-40B4-BE49-F238E27FC236}">
-                <a16:creationId xmlns:a16="http://schemas.microsoft.com/office/drawing/2014/main" id="{4CB6F5B2-F117-4AD5-9C54-96006D152F19}"/>
+                <a16:creationId xmlns:a16="http://schemas.microsoft.com/office/drawing/2014/main" xmlns="" id="{4CB6F5B2-F117-4AD5-9C54-96006D152F19}"/>
               </a:ext>
             </a:extLst>
           </p:cNvPr>
@@ -14779,7 +14669,7 @@
           <p:cNvPr id="30" name="Tekst — symbol zastępczy 10">
             <a:extLst>
               <a:ext uri="{FF2B5EF4-FFF2-40B4-BE49-F238E27FC236}">
-                <a16:creationId xmlns:a16="http://schemas.microsoft.com/office/drawing/2014/main" id="{60636773-D205-448C-8DD8-8BBC3AFC2568}"/>
+                <a16:creationId xmlns:a16="http://schemas.microsoft.com/office/drawing/2014/main" xmlns="" id="{60636773-D205-448C-8DD8-8BBC3AFC2568}"/>
               </a:ext>
             </a:extLst>
           </p:cNvPr>
@@ -14831,7 +14721,7 @@
           <p:cNvPr id="31" name="Tekst — symbol zastępczy 10">
             <a:extLst>
               <a:ext uri="{FF2B5EF4-FFF2-40B4-BE49-F238E27FC236}">
-                <a16:creationId xmlns:a16="http://schemas.microsoft.com/office/drawing/2014/main" id="{6CD4F0A7-B003-44EA-AD28-A4B13CCE892C}"/>
+                <a16:creationId xmlns:a16="http://schemas.microsoft.com/office/drawing/2014/main" xmlns="" id="{6CD4F0A7-B003-44EA-AD28-A4B13CCE892C}"/>
               </a:ext>
             </a:extLst>
           </p:cNvPr>
@@ -14883,7 +14773,7 @@
           <p:cNvPr id="32" name="Tekst — symbol zastępczy 10">
             <a:extLst>
               <a:ext uri="{FF2B5EF4-FFF2-40B4-BE49-F238E27FC236}">
-                <a16:creationId xmlns:a16="http://schemas.microsoft.com/office/drawing/2014/main" id="{3CEEA233-6913-4525-8B47-39C2814EEF45}"/>
+                <a16:creationId xmlns:a16="http://schemas.microsoft.com/office/drawing/2014/main" xmlns="" id="{3CEEA233-6913-4525-8B47-39C2814EEF45}"/>
               </a:ext>
             </a:extLst>
           </p:cNvPr>
@@ -14938,7 +14828,7 @@
           <p:cNvPr id="33" name="Tekst — symbol zastępczy 10">
             <a:extLst>
               <a:ext uri="{FF2B5EF4-FFF2-40B4-BE49-F238E27FC236}">
-                <a16:creationId xmlns:a16="http://schemas.microsoft.com/office/drawing/2014/main" id="{718C63E6-2425-4D8D-99C9-99B35F978A8F}"/>
+                <a16:creationId xmlns:a16="http://schemas.microsoft.com/office/drawing/2014/main" xmlns="" id="{718C63E6-2425-4D8D-99C9-99B35F978A8F}"/>
               </a:ext>
             </a:extLst>
           </p:cNvPr>
@@ -14993,7 +14883,7 @@
           <p:cNvPr id="34" name="Tekst — symbol zastępczy 10">
             <a:extLst>
               <a:ext uri="{FF2B5EF4-FFF2-40B4-BE49-F238E27FC236}">
-                <a16:creationId xmlns:a16="http://schemas.microsoft.com/office/drawing/2014/main" id="{AEB3CF35-C4EC-42DA-B265-89015DF03501}"/>
+                <a16:creationId xmlns:a16="http://schemas.microsoft.com/office/drawing/2014/main" xmlns="" id="{AEB3CF35-C4EC-42DA-B265-89015DF03501}"/>
               </a:ext>
             </a:extLst>
           </p:cNvPr>
@@ -15048,7 +14938,7 @@
           <p:cNvPr id="35" name="Tekst — symbol zastępczy 10">
             <a:extLst>
               <a:ext uri="{FF2B5EF4-FFF2-40B4-BE49-F238E27FC236}">
-                <a16:creationId xmlns:a16="http://schemas.microsoft.com/office/drawing/2014/main" id="{A1B05A3F-5647-4FA8-AAB1-0438B6F6DD11}"/>
+                <a16:creationId xmlns:a16="http://schemas.microsoft.com/office/drawing/2014/main" xmlns="" id="{A1B05A3F-5647-4FA8-AAB1-0438B6F6DD11}"/>
               </a:ext>
             </a:extLst>
           </p:cNvPr>
@@ -15103,7 +14993,7 @@
           <p:cNvPr id="36" name="Tekst — symbol zastępczy 10">
             <a:extLst>
               <a:ext uri="{FF2B5EF4-FFF2-40B4-BE49-F238E27FC236}">
-                <a16:creationId xmlns:a16="http://schemas.microsoft.com/office/drawing/2014/main" id="{67059F7A-88D8-4E2F-A6F4-6CF5F194D54E}"/>
+                <a16:creationId xmlns:a16="http://schemas.microsoft.com/office/drawing/2014/main" xmlns="" id="{67059F7A-88D8-4E2F-A6F4-6CF5F194D54E}"/>
               </a:ext>
             </a:extLst>
           </p:cNvPr>
@@ -15158,7 +15048,7 @@
           <p:cNvPr id="37" name="Tekst — symbol zastępczy 10">
             <a:extLst>
               <a:ext uri="{FF2B5EF4-FFF2-40B4-BE49-F238E27FC236}">
-                <a16:creationId xmlns:a16="http://schemas.microsoft.com/office/drawing/2014/main" id="{CB25228C-31FC-4E25-80B1-8FAD0909BE75}"/>
+                <a16:creationId xmlns:a16="http://schemas.microsoft.com/office/drawing/2014/main" xmlns="" id="{CB25228C-31FC-4E25-80B1-8FAD0909BE75}"/>
               </a:ext>
             </a:extLst>
           </p:cNvPr>
@@ -15213,7 +15103,7 @@
           <p:cNvPr id="38" name="Tekst — symbol zastępczy 10">
             <a:extLst>
               <a:ext uri="{FF2B5EF4-FFF2-40B4-BE49-F238E27FC236}">
-                <a16:creationId xmlns:a16="http://schemas.microsoft.com/office/drawing/2014/main" id="{E3BCA350-B685-4ADC-9FC8-231807297673}"/>
+                <a16:creationId xmlns:a16="http://schemas.microsoft.com/office/drawing/2014/main" xmlns="" id="{E3BCA350-B685-4ADC-9FC8-231807297673}"/>
               </a:ext>
             </a:extLst>
           </p:cNvPr>
@@ -15268,7 +15158,7 @@
           <p:cNvPr id="39" name="Tekst — symbol zastępczy 10">
             <a:extLst>
               <a:ext uri="{FF2B5EF4-FFF2-40B4-BE49-F238E27FC236}">
-                <a16:creationId xmlns:a16="http://schemas.microsoft.com/office/drawing/2014/main" id="{F75319BC-EF3B-4B55-9663-E04ED5DBC88C}"/>
+                <a16:creationId xmlns:a16="http://schemas.microsoft.com/office/drawing/2014/main" xmlns="" id="{F75319BC-EF3B-4B55-9663-E04ED5DBC88C}"/>
               </a:ext>
             </a:extLst>
           </p:cNvPr>
@@ -15323,7 +15213,7 @@
           <p:cNvPr id="19" name="Tytuł 1">
             <a:extLst>
               <a:ext uri="{FF2B5EF4-FFF2-40B4-BE49-F238E27FC236}">
-                <a16:creationId xmlns:a16="http://schemas.microsoft.com/office/drawing/2014/main" id="{FE10C144-C9A1-43BD-9C8A-183A065E24FD}"/>
+                <a16:creationId xmlns:a16="http://schemas.microsoft.com/office/drawing/2014/main" xmlns="" id="{FE10C144-C9A1-43BD-9C8A-183A065E24FD}"/>
               </a:ext>
             </a:extLst>
           </p:cNvPr>
@@ -15359,7 +15249,7 @@
     </p:spTree>
     <p:extLst>
       <p:ext uri="{BB962C8B-B14F-4D97-AF65-F5344CB8AC3E}">
-        <p14:creationId xmlns:p14="http://schemas.microsoft.com/office/powerpoint/2010/main" val="1786022346"/>
+        <p14:creationId xmlns:p14="http://schemas.microsoft.com/office/powerpoint/2010/main" xmlns="" val="1786022346"/>
       </p:ext>
     </p:extLst>
   </p:cSld>
@@ -15391,10 +15281,10 @@
           <p:cNvPr id="12" name="Prostokąt 11">
             <a:extLst>
               <a:ext uri="{FF2B5EF4-FFF2-40B4-BE49-F238E27FC236}">
-                <a16:creationId xmlns:a16="http://schemas.microsoft.com/office/drawing/2014/main" id="{D96E7A44-0539-4C8E-ABEB-E56B131C44E7}"/>
+                <a16:creationId xmlns:a16="http://schemas.microsoft.com/office/drawing/2014/main" xmlns="" id="{D96E7A44-0539-4C8E-ABEB-E56B131C44E7}"/>
               </a:ext>
               <a:ext uri="{C183D7F6-B498-43B3-948B-1728B52AA6E4}">
-                <adec:decorative xmlns:adec="http://schemas.microsoft.com/office/drawing/2017/decorative" val="1"/>
+                <adec:decorative xmlns:adec="http://schemas.microsoft.com/office/drawing/2017/decorative" xmlns="" val="1"/>
               </a:ext>
             </a:extLst>
           </p:cNvPr>
@@ -15448,7 +15338,7 @@
           <p:cNvPr id="11" name="Obraz — symbol zastępczy 10">
             <a:extLst>
               <a:ext uri="{FF2B5EF4-FFF2-40B4-BE49-F238E27FC236}">
-                <a16:creationId xmlns:a16="http://schemas.microsoft.com/office/drawing/2014/main" id="{200CB7D0-0851-45AD-932F-0A0BD59CCB01}"/>
+                <a16:creationId xmlns:a16="http://schemas.microsoft.com/office/drawing/2014/main" xmlns="" id="{200CB7D0-0851-45AD-932F-0A0BD59CCB01}"/>
               </a:ext>
             </a:extLst>
           </p:cNvPr>
@@ -15567,7 +15457,7 @@
           <p:cNvPr id="4" name="Data — symbol zastępczy 3">
             <a:extLst>
               <a:ext uri="{FF2B5EF4-FFF2-40B4-BE49-F238E27FC236}">
-                <a16:creationId xmlns:a16="http://schemas.microsoft.com/office/drawing/2014/main" id="{BE0C0B0C-9F99-4C31-993B-EB072ABAD206}"/>
+                <a16:creationId xmlns:a16="http://schemas.microsoft.com/office/drawing/2014/main" xmlns="" id="{BE0C0B0C-9F99-4C31-993B-EB072ABAD206}"/>
               </a:ext>
             </a:extLst>
           </p:cNvPr>
@@ -15606,7 +15496,7 @@
           <p:cNvPr id="5" name="Stopka — symbol zastępczy 4">
             <a:extLst>
               <a:ext uri="{FF2B5EF4-FFF2-40B4-BE49-F238E27FC236}">
-                <a16:creationId xmlns:a16="http://schemas.microsoft.com/office/drawing/2014/main" id="{B632CDF4-F0E3-4D07-89C6-5ABCCDDD8726}"/>
+                <a16:creationId xmlns:a16="http://schemas.microsoft.com/office/drawing/2014/main" xmlns="" id="{B632CDF4-F0E3-4D07-89C6-5ABCCDDD8726}"/>
               </a:ext>
             </a:extLst>
           </p:cNvPr>
@@ -15645,7 +15535,7 @@
           <p:cNvPr id="6" name="Numer slajdu — symbol zastępczy 5">
             <a:extLst>
               <a:ext uri="{FF2B5EF4-FFF2-40B4-BE49-F238E27FC236}">
-                <a16:creationId xmlns:a16="http://schemas.microsoft.com/office/drawing/2014/main" id="{645BDA5F-715E-4514-9476-437B3EB01335}"/>
+                <a16:creationId xmlns:a16="http://schemas.microsoft.com/office/drawing/2014/main" xmlns="" id="{645BDA5F-715E-4514-9476-437B3EB01335}"/>
               </a:ext>
             </a:extLst>
           </p:cNvPr>
@@ -15674,7 +15564,7 @@
             <a:pPr rtl="0"/>
             <a:fld id="{BF860B6F-2FE3-4DE6-9496-980E987E7466}" type="slidenum">
               <a:rPr lang="pl-PL" noProof="0" smtClean="0"/>
-              <a:pPr/>
+              <a:pPr rtl="0"/>
               <a:t>‹#›</a:t>
             </a:fld>
             <a:endParaRPr lang="pl-PL" noProof="0"/>
@@ -15686,7 +15576,7 @@
           <p:cNvPr id="9" name="Tekst — symbol zastępczy 8">
             <a:extLst>
               <a:ext uri="{FF2B5EF4-FFF2-40B4-BE49-F238E27FC236}">
-                <a16:creationId xmlns:a16="http://schemas.microsoft.com/office/drawing/2014/main" id="{A9D38E0F-D52F-4777-9D68-D30CB3B8C8ED}"/>
+                <a16:creationId xmlns:a16="http://schemas.microsoft.com/office/drawing/2014/main" xmlns="" id="{A9D38E0F-D52F-4777-9D68-D30CB3B8C8ED}"/>
               </a:ext>
             </a:extLst>
           </p:cNvPr>
@@ -15737,7 +15627,7 @@
           <p:cNvPr id="13" name="Tytuł 1">
             <a:extLst>
               <a:ext uri="{FF2B5EF4-FFF2-40B4-BE49-F238E27FC236}">
-                <a16:creationId xmlns:a16="http://schemas.microsoft.com/office/drawing/2014/main" id="{1E083E92-8775-41F5-A992-0786A4081385}"/>
+                <a16:creationId xmlns:a16="http://schemas.microsoft.com/office/drawing/2014/main" xmlns="" id="{1E083E92-8775-41F5-A992-0786A4081385}"/>
               </a:ext>
             </a:extLst>
           </p:cNvPr>
@@ -15773,7 +15663,7 @@
     </p:spTree>
     <p:extLst>
       <p:ext uri="{BB962C8B-B14F-4D97-AF65-F5344CB8AC3E}">
-        <p14:creationId xmlns:p14="http://schemas.microsoft.com/office/powerpoint/2010/main" val="3276292778"/>
+        <p14:creationId xmlns:p14="http://schemas.microsoft.com/office/powerpoint/2010/main" xmlns="" val="3276292778"/>
       </p:ext>
     </p:extLst>
   </p:cSld>
@@ -15805,10 +15695,10 @@
           <p:cNvPr id="11" name="Prostokąt 10">
             <a:extLst>
               <a:ext uri="{FF2B5EF4-FFF2-40B4-BE49-F238E27FC236}">
-                <a16:creationId xmlns:a16="http://schemas.microsoft.com/office/drawing/2014/main" id="{0502A0C2-BC21-4E10-B50C-353B8CBD72F0}"/>
+                <a16:creationId xmlns:a16="http://schemas.microsoft.com/office/drawing/2014/main" xmlns="" id="{0502A0C2-BC21-4E10-B50C-353B8CBD72F0}"/>
               </a:ext>
               <a:ext uri="{C183D7F6-B498-43B3-948B-1728B52AA6E4}">
-                <adec:decorative xmlns:adec="http://schemas.microsoft.com/office/drawing/2017/decorative" val="1"/>
+                <adec:decorative xmlns:adec="http://schemas.microsoft.com/office/drawing/2017/decorative" xmlns="" val="1"/>
               </a:ext>
             </a:extLst>
           </p:cNvPr>
@@ -15862,7 +15752,7 @@
           <p:cNvPr id="9" name="Obraz — symbol zastępczy 8">
             <a:extLst>
               <a:ext uri="{FF2B5EF4-FFF2-40B4-BE49-F238E27FC236}">
-                <a16:creationId xmlns:a16="http://schemas.microsoft.com/office/drawing/2014/main" id="{7B548780-9B3B-47BB-AA7B-928FA50A6A04}"/>
+                <a16:creationId xmlns:a16="http://schemas.microsoft.com/office/drawing/2014/main" xmlns="" id="{7B548780-9B3B-47BB-AA7B-928FA50A6A04}"/>
               </a:ext>
             </a:extLst>
           </p:cNvPr>
@@ -15981,7 +15871,7 @@
           <p:cNvPr id="3" name="Data — symbol zastępczy 2">
             <a:extLst>
               <a:ext uri="{FF2B5EF4-FFF2-40B4-BE49-F238E27FC236}">
-                <a16:creationId xmlns:a16="http://schemas.microsoft.com/office/drawing/2014/main" id="{AB2958E2-130A-401C-B53D-DCC769627964}"/>
+                <a16:creationId xmlns:a16="http://schemas.microsoft.com/office/drawing/2014/main" xmlns="" id="{AB2958E2-130A-401C-B53D-DCC769627964}"/>
               </a:ext>
             </a:extLst>
           </p:cNvPr>
@@ -16012,7 +15902,7 @@
           <p:cNvPr id="4" name="Stopka — symbol zastępczy 3">
             <a:extLst>
               <a:ext uri="{FF2B5EF4-FFF2-40B4-BE49-F238E27FC236}">
-                <a16:creationId xmlns:a16="http://schemas.microsoft.com/office/drawing/2014/main" id="{E7178FE4-D7D1-40CE-9190-C68702FEDCDB}"/>
+                <a16:creationId xmlns:a16="http://schemas.microsoft.com/office/drawing/2014/main" xmlns="" id="{E7178FE4-D7D1-40CE-9190-C68702FEDCDB}"/>
               </a:ext>
             </a:extLst>
           </p:cNvPr>
@@ -16043,7 +15933,7 @@
           <p:cNvPr id="5" name="Numer slajdu — symbol zastępczy 4">
             <a:extLst>
               <a:ext uri="{FF2B5EF4-FFF2-40B4-BE49-F238E27FC236}">
-                <a16:creationId xmlns:a16="http://schemas.microsoft.com/office/drawing/2014/main" id="{F4AC4996-95A4-4EC0-BF6E-7C2FACB7C895}"/>
+                <a16:creationId xmlns:a16="http://schemas.microsoft.com/office/drawing/2014/main" xmlns="" id="{F4AC4996-95A4-4EC0-BF6E-7C2FACB7C895}"/>
               </a:ext>
             </a:extLst>
           </p:cNvPr>
@@ -16064,7 +15954,7 @@
             <a:pPr rtl="0"/>
             <a:fld id="{BF860B6F-2FE3-4DE6-9496-980E987E7466}" type="slidenum">
               <a:rPr lang="pl-PL" noProof="0" smtClean="0"/>
-              <a:pPr/>
+              <a:pPr rtl="0"/>
               <a:t>‹#›</a:t>
             </a:fld>
             <a:endParaRPr lang="pl-PL" noProof="0"/>
@@ -16076,7 +15966,7 @@
           <p:cNvPr id="7" name="Tekst — symbol zastępczy 10">
             <a:extLst>
               <a:ext uri="{FF2B5EF4-FFF2-40B4-BE49-F238E27FC236}">
-                <a16:creationId xmlns:a16="http://schemas.microsoft.com/office/drawing/2014/main" id="{6332CD16-89CC-43FA-B7BF-06786B464846}"/>
+                <a16:creationId xmlns:a16="http://schemas.microsoft.com/office/drawing/2014/main" xmlns="" id="{6332CD16-89CC-43FA-B7BF-06786B464846}"/>
               </a:ext>
             </a:extLst>
           </p:cNvPr>
@@ -16131,7 +16021,7 @@
           <p:cNvPr id="12" name="Tytuł 1">
             <a:extLst>
               <a:ext uri="{FF2B5EF4-FFF2-40B4-BE49-F238E27FC236}">
-                <a16:creationId xmlns:a16="http://schemas.microsoft.com/office/drawing/2014/main" id="{127734DB-D9FF-4945-91EF-DB146D8348E3}"/>
+                <a16:creationId xmlns:a16="http://schemas.microsoft.com/office/drawing/2014/main" xmlns="" id="{127734DB-D9FF-4945-91EF-DB146D8348E3}"/>
               </a:ext>
             </a:extLst>
           </p:cNvPr>
@@ -16167,7 +16057,7 @@
     </p:spTree>
     <p:extLst>
       <p:ext uri="{BB962C8B-B14F-4D97-AF65-F5344CB8AC3E}">
-        <p14:creationId xmlns:p14="http://schemas.microsoft.com/office/powerpoint/2010/main" val="1796990447"/>
+        <p14:creationId xmlns:p14="http://schemas.microsoft.com/office/powerpoint/2010/main" xmlns="" val="1796990447"/>
       </p:ext>
     </p:extLst>
   </p:cSld>
@@ -16199,10 +16089,10 @@
           <p:cNvPr id="10" name="Prostokąt 9">
             <a:extLst>
               <a:ext uri="{FF2B5EF4-FFF2-40B4-BE49-F238E27FC236}">
-                <a16:creationId xmlns:a16="http://schemas.microsoft.com/office/drawing/2014/main" id="{32FB6A2A-F24A-4E64-A207-404C8CC76697}"/>
+                <a16:creationId xmlns:a16="http://schemas.microsoft.com/office/drawing/2014/main" xmlns="" id="{32FB6A2A-F24A-4E64-A207-404C8CC76697}"/>
               </a:ext>
               <a:ext uri="{C183D7F6-B498-43B3-948B-1728B52AA6E4}">
-                <adec:decorative xmlns:adec="http://schemas.microsoft.com/office/drawing/2017/decorative" val="1"/>
+                <adec:decorative xmlns:adec="http://schemas.microsoft.com/office/drawing/2017/decorative" xmlns="" val="1"/>
               </a:ext>
             </a:extLst>
           </p:cNvPr>
@@ -16256,7 +16146,7 @@
           <p:cNvPr id="3" name="Data — symbol zastępczy 2">
             <a:extLst>
               <a:ext uri="{FF2B5EF4-FFF2-40B4-BE49-F238E27FC236}">
-                <a16:creationId xmlns:a16="http://schemas.microsoft.com/office/drawing/2014/main" id="{129E19EA-E986-4004-8C5B-712009E7877E}"/>
+                <a16:creationId xmlns:a16="http://schemas.microsoft.com/office/drawing/2014/main" xmlns="" id="{129E19EA-E986-4004-8C5B-712009E7877E}"/>
               </a:ext>
             </a:extLst>
           </p:cNvPr>
@@ -16287,7 +16177,7 @@
           <p:cNvPr id="4" name="Stopka — symbol zastępczy 3">
             <a:extLst>
               <a:ext uri="{FF2B5EF4-FFF2-40B4-BE49-F238E27FC236}">
-                <a16:creationId xmlns:a16="http://schemas.microsoft.com/office/drawing/2014/main" id="{13512B16-8A8E-4099-ACE3-946220C6323F}"/>
+                <a16:creationId xmlns:a16="http://schemas.microsoft.com/office/drawing/2014/main" xmlns="" id="{13512B16-8A8E-4099-ACE3-946220C6323F}"/>
               </a:ext>
             </a:extLst>
           </p:cNvPr>
@@ -16326,7 +16216,7 @@
           <p:cNvPr id="5" name="Numer slajdu — symbol zastępczy 4">
             <a:extLst>
               <a:ext uri="{FF2B5EF4-FFF2-40B4-BE49-F238E27FC236}">
-                <a16:creationId xmlns:a16="http://schemas.microsoft.com/office/drawing/2014/main" id="{77D8AF2A-C932-41B3-957E-9888020CD9C9}"/>
+                <a16:creationId xmlns:a16="http://schemas.microsoft.com/office/drawing/2014/main" xmlns="" id="{77D8AF2A-C932-41B3-957E-9888020CD9C9}"/>
               </a:ext>
             </a:extLst>
           </p:cNvPr>
@@ -16347,7 +16237,7 @@
             <a:pPr rtl="0"/>
             <a:fld id="{BF860B6F-2FE3-4DE6-9496-980E987E7466}" type="slidenum">
               <a:rPr lang="pl-PL" noProof="0" smtClean="0"/>
-              <a:pPr/>
+              <a:pPr rtl="0"/>
               <a:t>‹#›</a:t>
             </a:fld>
             <a:endParaRPr lang="pl-PL" noProof="0"/>
@@ -16359,7 +16249,7 @@
           <p:cNvPr id="9" name="Obraz — symbol zastępczy 8">
             <a:extLst>
               <a:ext uri="{FF2B5EF4-FFF2-40B4-BE49-F238E27FC236}">
-                <a16:creationId xmlns:a16="http://schemas.microsoft.com/office/drawing/2014/main" id="{47D0C286-3FF6-4839-AE38-6F404BF05601}"/>
+                <a16:creationId xmlns:a16="http://schemas.microsoft.com/office/drawing/2014/main" xmlns="" id="{47D0C286-3FF6-4839-AE38-6F404BF05601}"/>
               </a:ext>
             </a:extLst>
           </p:cNvPr>
@@ -16478,7 +16368,7 @@
           <p:cNvPr id="17" name="Tekst — symbol zastępczy 10">
             <a:extLst>
               <a:ext uri="{FF2B5EF4-FFF2-40B4-BE49-F238E27FC236}">
-                <a16:creationId xmlns:a16="http://schemas.microsoft.com/office/drawing/2014/main" id="{88038514-112A-4AE2-BA52-286C38492F8D}"/>
+                <a16:creationId xmlns:a16="http://schemas.microsoft.com/office/drawing/2014/main" xmlns="" id="{88038514-112A-4AE2-BA52-286C38492F8D}"/>
               </a:ext>
             </a:extLst>
           </p:cNvPr>
@@ -16533,7 +16423,7 @@
           <p:cNvPr id="11" name="Tytuł 1">
             <a:extLst>
               <a:ext uri="{FF2B5EF4-FFF2-40B4-BE49-F238E27FC236}">
-                <a16:creationId xmlns:a16="http://schemas.microsoft.com/office/drawing/2014/main" id="{9C27393D-ACFC-4AC9-93A3-FE24F0D12E57}"/>
+                <a16:creationId xmlns:a16="http://schemas.microsoft.com/office/drawing/2014/main" xmlns="" id="{9C27393D-ACFC-4AC9-93A3-FE24F0D12E57}"/>
               </a:ext>
             </a:extLst>
           </p:cNvPr>
@@ -16569,7 +16459,7 @@
     </p:spTree>
     <p:extLst>
       <p:ext uri="{BB962C8B-B14F-4D97-AF65-F5344CB8AC3E}">
-        <p14:creationId xmlns:p14="http://schemas.microsoft.com/office/powerpoint/2010/main" val="1016349683"/>
+        <p14:creationId xmlns:p14="http://schemas.microsoft.com/office/powerpoint/2010/main" xmlns="" val="1016349683"/>
       </p:ext>
     </p:extLst>
   </p:cSld>
@@ -16601,7 +16491,7 @@
           <p:cNvPr id="4" name="Data — symbol zastępczy 3">
             <a:extLst>
               <a:ext uri="{FF2B5EF4-FFF2-40B4-BE49-F238E27FC236}">
-                <a16:creationId xmlns:a16="http://schemas.microsoft.com/office/drawing/2014/main" id="{185760CB-267C-4B96-8D93-EA775230543A}"/>
+                <a16:creationId xmlns:a16="http://schemas.microsoft.com/office/drawing/2014/main" xmlns="" id="{185760CB-267C-4B96-8D93-EA775230543A}"/>
               </a:ext>
             </a:extLst>
           </p:cNvPr>
@@ -16632,7 +16522,7 @@
           <p:cNvPr id="5" name="Stopka — symbol zastępczy 4">
             <a:extLst>
               <a:ext uri="{FF2B5EF4-FFF2-40B4-BE49-F238E27FC236}">
-                <a16:creationId xmlns:a16="http://schemas.microsoft.com/office/drawing/2014/main" id="{0D5F8915-ABFD-4CAE-AC61-1E1B2B1C6F04}"/>
+                <a16:creationId xmlns:a16="http://schemas.microsoft.com/office/drawing/2014/main" xmlns="" id="{0D5F8915-ABFD-4CAE-AC61-1E1B2B1C6F04}"/>
               </a:ext>
             </a:extLst>
           </p:cNvPr>
@@ -16663,7 +16553,7 @@
           <p:cNvPr id="6" name="Numer slajdu — symbol zastępczy 5">
             <a:extLst>
               <a:ext uri="{FF2B5EF4-FFF2-40B4-BE49-F238E27FC236}">
-                <a16:creationId xmlns:a16="http://schemas.microsoft.com/office/drawing/2014/main" id="{27F7218A-692D-4EB0-817E-60AFD432FC84}"/>
+                <a16:creationId xmlns:a16="http://schemas.microsoft.com/office/drawing/2014/main" xmlns="" id="{27F7218A-692D-4EB0-817E-60AFD432FC84}"/>
               </a:ext>
             </a:extLst>
           </p:cNvPr>
@@ -16684,6 +16574,7 @@
             <a:pPr rtl="0"/>
             <a:fld id="{BF860B6F-2FE3-4DE6-9496-980E987E7466}" type="slidenum">
               <a:rPr lang="pl-PL" noProof="0" smtClean="0"/>
+              <a:pPr rtl="0"/>
               <a:t>‹#›</a:t>
             </a:fld>
             <a:endParaRPr lang="pl-PL" noProof="0"/>
@@ -16695,7 +16586,7 @@
           <p:cNvPr id="9" name="Tekst — symbol zastępczy 10">
             <a:extLst>
               <a:ext uri="{FF2B5EF4-FFF2-40B4-BE49-F238E27FC236}">
-                <a16:creationId xmlns:a16="http://schemas.microsoft.com/office/drawing/2014/main" id="{D5A4AB60-E1AB-4239-BFC7-C10A235B18E0}"/>
+                <a16:creationId xmlns:a16="http://schemas.microsoft.com/office/drawing/2014/main" xmlns="" id="{D5A4AB60-E1AB-4239-BFC7-C10A235B18E0}"/>
               </a:ext>
             </a:extLst>
           </p:cNvPr>
@@ -16750,7 +16641,7 @@
           <p:cNvPr id="10" name="Tekst — symbol zastępczy 10">
             <a:extLst>
               <a:ext uri="{FF2B5EF4-FFF2-40B4-BE49-F238E27FC236}">
-                <a16:creationId xmlns:a16="http://schemas.microsoft.com/office/drawing/2014/main" id="{53300DCB-9114-4ADF-8664-EFDD2C7A6E6A}"/>
+                <a16:creationId xmlns:a16="http://schemas.microsoft.com/office/drawing/2014/main" xmlns="" id="{53300DCB-9114-4ADF-8664-EFDD2C7A6E6A}"/>
               </a:ext>
             </a:extLst>
           </p:cNvPr>
@@ -16799,7 +16690,7 @@
           <p:cNvPr id="13" name="Tekst — symbol zastępczy 10">
             <a:extLst>
               <a:ext uri="{FF2B5EF4-FFF2-40B4-BE49-F238E27FC236}">
-                <a16:creationId xmlns:a16="http://schemas.microsoft.com/office/drawing/2014/main" id="{CC0CA179-9852-4BA8-8E7D-8C5F43775EA9}"/>
+                <a16:creationId xmlns:a16="http://schemas.microsoft.com/office/drawing/2014/main" xmlns="" id="{CC0CA179-9852-4BA8-8E7D-8C5F43775EA9}"/>
               </a:ext>
             </a:extLst>
           </p:cNvPr>
@@ -16854,7 +16745,7 @@
           <p:cNvPr id="14" name="Tekst — symbol zastępczy 10">
             <a:extLst>
               <a:ext uri="{FF2B5EF4-FFF2-40B4-BE49-F238E27FC236}">
-                <a16:creationId xmlns:a16="http://schemas.microsoft.com/office/drawing/2014/main" id="{651735A5-9931-4467-9BBD-D622219F38F6}"/>
+                <a16:creationId xmlns:a16="http://schemas.microsoft.com/office/drawing/2014/main" xmlns="" id="{651735A5-9931-4467-9BBD-D622219F38F6}"/>
               </a:ext>
             </a:extLst>
           </p:cNvPr>
@@ -16903,7 +16794,7 @@
           <p:cNvPr id="17" name="Tekst — symbol zastępczy 10">
             <a:extLst>
               <a:ext uri="{FF2B5EF4-FFF2-40B4-BE49-F238E27FC236}">
-                <a16:creationId xmlns:a16="http://schemas.microsoft.com/office/drawing/2014/main" id="{DBEB11F1-0872-4500-8CBB-63D9F6BBAF00}"/>
+                <a16:creationId xmlns:a16="http://schemas.microsoft.com/office/drawing/2014/main" xmlns="" id="{DBEB11F1-0872-4500-8CBB-63D9F6BBAF00}"/>
               </a:ext>
             </a:extLst>
           </p:cNvPr>
@@ -16958,7 +16849,7 @@
           <p:cNvPr id="18" name="Tekst — symbol zastępczy 10">
             <a:extLst>
               <a:ext uri="{FF2B5EF4-FFF2-40B4-BE49-F238E27FC236}">
-                <a16:creationId xmlns:a16="http://schemas.microsoft.com/office/drawing/2014/main" id="{1D1E8BAA-941F-4D25-92A6-7E9A2C3664CD}"/>
+                <a16:creationId xmlns:a16="http://schemas.microsoft.com/office/drawing/2014/main" xmlns="" id="{1D1E8BAA-941F-4D25-92A6-7E9A2C3664CD}"/>
               </a:ext>
             </a:extLst>
           </p:cNvPr>
@@ -17007,7 +16898,7 @@
           <p:cNvPr id="19" name="Prostokąt 18">
             <a:extLst>
               <a:ext uri="{FF2B5EF4-FFF2-40B4-BE49-F238E27FC236}">
-                <a16:creationId xmlns:a16="http://schemas.microsoft.com/office/drawing/2014/main" id="{9A7E5E59-1A85-4D6C-9DFC-E288DD5ABE98}"/>
+                <a16:creationId xmlns:a16="http://schemas.microsoft.com/office/drawing/2014/main" xmlns="" id="{9A7E5E59-1A85-4D6C-9DFC-E288DD5ABE98}"/>
               </a:ext>
             </a:extLst>
           </p:cNvPr>
@@ -17061,7 +16952,7 @@
           <p:cNvPr id="2" name="Tytuł 1">
             <a:extLst>
               <a:ext uri="{FF2B5EF4-FFF2-40B4-BE49-F238E27FC236}">
-                <a16:creationId xmlns:a16="http://schemas.microsoft.com/office/drawing/2014/main" id="{E67B2D7D-08A6-4C69-B43C-2288E5BBDAEA}"/>
+                <a16:creationId xmlns:a16="http://schemas.microsoft.com/office/drawing/2014/main" xmlns="" id="{E67B2D7D-08A6-4C69-B43C-2288E5BBDAEA}"/>
               </a:ext>
             </a:extLst>
           </p:cNvPr>
@@ -17097,7 +16988,7 @@
     </p:spTree>
     <p:extLst>
       <p:ext uri="{BB962C8B-B14F-4D97-AF65-F5344CB8AC3E}">
-        <p14:creationId xmlns:p14="http://schemas.microsoft.com/office/powerpoint/2010/main" val="2569177824"/>
+        <p14:creationId xmlns:p14="http://schemas.microsoft.com/office/powerpoint/2010/main" xmlns="" val="2569177824"/>
       </p:ext>
     </p:extLst>
   </p:cSld>
@@ -17129,7 +17020,7 @@
           <p:cNvPr id="25" name="Prostokąt 24">
             <a:extLst>
               <a:ext uri="{FF2B5EF4-FFF2-40B4-BE49-F238E27FC236}">
-                <a16:creationId xmlns:a16="http://schemas.microsoft.com/office/drawing/2014/main" id="{DCFDE121-67A1-407B-A6E2-D5B255A4F712}"/>
+                <a16:creationId xmlns:a16="http://schemas.microsoft.com/office/drawing/2014/main" xmlns="" id="{DCFDE121-67A1-407B-A6E2-D5B255A4F712}"/>
               </a:ext>
             </a:extLst>
           </p:cNvPr>
@@ -17186,7 +17077,7 @@
           <p:cNvPr id="2" name="Tytuł 1">
             <a:extLst>
               <a:ext uri="{FF2B5EF4-FFF2-40B4-BE49-F238E27FC236}">
-                <a16:creationId xmlns:a16="http://schemas.microsoft.com/office/drawing/2014/main" id="{F45C2B05-C32D-4F66-8BDA-0F4824844CE9}"/>
+                <a16:creationId xmlns:a16="http://schemas.microsoft.com/office/drawing/2014/main" xmlns="" id="{F45C2B05-C32D-4F66-8BDA-0F4824844CE9}"/>
               </a:ext>
             </a:extLst>
           </p:cNvPr>
@@ -17224,7 +17115,7 @@
           <p:cNvPr id="4" name="Obraz — symbol zastępczy 3">
             <a:extLst>
               <a:ext uri="{FF2B5EF4-FFF2-40B4-BE49-F238E27FC236}">
-                <a16:creationId xmlns:a16="http://schemas.microsoft.com/office/drawing/2014/main" id="{67AE0851-B0C9-475B-8AD9-7C6A141FDDE0}"/>
+                <a16:creationId xmlns:a16="http://schemas.microsoft.com/office/drawing/2014/main" xmlns="" id="{67AE0851-B0C9-475B-8AD9-7C6A141FDDE0}"/>
               </a:ext>
             </a:extLst>
           </p:cNvPr>
@@ -17263,7 +17154,7 @@
           <p:cNvPr id="12" name="Tekst — symbol zastępczy 10">
             <a:extLst>
               <a:ext uri="{FF2B5EF4-FFF2-40B4-BE49-F238E27FC236}">
-                <a16:creationId xmlns:a16="http://schemas.microsoft.com/office/drawing/2014/main" id="{32254E01-FD47-43F3-A74C-720A0EA4C249}"/>
+                <a16:creationId xmlns:a16="http://schemas.microsoft.com/office/drawing/2014/main" xmlns="" id="{32254E01-FD47-43F3-A74C-720A0EA4C249}"/>
               </a:ext>
             </a:extLst>
           </p:cNvPr>
@@ -17312,7 +17203,7 @@
           <p:cNvPr id="8" name="Tekst — symbol zastępczy 10">
             <a:extLst>
               <a:ext uri="{FF2B5EF4-FFF2-40B4-BE49-F238E27FC236}">
-                <a16:creationId xmlns:a16="http://schemas.microsoft.com/office/drawing/2014/main" id="{9B911B77-02F4-42D2-8639-A3F7EAFB71EC}"/>
+                <a16:creationId xmlns:a16="http://schemas.microsoft.com/office/drawing/2014/main" xmlns="" id="{9B911B77-02F4-42D2-8639-A3F7EAFB71EC}"/>
               </a:ext>
             </a:extLst>
           </p:cNvPr>
@@ -17367,7 +17258,7 @@
           <p:cNvPr id="22" name="Obraz — symbol zastępczy 3">
             <a:extLst>
               <a:ext uri="{FF2B5EF4-FFF2-40B4-BE49-F238E27FC236}">
-                <a16:creationId xmlns:a16="http://schemas.microsoft.com/office/drawing/2014/main" id="{0FBF118A-5599-4A55-9939-8075D74851A3}"/>
+                <a16:creationId xmlns:a16="http://schemas.microsoft.com/office/drawing/2014/main" xmlns="" id="{0FBF118A-5599-4A55-9939-8075D74851A3}"/>
               </a:ext>
             </a:extLst>
           </p:cNvPr>
@@ -17406,7 +17297,7 @@
           <p:cNvPr id="14" name="Tekst — symbol zastępczy 10">
             <a:extLst>
               <a:ext uri="{FF2B5EF4-FFF2-40B4-BE49-F238E27FC236}">
-                <a16:creationId xmlns:a16="http://schemas.microsoft.com/office/drawing/2014/main" id="{066BB17E-99F0-43A3-99AA-F928695311F6}"/>
+                <a16:creationId xmlns:a16="http://schemas.microsoft.com/office/drawing/2014/main" xmlns="" id="{066BB17E-99F0-43A3-99AA-F928695311F6}"/>
               </a:ext>
             </a:extLst>
           </p:cNvPr>
@@ -17455,7 +17346,7 @@
           <p:cNvPr id="10" name="Tekst — symbol zastępczy 10">
             <a:extLst>
               <a:ext uri="{FF2B5EF4-FFF2-40B4-BE49-F238E27FC236}">
-                <a16:creationId xmlns:a16="http://schemas.microsoft.com/office/drawing/2014/main" id="{934F74CA-3E2F-4F3A-BE25-F8D9572179A2}"/>
+                <a16:creationId xmlns:a16="http://schemas.microsoft.com/office/drawing/2014/main" xmlns="" id="{934F74CA-3E2F-4F3A-BE25-F8D9572179A2}"/>
               </a:ext>
             </a:extLst>
           </p:cNvPr>
@@ -17510,7 +17401,7 @@
           <p:cNvPr id="27" name="Obraz — symbol zastępczy 3">
             <a:extLst>
               <a:ext uri="{FF2B5EF4-FFF2-40B4-BE49-F238E27FC236}">
-                <a16:creationId xmlns:a16="http://schemas.microsoft.com/office/drawing/2014/main" id="{B5A383D6-9A09-46E4-8DD5-684C3B04E152}"/>
+                <a16:creationId xmlns:a16="http://schemas.microsoft.com/office/drawing/2014/main" xmlns="" id="{B5A383D6-9A09-46E4-8DD5-684C3B04E152}"/>
               </a:ext>
             </a:extLst>
           </p:cNvPr>
@@ -17549,7 +17440,7 @@
           <p:cNvPr id="13" name="Tekst — symbol zastępczy 10">
             <a:extLst>
               <a:ext uri="{FF2B5EF4-FFF2-40B4-BE49-F238E27FC236}">
-                <a16:creationId xmlns:a16="http://schemas.microsoft.com/office/drawing/2014/main" id="{76D712C8-D0F1-407A-AAC4-D86C1FDDCDCF}"/>
+                <a16:creationId xmlns:a16="http://schemas.microsoft.com/office/drawing/2014/main" xmlns="" id="{76D712C8-D0F1-407A-AAC4-D86C1FDDCDCF}"/>
               </a:ext>
             </a:extLst>
           </p:cNvPr>
@@ -17598,7 +17489,7 @@
           <p:cNvPr id="9" name="Tekst — symbol zastępczy 10">
             <a:extLst>
               <a:ext uri="{FF2B5EF4-FFF2-40B4-BE49-F238E27FC236}">
-                <a16:creationId xmlns:a16="http://schemas.microsoft.com/office/drawing/2014/main" id="{41C731A4-58E7-4726-BFC7-23260BCD624E}"/>
+                <a16:creationId xmlns:a16="http://schemas.microsoft.com/office/drawing/2014/main" xmlns="" id="{41C731A4-58E7-4726-BFC7-23260BCD624E}"/>
               </a:ext>
             </a:extLst>
           </p:cNvPr>
@@ -17653,7 +17544,7 @@
           <p:cNvPr id="5" name="Data — symbol zastępczy 4">
             <a:extLst>
               <a:ext uri="{FF2B5EF4-FFF2-40B4-BE49-F238E27FC236}">
-                <a16:creationId xmlns:a16="http://schemas.microsoft.com/office/drawing/2014/main" id="{E7D15CF3-8EFD-40BC-B749-25F401BC162C}"/>
+                <a16:creationId xmlns:a16="http://schemas.microsoft.com/office/drawing/2014/main" xmlns="" id="{E7D15CF3-8EFD-40BC-B749-25F401BC162C}"/>
               </a:ext>
             </a:extLst>
           </p:cNvPr>
@@ -17684,7 +17575,7 @@
           <p:cNvPr id="6" name="Stopka — symbol zastępczy 5">
             <a:extLst>
               <a:ext uri="{FF2B5EF4-FFF2-40B4-BE49-F238E27FC236}">
-                <a16:creationId xmlns:a16="http://schemas.microsoft.com/office/drawing/2014/main" id="{8A1DB08D-5054-4577-AA1B-BA9D87CF8BD2}"/>
+                <a16:creationId xmlns:a16="http://schemas.microsoft.com/office/drawing/2014/main" xmlns="" id="{8A1DB08D-5054-4577-AA1B-BA9D87CF8BD2}"/>
               </a:ext>
             </a:extLst>
           </p:cNvPr>
@@ -17715,7 +17606,7 @@
           <p:cNvPr id="7" name="Numer slajdu — symbol zastępczy 6">
             <a:extLst>
               <a:ext uri="{FF2B5EF4-FFF2-40B4-BE49-F238E27FC236}">
-                <a16:creationId xmlns:a16="http://schemas.microsoft.com/office/drawing/2014/main" id="{9FEF9931-2A77-46BF-822E-D503CEAF6E2C}"/>
+                <a16:creationId xmlns:a16="http://schemas.microsoft.com/office/drawing/2014/main" xmlns="" id="{9FEF9931-2A77-46BF-822E-D503CEAF6E2C}"/>
               </a:ext>
             </a:extLst>
           </p:cNvPr>
@@ -17736,6 +17627,7 @@
             <a:pPr rtl="0"/>
             <a:fld id="{BF860B6F-2FE3-4DE6-9496-980E987E7466}" type="slidenum">
               <a:rPr lang="pl-PL" noProof="0" smtClean="0"/>
+              <a:pPr rtl="0"/>
               <a:t>‹#›</a:t>
             </a:fld>
             <a:endParaRPr lang="pl-PL" noProof="0"/>
@@ -17745,7 +17637,7 @@
     </p:spTree>
     <p:extLst>
       <p:ext uri="{BB962C8B-B14F-4D97-AF65-F5344CB8AC3E}">
-        <p14:creationId xmlns:p14="http://schemas.microsoft.com/office/powerpoint/2010/main" val="641616399"/>
+        <p14:creationId xmlns:p14="http://schemas.microsoft.com/office/powerpoint/2010/main" xmlns="" val="641616399"/>
       </p:ext>
     </p:extLst>
   </p:cSld>
@@ -17777,7 +17669,7 @@
           <p:cNvPr id="5" name="Obraz — symbol zastępczy 2">
             <a:extLst>
               <a:ext uri="{FF2B5EF4-FFF2-40B4-BE49-F238E27FC236}">
-                <a16:creationId xmlns:a16="http://schemas.microsoft.com/office/drawing/2014/main" id="{693F3E0E-712E-4821-A89E-6727BD3825A0}"/>
+                <a16:creationId xmlns:a16="http://schemas.microsoft.com/office/drawing/2014/main" xmlns="" id="{693F3E0E-712E-4821-A89E-6727BD3825A0}"/>
               </a:ext>
             </a:extLst>
           </p:cNvPr>
@@ -17818,7 +17710,7 @@
           <p:cNvPr id="7" name="Data — symbol zastępczy 6">
             <a:extLst>
               <a:ext uri="{FF2B5EF4-FFF2-40B4-BE49-F238E27FC236}">
-                <a16:creationId xmlns:a16="http://schemas.microsoft.com/office/drawing/2014/main" id="{394311D2-47FE-44C1-9B1C-179CAA338029}"/>
+                <a16:creationId xmlns:a16="http://schemas.microsoft.com/office/drawing/2014/main" xmlns="" id="{394311D2-47FE-44C1-9B1C-179CAA338029}"/>
               </a:ext>
             </a:extLst>
           </p:cNvPr>
@@ -17859,7 +17751,7 @@
           <p:cNvPr id="8" name="Stopka — symbol zastępczy 7">
             <a:extLst>
               <a:ext uri="{FF2B5EF4-FFF2-40B4-BE49-F238E27FC236}">
-                <a16:creationId xmlns:a16="http://schemas.microsoft.com/office/drawing/2014/main" id="{6EDFF648-B296-4801-91A9-A6868BFA7F63}"/>
+                <a16:creationId xmlns:a16="http://schemas.microsoft.com/office/drawing/2014/main" xmlns="" id="{6EDFF648-B296-4801-91A9-A6868BFA7F63}"/>
               </a:ext>
             </a:extLst>
           </p:cNvPr>
@@ -17900,7 +17792,7 @@
           <p:cNvPr id="9" name="Numer slajdu — symbol zastępczy 8">
             <a:extLst>
               <a:ext uri="{FF2B5EF4-FFF2-40B4-BE49-F238E27FC236}">
-                <a16:creationId xmlns:a16="http://schemas.microsoft.com/office/drawing/2014/main" id="{7364D7C8-0561-4530-BCD5-AB0BB1977A4F}"/>
+                <a16:creationId xmlns:a16="http://schemas.microsoft.com/office/drawing/2014/main" xmlns="" id="{7364D7C8-0561-4530-BCD5-AB0BB1977A4F}"/>
               </a:ext>
             </a:extLst>
           </p:cNvPr>
@@ -17931,7 +17823,7 @@
             <a:pPr rtl="0"/>
             <a:fld id="{BF860B6F-2FE3-4DE6-9496-980E987E7466}" type="slidenum">
               <a:rPr lang="pl-PL" noProof="0" smtClean="0"/>
-              <a:pPr/>
+              <a:pPr rtl="0"/>
               <a:t>‹#›</a:t>
             </a:fld>
             <a:endParaRPr lang="pl-PL" noProof="0"/>
@@ -17943,7 +17835,7 @@
           <p:cNvPr id="10" name="Tekst — symbol zastępczy 10">
             <a:extLst>
               <a:ext uri="{FF2B5EF4-FFF2-40B4-BE49-F238E27FC236}">
-                <a16:creationId xmlns:a16="http://schemas.microsoft.com/office/drawing/2014/main" id="{B50F7E33-83E1-4951-9CEC-14866D6A3C44}"/>
+                <a16:creationId xmlns:a16="http://schemas.microsoft.com/office/drawing/2014/main" xmlns="" id="{B50F7E33-83E1-4951-9CEC-14866D6A3C44}"/>
               </a:ext>
             </a:extLst>
           </p:cNvPr>
@@ -17998,7 +17890,7 @@
           <p:cNvPr id="11" name="Tekst — symbol zastępczy 10">
             <a:extLst>
               <a:ext uri="{FF2B5EF4-FFF2-40B4-BE49-F238E27FC236}">
-                <a16:creationId xmlns:a16="http://schemas.microsoft.com/office/drawing/2014/main" id="{4F01B4AA-8A2C-488B-A306-BC09BA1C66A5}"/>
+                <a16:creationId xmlns:a16="http://schemas.microsoft.com/office/drawing/2014/main" xmlns="" id="{4F01B4AA-8A2C-488B-A306-BC09BA1C66A5}"/>
               </a:ext>
             </a:extLst>
           </p:cNvPr>
@@ -18047,7 +17939,7 @@
           <p:cNvPr id="12" name="Tekst — symbol zastępczy 10">
             <a:extLst>
               <a:ext uri="{FF2B5EF4-FFF2-40B4-BE49-F238E27FC236}">
-                <a16:creationId xmlns:a16="http://schemas.microsoft.com/office/drawing/2014/main" id="{C79840D9-3F3D-4DFB-9592-867BB8CA12E3}"/>
+                <a16:creationId xmlns:a16="http://schemas.microsoft.com/office/drawing/2014/main" xmlns="" id="{C79840D9-3F3D-4DFB-9592-867BB8CA12E3}"/>
               </a:ext>
             </a:extLst>
           </p:cNvPr>
@@ -18102,7 +17994,7 @@
           <p:cNvPr id="13" name="Tekst — symbol zastępczy 10">
             <a:extLst>
               <a:ext uri="{FF2B5EF4-FFF2-40B4-BE49-F238E27FC236}">
-                <a16:creationId xmlns:a16="http://schemas.microsoft.com/office/drawing/2014/main" id="{32DFBC7C-0887-40D8-93DA-CBE9F58B1CBD}"/>
+                <a16:creationId xmlns:a16="http://schemas.microsoft.com/office/drawing/2014/main" xmlns="" id="{32DFBC7C-0887-40D8-93DA-CBE9F58B1CBD}"/>
               </a:ext>
             </a:extLst>
           </p:cNvPr>
@@ -18151,7 +18043,7 @@
           <p:cNvPr id="14" name="Tekst — symbol zastępczy 10">
             <a:extLst>
               <a:ext uri="{FF2B5EF4-FFF2-40B4-BE49-F238E27FC236}">
-                <a16:creationId xmlns:a16="http://schemas.microsoft.com/office/drawing/2014/main" id="{C3C60B52-4450-4317-A5DF-A3E617C12A21}"/>
+                <a16:creationId xmlns:a16="http://schemas.microsoft.com/office/drawing/2014/main" xmlns="" id="{C3C60B52-4450-4317-A5DF-A3E617C12A21}"/>
               </a:ext>
             </a:extLst>
           </p:cNvPr>
@@ -18206,7 +18098,7 @@
           <p:cNvPr id="15" name="Tekst — symbol zastępczy 10">
             <a:extLst>
               <a:ext uri="{FF2B5EF4-FFF2-40B4-BE49-F238E27FC236}">
-                <a16:creationId xmlns:a16="http://schemas.microsoft.com/office/drawing/2014/main" id="{75F1DE6B-CBDA-40EB-A055-4FDC09ACC656}"/>
+                <a16:creationId xmlns:a16="http://schemas.microsoft.com/office/drawing/2014/main" xmlns="" id="{75F1DE6B-CBDA-40EB-A055-4FDC09ACC656}"/>
               </a:ext>
             </a:extLst>
           </p:cNvPr>
@@ -18255,7 +18147,7 @@
           <p:cNvPr id="16" name="Tekst — symbol zastępczy 10">
             <a:extLst>
               <a:ext uri="{FF2B5EF4-FFF2-40B4-BE49-F238E27FC236}">
-                <a16:creationId xmlns:a16="http://schemas.microsoft.com/office/drawing/2014/main" id="{A9593E99-8D88-45AD-83AF-7F7F9AB6930E}"/>
+                <a16:creationId xmlns:a16="http://schemas.microsoft.com/office/drawing/2014/main" xmlns="" id="{A9593E99-8D88-45AD-83AF-7F7F9AB6930E}"/>
               </a:ext>
             </a:extLst>
           </p:cNvPr>
@@ -18310,7 +18202,7 @@
           <p:cNvPr id="17" name="Tekst — symbol zastępczy 10">
             <a:extLst>
               <a:ext uri="{FF2B5EF4-FFF2-40B4-BE49-F238E27FC236}">
-                <a16:creationId xmlns:a16="http://schemas.microsoft.com/office/drawing/2014/main" id="{D95823CC-CA7F-4F5B-B442-48A39696933C}"/>
+                <a16:creationId xmlns:a16="http://schemas.microsoft.com/office/drawing/2014/main" xmlns="" id="{D95823CC-CA7F-4F5B-B442-48A39696933C}"/>
               </a:ext>
             </a:extLst>
           </p:cNvPr>
@@ -18359,7 +18251,7 @@
           <p:cNvPr id="2" name="Tytuł 1">
             <a:extLst>
               <a:ext uri="{FF2B5EF4-FFF2-40B4-BE49-F238E27FC236}">
-                <a16:creationId xmlns:a16="http://schemas.microsoft.com/office/drawing/2014/main" id="{38F87501-8949-4796-90C5-50D20B54AAF9}"/>
+                <a16:creationId xmlns:a16="http://schemas.microsoft.com/office/drawing/2014/main" xmlns="" id="{38F87501-8949-4796-90C5-50D20B54AAF9}"/>
               </a:ext>
             </a:extLst>
           </p:cNvPr>
@@ -18391,7 +18283,7 @@
     </p:spTree>
     <p:extLst>
       <p:ext uri="{BB962C8B-B14F-4D97-AF65-F5344CB8AC3E}">
-        <p14:creationId xmlns:p14="http://schemas.microsoft.com/office/powerpoint/2010/main" val="3983367279"/>
+        <p14:creationId xmlns:p14="http://schemas.microsoft.com/office/powerpoint/2010/main" xmlns="" val="3983367279"/>
       </p:ext>
     </p:extLst>
   </p:cSld>
@@ -18423,10 +18315,10 @@
           <p:cNvPr id="11" name="Prostokąt 10">
             <a:extLst>
               <a:ext uri="{FF2B5EF4-FFF2-40B4-BE49-F238E27FC236}">
-                <a16:creationId xmlns:a16="http://schemas.microsoft.com/office/drawing/2014/main" id="{E70A3F71-78A0-4742-B701-4A1489F5A7CD}"/>
+                <a16:creationId xmlns:a16="http://schemas.microsoft.com/office/drawing/2014/main" xmlns="" id="{E70A3F71-78A0-4742-B701-4A1489F5A7CD}"/>
               </a:ext>
               <a:ext uri="{C183D7F6-B498-43B3-948B-1728B52AA6E4}">
-                <adec:decorative xmlns:adec="http://schemas.microsoft.com/office/drawing/2017/decorative" val="1"/>
+                <adec:decorative xmlns:adec="http://schemas.microsoft.com/office/drawing/2017/decorative" xmlns="" val="1"/>
               </a:ext>
             </a:extLst>
           </p:cNvPr>
@@ -18480,7 +18372,7 @@
           <p:cNvPr id="10" name="Obraz — symbol zastępczy 9">
             <a:extLst>
               <a:ext uri="{FF2B5EF4-FFF2-40B4-BE49-F238E27FC236}">
-                <a16:creationId xmlns:a16="http://schemas.microsoft.com/office/drawing/2014/main" id="{2CB7E97A-4B46-429D-80E3-5A2E689EFAFE}"/>
+                <a16:creationId xmlns:a16="http://schemas.microsoft.com/office/drawing/2014/main" xmlns="" id="{2CB7E97A-4B46-429D-80E3-5A2E689EFAFE}"/>
               </a:ext>
             </a:extLst>
           </p:cNvPr>
@@ -18599,7 +18491,7 @@
           <p:cNvPr id="3" name="Data — symbol zastępczy 2">
             <a:extLst>
               <a:ext uri="{FF2B5EF4-FFF2-40B4-BE49-F238E27FC236}">
-                <a16:creationId xmlns:a16="http://schemas.microsoft.com/office/drawing/2014/main" id="{6059D5F7-4F29-467D-8261-4E075BB20C92}"/>
+                <a16:creationId xmlns:a16="http://schemas.microsoft.com/office/drawing/2014/main" xmlns="" id="{6059D5F7-4F29-467D-8261-4E075BB20C92}"/>
               </a:ext>
             </a:extLst>
           </p:cNvPr>
@@ -18638,7 +18530,7 @@
           <p:cNvPr id="4" name="Stopka — symbol zastępczy 3">
             <a:extLst>
               <a:ext uri="{FF2B5EF4-FFF2-40B4-BE49-F238E27FC236}">
-                <a16:creationId xmlns:a16="http://schemas.microsoft.com/office/drawing/2014/main" id="{DE2C6787-293A-4CC2-A2D2-E2881CC61451}"/>
+                <a16:creationId xmlns:a16="http://schemas.microsoft.com/office/drawing/2014/main" xmlns="" id="{DE2C6787-293A-4CC2-A2D2-E2881CC61451}"/>
               </a:ext>
             </a:extLst>
           </p:cNvPr>
@@ -18677,7 +18569,7 @@
           <p:cNvPr id="5" name="Numer slajdu — symbol zastępczy 4">
             <a:extLst>
               <a:ext uri="{FF2B5EF4-FFF2-40B4-BE49-F238E27FC236}">
-                <a16:creationId xmlns:a16="http://schemas.microsoft.com/office/drawing/2014/main" id="{A611C36F-4448-4279-8552-28C42ECE4928}"/>
+                <a16:creationId xmlns:a16="http://schemas.microsoft.com/office/drawing/2014/main" xmlns="" id="{A611C36F-4448-4279-8552-28C42ECE4928}"/>
               </a:ext>
             </a:extLst>
           </p:cNvPr>
@@ -18706,7 +18598,7 @@
             <a:pPr rtl="0"/>
             <a:fld id="{BF860B6F-2FE3-4DE6-9496-980E987E7466}" type="slidenum">
               <a:rPr lang="pl-PL" noProof="0" smtClean="0"/>
-              <a:pPr/>
+              <a:pPr rtl="0"/>
               <a:t>‹#›</a:t>
             </a:fld>
             <a:endParaRPr lang="pl-PL" noProof="0"/>
@@ -18718,7 +18610,7 @@
           <p:cNvPr id="8" name="Tekst — symbol zastępczy 10">
             <a:extLst>
               <a:ext uri="{FF2B5EF4-FFF2-40B4-BE49-F238E27FC236}">
-                <a16:creationId xmlns:a16="http://schemas.microsoft.com/office/drawing/2014/main" id="{CCB8AC8A-361C-4A01-AEB1-112BEAC4873A}"/>
+                <a16:creationId xmlns:a16="http://schemas.microsoft.com/office/drawing/2014/main" xmlns="" id="{CCB8AC8A-361C-4A01-AEB1-112BEAC4873A}"/>
               </a:ext>
             </a:extLst>
           </p:cNvPr>
@@ -18773,7 +18665,7 @@
           <p:cNvPr id="2" name="Tytuł 1">
             <a:extLst>
               <a:ext uri="{FF2B5EF4-FFF2-40B4-BE49-F238E27FC236}">
-                <a16:creationId xmlns:a16="http://schemas.microsoft.com/office/drawing/2014/main" id="{BE847092-EAA4-4108-A528-108AD1F96436}"/>
+                <a16:creationId xmlns:a16="http://schemas.microsoft.com/office/drawing/2014/main" xmlns="" id="{BE847092-EAA4-4108-A528-108AD1F96436}"/>
               </a:ext>
             </a:extLst>
           </p:cNvPr>
@@ -18809,7 +18701,7 @@
     </p:spTree>
     <p:extLst>
       <p:ext uri="{BB962C8B-B14F-4D97-AF65-F5344CB8AC3E}">
-        <p14:creationId xmlns:p14="http://schemas.microsoft.com/office/powerpoint/2010/main" val="2967000641"/>
+        <p14:creationId xmlns:p14="http://schemas.microsoft.com/office/powerpoint/2010/main" xmlns="" val="2967000641"/>
       </p:ext>
     </p:extLst>
   </p:cSld>
@@ -18841,10 +18733,10 @@
           <p:cNvPr id="8" name="Prostokąt 7">
             <a:extLst>
               <a:ext uri="{FF2B5EF4-FFF2-40B4-BE49-F238E27FC236}">
-                <a16:creationId xmlns:a16="http://schemas.microsoft.com/office/drawing/2014/main" id="{BCFABFC7-4108-49F4-A75A-5AB472AA2031}"/>
+                <a16:creationId xmlns:a16="http://schemas.microsoft.com/office/drawing/2014/main" xmlns="" id="{BCFABFC7-4108-49F4-A75A-5AB472AA2031}"/>
               </a:ext>
               <a:ext uri="{C183D7F6-B498-43B3-948B-1728B52AA6E4}">
-                <adec:decorative xmlns:adec="http://schemas.microsoft.com/office/drawing/2017/decorative" val="1"/>
+                <adec:decorative xmlns:adec="http://schemas.microsoft.com/office/drawing/2017/decorative" xmlns="" val="1"/>
               </a:ext>
             </a:extLst>
           </p:cNvPr>
@@ -18898,7 +18790,7 @@
           <p:cNvPr id="7" name="Obraz — symbol zastępczy 6">
             <a:extLst>
               <a:ext uri="{FF2B5EF4-FFF2-40B4-BE49-F238E27FC236}">
-                <a16:creationId xmlns:a16="http://schemas.microsoft.com/office/drawing/2014/main" id="{B162CB3A-11BC-4C5C-B53D-B965CFA2B685}"/>
+                <a16:creationId xmlns:a16="http://schemas.microsoft.com/office/drawing/2014/main" xmlns="" id="{B162CB3A-11BC-4C5C-B53D-B965CFA2B685}"/>
               </a:ext>
             </a:extLst>
           </p:cNvPr>
@@ -19018,7 +18910,7 @@
           <p:cNvPr id="2" name="Tytuł 1">
             <a:extLst>
               <a:ext uri="{FF2B5EF4-FFF2-40B4-BE49-F238E27FC236}">
-                <a16:creationId xmlns:a16="http://schemas.microsoft.com/office/drawing/2014/main" id="{DF9EBBDF-3A3F-40FD-9752-1D92BFAD1908}"/>
+                <a16:creationId xmlns:a16="http://schemas.microsoft.com/office/drawing/2014/main" xmlns="" id="{DF9EBBDF-3A3F-40FD-9752-1D92BFAD1908}"/>
               </a:ext>
             </a:extLst>
           </p:cNvPr>
@@ -19054,7 +18946,7 @@
     </p:spTree>
     <p:extLst>
       <p:ext uri="{BB962C8B-B14F-4D97-AF65-F5344CB8AC3E}">
-        <p14:creationId xmlns:p14="http://schemas.microsoft.com/office/powerpoint/2010/main" val="3462329797"/>
+        <p14:creationId xmlns:p14="http://schemas.microsoft.com/office/powerpoint/2010/main" xmlns="" val="3462329797"/>
       </p:ext>
     </p:extLst>
   </p:cSld>
@@ -19086,7 +18978,7 @@
           <p:cNvPr id="5" name="Data — symbol zastępczy 4">
             <a:extLst>
               <a:ext uri="{FF2B5EF4-FFF2-40B4-BE49-F238E27FC236}">
-                <a16:creationId xmlns:a16="http://schemas.microsoft.com/office/drawing/2014/main" id="{86457E51-8279-450D-ABC2-889F91AD715A}"/>
+                <a16:creationId xmlns:a16="http://schemas.microsoft.com/office/drawing/2014/main" xmlns="" id="{86457E51-8279-450D-ABC2-889F91AD715A}"/>
               </a:ext>
             </a:extLst>
           </p:cNvPr>
@@ -19117,7 +19009,7 @@
           <p:cNvPr id="6" name="Stopka — symbol zastępczy 5">
             <a:extLst>
               <a:ext uri="{FF2B5EF4-FFF2-40B4-BE49-F238E27FC236}">
-                <a16:creationId xmlns:a16="http://schemas.microsoft.com/office/drawing/2014/main" id="{44F52AC3-8AAB-49A9-8BB4-9A82193F9C05}"/>
+                <a16:creationId xmlns:a16="http://schemas.microsoft.com/office/drawing/2014/main" xmlns="" id="{44F52AC3-8AAB-49A9-8BB4-9A82193F9C05}"/>
               </a:ext>
             </a:extLst>
           </p:cNvPr>
@@ -19148,7 +19040,7 @@
           <p:cNvPr id="7" name="Numer slajdu — symbol zastępczy 6">
             <a:extLst>
               <a:ext uri="{FF2B5EF4-FFF2-40B4-BE49-F238E27FC236}">
-                <a16:creationId xmlns:a16="http://schemas.microsoft.com/office/drawing/2014/main" id="{C242EBEF-1685-466C-9FC9-D1A2D4A6895D}"/>
+                <a16:creationId xmlns:a16="http://schemas.microsoft.com/office/drawing/2014/main" xmlns="" id="{C242EBEF-1685-466C-9FC9-D1A2D4A6895D}"/>
               </a:ext>
             </a:extLst>
           </p:cNvPr>
@@ -19169,6 +19061,7 @@
             <a:pPr rtl="0"/>
             <a:fld id="{BF860B6F-2FE3-4DE6-9496-980E987E7466}" type="slidenum">
               <a:rPr lang="pl-PL" noProof="0" smtClean="0"/>
+              <a:pPr rtl="0"/>
               <a:t>‹#›</a:t>
             </a:fld>
             <a:endParaRPr lang="pl-PL" noProof="0"/>
@@ -19180,7 +19073,7 @@
           <p:cNvPr id="8" name="Obraz — symbol zastępczy 7">
             <a:extLst>
               <a:ext uri="{FF2B5EF4-FFF2-40B4-BE49-F238E27FC236}">
-                <a16:creationId xmlns:a16="http://schemas.microsoft.com/office/drawing/2014/main" id="{5360F31D-8187-4BBF-807F-BCD7628363E1}"/>
+                <a16:creationId xmlns:a16="http://schemas.microsoft.com/office/drawing/2014/main" xmlns="" id="{5360F31D-8187-4BBF-807F-BCD7628363E1}"/>
               </a:ext>
             </a:extLst>
           </p:cNvPr>
@@ -19221,7 +19114,7 @@
           <p:cNvPr id="10" name="Tekst — symbol zastępczy 10">
             <a:extLst>
               <a:ext uri="{FF2B5EF4-FFF2-40B4-BE49-F238E27FC236}">
-                <a16:creationId xmlns:a16="http://schemas.microsoft.com/office/drawing/2014/main" id="{361D3AC4-50E4-442B-88DA-99E01D461FAD}"/>
+                <a16:creationId xmlns:a16="http://schemas.microsoft.com/office/drawing/2014/main" xmlns="" id="{361D3AC4-50E4-442B-88DA-99E01D461FAD}"/>
               </a:ext>
             </a:extLst>
           </p:cNvPr>
@@ -19276,7 +19169,7 @@
           <p:cNvPr id="11" name="Tekst — symbol zastępczy 10">
             <a:extLst>
               <a:ext uri="{FF2B5EF4-FFF2-40B4-BE49-F238E27FC236}">
-                <a16:creationId xmlns:a16="http://schemas.microsoft.com/office/drawing/2014/main" id="{2BA1C8C7-E942-4381-8DFB-35C0D375D503}"/>
+                <a16:creationId xmlns:a16="http://schemas.microsoft.com/office/drawing/2014/main" xmlns="" id="{2BA1C8C7-E942-4381-8DFB-35C0D375D503}"/>
               </a:ext>
             </a:extLst>
           </p:cNvPr>
@@ -19325,7 +19218,7 @@
           <p:cNvPr id="18" name="Tekst — symbol zastępczy 10">
             <a:extLst>
               <a:ext uri="{FF2B5EF4-FFF2-40B4-BE49-F238E27FC236}">
-                <a16:creationId xmlns:a16="http://schemas.microsoft.com/office/drawing/2014/main" id="{619FB69F-436E-4680-805E-129656D1FC8B}"/>
+                <a16:creationId xmlns:a16="http://schemas.microsoft.com/office/drawing/2014/main" xmlns="" id="{619FB69F-436E-4680-805E-129656D1FC8B}"/>
               </a:ext>
             </a:extLst>
           </p:cNvPr>
@@ -19380,7 +19273,7 @@
           <p:cNvPr id="19" name="Tekst — symbol zastępczy 10">
             <a:extLst>
               <a:ext uri="{FF2B5EF4-FFF2-40B4-BE49-F238E27FC236}">
-                <a16:creationId xmlns:a16="http://schemas.microsoft.com/office/drawing/2014/main" id="{9EEFB823-5D40-4C5F-8E5C-8DA54596313D}"/>
+                <a16:creationId xmlns:a16="http://schemas.microsoft.com/office/drawing/2014/main" xmlns="" id="{9EEFB823-5D40-4C5F-8E5C-8DA54596313D}"/>
               </a:ext>
             </a:extLst>
           </p:cNvPr>
@@ -19429,7 +19322,7 @@
           <p:cNvPr id="20" name="Tekst — symbol zastępczy 10">
             <a:extLst>
               <a:ext uri="{FF2B5EF4-FFF2-40B4-BE49-F238E27FC236}">
-                <a16:creationId xmlns:a16="http://schemas.microsoft.com/office/drawing/2014/main" id="{97A70DDF-2854-466D-AE9A-7AA7BF32982D}"/>
+                <a16:creationId xmlns:a16="http://schemas.microsoft.com/office/drawing/2014/main" xmlns="" id="{97A70DDF-2854-466D-AE9A-7AA7BF32982D}"/>
               </a:ext>
             </a:extLst>
           </p:cNvPr>
@@ -19484,7 +19377,7 @@
           <p:cNvPr id="21" name="Tekst — symbol zastępczy 10">
             <a:extLst>
               <a:ext uri="{FF2B5EF4-FFF2-40B4-BE49-F238E27FC236}">
-                <a16:creationId xmlns:a16="http://schemas.microsoft.com/office/drawing/2014/main" id="{C6C41E82-34D6-471D-81E8-FCA62C7F22F7}"/>
+                <a16:creationId xmlns:a16="http://schemas.microsoft.com/office/drawing/2014/main" xmlns="" id="{C6C41E82-34D6-471D-81E8-FCA62C7F22F7}"/>
               </a:ext>
             </a:extLst>
           </p:cNvPr>
@@ -19533,7 +19426,7 @@
           <p:cNvPr id="2" name="Tytuł 1">
             <a:extLst>
               <a:ext uri="{FF2B5EF4-FFF2-40B4-BE49-F238E27FC236}">
-                <a16:creationId xmlns:a16="http://schemas.microsoft.com/office/drawing/2014/main" id="{7A0E1AE8-90BE-4DE3-93E9-B997D48FE671}"/>
+                <a16:creationId xmlns:a16="http://schemas.microsoft.com/office/drawing/2014/main" xmlns="" id="{7A0E1AE8-90BE-4DE3-93E9-B997D48FE671}"/>
               </a:ext>
             </a:extLst>
           </p:cNvPr>
@@ -19569,7 +19462,7 @@
     </p:spTree>
     <p:extLst>
       <p:ext uri="{BB962C8B-B14F-4D97-AF65-F5344CB8AC3E}">
-        <p14:creationId xmlns:p14="http://schemas.microsoft.com/office/powerpoint/2010/main" val="740568691"/>
+        <p14:creationId xmlns:p14="http://schemas.microsoft.com/office/powerpoint/2010/main" xmlns="" val="740568691"/>
       </p:ext>
     </p:extLst>
   </p:cSld>
@@ -19601,7 +19494,7 @@
           <p:cNvPr id="5" name="Data — symbol zastępczy 4">
             <a:extLst>
               <a:ext uri="{FF2B5EF4-FFF2-40B4-BE49-F238E27FC236}">
-                <a16:creationId xmlns:a16="http://schemas.microsoft.com/office/drawing/2014/main" id="{E12FB566-AB0F-4A84-A379-5B7A132A1E1B}"/>
+                <a16:creationId xmlns:a16="http://schemas.microsoft.com/office/drawing/2014/main" xmlns="" id="{E12FB566-AB0F-4A84-A379-5B7A132A1E1B}"/>
               </a:ext>
             </a:extLst>
           </p:cNvPr>
@@ -19632,7 +19525,7 @@
           <p:cNvPr id="6" name="Stopka — symbol zastępczy 5">
             <a:extLst>
               <a:ext uri="{FF2B5EF4-FFF2-40B4-BE49-F238E27FC236}">
-                <a16:creationId xmlns:a16="http://schemas.microsoft.com/office/drawing/2014/main" id="{310B01EE-E344-461A-85A0-3AA7F83AA4FD}"/>
+                <a16:creationId xmlns:a16="http://schemas.microsoft.com/office/drawing/2014/main" xmlns="" id="{310B01EE-E344-461A-85A0-3AA7F83AA4FD}"/>
               </a:ext>
             </a:extLst>
           </p:cNvPr>
@@ -19663,7 +19556,7 @@
           <p:cNvPr id="7" name="Numer slajdu — symbol zastępczy 6">
             <a:extLst>
               <a:ext uri="{FF2B5EF4-FFF2-40B4-BE49-F238E27FC236}">
-                <a16:creationId xmlns:a16="http://schemas.microsoft.com/office/drawing/2014/main" id="{6C09A25E-2DC1-49B1-A962-EFCDB81F9314}"/>
+                <a16:creationId xmlns:a16="http://schemas.microsoft.com/office/drawing/2014/main" xmlns="" id="{6C09A25E-2DC1-49B1-A962-EFCDB81F9314}"/>
               </a:ext>
             </a:extLst>
           </p:cNvPr>
@@ -19684,6 +19577,7 @@
             <a:pPr rtl="0"/>
             <a:fld id="{BF860B6F-2FE3-4DE6-9496-980E987E7466}" type="slidenum">
               <a:rPr lang="pl-PL" noProof="0" smtClean="0"/>
+              <a:pPr rtl="0"/>
               <a:t>‹#›</a:t>
             </a:fld>
             <a:endParaRPr lang="pl-PL" noProof="0"/>
@@ -19695,7 +19589,7 @@
           <p:cNvPr id="8" name="Obraz — symbol zastępczy 7">
             <a:extLst>
               <a:ext uri="{FF2B5EF4-FFF2-40B4-BE49-F238E27FC236}">
-                <a16:creationId xmlns:a16="http://schemas.microsoft.com/office/drawing/2014/main" id="{6848D9ED-15C8-4EA0-B95F-CFD1BAF0A547}"/>
+                <a16:creationId xmlns:a16="http://schemas.microsoft.com/office/drawing/2014/main" xmlns="" id="{6848D9ED-15C8-4EA0-B95F-CFD1BAF0A547}"/>
               </a:ext>
             </a:extLst>
           </p:cNvPr>
@@ -19736,7 +19630,7 @@
           <p:cNvPr id="11" name="Tekst — symbol zastępczy 10">
             <a:extLst>
               <a:ext uri="{FF2B5EF4-FFF2-40B4-BE49-F238E27FC236}">
-                <a16:creationId xmlns:a16="http://schemas.microsoft.com/office/drawing/2014/main" id="{2CEF9385-3B06-4216-9420-A91190C6B7CC}"/>
+                <a16:creationId xmlns:a16="http://schemas.microsoft.com/office/drawing/2014/main" xmlns="" id="{2CEF9385-3B06-4216-9420-A91190C6B7CC}"/>
               </a:ext>
             </a:extLst>
           </p:cNvPr>
@@ -19791,7 +19685,7 @@
           <p:cNvPr id="12" name="Tekst — symbol zastępczy 10">
             <a:extLst>
               <a:ext uri="{FF2B5EF4-FFF2-40B4-BE49-F238E27FC236}">
-                <a16:creationId xmlns:a16="http://schemas.microsoft.com/office/drawing/2014/main" id="{D01ADD07-F155-4B1F-B204-2284F6999B7D}"/>
+                <a16:creationId xmlns:a16="http://schemas.microsoft.com/office/drawing/2014/main" xmlns="" id="{D01ADD07-F155-4B1F-B204-2284F6999B7D}"/>
               </a:ext>
             </a:extLst>
           </p:cNvPr>
@@ -19840,7 +19734,7 @@
           <p:cNvPr id="13" name="Tekst — symbol zastępczy 10">
             <a:extLst>
               <a:ext uri="{FF2B5EF4-FFF2-40B4-BE49-F238E27FC236}">
-                <a16:creationId xmlns:a16="http://schemas.microsoft.com/office/drawing/2014/main" id="{129012F5-57FB-4F6F-8FF8-DBA65EC1EF02}"/>
+                <a16:creationId xmlns:a16="http://schemas.microsoft.com/office/drawing/2014/main" xmlns="" id="{129012F5-57FB-4F6F-8FF8-DBA65EC1EF02}"/>
               </a:ext>
             </a:extLst>
           </p:cNvPr>
@@ -19895,7 +19789,7 @@
           <p:cNvPr id="14" name="Tekst — symbol zastępczy 10">
             <a:extLst>
               <a:ext uri="{FF2B5EF4-FFF2-40B4-BE49-F238E27FC236}">
-                <a16:creationId xmlns:a16="http://schemas.microsoft.com/office/drawing/2014/main" id="{FF8E7E45-85D4-40EE-836F-76055F0F8E75}"/>
+                <a16:creationId xmlns:a16="http://schemas.microsoft.com/office/drawing/2014/main" xmlns="" id="{FF8E7E45-85D4-40EE-836F-76055F0F8E75}"/>
               </a:ext>
             </a:extLst>
           </p:cNvPr>
@@ -19944,7 +19838,7 @@
           <p:cNvPr id="15" name="Tekst — symbol zastępczy 10">
             <a:extLst>
               <a:ext uri="{FF2B5EF4-FFF2-40B4-BE49-F238E27FC236}">
-                <a16:creationId xmlns:a16="http://schemas.microsoft.com/office/drawing/2014/main" id="{E315DB3C-D2E4-4310-8A18-71457CBD7A4F}"/>
+                <a16:creationId xmlns:a16="http://schemas.microsoft.com/office/drawing/2014/main" xmlns="" id="{E315DB3C-D2E4-4310-8A18-71457CBD7A4F}"/>
               </a:ext>
             </a:extLst>
           </p:cNvPr>
@@ -19999,7 +19893,7 @@
           <p:cNvPr id="16" name="Tekst — symbol zastępczy 10">
             <a:extLst>
               <a:ext uri="{FF2B5EF4-FFF2-40B4-BE49-F238E27FC236}">
-                <a16:creationId xmlns:a16="http://schemas.microsoft.com/office/drawing/2014/main" id="{D8DBA9F3-328C-4BAE-A2E1-0FBFE3A476E4}"/>
+                <a16:creationId xmlns:a16="http://schemas.microsoft.com/office/drawing/2014/main" xmlns="" id="{D8DBA9F3-328C-4BAE-A2E1-0FBFE3A476E4}"/>
               </a:ext>
             </a:extLst>
           </p:cNvPr>
@@ -20048,7 +19942,7 @@
           <p:cNvPr id="2" name="Tytuł 1">
             <a:extLst>
               <a:ext uri="{FF2B5EF4-FFF2-40B4-BE49-F238E27FC236}">
-                <a16:creationId xmlns:a16="http://schemas.microsoft.com/office/drawing/2014/main" id="{298B7365-7137-471F-BFE9-2F6C362933D4}"/>
+                <a16:creationId xmlns:a16="http://schemas.microsoft.com/office/drawing/2014/main" xmlns="" id="{298B7365-7137-471F-BFE9-2F6C362933D4}"/>
               </a:ext>
             </a:extLst>
           </p:cNvPr>
@@ -20084,7 +19978,7 @@
     </p:spTree>
     <p:extLst>
       <p:ext uri="{BB962C8B-B14F-4D97-AF65-F5344CB8AC3E}">
-        <p14:creationId xmlns:p14="http://schemas.microsoft.com/office/powerpoint/2010/main" val="3673920592"/>
+        <p14:creationId xmlns:p14="http://schemas.microsoft.com/office/powerpoint/2010/main" xmlns="" val="3673920592"/>
       </p:ext>
     </p:extLst>
   </p:cSld>
@@ -20121,7 +20015,7 @@
           <p:cNvPr id="2" name="Tytuł — symbol zastępczy 1">
             <a:extLst>
               <a:ext uri="{FF2B5EF4-FFF2-40B4-BE49-F238E27FC236}">
-                <a16:creationId xmlns:a16="http://schemas.microsoft.com/office/drawing/2014/main" id="{75826315-2B7F-4C57-86AC-F861837D3D68}"/>
+                <a16:creationId xmlns:a16="http://schemas.microsoft.com/office/drawing/2014/main" xmlns="" id="{75826315-2B7F-4C57-86AC-F861837D3D68}"/>
               </a:ext>
             </a:extLst>
           </p:cNvPr>
@@ -20160,7 +20054,7 @@
           <p:cNvPr id="3" name="Tekst — symbol zastępczy 2">
             <a:extLst>
               <a:ext uri="{FF2B5EF4-FFF2-40B4-BE49-F238E27FC236}">
-                <a16:creationId xmlns:a16="http://schemas.microsoft.com/office/drawing/2014/main" id="{277E89F0-5C7D-4785-9E27-B2AC9192E64C}"/>
+                <a16:creationId xmlns:a16="http://schemas.microsoft.com/office/drawing/2014/main" xmlns="" id="{277E89F0-5C7D-4785-9E27-B2AC9192E64C}"/>
               </a:ext>
             </a:extLst>
           </p:cNvPr>
@@ -20227,7 +20121,7 @@
           <p:cNvPr id="4" name="Data — symbol zastępczy 3">
             <a:extLst>
               <a:ext uri="{FF2B5EF4-FFF2-40B4-BE49-F238E27FC236}">
-                <a16:creationId xmlns:a16="http://schemas.microsoft.com/office/drawing/2014/main" id="{9E8B7DCF-7168-4376-8641-10965E65A6B3}"/>
+                <a16:creationId xmlns:a16="http://schemas.microsoft.com/office/drawing/2014/main" xmlns="" id="{9E8B7DCF-7168-4376-8641-10965E65A6B3}"/>
               </a:ext>
             </a:extLst>
           </p:cNvPr>
@@ -20274,7 +20168,7 @@
           <p:cNvPr id="5" name="Stopka — symbol zastępczy 4">
             <a:extLst>
               <a:ext uri="{FF2B5EF4-FFF2-40B4-BE49-F238E27FC236}">
-                <a16:creationId xmlns:a16="http://schemas.microsoft.com/office/drawing/2014/main" id="{9E498FEF-9751-417B-82B2-BBAD0766584D}"/>
+                <a16:creationId xmlns:a16="http://schemas.microsoft.com/office/drawing/2014/main" xmlns="" id="{9E498FEF-9751-417B-82B2-BBAD0766584D}"/>
               </a:ext>
             </a:extLst>
           </p:cNvPr>
@@ -20321,7 +20215,7 @@
           <p:cNvPr id="6" name="Numer slajdu — symbol zastępczy 5">
             <a:extLst>
               <a:ext uri="{FF2B5EF4-FFF2-40B4-BE49-F238E27FC236}">
-                <a16:creationId xmlns:a16="http://schemas.microsoft.com/office/drawing/2014/main" id="{FFF7CE99-0833-4AF7-954F-3E4BD5F9CD0B}"/>
+                <a16:creationId xmlns:a16="http://schemas.microsoft.com/office/drawing/2014/main" xmlns="" id="{FFF7CE99-0833-4AF7-954F-3E4BD5F9CD0B}"/>
               </a:ext>
             </a:extLst>
           </p:cNvPr>
@@ -20368,7 +20262,7 @@
     </p:spTree>
     <p:extLst>
       <p:ext uri="{BB962C8B-B14F-4D97-AF65-F5344CB8AC3E}">
-        <p14:creationId xmlns:p14="http://schemas.microsoft.com/office/powerpoint/2010/main" val="2219404595"/>
+        <p14:creationId xmlns:p14="http://schemas.microsoft.com/office/powerpoint/2010/main" xmlns="" val="2219404595"/>
       </p:ext>
     </p:extLst>
   </p:cSld>
@@ -20705,7 +20599,7 @@
           <p:cNvPr id="8" name="Obraz — symbol zastępczy 7" descr="Zbliżenie dwóch osób trzymających się za ręce">
             <a:extLst>
               <a:ext uri="{FF2B5EF4-FFF2-40B4-BE49-F238E27FC236}">
-                <a16:creationId xmlns:a16="http://schemas.microsoft.com/office/drawing/2014/main" id="{E41FFEB7-5147-4211-9DEE-48A580FDD93D}"/>
+                <a16:creationId xmlns:a16="http://schemas.microsoft.com/office/drawing/2014/main" xmlns="" id="{E41FFEB7-5147-4211-9DEE-48A580FDD93D}"/>
               </a:ext>
             </a:extLst>
           </p:cNvPr>
@@ -20720,7 +20614,7 @@
           <a:blip r:embed="rId3">
             <a:extLst>
               <a:ext uri="{28A0092B-C50C-407E-A947-70E740481C1C}">
-                <a14:useLocalDpi xmlns:a14="http://schemas.microsoft.com/office/drawing/2010/main" val="0"/>
+                <a14:useLocalDpi xmlns:a14="http://schemas.microsoft.com/office/drawing/2010/main" xmlns="" val="0"/>
               </a:ext>
             </a:extLst>
           </a:blip>
@@ -20739,7 +20633,7 @@
           <p:cNvPr id="20" name="Tytuł 19">
             <a:extLst>
               <a:ext uri="{FF2B5EF4-FFF2-40B4-BE49-F238E27FC236}">
-                <a16:creationId xmlns:a16="http://schemas.microsoft.com/office/drawing/2014/main" id="{49020275-58F0-4491-8E8A-0A2AD5ED9D8B}"/>
+                <a16:creationId xmlns:a16="http://schemas.microsoft.com/office/drawing/2014/main" xmlns="" id="{49020275-58F0-4491-8E8A-0A2AD5ED9D8B}"/>
               </a:ext>
             </a:extLst>
           </p:cNvPr>
@@ -20787,7 +20681,7 @@
           <p:cNvPr id="6" name="Tekst — symbol zastępczy 5">
             <a:extLst>
               <a:ext uri="{FF2B5EF4-FFF2-40B4-BE49-F238E27FC236}">
-                <a16:creationId xmlns:a16="http://schemas.microsoft.com/office/drawing/2014/main" id="{3D1A5B04-2A0C-49EF-AC0E-822E3C090B88}"/>
+                <a16:creationId xmlns:a16="http://schemas.microsoft.com/office/drawing/2014/main" xmlns="" id="{3D1A5B04-2A0C-49EF-AC0E-822E3C090B88}"/>
               </a:ext>
             </a:extLst>
           </p:cNvPr>
@@ -20821,7 +20715,7 @@
     </p:spTree>
     <p:extLst>
       <p:ext uri="{BB962C8B-B14F-4D97-AF65-F5344CB8AC3E}">
-        <p14:creationId xmlns:p14="http://schemas.microsoft.com/office/powerpoint/2010/main" val="2409068929"/>
+        <p14:creationId xmlns:p14="http://schemas.microsoft.com/office/powerpoint/2010/main" xmlns="" val="2409068929"/>
       </p:ext>
     </p:extLst>
   </p:cSld>
@@ -20853,7 +20747,7 @@
           <p:cNvPr id="27" name="Tytuł 26">
             <a:extLst>
               <a:ext uri="{FF2B5EF4-FFF2-40B4-BE49-F238E27FC236}">
-                <a16:creationId xmlns:a16="http://schemas.microsoft.com/office/drawing/2014/main" id="{B288E94B-1B9A-42EA-8432-6AE5903CB9FC}"/>
+                <a16:creationId xmlns:a16="http://schemas.microsoft.com/office/drawing/2014/main" xmlns="" id="{B288E94B-1B9A-42EA-8432-6AE5903CB9FC}"/>
               </a:ext>
             </a:extLst>
           </p:cNvPr>
@@ -20882,7 +20776,7 @@
           <p:cNvPr id="11" name="Tekst — symbol zastępczy 10">
             <a:extLst>
               <a:ext uri="{FF2B5EF4-FFF2-40B4-BE49-F238E27FC236}">
-                <a16:creationId xmlns:a16="http://schemas.microsoft.com/office/drawing/2014/main" id="{43618C5B-6AEC-4264-A78C-604201FC2C5A}"/>
+                <a16:creationId xmlns:a16="http://schemas.microsoft.com/office/drawing/2014/main" xmlns="" id="{43618C5B-6AEC-4264-A78C-604201FC2C5A}"/>
               </a:ext>
             </a:extLst>
           </p:cNvPr>
@@ -20916,7 +20810,7 @@
           <p:cNvPr id="8" name="Tekst — symbol zastępczy 7">
             <a:extLst>
               <a:ext uri="{FF2B5EF4-FFF2-40B4-BE49-F238E27FC236}">
-                <a16:creationId xmlns:a16="http://schemas.microsoft.com/office/drawing/2014/main" id="{9CC98BF1-21A5-417A-B192-6B11AA3C9A2B}"/>
+                <a16:creationId xmlns:a16="http://schemas.microsoft.com/office/drawing/2014/main" xmlns="" id="{9CC98BF1-21A5-417A-B192-6B11AA3C9A2B}"/>
               </a:ext>
             </a:extLst>
           </p:cNvPr>
@@ -20964,7 +20858,7 @@
           <p:cNvPr id="13" name="Tekst — symbol zastępczy 12">
             <a:extLst>
               <a:ext uri="{FF2B5EF4-FFF2-40B4-BE49-F238E27FC236}">
-                <a16:creationId xmlns:a16="http://schemas.microsoft.com/office/drawing/2014/main" id="{BE0E564F-3940-47BB-9805-956A914DF1EF}"/>
+                <a16:creationId xmlns:a16="http://schemas.microsoft.com/office/drawing/2014/main" xmlns="" id="{BE0E564F-3940-47BB-9805-956A914DF1EF}"/>
               </a:ext>
             </a:extLst>
           </p:cNvPr>
@@ -20998,7 +20892,7 @@
           <p:cNvPr id="12" name="Tekst — symbol zastępczy 11">
             <a:extLst>
               <a:ext uri="{FF2B5EF4-FFF2-40B4-BE49-F238E27FC236}">
-                <a16:creationId xmlns:a16="http://schemas.microsoft.com/office/drawing/2014/main" id="{BDEFB022-503C-413E-B453-E61BBA328AA1}"/>
+                <a16:creationId xmlns:a16="http://schemas.microsoft.com/office/drawing/2014/main" xmlns="" id="{BDEFB022-503C-413E-B453-E61BBA328AA1}"/>
               </a:ext>
             </a:extLst>
           </p:cNvPr>
@@ -21067,7 +20961,7 @@
           <p:cNvPr id="42" name="Obraz — symbol zastępczy 41" descr="Zbliżenie chirurga">
             <a:extLst>
               <a:ext uri="{FF2B5EF4-FFF2-40B4-BE49-F238E27FC236}">
-                <a16:creationId xmlns:a16="http://schemas.microsoft.com/office/drawing/2014/main" id="{3CFA0244-69A5-45A7-BFC3-BCB86FD02A3B}"/>
+                <a16:creationId xmlns:a16="http://schemas.microsoft.com/office/drawing/2014/main" xmlns="" id="{3CFA0244-69A5-45A7-BFC3-BCB86FD02A3B}"/>
               </a:ext>
             </a:extLst>
           </p:cNvPr>
@@ -21082,7 +20976,7 @@
           <a:blip r:embed="rId3">
             <a:extLst>
               <a:ext uri="{28A0092B-C50C-407E-A947-70E740481C1C}">
-                <a14:useLocalDpi xmlns:a14="http://schemas.microsoft.com/office/drawing/2010/main" val="0"/>
+                <a14:useLocalDpi xmlns:a14="http://schemas.microsoft.com/office/drawing/2010/main" xmlns="" val="0"/>
               </a:ext>
             </a:extLst>
           </a:blip>
@@ -21101,7 +20995,7 @@
           <p:cNvPr id="5" name="Data — symbol zastępczy 4">
             <a:extLst>
               <a:ext uri="{FF2B5EF4-FFF2-40B4-BE49-F238E27FC236}">
-                <a16:creationId xmlns:a16="http://schemas.microsoft.com/office/drawing/2014/main" id="{93A192AF-B844-47F4-B7BD-C0F0CB32E71E}"/>
+                <a16:creationId xmlns:a16="http://schemas.microsoft.com/office/drawing/2014/main" xmlns="" id="{93A192AF-B844-47F4-B7BD-C0F0CB32E71E}"/>
               </a:ext>
             </a:extLst>
           </p:cNvPr>
@@ -21122,11 +21016,11 @@
           <a:bodyPr rtlCol="0"/>
           <a:lstStyle/>
           <a:p>
-            <a:pPr rtl="0"/>
-            <a:r>
-              <a:rPr lang="pl-PL"/>
-              <a:t>20XX-08-03</a:t>
-            </a:r>
+            <a:r>
+              <a:rPr lang="pl-PL" dirty="0" smtClean="0"/>
+              <a:t>2022-05-29</a:t>
+            </a:r>
+            <a:endParaRPr lang="pl-PL" dirty="0"/>
           </a:p>
         </p:txBody>
       </p:sp>
@@ -21135,7 +21029,7 @@
           <p:cNvPr id="6" name="Stopka — symbol zastępczy 5">
             <a:extLst>
               <a:ext uri="{FF2B5EF4-FFF2-40B4-BE49-F238E27FC236}">
-                <a16:creationId xmlns:a16="http://schemas.microsoft.com/office/drawing/2014/main" id="{69D28ABD-A568-4353-9EA5-3905B396A593}"/>
+                <a16:creationId xmlns:a16="http://schemas.microsoft.com/office/drawing/2014/main" xmlns="" id="{69D28ABD-A568-4353-9EA5-3905B396A593}"/>
               </a:ext>
             </a:extLst>
           </p:cNvPr>
@@ -21156,11 +21050,11 @@
           <a:bodyPr rtlCol="0"/>
           <a:lstStyle/>
           <a:p>
-            <a:pPr rtl="0"/>
-            <a:r>
-              <a:rPr lang="pl-PL"/>
-              <a:t>PREZENTACJA</a:t>
-            </a:r>
+            <a:r>
+              <a:rPr lang="pl-PL" dirty="0" smtClean="0"/>
+              <a:t>REWARDING INSURANCE</a:t>
+            </a:r>
+            <a:endParaRPr lang="pl-PL" dirty="0"/>
           </a:p>
         </p:txBody>
       </p:sp>
@@ -21169,7 +21063,7 @@
           <p:cNvPr id="7" name="Numer slajdu — symbol zastępczy 6">
             <a:extLst>
               <a:ext uri="{FF2B5EF4-FFF2-40B4-BE49-F238E27FC236}">
-                <a16:creationId xmlns:a16="http://schemas.microsoft.com/office/drawing/2014/main" id="{1AEFA8D6-0E6F-440E-A2B8-74919582018B}"/>
+                <a16:creationId xmlns:a16="http://schemas.microsoft.com/office/drawing/2014/main" xmlns="" id="{1AEFA8D6-0E6F-440E-A2B8-74919582018B}"/>
               </a:ext>
             </a:extLst>
           </p:cNvPr>
@@ -21203,7 +21097,7 @@
     </p:spTree>
     <p:extLst>
       <p:ext uri="{BB962C8B-B14F-4D97-AF65-F5344CB8AC3E}">
-        <p14:creationId xmlns:p14="http://schemas.microsoft.com/office/powerpoint/2010/main" val="2818881363"/>
+        <p14:creationId xmlns:p14="http://schemas.microsoft.com/office/powerpoint/2010/main" xmlns="" val="2818881363"/>
       </p:ext>
     </p:extLst>
   </p:cSld>
@@ -21235,7 +21129,7 @@
           <p:cNvPr id="49" name="Tytuł 48">
             <a:extLst>
               <a:ext uri="{FF2B5EF4-FFF2-40B4-BE49-F238E27FC236}">
-                <a16:creationId xmlns:a16="http://schemas.microsoft.com/office/drawing/2014/main" id="{488CBCB9-624B-47E1-BBFE-EFDA55B9ED9A}"/>
+                <a16:creationId xmlns:a16="http://schemas.microsoft.com/office/drawing/2014/main" xmlns="" id="{488CBCB9-624B-47E1-BBFE-EFDA55B9ED9A}"/>
               </a:ext>
             </a:extLst>
           </p:cNvPr>
@@ -21264,7 +21158,7 @@
           <p:cNvPr id="9" name="Tekst — symbol zastępczy 8">
             <a:extLst>
               <a:ext uri="{FF2B5EF4-FFF2-40B4-BE49-F238E27FC236}">
-                <a16:creationId xmlns:a16="http://schemas.microsoft.com/office/drawing/2014/main" id="{D319D9DF-158F-48E0-9446-1C3D465DED53}"/>
+                <a16:creationId xmlns:a16="http://schemas.microsoft.com/office/drawing/2014/main" xmlns="" id="{D319D9DF-158F-48E0-9446-1C3D465DED53}"/>
               </a:ext>
             </a:extLst>
           </p:cNvPr>
@@ -21300,10 +21194,10 @@
           <p:cNvPr id="144" name="Prostokąt 143">
             <a:extLst>
               <a:ext uri="{FF2B5EF4-FFF2-40B4-BE49-F238E27FC236}">
-                <a16:creationId xmlns:a16="http://schemas.microsoft.com/office/drawing/2014/main" id="{F765386F-B3D7-492E-8F23-241B318A4401}"/>
+                <a16:creationId xmlns:a16="http://schemas.microsoft.com/office/drawing/2014/main" xmlns="" id="{F765386F-B3D7-492E-8F23-241B318A4401}"/>
               </a:ext>
               <a:ext uri="{C183D7F6-B498-43B3-948B-1728B52AA6E4}">
-                <adec:decorative xmlns:adec="http://schemas.microsoft.com/office/drawing/2017/decorative" val="1"/>
+                <adec:decorative xmlns:adec="http://schemas.microsoft.com/office/drawing/2017/decorative" xmlns="" val="1"/>
               </a:ext>
             </a:extLst>
           </p:cNvPr>
@@ -21357,7 +21251,7 @@
           <p:cNvPr id="81" name="Tekst — symbol zastępczy 80">
             <a:extLst>
               <a:ext uri="{FF2B5EF4-FFF2-40B4-BE49-F238E27FC236}">
-                <a16:creationId xmlns:a16="http://schemas.microsoft.com/office/drawing/2014/main" id="{8690B473-154F-42B6-8BE4-A7CD71DCE540}"/>
+                <a16:creationId xmlns:a16="http://schemas.microsoft.com/office/drawing/2014/main" xmlns="" id="{8690B473-154F-42B6-8BE4-A7CD71DCE540}"/>
               </a:ext>
             </a:extLst>
           </p:cNvPr>
@@ -21391,10 +21285,10 @@
           <p:cNvPr id="150" name="Prostokąt 149">
             <a:extLst>
               <a:ext uri="{FF2B5EF4-FFF2-40B4-BE49-F238E27FC236}">
-                <a16:creationId xmlns:a16="http://schemas.microsoft.com/office/drawing/2014/main" id="{D105C7BA-E05D-4765-A5F9-187A7E1F6C12}"/>
+                <a16:creationId xmlns:a16="http://schemas.microsoft.com/office/drawing/2014/main" xmlns="" id="{D105C7BA-E05D-4765-A5F9-187A7E1F6C12}"/>
               </a:ext>
               <a:ext uri="{C183D7F6-B498-43B3-948B-1728B52AA6E4}">
-                <adec:decorative xmlns:adec="http://schemas.microsoft.com/office/drawing/2017/decorative" val="1"/>
+                <adec:decorative xmlns:adec="http://schemas.microsoft.com/office/drawing/2017/decorative" xmlns="" val="1"/>
               </a:ext>
             </a:extLst>
           </p:cNvPr>
@@ -21446,7 +21340,7 @@
           <p:cNvPr id="60" name="Tekst — symbol zastępczy 59">
             <a:extLst>
               <a:ext uri="{FF2B5EF4-FFF2-40B4-BE49-F238E27FC236}">
-                <a16:creationId xmlns:a16="http://schemas.microsoft.com/office/drawing/2014/main" id="{F4EEB6D3-665D-42E9-B35E-5CEDCCC2ED31}"/>
+                <a16:creationId xmlns:a16="http://schemas.microsoft.com/office/drawing/2014/main" xmlns="" id="{F4EEB6D3-665D-42E9-B35E-5CEDCCC2ED31}"/>
               </a:ext>
             </a:extLst>
           </p:cNvPr>
@@ -21482,7 +21376,7 @@
           <p:cNvPr id="79" name="Tekst — symbol zastępczy 78">
             <a:extLst>
               <a:ext uri="{FF2B5EF4-FFF2-40B4-BE49-F238E27FC236}">
-                <a16:creationId xmlns:a16="http://schemas.microsoft.com/office/drawing/2014/main" id="{F30B3AF5-25F5-4CEE-B0D8-F1822F8F16BF}"/>
+                <a16:creationId xmlns:a16="http://schemas.microsoft.com/office/drawing/2014/main" xmlns="" id="{F30B3AF5-25F5-4CEE-B0D8-F1822F8F16BF}"/>
               </a:ext>
             </a:extLst>
           </p:cNvPr>
@@ -21518,7 +21412,7 @@
           <p:cNvPr id="80" name="Tekst — symbol zastępczy 79">
             <a:extLst>
               <a:ext uri="{FF2B5EF4-FFF2-40B4-BE49-F238E27FC236}">
-                <a16:creationId xmlns:a16="http://schemas.microsoft.com/office/drawing/2014/main" id="{716DB1D6-DA61-4501-B665-F93178C9347B}"/>
+                <a16:creationId xmlns:a16="http://schemas.microsoft.com/office/drawing/2014/main" xmlns="" id="{716DB1D6-DA61-4501-B665-F93178C9347B}"/>
               </a:ext>
             </a:extLst>
           </p:cNvPr>
@@ -21554,10 +21448,10 @@
           <p:cNvPr id="142" name="Prostokąt 141">
             <a:extLst>
               <a:ext uri="{FF2B5EF4-FFF2-40B4-BE49-F238E27FC236}">
-                <a16:creationId xmlns:a16="http://schemas.microsoft.com/office/drawing/2014/main" id="{FFB58F6E-8094-46B0-A8B5-37C0413A3CC1}"/>
+                <a16:creationId xmlns:a16="http://schemas.microsoft.com/office/drawing/2014/main" xmlns="" id="{FFB58F6E-8094-46B0-A8B5-37C0413A3CC1}"/>
               </a:ext>
               <a:ext uri="{C183D7F6-B498-43B3-948B-1728B52AA6E4}">
-                <adec:decorative xmlns:adec="http://schemas.microsoft.com/office/drawing/2017/decorative" val="1"/>
+                <adec:decorative xmlns:adec="http://schemas.microsoft.com/office/drawing/2017/decorative" xmlns="" val="1"/>
               </a:ext>
             </a:extLst>
           </p:cNvPr>
@@ -21611,7 +21505,7 @@
           <p:cNvPr id="59" name="Tekst — symbol zastępczy 58">
             <a:extLst>
               <a:ext uri="{FF2B5EF4-FFF2-40B4-BE49-F238E27FC236}">
-                <a16:creationId xmlns:a16="http://schemas.microsoft.com/office/drawing/2014/main" id="{57768D61-ED5B-4BD1-9611-91E9ED86EA06}"/>
+                <a16:creationId xmlns:a16="http://schemas.microsoft.com/office/drawing/2014/main" xmlns="" id="{57768D61-ED5B-4BD1-9611-91E9ED86EA06}"/>
               </a:ext>
             </a:extLst>
           </p:cNvPr>
@@ -21647,10 +21541,10 @@
           <p:cNvPr id="146" name="Prostokąt 145">
             <a:extLst>
               <a:ext uri="{FF2B5EF4-FFF2-40B4-BE49-F238E27FC236}">
-                <a16:creationId xmlns:a16="http://schemas.microsoft.com/office/drawing/2014/main" id="{E950A4A0-A1DD-4FDD-A314-9D8DD4C3B687}"/>
+                <a16:creationId xmlns:a16="http://schemas.microsoft.com/office/drawing/2014/main" xmlns="" id="{E950A4A0-A1DD-4FDD-A314-9D8DD4C3B687}"/>
               </a:ext>
               <a:ext uri="{C183D7F6-B498-43B3-948B-1728B52AA6E4}">
-                <adec:decorative xmlns:adec="http://schemas.microsoft.com/office/drawing/2017/decorative" val="1"/>
+                <adec:decorative xmlns:adec="http://schemas.microsoft.com/office/drawing/2017/decorative" xmlns="" val="1"/>
               </a:ext>
             </a:extLst>
           </p:cNvPr>
@@ -21704,7 +21598,7 @@
           <p:cNvPr id="77" name="Tekst — symbol zastępczy 76">
             <a:extLst>
               <a:ext uri="{FF2B5EF4-FFF2-40B4-BE49-F238E27FC236}">
-                <a16:creationId xmlns:a16="http://schemas.microsoft.com/office/drawing/2014/main" id="{354DD7C2-BF80-4DC5-87EE-E73A9794930D}"/>
+                <a16:creationId xmlns:a16="http://schemas.microsoft.com/office/drawing/2014/main" xmlns="" id="{354DD7C2-BF80-4DC5-87EE-E73A9794930D}"/>
               </a:ext>
             </a:extLst>
           </p:cNvPr>
@@ -21738,10 +21632,10 @@
           <p:cNvPr id="140" name="Prostokąt 139">
             <a:extLst>
               <a:ext uri="{FF2B5EF4-FFF2-40B4-BE49-F238E27FC236}">
-                <a16:creationId xmlns:a16="http://schemas.microsoft.com/office/drawing/2014/main" id="{58AD9954-D764-4D54-9E4E-10547E9900F7}"/>
+                <a16:creationId xmlns:a16="http://schemas.microsoft.com/office/drawing/2014/main" xmlns="" id="{58AD9954-D764-4D54-9E4E-10547E9900F7}"/>
               </a:ext>
               <a:ext uri="{C183D7F6-B498-43B3-948B-1728B52AA6E4}">
-                <adec:decorative xmlns:adec="http://schemas.microsoft.com/office/drawing/2017/decorative" val="1"/>
+                <adec:decorative xmlns:adec="http://schemas.microsoft.com/office/drawing/2017/decorative" xmlns="" val="1"/>
               </a:ext>
             </a:extLst>
           </p:cNvPr>
@@ -21795,7 +21689,7 @@
           <p:cNvPr id="76" name="Tekst — symbol zastępczy 75">
             <a:extLst>
               <a:ext uri="{FF2B5EF4-FFF2-40B4-BE49-F238E27FC236}">
-                <a16:creationId xmlns:a16="http://schemas.microsoft.com/office/drawing/2014/main" id="{00242D6B-C88C-41C2-9051-CBB51348BB27}"/>
+                <a16:creationId xmlns:a16="http://schemas.microsoft.com/office/drawing/2014/main" xmlns="" id="{00242D6B-C88C-41C2-9051-CBB51348BB27}"/>
               </a:ext>
             </a:extLst>
           </p:cNvPr>
@@ -21829,10 +21723,10 @@
           <p:cNvPr id="148" name="Prostokąt 147">
             <a:extLst>
               <a:ext uri="{FF2B5EF4-FFF2-40B4-BE49-F238E27FC236}">
-                <a16:creationId xmlns:a16="http://schemas.microsoft.com/office/drawing/2014/main" id="{468F388E-B419-418A-8761-03AE1540380F}"/>
+                <a16:creationId xmlns:a16="http://schemas.microsoft.com/office/drawing/2014/main" xmlns="" id="{468F388E-B419-418A-8761-03AE1540380F}"/>
               </a:ext>
               <a:ext uri="{C183D7F6-B498-43B3-948B-1728B52AA6E4}">
-                <adec:decorative xmlns:adec="http://schemas.microsoft.com/office/drawing/2017/decorative" val="1"/>
+                <adec:decorative xmlns:adec="http://schemas.microsoft.com/office/drawing/2017/decorative" xmlns="" val="1"/>
               </a:ext>
             </a:extLst>
           </p:cNvPr>
@@ -21886,7 +21780,7 @@
           <p:cNvPr id="78" name="Tekst — symbol zastępczy 77">
             <a:extLst>
               <a:ext uri="{FF2B5EF4-FFF2-40B4-BE49-F238E27FC236}">
-                <a16:creationId xmlns:a16="http://schemas.microsoft.com/office/drawing/2014/main" id="{A2B3912D-8C64-4643-AF5A-151432F77D76}"/>
+                <a16:creationId xmlns:a16="http://schemas.microsoft.com/office/drawing/2014/main" xmlns="" id="{A2B3912D-8C64-4643-AF5A-151432F77D76}"/>
               </a:ext>
             </a:extLst>
           </p:cNvPr>
@@ -21920,7 +21814,7 @@
           <p:cNvPr id="11" name="Tekst — symbol zastępczy 10">
             <a:extLst>
               <a:ext uri="{FF2B5EF4-FFF2-40B4-BE49-F238E27FC236}">
-                <a16:creationId xmlns:a16="http://schemas.microsoft.com/office/drawing/2014/main" id="{B67EB52C-E2BD-4C36-BD4B-2056B36E6EC5}"/>
+                <a16:creationId xmlns:a16="http://schemas.microsoft.com/office/drawing/2014/main" xmlns="" id="{B67EB52C-E2BD-4C36-BD4B-2056B36E6EC5}"/>
               </a:ext>
             </a:extLst>
           </p:cNvPr>
@@ -21956,7 +21850,7 @@
           <p:cNvPr id="2" name="Data — symbol zastępczy 1">
             <a:extLst>
               <a:ext uri="{FF2B5EF4-FFF2-40B4-BE49-F238E27FC236}">
-                <a16:creationId xmlns:a16="http://schemas.microsoft.com/office/drawing/2014/main" id="{A83CADCF-20A3-4EE3-BE9D-894EAF6F4599}"/>
+                <a16:creationId xmlns:a16="http://schemas.microsoft.com/office/drawing/2014/main" xmlns="" id="{A83CADCF-20A3-4EE3-BE9D-894EAF6F4599}"/>
               </a:ext>
             </a:extLst>
           </p:cNvPr>
@@ -21977,11 +21871,11 @@
           <a:bodyPr rtlCol="0"/>
           <a:lstStyle/>
           <a:p>
-            <a:pPr rtl="0"/>
-            <a:r>
-              <a:rPr lang="pl-PL"/>
-              <a:t>20XX-08-03</a:t>
-            </a:r>
+            <a:r>
+              <a:rPr lang="pl-PL" dirty="0" smtClean="0"/>
+              <a:t>2022-05-29</a:t>
+            </a:r>
+            <a:endParaRPr lang="pl-PL" dirty="0"/>
           </a:p>
         </p:txBody>
       </p:sp>
@@ -21990,7 +21884,7 @@
           <p:cNvPr id="3" name="Stopka — symbol zastępczy 2">
             <a:extLst>
               <a:ext uri="{FF2B5EF4-FFF2-40B4-BE49-F238E27FC236}">
-                <a16:creationId xmlns:a16="http://schemas.microsoft.com/office/drawing/2014/main" id="{C5B9C19D-2955-4E88-984E-4C636830CA12}"/>
+                <a16:creationId xmlns:a16="http://schemas.microsoft.com/office/drawing/2014/main" xmlns="" id="{C5B9C19D-2955-4E88-984E-4C636830CA12}"/>
               </a:ext>
             </a:extLst>
           </p:cNvPr>
@@ -22011,11 +21905,11 @@
           <a:bodyPr rtlCol="0"/>
           <a:lstStyle/>
           <a:p>
-            <a:pPr rtl="0"/>
-            <a:r>
-              <a:rPr lang="pl-PL"/>
-              <a:t>PREZENTACJA</a:t>
-            </a:r>
+            <a:r>
+              <a:rPr lang="pl-PL" dirty="0" smtClean="0"/>
+              <a:t>REWARDING INSURANCE</a:t>
+            </a:r>
+            <a:endParaRPr lang="pl-PL" dirty="0"/>
           </a:p>
         </p:txBody>
       </p:sp>
@@ -22024,7 +21918,7 @@
           <p:cNvPr id="4" name="Numer slajdu — symbol zastępczy 3">
             <a:extLst>
               <a:ext uri="{FF2B5EF4-FFF2-40B4-BE49-F238E27FC236}">
-                <a16:creationId xmlns:a16="http://schemas.microsoft.com/office/drawing/2014/main" id="{04EF966C-050D-45E8-B8EF-BB4335AFE08A}"/>
+                <a16:creationId xmlns:a16="http://schemas.microsoft.com/office/drawing/2014/main" xmlns="" id="{04EF966C-050D-45E8-B8EF-BB4335AFE08A}"/>
               </a:ext>
             </a:extLst>
           </p:cNvPr>
@@ -22058,7 +21952,7 @@
     </p:spTree>
     <p:extLst>
       <p:ext uri="{BB962C8B-B14F-4D97-AF65-F5344CB8AC3E}">
-        <p14:creationId xmlns:p14="http://schemas.microsoft.com/office/powerpoint/2010/main" val="2411072564"/>
+        <p14:creationId xmlns:p14="http://schemas.microsoft.com/office/powerpoint/2010/main" xmlns="" val="2411072564"/>
       </p:ext>
     </p:extLst>
   </p:cSld>
@@ -22090,7 +21984,7 @@
           <p:cNvPr id="51" name="Tytuł 50">
             <a:extLst>
               <a:ext uri="{FF2B5EF4-FFF2-40B4-BE49-F238E27FC236}">
-                <a16:creationId xmlns:a16="http://schemas.microsoft.com/office/drawing/2014/main" id="{0BE62F74-B2F0-412C-A83C-5F33BEAA5922}"/>
+                <a16:creationId xmlns:a16="http://schemas.microsoft.com/office/drawing/2014/main" xmlns="" id="{0BE62F74-B2F0-412C-A83C-5F33BEAA5922}"/>
               </a:ext>
             </a:extLst>
           </p:cNvPr>
@@ -22119,7 +22013,7 @@
           <p:cNvPr id="11" name="Tekst — symbol zastępczy 10">
             <a:extLst>
               <a:ext uri="{FF2B5EF4-FFF2-40B4-BE49-F238E27FC236}">
-                <a16:creationId xmlns:a16="http://schemas.microsoft.com/office/drawing/2014/main" id="{3E4795E8-7B98-40B7-8AE8-16368124459C}"/>
+                <a16:creationId xmlns:a16="http://schemas.microsoft.com/office/drawing/2014/main" xmlns="" id="{3E4795E8-7B98-40B7-8AE8-16368124459C}"/>
               </a:ext>
             </a:extLst>
           </p:cNvPr>
@@ -22153,7 +22047,7 @@
           <p:cNvPr id="37" name="Tekst — symbol zastępczy 36">
             <a:extLst>
               <a:ext uri="{FF2B5EF4-FFF2-40B4-BE49-F238E27FC236}">
-                <a16:creationId xmlns:a16="http://schemas.microsoft.com/office/drawing/2014/main" id="{17DF7675-E811-436D-967F-8C216AEF5A14}"/>
+                <a16:creationId xmlns:a16="http://schemas.microsoft.com/office/drawing/2014/main" xmlns="" id="{17DF7675-E811-436D-967F-8C216AEF5A14}"/>
               </a:ext>
             </a:extLst>
           </p:cNvPr>
@@ -22187,7 +22081,7 @@
           <p:cNvPr id="66" name="Tekst — symbol zastępczy 65">
             <a:extLst>
               <a:ext uri="{FF2B5EF4-FFF2-40B4-BE49-F238E27FC236}">
-                <a16:creationId xmlns:a16="http://schemas.microsoft.com/office/drawing/2014/main" id="{1CF403A4-EC71-458B-A4DC-B512F862CCD0}"/>
+                <a16:creationId xmlns:a16="http://schemas.microsoft.com/office/drawing/2014/main" xmlns="" id="{1CF403A4-EC71-458B-A4DC-B512F862CCD0}"/>
               </a:ext>
             </a:extLst>
           </p:cNvPr>
@@ -22221,7 +22115,7 @@
           <p:cNvPr id="56" name="Tekst — symbol zastępczy 55">
             <a:extLst>
               <a:ext uri="{FF2B5EF4-FFF2-40B4-BE49-F238E27FC236}">
-                <a16:creationId xmlns:a16="http://schemas.microsoft.com/office/drawing/2014/main" id="{2A7F1528-A025-4CA1-B47F-F9187BBB52F9}"/>
+                <a16:creationId xmlns:a16="http://schemas.microsoft.com/office/drawing/2014/main" xmlns="" id="{2A7F1528-A025-4CA1-B47F-F9187BBB52F9}"/>
               </a:ext>
             </a:extLst>
           </p:cNvPr>
@@ -22255,7 +22149,7 @@
           <p:cNvPr id="67" name="Tekst — symbol zastępczy 66">
             <a:extLst>
               <a:ext uri="{FF2B5EF4-FFF2-40B4-BE49-F238E27FC236}">
-                <a16:creationId xmlns:a16="http://schemas.microsoft.com/office/drawing/2014/main" id="{E9C39922-AEEB-4884-A6CD-92E928116C0F}"/>
+                <a16:creationId xmlns:a16="http://schemas.microsoft.com/office/drawing/2014/main" xmlns="" id="{E9C39922-AEEB-4884-A6CD-92E928116C0F}"/>
               </a:ext>
             </a:extLst>
           </p:cNvPr>
@@ -22289,7 +22183,7 @@
           <p:cNvPr id="57" name="Tekst — symbol zastępczy 56">
             <a:extLst>
               <a:ext uri="{FF2B5EF4-FFF2-40B4-BE49-F238E27FC236}">
-                <a16:creationId xmlns:a16="http://schemas.microsoft.com/office/drawing/2014/main" id="{7C8C3076-E6F5-4637-8C6A-24BE6EF469EC}"/>
+                <a16:creationId xmlns:a16="http://schemas.microsoft.com/office/drawing/2014/main" xmlns="" id="{7C8C3076-E6F5-4637-8C6A-24BE6EF469EC}"/>
               </a:ext>
             </a:extLst>
           </p:cNvPr>
@@ -22323,7 +22217,7 @@
           <p:cNvPr id="68" name="Tekst — symbol zastępczy 67">
             <a:extLst>
               <a:ext uri="{FF2B5EF4-FFF2-40B4-BE49-F238E27FC236}">
-                <a16:creationId xmlns:a16="http://schemas.microsoft.com/office/drawing/2014/main" id="{73CF272F-B943-4B2B-9D88-823E9DA59F92}"/>
+                <a16:creationId xmlns:a16="http://schemas.microsoft.com/office/drawing/2014/main" xmlns="" id="{73CF272F-B943-4B2B-9D88-823E9DA59F92}"/>
               </a:ext>
             </a:extLst>
           </p:cNvPr>
@@ -22357,7 +22251,7 @@
           <p:cNvPr id="2" name="Data — symbol zastępczy 1">
             <a:extLst>
               <a:ext uri="{FF2B5EF4-FFF2-40B4-BE49-F238E27FC236}">
-                <a16:creationId xmlns:a16="http://schemas.microsoft.com/office/drawing/2014/main" id="{8DDD2A5C-ABEC-4078-8322-0D4D01250FEA}"/>
+                <a16:creationId xmlns:a16="http://schemas.microsoft.com/office/drawing/2014/main" xmlns="" id="{8DDD2A5C-ABEC-4078-8322-0D4D01250FEA}"/>
               </a:ext>
             </a:extLst>
           </p:cNvPr>
@@ -22378,11 +22272,11 @@
           <a:bodyPr rtlCol="0"/>
           <a:lstStyle/>
           <a:p>
-            <a:pPr rtl="0"/>
-            <a:r>
-              <a:rPr lang="pl-PL"/>
-              <a:t>20XX-08-03</a:t>
-            </a:r>
+            <a:r>
+              <a:rPr lang="pl-PL" dirty="0" smtClean="0"/>
+              <a:t>2022-05-29</a:t>
+            </a:r>
+            <a:endParaRPr lang="pl-PL" dirty="0"/>
           </a:p>
         </p:txBody>
       </p:sp>
@@ -22391,7 +22285,7 @@
           <p:cNvPr id="3" name="Stopka — symbol zastępczy 2">
             <a:extLst>
               <a:ext uri="{FF2B5EF4-FFF2-40B4-BE49-F238E27FC236}">
-                <a16:creationId xmlns:a16="http://schemas.microsoft.com/office/drawing/2014/main" id="{B64A8203-5E18-4F90-BB96-E21552557A1D}"/>
+                <a16:creationId xmlns:a16="http://schemas.microsoft.com/office/drawing/2014/main" xmlns="" id="{B64A8203-5E18-4F90-BB96-E21552557A1D}"/>
               </a:ext>
             </a:extLst>
           </p:cNvPr>
@@ -22412,11 +22306,11 @@
           <a:bodyPr rtlCol="0"/>
           <a:lstStyle/>
           <a:p>
-            <a:pPr rtl="0"/>
-            <a:r>
-              <a:rPr lang="pl-PL"/>
-              <a:t>PREZENTACJA</a:t>
-            </a:r>
+            <a:r>
+              <a:rPr lang="pl-PL" dirty="0" smtClean="0"/>
+              <a:t>REWARDING INSURANCE</a:t>
+            </a:r>
+            <a:endParaRPr lang="pl-PL" dirty="0"/>
           </a:p>
         </p:txBody>
       </p:sp>
@@ -22425,7 +22319,7 @@
           <p:cNvPr id="4" name="Numer slajdu — symbol zastępczy 3">
             <a:extLst>
               <a:ext uri="{FF2B5EF4-FFF2-40B4-BE49-F238E27FC236}">
-                <a16:creationId xmlns:a16="http://schemas.microsoft.com/office/drawing/2014/main" id="{9A3C69AA-05D5-4E36-B904-EB3BFF86437B}"/>
+                <a16:creationId xmlns:a16="http://schemas.microsoft.com/office/drawing/2014/main" xmlns="" id="{9A3C69AA-05D5-4E36-B904-EB3BFF86437B}"/>
               </a:ext>
             </a:extLst>
           </p:cNvPr>
@@ -22459,7 +22353,7 @@
     </p:spTree>
     <p:extLst>
       <p:ext uri="{BB962C8B-B14F-4D97-AF65-F5344CB8AC3E}">
-        <p14:creationId xmlns:p14="http://schemas.microsoft.com/office/powerpoint/2010/main" val="1673485402"/>
+        <p14:creationId xmlns:p14="http://schemas.microsoft.com/office/powerpoint/2010/main" xmlns="" val="1673485402"/>
       </p:ext>
     </p:extLst>
   </p:cSld>
@@ -22491,7 +22385,7 @@
           <p:cNvPr id="49" name="Tytuł 48">
             <a:extLst>
               <a:ext uri="{FF2B5EF4-FFF2-40B4-BE49-F238E27FC236}">
-                <a16:creationId xmlns:a16="http://schemas.microsoft.com/office/drawing/2014/main" id="{1566E1EC-B2A7-4A51-972F-B364AC0BB7EC}"/>
+                <a16:creationId xmlns:a16="http://schemas.microsoft.com/office/drawing/2014/main" xmlns="" id="{1566E1EC-B2A7-4A51-972F-B364AC0BB7EC}"/>
               </a:ext>
             </a:extLst>
           </p:cNvPr>
@@ -22520,7 +22414,7 @@
           <p:cNvPr id="17" name="Tekst — symbol zastępczy 16">
             <a:extLst>
               <a:ext uri="{FF2B5EF4-FFF2-40B4-BE49-F238E27FC236}">
-                <a16:creationId xmlns:a16="http://schemas.microsoft.com/office/drawing/2014/main" id="{707695DC-FF34-4B1B-8C99-046DB13E1040}"/>
+                <a16:creationId xmlns:a16="http://schemas.microsoft.com/office/drawing/2014/main" xmlns="" id="{707695DC-FF34-4B1B-8C99-046DB13E1040}"/>
               </a:ext>
             </a:extLst>
           </p:cNvPr>
@@ -22554,7 +22448,7 @@
           <p:cNvPr id="59" name="Tekst — symbol zastępczy 58">
             <a:extLst>
               <a:ext uri="{FF2B5EF4-FFF2-40B4-BE49-F238E27FC236}">
-                <a16:creationId xmlns:a16="http://schemas.microsoft.com/office/drawing/2014/main" id="{7BF83601-4E7B-427D-8826-469201A21139}"/>
+                <a16:creationId xmlns:a16="http://schemas.microsoft.com/office/drawing/2014/main" xmlns="" id="{7BF83601-4E7B-427D-8826-469201A21139}"/>
               </a:ext>
             </a:extLst>
           </p:cNvPr>
@@ -22588,7 +22482,7 @@
           <p:cNvPr id="48" name="Zawartość — symbol zastępczy 47">
             <a:extLst>
               <a:ext uri="{FF2B5EF4-FFF2-40B4-BE49-F238E27FC236}">
-                <a16:creationId xmlns:a16="http://schemas.microsoft.com/office/drawing/2014/main" id="{F72B751A-8AAE-4658-A976-A2A8360C8EB6}"/>
+                <a16:creationId xmlns:a16="http://schemas.microsoft.com/office/drawing/2014/main" xmlns="" id="{F72B751A-8AAE-4658-A976-A2A8360C8EB6}"/>
               </a:ext>
             </a:extLst>
           </p:cNvPr>
@@ -22599,7 +22493,7 @@
             <p:ph sz="quarter" idx="37"/>
             <p:extLst>
               <p:ext uri="{D42A27DB-BD31-4B8C-83A1-F6EECF244321}">
-                <p14:modId xmlns:p14="http://schemas.microsoft.com/office/powerpoint/2010/main" val="383332292"/>
+                <p14:modId xmlns:p14="http://schemas.microsoft.com/office/powerpoint/2010/main" xmlns="" val="383332292"/>
               </p:ext>
             </p:extLst>
           </p:nvPr>
@@ -22618,35 +22512,35 @@
                 <a:gridCol w="812539">
                   <a:extLst>
                     <a:ext uri="{9D8B030D-6E8A-4147-A177-3AD203B41FA5}">
-                      <a16:colId xmlns:a16="http://schemas.microsoft.com/office/drawing/2014/main" val="1517755082"/>
+                      <a16:colId xmlns:a16="http://schemas.microsoft.com/office/drawing/2014/main" xmlns="" val="1517755082"/>
                     </a:ext>
                   </a:extLst>
                 </a:gridCol>
                 <a:gridCol w="1038080">
                   <a:extLst>
                     <a:ext uri="{9D8B030D-6E8A-4147-A177-3AD203B41FA5}">
-                      <a16:colId xmlns:a16="http://schemas.microsoft.com/office/drawing/2014/main" val="2446386500"/>
+                      <a16:colId xmlns:a16="http://schemas.microsoft.com/office/drawing/2014/main" xmlns="" val="2446386500"/>
                     </a:ext>
                   </a:extLst>
                 </a:gridCol>
                 <a:gridCol w="963943">
                   <a:extLst>
                     <a:ext uri="{9D8B030D-6E8A-4147-A177-3AD203B41FA5}">
-                      <a16:colId xmlns:a16="http://schemas.microsoft.com/office/drawing/2014/main" val="3308918160"/>
+                      <a16:colId xmlns:a16="http://schemas.microsoft.com/office/drawing/2014/main" xmlns="" val="3308918160"/>
                     </a:ext>
                   </a:extLst>
                 </a:gridCol>
                 <a:gridCol w="1068655">
                   <a:extLst>
                     <a:ext uri="{9D8B030D-6E8A-4147-A177-3AD203B41FA5}">
-                      <a16:colId xmlns:a16="http://schemas.microsoft.com/office/drawing/2014/main" val="1854486728"/>
+                      <a16:colId xmlns:a16="http://schemas.microsoft.com/office/drawing/2014/main" xmlns="" val="1854486728"/>
                     </a:ext>
                   </a:extLst>
                 </a:gridCol>
                 <a:gridCol w="1120244">
                   <a:extLst>
                     <a:ext uri="{9D8B030D-6E8A-4147-A177-3AD203B41FA5}">
-                      <a16:colId xmlns:a16="http://schemas.microsoft.com/office/drawing/2014/main" val="1808496511"/>
+                      <a16:colId xmlns:a16="http://schemas.microsoft.com/office/drawing/2014/main" xmlns="" val="1808496511"/>
                     </a:ext>
                   </a:extLst>
                 </a:gridCol>
@@ -22754,7 +22648,7 @@
                 </a:tc>
                 <a:extLst>
                   <a:ext uri="{0D108BD9-81ED-4DB2-BD59-A6C34878D82A}">
-                    <a16:rowId xmlns:a16="http://schemas.microsoft.com/office/drawing/2014/main" val="3100351803"/>
+                    <a16:rowId xmlns:a16="http://schemas.microsoft.com/office/drawing/2014/main" xmlns="" val="3100351803"/>
                   </a:ext>
                 </a:extLst>
               </a:tr>
@@ -22916,7 +22810,7 @@
                 </a:tc>
                 <a:extLst>
                   <a:ext uri="{0D108BD9-81ED-4DB2-BD59-A6C34878D82A}">
-                    <a16:rowId xmlns:a16="http://schemas.microsoft.com/office/drawing/2014/main" val="2801628125"/>
+                    <a16:rowId xmlns:a16="http://schemas.microsoft.com/office/drawing/2014/main" xmlns="" val="2801628125"/>
                   </a:ext>
                 </a:extLst>
               </a:tr>
@@ -23078,7 +22972,7 @@
                 </a:tc>
                 <a:extLst>
                   <a:ext uri="{0D108BD9-81ED-4DB2-BD59-A6C34878D82A}">
-                    <a16:rowId xmlns:a16="http://schemas.microsoft.com/office/drawing/2014/main" val="3635382780"/>
+                    <a16:rowId xmlns:a16="http://schemas.microsoft.com/office/drawing/2014/main" xmlns="" val="3635382780"/>
                   </a:ext>
                 </a:extLst>
               </a:tr>
@@ -23240,7 +23134,7 @@
                 </a:tc>
                 <a:extLst>
                   <a:ext uri="{0D108BD9-81ED-4DB2-BD59-A6C34878D82A}">
-                    <a16:rowId xmlns:a16="http://schemas.microsoft.com/office/drawing/2014/main" val="2282084003"/>
+                    <a16:rowId xmlns:a16="http://schemas.microsoft.com/office/drawing/2014/main" xmlns="" val="2282084003"/>
                   </a:ext>
                 </a:extLst>
               </a:tr>
@@ -23402,7 +23296,7 @@
                 </a:tc>
                 <a:extLst>
                   <a:ext uri="{0D108BD9-81ED-4DB2-BD59-A6C34878D82A}">
-                    <a16:rowId xmlns:a16="http://schemas.microsoft.com/office/drawing/2014/main" val="1849756459"/>
+                    <a16:rowId xmlns:a16="http://schemas.microsoft.com/office/drawing/2014/main" xmlns="" val="1849756459"/>
                   </a:ext>
                 </a:extLst>
               </a:tr>
@@ -23415,7 +23309,7 @@
           <p:cNvPr id="54" name="Tekst — symbol zastępczy 53">
             <a:extLst>
               <a:ext uri="{FF2B5EF4-FFF2-40B4-BE49-F238E27FC236}">
-                <a16:creationId xmlns:a16="http://schemas.microsoft.com/office/drawing/2014/main" id="{FFFA7450-DF50-4998-BD71-152846F72C37}"/>
+                <a16:creationId xmlns:a16="http://schemas.microsoft.com/office/drawing/2014/main" xmlns="" id="{FFFA7450-DF50-4998-BD71-152846F72C37}"/>
               </a:ext>
             </a:extLst>
           </p:cNvPr>
@@ -23449,7 +23343,7 @@
           <p:cNvPr id="38" name="Zawartość — symbol zastępczy 37" descr="Wykres słupkowy">
             <a:extLst>
               <a:ext uri="{FF2B5EF4-FFF2-40B4-BE49-F238E27FC236}">
-                <a16:creationId xmlns:a16="http://schemas.microsoft.com/office/drawing/2014/main" id="{7E762047-458C-49DE-A874-30579A8004B1}"/>
+                <a16:creationId xmlns:a16="http://schemas.microsoft.com/office/drawing/2014/main" xmlns="" id="{7E762047-458C-49DE-A874-30579A8004B1}"/>
               </a:ext>
             </a:extLst>
           </p:cNvPr>
@@ -23460,7 +23354,7 @@
             <p:ph sz="quarter" idx="38"/>
             <p:extLst>
               <p:ext uri="{D42A27DB-BD31-4B8C-83A1-F6EECF244321}">
-                <p14:modId xmlns:p14="http://schemas.microsoft.com/office/powerpoint/2010/main" val="2496295568"/>
+                <p14:modId xmlns:p14="http://schemas.microsoft.com/office/powerpoint/2010/main" xmlns="" val="2496295568"/>
               </p:ext>
             </p:extLst>
           </p:nvPr>
@@ -23480,7 +23374,7 @@
           <p:cNvPr id="2" name="Data — symbol zastępczy 1">
             <a:extLst>
               <a:ext uri="{FF2B5EF4-FFF2-40B4-BE49-F238E27FC236}">
-                <a16:creationId xmlns:a16="http://schemas.microsoft.com/office/drawing/2014/main" id="{6990803E-0C78-48C0-B7CE-117A49422343}"/>
+                <a16:creationId xmlns:a16="http://schemas.microsoft.com/office/drawing/2014/main" xmlns="" id="{6990803E-0C78-48C0-B7CE-117A49422343}"/>
               </a:ext>
             </a:extLst>
           </p:cNvPr>
@@ -23501,11 +23395,11 @@
           <a:bodyPr rtlCol="0"/>
           <a:lstStyle/>
           <a:p>
-            <a:pPr rtl="0"/>
-            <a:r>
-              <a:rPr lang="pl-PL" dirty="0"/>
-              <a:t>20XX-08-03</a:t>
-            </a:r>
+            <a:r>
+              <a:rPr lang="pl-PL" dirty="0" smtClean="0"/>
+              <a:t>2022-05-29</a:t>
+            </a:r>
+            <a:endParaRPr lang="pl-PL" dirty="0"/>
           </a:p>
         </p:txBody>
       </p:sp>
@@ -23514,7 +23408,7 @@
           <p:cNvPr id="3" name="Stopka — symbol zastępczy 2">
             <a:extLst>
               <a:ext uri="{FF2B5EF4-FFF2-40B4-BE49-F238E27FC236}">
-                <a16:creationId xmlns:a16="http://schemas.microsoft.com/office/drawing/2014/main" id="{D2E9E152-0E00-4137-828A-59577AF8AF86}"/>
+                <a16:creationId xmlns:a16="http://schemas.microsoft.com/office/drawing/2014/main" xmlns="" id="{D2E9E152-0E00-4137-828A-59577AF8AF86}"/>
               </a:ext>
             </a:extLst>
           </p:cNvPr>
@@ -23535,11 +23429,11 @@
           <a:bodyPr rtlCol="0"/>
           <a:lstStyle/>
           <a:p>
-            <a:pPr rtl="0"/>
-            <a:r>
-              <a:rPr lang="pl-PL" dirty="0"/>
-              <a:t>PREZENTACJA</a:t>
-            </a:r>
+            <a:r>
+              <a:rPr lang="pl-PL" dirty="0" smtClean="0"/>
+              <a:t>REWARDING INSURANCE</a:t>
+            </a:r>
+            <a:endParaRPr lang="pl-PL" dirty="0"/>
           </a:p>
         </p:txBody>
       </p:sp>
@@ -23548,7 +23442,7 @@
           <p:cNvPr id="4" name="Numer slajdu — symbol zastępczy 3">
             <a:extLst>
               <a:ext uri="{FF2B5EF4-FFF2-40B4-BE49-F238E27FC236}">
-                <a16:creationId xmlns:a16="http://schemas.microsoft.com/office/drawing/2014/main" id="{AD06A0A6-003A-44E1-9D66-9A511C928421}"/>
+                <a16:creationId xmlns:a16="http://schemas.microsoft.com/office/drawing/2014/main" xmlns="" id="{AD06A0A6-003A-44E1-9D66-9A511C928421}"/>
               </a:ext>
             </a:extLst>
           </p:cNvPr>
@@ -23582,7 +23476,7 @@
     </p:spTree>
     <p:extLst>
       <p:ext uri="{BB962C8B-B14F-4D97-AF65-F5344CB8AC3E}">
-        <p14:creationId xmlns:p14="http://schemas.microsoft.com/office/powerpoint/2010/main" val="3999316757"/>
+        <p14:creationId xmlns:p14="http://schemas.microsoft.com/office/powerpoint/2010/main" xmlns="" val="3999316757"/>
       </p:ext>
     </p:extLst>
   </p:cSld>
@@ -23614,7 +23508,7 @@
           <p:cNvPr id="239" name="Tytuł 238">
             <a:extLst>
               <a:ext uri="{FF2B5EF4-FFF2-40B4-BE49-F238E27FC236}">
-                <a16:creationId xmlns:a16="http://schemas.microsoft.com/office/drawing/2014/main" id="{20C2B32A-DDA7-44A1-817F-485EA7BBAB62}"/>
+                <a16:creationId xmlns:a16="http://schemas.microsoft.com/office/drawing/2014/main" xmlns="" id="{20C2B32A-DDA7-44A1-817F-485EA7BBAB62}"/>
               </a:ext>
             </a:extLst>
           </p:cNvPr>
@@ -23643,7 +23537,7 @@
           <p:cNvPr id="71" name="Tekst — symbol zastępczy 70">
             <a:extLst>
               <a:ext uri="{FF2B5EF4-FFF2-40B4-BE49-F238E27FC236}">
-                <a16:creationId xmlns:a16="http://schemas.microsoft.com/office/drawing/2014/main" id="{9947C1AC-1A21-4AAC-B2A8-736885C0E342}"/>
+                <a16:creationId xmlns:a16="http://schemas.microsoft.com/office/drawing/2014/main" xmlns="" id="{9947C1AC-1A21-4AAC-B2A8-736885C0E342}"/>
               </a:ext>
             </a:extLst>
           </p:cNvPr>
@@ -23679,7 +23573,7 @@
           <p:cNvPr id="72" name="Tekst — symbol zastępczy 71">
             <a:extLst>
               <a:ext uri="{FF2B5EF4-FFF2-40B4-BE49-F238E27FC236}">
-                <a16:creationId xmlns:a16="http://schemas.microsoft.com/office/drawing/2014/main" id="{3CC8BA56-B1EC-4149-8E79-730A963B2EBC}"/>
+                <a16:creationId xmlns:a16="http://schemas.microsoft.com/office/drawing/2014/main" xmlns="" id="{3CC8BA56-B1EC-4149-8E79-730A963B2EBC}"/>
               </a:ext>
             </a:extLst>
           </p:cNvPr>
@@ -23715,7 +23609,7 @@
           <p:cNvPr id="73" name="Tekst — symbol zastępczy 72">
             <a:extLst>
               <a:ext uri="{FF2B5EF4-FFF2-40B4-BE49-F238E27FC236}">
-                <a16:creationId xmlns:a16="http://schemas.microsoft.com/office/drawing/2014/main" id="{D133910C-A43B-4DB5-B388-370A567275BE}"/>
+                <a16:creationId xmlns:a16="http://schemas.microsoft.com/office/drawing/2014/main" xmlns="" id="{D133910C-A43B-4DB5-B388-370A567275BE}"/>
               </a:ext>
             </a:extLst>
           </p:cNvPr>
@@ -23751,7 +23645,7 @@
           <p:cNvPr id="69" name="Tekst — symbol zastępczy 68">
             <a:extLst>
               <a:ext uri="{FF2B5EF4-FFF2-40B4-BE49-F238E27FC236}">
-                <a16:creationId xmlns:a16="http://schemas.microsoft.com/office/drawing/2014/main" id="{8E1DE698-315F-427A-8607-93E5C8C02D54}"/>
+                <a16:creationId xmlns:a16="http://schemas.microsoft.com/office/drawing/2014/main" xmlns="" id="{8E1DE698-315F-427A-8607-93E5C8C02D54}"/>
               </a:ext>
             </a:extLst>
           </p:cNvPr>
@@ -23785,10 +23679,10 @@
           <p:cNvPr id="103" name="Grupa 102">
             <a:extLst>
               <a:ext uri="{FF2B5EF4-FFF2-40B4-BE49-F238E27FC236}">
-                <a16:creationId xmlns:a16="http://schemas.microsoft.com/office/drawing/2014/main" id="{543CB26E-CEC1-42B1-BFD8-F57499DDA28B}"/>
+                <a16:creationId xmlns:a16="http://schemas.microsoft.com/office/drawing/2014/main" xmlns="" id="{543CB26E-CEC1-42B1-BFD8-F57499DDA28B}"/>
               </a:ext>
               <a:ext uri="{C183D7F6-B498-43B3-948B-1728B52AA6E4}">
-                <adec:decorative xmlns:adec="http://schemas.microsoft.com/office/drawing/2017/decorative" val="1"/>
+                <adec:decorative xmlns:adec="http://schemas.microsoft.com/office/drawing/2017/decorative" xmlns="" val="1"/>
               </a:ext>
             </a:extLst>
           </p:cNvPr>
@@ -23808,14 +23702,14 @@
             <p:cNvPr id="104" name="Łącznik prosty 103">
               <a:extLst>
                 <a:ext uri="{FF2B5EF4-FFF2-40B4-BE49-F238E27FC236}">
-                  <a16:creationId xmlns:a16="http://schemas.microsoft.com/office/drawing/2014/main" id="{85507A0E-19D5-402B-BD44-A2E472163DA1}"/>
+                  <a16:creationId xmlns:a16="http://schemas.microsoft.com/office/drawing/2014/main" xmlns="" id="{85507A0E-19D5-402B-BD44-A2E472163DA1}"/>
                 </a:ext>
               </a:extLst>
             </p:cNvPr>
             <p:cNvCxnSpPr>
               <a:cxnSpLocks/>
             </p:cNvCxnSpPr>
-            <p:nvPr userDrawn="1"/>
+            <p:nvPr/>
           </p:nvCxnSpPr>
           <p:spPr>
             <a:xfrm>
@@ -23853,14 +23747,14 @@
             <p:cNvPr id="105" name="Łącznik prosty 104">
               <a:extLst>
                 <a:ext uri="{FF2B5EF4-FFF2-40B4-BE49-F238E27FC236}">
-                  <a16:creationId xmlns:a16="http://schemas.microsoft.com/office/drawing/2014/main" id="{CF0A8E84-9149-4014-B3AC-124B8C14B424}"/>
+                  <a16:creationId xmlns:a16="http://schemas.microsoft.com/office/drawing/2014/main" xmlns="" id="{CF0A8E84-9149-4014-B3AC-124B8C14B424}"/>
                 </a:ext>
               </a:extLst>
             </p:cNvPr>
             <p:cNvCxnSpPr>
               <a:cxnSpLocks/>
             </p:cNvCxnSpPr>
-            <p:nvPr userDrawn="1"/>
+            <p:nvPr/>
           </p:nvCxnSpPr>
           <p:spPr>
             <a:xfrm>
@@ -23898,14 +23792,14 @@
             <p:cNvPr id="106" name="Łącznik prosty 105">
               <a:extLst>
                 <a:ext uri="{FF2B5EF4-FFF2-40B4-BE49-F238E27FC236}">
-                  <a16:creationId xmlns:a16="http://schemas.microsoft.com/office/drawing/2014/main" id="{36C27957-1B8B-4382-8AD9-AE1244E072F3}"/>
+                  <a16:creationId xmlns:a16="http://schemas.microsoft.com/office/drawing/2014/main" xmlns="" id="{36C27957-1B8B-4382-8AD9-AE1244E072F3}"/>
                 </a:ext>
               </a:extLst>
             </p:cNvPr>
             <p:cNvCxnSpPr>
               <a:cxnSpLocks/>
             </p:cNvCxnSpPr>
-            <p:nvPr userDrawn="1"/>
+            <p:nvPr/>
           </p:nvCxnSpPr>
           <p:spPr>
             <a:xfrm>
@@ -23943,14 +23837,14 @@
             <p:cNvPr id="107" name="Łącznik prosty 106">
               <a:extLst>
                 <a:ext uri="{FF2B5EF4-FFF2-40B4-BE49-F238E27FC236}">
-                  <a16:creationId xmlns:a16="http://schemas.microsoft.com/office/drawing/2014/main" id="{5C012FEE-2762-4F00-AC76-1DC6EDF5128D}"/>
+                  <a16:creationId xmlns:a16="http://schemas.microsoft.com/office/drawing/2014/main" xmlns="" id="{5C012FEE-2762-4F00-AC76-1DC6EDF5128D}"/>
                 </a:ext>
               </a:extLst>
             </p:cNvPr>
             <p:cNvCxnSpPr>
               <a:cxnSpLocks/>
             </p:cNvCxnSpPr>
-            <p:nvPr userDrawn="1"/>
+            <p:nvPr/>
           </p:nvCxnSpPr>
           <p:spPr>
             <a:xfrm>
@@ -23988,14 +23882,14 @@
             <p:cNvPr id="108" name="Łącznik prosty 107">
               <a:extLst>
                 <a:ext uri="{FF2B5EF4-FFF2-40B4-BE49-F238E27FC236}">
-                  <a16:creationId xmlns:a16="http://schemas.microsoft.com/office/drawing/2014/main" id="{6CC02CC7-9331-4D75-97CF-C10722DBBA81}"/>
+                  <a16:creationId xmlns:a16="http://schemas.microsoft.com/office/drawing/2014/main" xmlns="" id="{6CC02CC7-9331-4D75-97CF-C10722DBBA81}"/>
                 </a:ext>
               </a:extLst>
             </p:cNvPr>
             <p:cNvCxnSpPr>
               <a:cxnSpLocks/>
             </p:cNvCxnSpPr>
-            <p:nvPr userDrawn="1"/>
+            <p:nvPr/>
           </p:nvCxnSpPr>
           <p:spPr>
             <a:xfrm>
@@ -24033,14 +23927,14 @@
             <p:cNvPr id="109" name="Łącznik prosty 108">
               <a:extLst>
                 <a:ext uri="{FF2B5EF4-FFF2-40B4-BE49-F238E27FC236}">
-                  <a16:creationId xmlns:a16="http://schemas.microsoft.com/office/drawing/2014/main" id="{E25CD134-D14F-42B9-A055-E11BFBA0C136}"/>
+                  <a16:creationId xmlns:a16="http://schemas.microsoft.com/office/drawing/2014/main" xmlns="" id="{E25CD134-D14F-42B9-A055-E11BFBA0C136}"/>
                 </a:ext>
               </a:extLst>
             </p:cNvPr>
             <p:cNvCxnSpPr>
               <a:cxnSpLocks/>
             </p:cNvCxnSpPr>
-            <p:nvPr userDrawn="1"/>
+            <p:nvPr/>
           </p:nvCxnSpPr>
           <p:spPr>
             <a:xfrm>
@@ -24078,14 +23972,14 @@
             <p:cNvPr id="110" name="Łącznik prosty 109">
               <a:extLst>
                 <a:ext uri="{FF2B5EF4-FFF2-40B4-BE49-F238E27FC236}">
-                  <a16:creationId xmlns:a16="http://schemas.microsoft.com/office/drawing/2014/main" id="{5811BD3D-143E-4DE0-BF8E-6360B4507060}"/>
+                  <a16:creationId xmlns:a16="http://schemas.microsoft.com/office/drawing/2014/main" xmlns="" id="{5811BD3D-143E-4DE0-BF8E-6360B4507060}"/>
                 </a:ext>
               </a:extLst>
             </p:cNvPr>
             <p:cNvCxnSpPr>
               <a:cxnSpLocks/>
             </p:cNvCxnSpPr>
-            <p:nvPr userDrawn="1"/>
+            <p:nvPr/>
           </p:nvCxnSpPr>
           <p:spPr>
             <a:xfrm>
@@ -24123,14 +24017,14 @@
             <p:cNvPr id="111" name="Łącznik prosty 110">
               <a:extLst>
                 <a:ext uri="{FF2B5EF4-FFF2-40B4-BE49-F238E27FC236}">
-                  <a16:creationId xmlns:a16="http://schemas.microsoft.com/office/drawing/2014/main" id="{446848AE-89CD-4016-A641-6F0C2B941E80}"/>
+                  <a16:creationId xmlns:a16="http://schemas.microsoft.com/office/drawing/2014/main" xmlns="" id="{446848AE-89CD-4016-A641-6F0C2B941E80}"/>
                 </a:ext>
               </a:extLst>
             </p:cNvPr>
             <p:cNvCxnSpPr>
               <a:cxnSpLocks/>
             </p:cNvCxnSpPr>
-            <p:nvPr userDrawn="1"/>
+            <p:nvPr/>
           </p:nvCxnSpPr>
           <p:spPr>
             <a:xfrm>
@@ -24168,14 +24062,14 @@
             <p:cNvPr id="112" name="Łącznik prosty 111">
               <a:extLst>
                 <a:ext uri="{FF2B5EF4-FFF2-40B4-BE49-F238E27FC236}">
-                  <a16:creationId xmlns:a16="http://schemas.microsoft.com/office/drawing/2014/main" id="{A60E2804-5C00-4E6F-958C-EF9A5C6D166D}"/>
+                  <a16:creationId xmlns:a16="http://schemas.microsoft.com/office/drawing/2014/main" xmlns="" id="{A60E2804-5C00-4E6F-958C-EF9A5C6D166D}"/>
                 </a:ext>
               </a:extLst>
             </p:cNvPr>
             <p:cNvCxnSpPr>
               <a:cxnSpLocks/>
             </p:cNvCxnSpPr>
-            <p:nvPr userDrawn="1"/>
+            <p:nvPr/>
           </p:nvCxnSpPr>
           <p:spPr>
             <a:xfrm>
@@ -24213,14 +24107,14 @@
             <p:cNvPr id="113" name="Łącznik prosty 112">
               <a:extLst>
                 <a:ext uri="{FF2B5EF4-FFF2-40B4-BE49-F238E27FC236}">
-                  <a16:creationId xmlns:a16="http://schemas.microsoft.com/office/drawing/2014/main" id="{885BC663-DAD2-4546-99F7-32CFBEAFB588}"/>
+                  <a16:creationId xmlns:a16="http://schemas.microsoft.com/office/drawing/2014/main" xmlns="" id="{885BC663-DAD2-4546-99F7-32CFBEAFB588}"/>
                 </a:ext>
               </a:extLst>
             </p:cNvPr>
             <p:cNvCxnSpPr>
               <a:cxnSpLocks/>
             </p:cNvCxnSpPr>
-            <p:nvPr userDrawn="1"/>
+            <p:nvPr/>
           </p:nvCxnSpPr>
           <p:spPr>
             <a:xfrm>
@@ -24258,14 +24152,14 @@
             <p:cNvPr id="114" name="Łącznik prosty 113">
               <a:extLst>
                 <a:ext uri="{FF2B5EF4-FFF2-40B4-BE49-F238E27FC236}">
-                  <a16:creationId xmlns:a16="http://schemas.microsoft.com/office/drawing/2014/main" id="{EBF374C2-BA26-4C96-9353-36D26FA768EE}"/>
+                  <a16:creationId xmlns:a16="http://schemas.microsoft.com/office/drawing/2014/main" xmlns="" id="{EBF374C2-BA26-4C96-9353-36D26FA768EE}"/>
                 </a:ext>
               </a:extLst>
             </p:cNvPr>
             <p:cNvCxnSpPr>
               <a:cxnSpLocks/>
             </p:cNvCxnSpPr>
-            <p:nvPr userDrawn="1"/>
+            <p:nvPr/>
           </p:nvCxnSpPr>
           <p:spPr>
             <a:xfrm>
@@ -24304,10 +24198,10 @@
           <p:cNvPr id="115" name="Grupa 114">
             <a:extLst>
               <a:ext uri="{FF2B5EF4-FFF2-40B4-BE49-F238E27FC236}">
-                <a16:creationId xmlns:a16="http://schemas.microsoft.com/office/drawing/2014/main" id="{A786ABE4-B37E-45F2-8F5D-7C4C5AAC9AEE}"/>
+                <a16:creationId xmlns:a16="http://schemas.microsoft.com/office/drawing/2014/main" xmlns="" id="{A786ABE4-B37E-45F2-8F5D-7C4C5AAC9AEE}"/>
               </a:ext>
               <a:ext uri="{C183D7F6-B498-43B3-948B-1728B52AA6E4}">
-                <adec:decorative xmlns:adec="http://schemas.microsoft.com/office/drawing/2017/decorative" val="1"/>
+                <adec:decorative xmlns:adec="http://schemas.microsoft.com/office/drawing/2017/decorative" xmlns="" val="1"/>
               </a:ext>
             </a:extLst>
           </p:cNvPr>
@@ -24327,15 +24221,15 @@
             <p:cNvPr id="116" name="Owal 234">
               <a:extLst>
                 <a:ext uri="{FF2B5EF4-FFF2-40B4-BE49-F238E27FC236}">
-                  <a16:creationId xmlns:a16="http://schemas.microsoft.com/office/drawing/2014/main" id="{BB7DB3CE-1F30-44E2-A8A6-2449B5AE340C}"/>
+                  <a16:creationId xmlns:a16="http://schemas.microsoft.com/office/drawing/2014/main" xmlns="" id="{BB7DB3CE-1F30-44E2-A8A6-2449B5AE340C}"/>
                 </a:ext>
                 <a:ext uri="{C183D7F6-B498-43B3-948B-1728B52AA6E4}">
-                  <adec:decorative xmlns:adec="http://schemas.microsoft.com/office/drawing/2017/decorative" val="1"/>
+                  <adec:decorative xmlns:adec="http://schemas.microsoft.com/office/drawing/2017/decorative" xmlns="" val="1"/>
                 </a:ext>
               </a:extLst>
             </p:cNvPr>
             <p:cNvSpPr/>
-            <p:nvPr userDrawn="1"/>
+            <p:nvPr/>
           </p:nvSpPr>
           <p:spPr>
             <a:xfrm>
@@ -24384,15 +24278,15 @@
             <p:cNvPr id="117" name="Owal 236">
               <a:extLst>
                 <a:ext uri="{FF2B5EF4-FFF2-40B4-BE49-F238E27FC236}">
-                  <a16:creationId xmlns:a16="http://schemas.microsoft.com/office/drawing/2014/main" id="{792E8414-044B-4D11-ABF4-C64860DA2787}"/>
+                  <a16:creationId xmlns:a16="http://schemas.microsoft.com/office/drawing/2014/main" xmlns="" id="{792E8414-044B-4D11-ABF4-C64860DA2787}"/>
                 </a:ext>
                 <a:ext uri="{C183D7F6-B498-43B3-948B-1728B52AA6E4}">
-                  <adec:decorative xmlns:adec="http://schemas.microsoft.com/office/drawing/2017/decorative" val="1"/>
+                  <adec:decorative xmlns:adec="http://schemas.microsoft.com/office/drawing/2017/decorative" xmlns="" val="1"/>
                 </a:ext>
               </a:extLst>
             </p:cNvPr>
             <p:cNvSpPr/>
-            <p:nvPr userDrawn="1"/>
+            <p:nvPr/>
           </p:nvSpPr>
           <p:spPr>
             <a:xfrm>
@@ -24445,15 +24339,15 @@
             <p:cNvPr id="118" name="Owal 238">
               <a:extLst>
                 <a:ext uri="{FF2B5EF4-FFF2-40B4-BE49-F238E27FC236}">
-                  <a16:creationId xmlns:a16="http://schemas.microsoft.com/office/drawing/2014/main" id="{01E1C7AD-1630-4620-BCA1-3DA99D0E1030}"/>
+                  <a16:creationId xmlns:a16="http://schemas.microsoft.com/office/drawing/2014/main" xmlns="" id="{01E1C7AD-1630-4620-BCA1-3DA99D0E1030}"/>
                 </a:ext>
                 <a:ext uri="{C183D7F6-B498-43B3-948B-1728B52AA6E4}">
-                  <adec:decorative xmlns:adec="http://schemas.microsoft.com/office/drawing/2017/decorative" val="1"/>
+                  <adec:decorative xmlns:adec="http://schemas.microsoft.com/office/drawing/2017/decorative" xmlns="" val="1"/>
                 </a:ext>
               </a:extLst>
             </p:cNvPr>
             <p:cNvSpPr/>
-            <p:nvPr userDrawn="1"/>
+            <p:nvPr/>
           </p:nvSpPr>
           <p:spPr>
             <a:xfrm>
@@ -24502,15 +24396,15 @@
             <p:cNvPr id="119" name="Owal 240">
               <a:extLst>
                 <a:ext uri="{FF2B5EF4-FFF2-40B4-BE49-F238E27FC236}">
-                  <a16:creationId xmlns:a16="http://schemas.microsoft.com/office/drawing/2014/main" id="{BCC2148A-83BE-4890-AD81-6A2C096AC2BD}"/>
+                  <a16:creationId xmlns:a16="http://schemas.microsoft.com/office/drawing/2014/main" xmlns="" id="{BCC2148A-83BE-4890-AD81-6A2C096AC2BD}"/>
                 </a:ext>
                 <a:ext uri="{C183D7F6-B498-43B3-948B-1728B52AA6E4}">
-                  <adec:decorative xmlns:adec="http://schemas.microsoft.com/office/drawing/2017/decorative" val="1"/>
+                  <adec:decorative xmlns:adec="http://schemas.microsoft.com/office/drawing/2017/decorative" xmlns="" val="1"/>
                 </a:ext>
               </a:extLst>
             </p:cNvPr>
             <p:cNvSpPr/>
-            <p:nvPr userDrawn="1"/>
+            <p:nvPr/>
           </p:nvSpPr>
           <p:spPr>
             <a:xfrm>
@@ -24559,15 +24453,15 @@
             <p:cNvPr id="120" name="Owal 242">
               <a:extLst>
                 <a:ext uri="{FF2B5EF4-FFF2-40B4-BE49-F238E27FC236}">
-                  <a16:creationId xmlns:a16="http://schemas.microsoft.com/office/drawing/2014/main" id="{5F34C04B-AE8F-4043-95AE-AA2856D7EF46}"/>
+                  <a16:creationId xmlns:a16="http://schemas.microsoft.com/office/drawing/2014/main" xmlns="" id="{5F34C04B-AE8F-4043-95AE-AA2856D7EF46}"/>
                 </a:ext>
                 <a:ext uri="{C183D7F6-B498-43B3-948B-1728B52AA6E4}">
-                  <adec:decorative xmlns:adec="http://schemas.microsoft.com/office/drawing/2017/decorative" val="1"/>
+                  <adec:decorative xmlns:adec="http://schemas.microsoft.com/office/drawing/2017/decorative" xmlns="" val="1"/>
                 </a:ext>
               </a:extLst>
             </p:cNvPr>
             <p:cNvSpPr/>
-            <p:nvPr userDrawn="1"/>
+            <p:nvPr/>
           </p:nvSpPr>
           <p:spPr>
             <a:xfrm>
@@ -24620,15 +24514,15 @@
             <p:cNvPr id="121" name="Owal 244">
               <a:extLst>
                 <a:ext uri="{FF2B5EF4-FFF2-40B4-BE49-F238E27FC236}">
-                  <a16:creationId xmlns:a16="http://schemas.microsoft.com/office/drawing/2014/main" id="{1728C29F-4DEE-423A-AB94-1A4B7B65F2D7}"/>
+                  <a16:creationId xmlns:a16="http://schemas.microsoft.com/office/drawing/2014/main" xmlns="" id="{1728C29F-4DEE-423A-AB94-1A4B7B65F2D7}"/>
                 </a:ext>
                 <a:ext uri="{C183D7F6-B498-43B3-948B-1728B52AA6E4}">
-                  <adec:decorative xmlns:adec="http://schemas.microsoft.com/office/drawing/2017/decorative" val="1"/>
+                  <adec:decorative xmlns:adec="http://schemas.microsoft.com/office/drawing/2017/decorative" xmlns="" val="1"/>
                 </a:ext>
               </a:extLst>
             </p:cNvPr>
             <p:cNvSpPr/>
-            <p:nvPr userDrawn="1"/>
+            <p:nvPr/>
           </p:nvSpPr>
           <p:spPr>
             <a:xfrm>
@@ -24677,15 +24571,15 @@
             <p:cNvPr id="122" name="Owal 246">
               <a:extLst>
                 <a:ext uri="{FF2B5EF4-FFF2-40B4-BE49-F238E27FC236}">
-                  <a16:creationId xmlns:a16="http://schemas.microsoft.com/office/drawing/2014/main" id="{0CC10595-486F-46CE-880F-5163C9E6ECB3}"/>
+                  <a16:creationId xmlns:a16="http://schemas.microsoft.com/office/drawing/2014/main" xmlns="" id="{0CC10595-486F-46CE-880F-5163C9E6ECB3}"/>
                 </a:ext>
                 <a:ext uri="{C183D7F6-B498-43B3-948B-1728B52AA6E4}">
-                  <adec:decorative xmlns:adec="http://schemas.microsoft.com/office/drawing/2017/decorative" val="1"/>
+                  <adec:decorative xmlns:adec="http://schemas.microsoft.com/office/drawing/2017/decorative" xmlns="" val="1"/>
                 </a:ext>
               </a:extLst>
             </p:cNvPr>
             <p:cNvSpPr/>
-            <p:nvPr userDrawn="1"/>
+            <p:nvPr/>
           </p:nvSpPr>
           <p:spPr>
             <a:xfrm>
@@ -24734,15 +24628,15 @@
             <p:cNvPr id="123" name="Owal 248">
               <a:extLst>
                 <a:ext uri="{FF2B5EF4-FFF2-40B4-BE49-F238E27FC236}">
-                  <a16:creationId xmlns:a16="http://schemas.microsoft.com/office/drawing/2014/main" id="{932E3893-D078-4D1B-BDFB-9A9DD137F3BA}"/>
+                  <a16:creationId xmlns:a16="http://schemas.microsoft.com/office/drawing/2014/main" xmlns="" id="{932E3893-D078-4D1B-BDFB-9A9DD137F3BA}"/>
                 </a:ext>
                 <a:ext uri="{C183D7F6-B498-43B3-948B-1728B52AA6E4}">
-                  <adec:decorative xmlns:adec="http://schemas.microsoft.com/office/drawing/2017/decorative" val="1"/>
+                  <adec:decorative xmlns:adec="http://schemas.microsoft.com/office/drawing/2017/decorative" xmlns="" val="1"/>
                 </a:ext>
               </a:extLst>
             </p:cNvPr>
             <p:cNvSpPr/>
-            <p:nvPr userDrawn="1"/>
+            <p:nvPr/>
           </p:nvSpPr>
           <p:spPr>
             <a:xfrm>
@@ -24791,15 +24685,15 @@
             <p:cNvPr id="124" name="Owal 250">
               <a:extLst>
                 <a:ext uri="{FF2B5EF4-FFF2-40B4-BE49-F238E27FC236}">
-                  <a16:creationId xmlns:a16="http://schemas.microsoft.com/office/drawing/2014/main" id="{95D1B873-99B5-486B-8650-C357F2BF3812}"/>
+                  <a16:creationId xmlns:a16="http://schemas.microsoft.com/office/drawing/2014/main" xmlns="" id="{95D1B873-99B5-486B-8650-C357F2BF3812}"/>
                 </a:ext>
                 <a:ext uri="{C183D7F6-B498-43B3-948B-1728B52AA6E4}">
-                  <adec:decorative xmlns:adec="http://schemas.microsoft.com/office/drawing/2017/decorative" val="1"/>
+                  <adec:decorative xmlns:adec="http://schemas.microsoft.com/office/drawing/2017/decorative" xmlns="" val="1"/>
                 </a:ext>
               </a:extLst>
             </p:cNvPr>
             <p:cNvSpPr/>
-            <p:nvPr userDrawn="1"/>
+            <p:nvPr/>
           </p:nvSpPr>
           <p:spPr>
             <a:xfrm>
@@ -24848,15 +24742,15 @@
             <p:cNvPr id="125" name="Owal 252">
               <a:extLst>
                 <a:ext uri="{FF2B5EF4-FFF2-40B4-BE49-F238E27FC236}">
-                  <a16:creationId xmlns:a16="http://schemas.microsoft.com/office/drawing/2014/main" id="{F752122A-7CF8-420A-A31C-0EBD2639E98F}"/>
+                  <a16:creationId xmlns:a16="http://schemas.microsoft.com/office/drawing/2014/main" xmlns="" id="{F752122A-7CF8-420A-A31C-0EBD2639E98F}"/>
                 </a:ext>
                 <a:ext uri="{C183D7F6-B498-43B3-948B-1728B52AA6E4}">
-                  <adec:decorative xmlns:adec="http://schemas.microsoft.com/office/drawing/2017/decorative" val="1"/>
+                  <adec:decorative xmlns:adec="http://schemas.microsoft.com/office/drawing/2017/decorative" xmlns="" val="1"/>
                 </a:ext>
               </a:extLst>
             </p:cNvPr>
             <p:cNvSpPr/>
-            <p:nvPr userDrawn="1"/>
+            <p:nvPr/>
           </p:nvSpPr>
           <p:spPr>
             <a:xfrm>
@@ -24909,15 +24803,15 @@
             <p:cNvPr id="126" name="Owal 254">
               <a:extLst>
                 <a:ext uri="{FF2B5EF4-FFF2-40B4-BE49-F238E27FC236}">
-                  <a16:creationId xmlns:a16="http://schemas.microsoft.com/office/drawing/2014/main" id="{FD6060F3-3D2B-451B-8D5F-1786C491EDE2}"/>
+                  <a16:creationId xmlns:a16="http://schemas.microsoft.com/office/drawing/2014/main" xmlns="" id="{FD6060F3-3D2B-451B-8D5F-1786C491EDE2}"/>
                 </a:ext>
                 <a:ext uri="{C183D7F6-B498-43B3-948B-1728B52AA6E4}">
-                  <adec:decorative xmlns:adec="http://schemas.microsoft.com/office/drawing/2017/decorative" val="1"/>
+                  <adec:decorative xmlns:adec="http://schemas.microsoft.com/office/drawing/2017/decorative" xmlns="" val="1"/>
                 </a:ext>
               </a:extLst>
             </p:cNvPr>
             <p:cNvSpPr/>
-            <p:nvPr userDrawn="1"/>
+            <p:nvPr/>
           </p:nvSpPr>
           <p:spPr>
             <a:xfrm>
@@ -24966,15 +24860,15 @@
             <p:cNvPr id="127" name="Owal 256">
               <a:extLst>
                 <a:ext uri="{FF2B5EF4-FFF2-40B4-BE49-F238E27FC236}">
-                  <a16:creationId xmlns:a16="http://schemas.microsoft.com/office/drawing/2014/main" id="{A9E7E945-5B46-4F59-8F73-D48A17F69443}"/>
+                  <a16:creationId xmlns:a16="http://schemas.microsoft.com/office/drawing/2014/main" xmlns="" id="{A9E7E945-5B46-4F59-8F73-D48A17F69443}"/>
                 </a:ext>
                 <a:ext uri="{C183D7F6-B498-43B3-948B-1728B52AA6E4}">
-                  <adec:decorative xmlns:adec="http://schemas.microsoft.com/office/drawing/2017/decorative" val="1"/>
+                  <adec:decorative xmlns:adec="http://schemas.microsoft.com/office/drawing/2017/decorative" xmlns="" val="1"/>
                 </a:ext>
               </a:extLst>
             </p:cNvPr>
             <p:cNvSpPr/>
-            <p:nvPr userDrawn="1"/>
+            <p:nvPr/>
           </p:nvSpPr>
           <p:spPr>
             <a:xfrm>
@@ -25024,7 +24918,7 @@
           <p:cNvPr id="45" name="Tekst — symbol zastępczy 44">
             <a:extLst>
               <a:ext uri="{FF2B5EF4-FFF2-40B4-BE49-F238E27FC236}">
-                <a16:creationId xmlns:a16="http://schemas.microsoft.com/office/drawing/2014/main" id="{48D9A497-BF7B-44B0-9021-F37B0F75C455}"/>
+                <a16:creationId xmlns:a16="http://schemas.microsoft.com/office/drawing/2014/main" xmlns="" id="{48D9A497-BF7B-44B0-9021-F37B0F75C455}"/>
               </a:ext>
             </a:extLst>
           </p:cNvPr>
@@ -25058,7 +24952,7 @@
           <p:cNvPr id="46" name="Tekst — symbol zastępczy 45">
             <a:extLst>
               <a:ext uri="{FF2B5EF4-FFF2-40B4-BE49-F238E27FC236}">
-                <a16:creationId xmlns:a16="http://schemas.microsoft.com/office/drawing/2014/main" id="{78849CBE-BA38-4309-AE32-2967703B8DF9}"/>
+                <a16:creationId xmlns:a16="http://schemas.microsoft.com/office/drawing/2014/main" xmlns="" id="{78849CBE-BA38-4309-AE32-2967703B8DF9}"/>
               </a:ext>
             </a:extLst>
           </p:cNvPr>
@@ -25092,7 +24986,7 @@
           <p:cNvPr id="47" name="Tekst — symbol zastępczy 46">
             <a:extLst>
               <a:ext uri="{FF2B5EF4-FFF2-40B4-BE49-F238E27FC236}">
-                <a16:creationId xmlns:a16="http://schemas.microsoft.com/office/drawing/2014/main" id="{210DCAF9-BA33-4B26-9F35-D87F5B8AE0D4}"/>
+                <a16:creationId xmlns:a16="http://schemas.microsoft.com/office/drawing/2014/main" xmlns="" id="{210DCAF9-BA33-4B26-9F35-D87F5B8AE0D4}"/>
               </a:ext>
             </a:extLst>
           </p:cNvPr>
@@ -25126,7 +25020,7 @@
           <p:cNvPr id="48" name="Tekst — symbol zastępczy 47">
             <a:extLst>
               <a:ext uri="{FF2B5EF4-FFF2-40B4-BE49-F238E27FC236}">
-                <a16:creationId xmlns:a16="http://schemas.microsoft.com/office/drawing/2014/main" id="{7E11A923-B627-4893-925F-109C56B5586E}"/>
+                <a16:creationId xmlns:a16="http://schemas.microsoft.com/office/drawing/2014/main" xmlns="" id="{7E11A923-B627-4893-925F-109C56B5586E}"/>
               </a:ext>
             </a:extLst>
           </p:cNvPr>
@@ -25160,7 +25054,7 @@
           <p:cNvPr id="49" name="Tekst — symbol zastępczy 48">
             <a:extLst>
               <a:ext uri="{FF2B5EF4-FFF2-40B4-BE49-F238E27FC236}">
-                <a16:creationId xmlns:a16="http://schemas.microsoft.com/office/drawing/2014/main" id="{6BA48EC0-EBAD-424D-B857-1B1C9A3A21D8}"/>
+                <a16:creationId xmlns:a16="http://schemas.microsoft.com/office/drawing/2014/main" xmlns="" id="{6BA48EC0-EBAD-424D-B857-1B1C9A3A21D8}"/>
               </a:ext>
             </a:extLst>
           </p:cNvPr>
@@ -25194,7 +25088,7 @@
           <p:cNvPr id="50" name="Tekst — symbol zastępczy 49">
             <a:extLst>
               <a:ext uri="{FF2B5EF4-FFF2-40B4-BE49-F238E27FC236}">
-                <a16:creationId xmlns:a16="http://schemas.microsoft.com/office/drawing/2014/main" id="{18AB0EB4-ABD0-44C8-AF9C-86C07480F62D}"/>
+                <a16:creationId xmlns:a16="http://schemas.microsoft.com/office/drawing/2014/main" xmlns="" id="{18AB0EB4-ABD0-44C8-AF9C-86C07480F62D}"/>
               </a:ext>
             </a:extLst>
           </p:cNvPr>
@@ -25228,7 +25122,7 @@
           <p:cNvPr id="51" name="Tekst — symbol zastępczy 50">
             <a:extLst>
               <a:ext uri="{FF2B5EF4-FFF2-40B4-BE49-F238E27FC236}">
-                <a16:creationId xmlns:a16="http://schemas.microsoft.com/office/drawing/2014/main" id="{34162C5B-62FF-47D6-B817-F247FF6D1F54}"/>
+                <a16:creationId xmlns:a16="http://schemas.microsoft.com/office/drawing/2014/main" xmlns="" id="{34162C5B-62FF-47D6-B817-F247FF6D1F54}"/>
               </a:ext>
             </a:extLst>
           </p:cNvPr>
@@ -25262,7 +25156,7 @@
           <p:cNvPr id="52" name="Tekst — symbol zastępczy 51">
             <a:extLst>
               <a:ext uri="{FF2B5EF4-FFF2-40B4-BE49-F238E27FC236}">
-                <a16:creationId xmlns:a16="http://schemas.microsoft.com/office/drawing/2014/main" id="{402C550F-542A-4A20-B998-90EC654E5DF3}"/>
+                <a16:creationId xmlns:a16="http://schemas.microsoft.com/office/drawing/2014/main" xmlns="" id="{402C550F-542A-4A20-B998-90EC654E5DF3}"/>
               </a:ext>
             </a:extLst>
           </p:cNvPr>
@@ -25296,7 +25190,7 @@
           <p:cNvPr id="53" name="Tekst — symbol zastępczy 52">
             <a:extLst>
               <a:ext uri="{FF2B5EF4-FFF2-40B4-BE49-F238E27FC236}">
-                <a16:creationId xmlns:a16="http://schemas.microsoft.com/office/drawing/2014/main" id="{31CD40A2-EB53-4B75-9C16-29683A4965D9}"/>
+                <a16:creationId xmlns:a16="http://schemas.microsoft.com/office/drawing/2014/main" xmlns="" id="{31CD40A2-EB53-4B75-9C16-29683A4965D9}"/>
               </a:ext>
             </a:extLst>
           </p:cNvPr>
@@ -25330,7 +25224,7 @@
           <p:cNvPr id="54" name="Tekst — symbol zastępczy 53">
             <a:extLst>
               <a:ext uri="{FF2B5EF4-FFF2-40B4-BE49-F238E27FC236}">
-                <a16:creationId xmlns:a16="http://schemas.microsoft.com/office/drawing/2014/main" id="{DFBAB31B-8252-4FAD-B1AC-2E9AB1E717A5}"/>
+                <a16:creationId xmlns:a16="http://schemas.microsoft.com/office/drawing/2014/main" xmlns="" id="{DFBAB31B-8252-4FAD-B1AC-2E9AB1E717A5}"/>
               </a:ext>
             </a:extLst>
           </p:cNvPr>
@@ -25364,7 +25258,7 @@
           <p:cNvPr id="55" name="Tekst — symbol zastępczy 54">
             <a:extLst>
               <a:ext uri="{FF2B5EF4-FFF2-40B4-BE49-F238E27FC236}">
-                <a16:creationId xmlns:a16="http://schemas.microsoft.com/office/drawing/2014/main" id="{F8B794CC-191E-425E-889A-BB032E7BB36A}"/>
+                <a16:creationId xmlns:a16="http://schemas.microsoft.com/office/drawing/2014/main" xmlns="" id="{F8B794CC-191E-425E-889A-BB032E7BB36A}"/>
               </a:ext>
             </a:extLst>
           </p:cNvPr>
@@ -25398,7 +25292,7 @@
           <p:cNvPr id="56" name="Tekst — symbol zastępczy 55">
             <a:extLst>
               <a:ext uri="{FF2B5EF4-FFF2-40B4-BE49-F238E27FC236}">
-                <a16:creationId xmlns:a16="http://schemas.microsoft.com/office/drawing/2014/main" id="{1CDCFB34-6EC6-4EE2-9AD4-6E56BD0199CE}"/>
+                <a16:creationId xmlns:a16="http://schemas.microsoft.com/office/drawing/2014/main" xmlns="" id="{1CDCFB34-6EC6-4EE2-9AD4-6E56BD0199CE}"/>
               </a:ext>
             </a:extLst>
           </p:cNvPr>
@@ -25432,7 +25326,7 @@
           <p:cNvPr id="74" name="Tekst — symbol zastępczy 73">
             <a:extLst>
               <a:ext uri="{FF2B5EF4-FFF2-40B4-BE49-F238E27FC236}">
-                <a16:creationId xmlns:a16="http://schemas.microsoft.com/office/drawing/2014/main" id="{682C597E-B402-40D3-871F-EB0A0C4B32E1}"/>
+                <a16:creationId xmlns:a16="http://schemas.microsoft.com/office/drawing/2014/main" xmlns="" id="{682C597E-B402-40D3-871F-EB0A0C4B32E1}"/>
               </a:ext>
             </a:extLst>
           </p:cNvPr>
@@ -25466,7 +25360,7 @@
           <p:cNvPr id="75" name="Tekst — symbol zastępczy 74">
             <a:extLst>
               <a:ext uri="{FF2B5EF4-FFF2-40B4-BE49-F238E27FC236}">
-                <a16:creationId xmlns:a16="http://schemas.microsoft.com/office/drawing/2014/main" id="{40A6C91B-7E29-4AD2-8A1A-B6A27227E262}"/>
+                <a16:creationId xmlns:a16="http://schemas.microsoft.com/office/drawing/2014/main" xmlns="" id="{40A6C91B-7E29-4AD2-8A1A-B6A27227E262}"/>
               </a:ext>
             </a:extLst>
           </p:cNvPr>
@@ -25506,7 +25400,7 @@
           <p:cNvPr id="76" name="Tekst — symbol zastępczy 75">
             <a:extLst>
               <a:ext uri="{FF2B5EF4-FFF2-40B4-BE49-F238E27FC236}">
-                <a16:creationId xmlns:a16="http://schemas.microsoft.com/office/drawing/2014/main" id="{1F8D406C-20BB-4092-82DD-112279320B1F}"/>
+                <a16:creationId xmlns:a16="http://schemas.microsoft.com/office/drawing/2014/main" xmlns="" id="{1F8D406C-20BB-4092-82DD-112279320B1F}"/>
               </a:ext>
             </a:extLst>
           </p:cNvPr>
@@ -25542,10 +25436,10 @@
           <p:cNvPr id="38" name="Grupa 37">
             <a:extLst>
               <a:ext uri="{FF2B5EF4-FFF2-40B4-BE49-F238E27FC236}">
-                <a16:creationId xmlns:a16="http://schemas.microsoft.com/office/drawing/2014/main" id="{AA899FFE-076A-40FC-B631-5B66EF19795D}"/>
+                <a16:creationId xmlns:a16="http://schemas.microsoft.com/office/drawing/2014/main" xmlns="" id="{AA899FFE-076A-40FC-B631-5B66EF19795D}"/>
               </a:ext>
               <a:ext uri="{C183D7F6-B498-43B3-948B-1728B52AA6E4}">
-                <adec:decorative xmlns:adec="http://schemas.microsoft.com/office/drawing/2017/decorative" val="1"/>
+                <adec:decorative xmlns:adec="http://schemas.microsoft.com/office/drawing/2017/decorative" xmlns="" val="1"/>
               </a:ext>
             </a:extLst>
           </p:cNvPr>
@@ -25565,10 +25459,10 @@
             <p:cNvPr id="39" name="Łącznik prosty 38">
               <a:extLst>
                 <a:ext uri="{FF2B5EF4-FFF2-40B4-BE49-F238E27FC236}">
-                  <a16:creationId xmlns:a16="http://schemas.microsoft.com/office/drawing/2014/main" id="{76797A2C-006C-46A3-9455-22B5AF7DE9B6}"/>
+                  <a16:creationId xmlns:a16="http://schemas.microsoft.com/office/drawing/2014/main" xmlns="" id="{76797A2C-006C-46A3-9455-22B5AF7DE9B6}"/>
                 </a:ext>
                 <a:ext uri="{C183D7F6-B498-43B3-948B-1728B52AA6E4}">
-                  <adec:decorative xmlns:adec="http://schemas.microsoft.com/office/drawing/2017/decorative" val="1"/>
+                  <adec:decorative xmlns:adec="http://schemas.microsoft.com/office/drawing/2017/decorative" xmlns="" val="1"/>
                 </a:ext>
               </a:extLst>
             </p:cNvPr>
@@ -25613,10 +25507,10 @@
             <p:cNvPr id="40" name="Łącznik prosty 39">
               <a:extLst>
                 <a:ext uri="{FF2B5EF4-FFF2-40B4-BE49-F238E27FC236}">
-                  <a16:creationId xmlns:a16="http://schemas.microsoft.com/office/drawing/2014/main" id="{4A9A229B-BB21-44E2-8144-F1A7737D7D5F}"/>
+                  <a16:creationId xmlns:a16="http://schemas.microsoft.com/office/drawing/2014/main" xmlns="" id="{4A9A229B-BB21-44E2-8144-F1A7737D7D5F}"/>
                 </a:ext>
                 <a:ext uri="{C183D7F6-B498-43B3-948B-1728B52AA6E4}">
-                  <adec:decorative xmlns:adec="http://schemas.microsoft.com/office/drawing/2017/decorative" val="1"/>
+                  <adec:decorative xmlns:adec="http://schemas.microsoft.com/office/drawing/2017/decorative" xmlns="" val="1"/>
                 </a:ext>
               </a:extLst>
             </p:cNvPr>
@@ -25659,10 +25553,10 @@
             <p:cNvPr id="41" name="Łącznik prosty 40">
               <a:extLst>
                 <a:ext uri="{FF2B5EF4-FFF2-40B4-BE49-F238E27FC236}">
-                  <a16:creationId xmlns:a16="http://schemas.microsoft.com/office/drawing/2014/main" id="{15F01EFA-F955-442E-9C11-6BC1F536ECCC}"/>
+                  <a16:creationId xmlns:a16="http://schemas.microsoft.com/office/drawing/2014/main" xmlns="" id="{15F01EFA-F955-442E-9C11-6BC1F536ECCC}"/>
                 </a:ext>
                 <a:ext uri="{C183D7F6-B498-43B3-948B-1728B52AA6E4}">
-                  <adec:decorative xmlns:adec="http://schemas.microsoft.com/office/drawing/2017/decorative" val="1"/>
+                  <adec:decorative xmlns:adec="http://schemas.microsoft.com/office/drawing/2017/decorative" xmlns="" val="1"/>
                 </a:ext>
               </a:extLst>
             </p:cNvPr>
@@ -25708,7 +25602,7 @@
           <p:cNvPr id="70" name="Tekst — symbol zastępczy 69">
             <a:extLst>
               <a:ext uri="{FF2B5EF4-FFF2-40B4-BE49-F238E27FC236}">
-                <a16:creationId xmlns:a16="http://schemas.microsoft.com/office/drawing/2014/main" id="{A4FCB34F-E515-4CEE-A392-9813A5F3074F}"/>
+                <a16:creationId xmlns:a16="http://schemas.microsoft.com/office/drawing/2014/main" xmlns="" id="{A4FCB34F-E515-4CEE-A392-9813A5F3074F}"/>
               </a:ext>
             </a:extLst>
           </p:cNvPr>
@@ -25742,7 +25636,7 @@
           <p:cNvPr id="57" name="Tekst — symbol zastępczy 56">
             <a:extLst>
               <a:ext uri="{FF2B5EF4-FFF2-40B4-BE49-F238E27FC236}">
-                <a16:creationId xmlns:a16="http://schemas.microsoft.com/office/drawing/2014/main" id="{5E47008C-3AD1-4C4E-90F0-64842A98A130}"/>
+                <a16:creationId xmlns:a16="http://schemas.microsoft.com/office/drawing/2014/main" xmlns="" id="{5E47008C-3AD1-4C4E-90F0-64842A98A130}"/>
               </a:ext>
             </a:extLst>
           </p:cNvPr>
@@ -25776,7 +25670,7 @@
           <p:cNvPr id="58" name="Tekst — symbol zastępczy 57">
             <a:extLst>
               <a:ext uri="{FF2B5EF4-FFF2-40B4-BE49-F238E27FC236}">
-                <a16:creationId xmlns:a16="http://schemas.microsoft.com/office/drawing/2014/main" id="{983B6BF3-F791-4460-84A5-5581A80398B1}"/>
+                <a16:creationId xmlns:a16="http://schemas.microsoft.com/office/drawing/2014/main" xmlns="" id="{983B6BF3-F791-4460-84A5-5581A80398B1}"/>
               </a:ext>
             </a:extLst>
           </p:cNvPr>
@@ -25810,7 +25704,7 @@
           <p:cNvPr id="59" name="Tekst — symbol zastępczy 58">
             <a:extLst>
               <a:ext uri="{FF2B5EF4-FFF2-40B4-BE49-F238E27FC236}">
-                <a16:creationId xmlns:a16="http://schemas.microsoft.com/office/drawing/2014/main" id="{E3EE2BF6-FA60-4E6D-A026-DD01C9AE9496}"/>
+                <a16:creationId xmlns:a16="http://schemas.microsoft.com/office/drawing/2014/main" xmlns="" id="{E3EE2BF6-FA60-4E6D-A026-DD01C9AE9496}"/>
               </a:ext>
             </a:extLst>
           </p:cNvPr>
@@ -25844,7 +25738,7 @@
           <p:cNvPr id="60" name="Tekst — symbol zastępczy 59">
             <a:extLst>
               <a:ext uri="{FF2B5EF4-FFF2-40B4-BE49-F238E27FC236}">
-                <a16:creationId xmlns:a16="http://schemas.microsoft.com/office/drawing/2014/main" id="{B038B2E9-837D-40CA-8F47-C7023EBFFFE6}"/>
+                <a16:creationId xmlns:a16="http://schemas.microsoft.com/office/drawing/2014/main" xmlns="" id="{B038B2E9-837D-40CA-8F47-C7023EBFFFE6}"/>
               </a:ext>
             </a:extLst>
           </p:cNvPr>
@@ -25878,7 +25772,7 @@
           <p:cNvPr id="61" name="Tekst — symbol zastępczy 60">
             <a:extLst>
               <a:ext uri="{FF2B5EF4-FFF2-40B4-BE49-F238E27FC236}">
-                <a16:creationId xmlns:a16="http://schemas.microsoft.com/office/drawing/2014/main" id="{20A3B158-B881-4E99-B8F7-CE9C57BDB489}"/>
+                <a16:creationId xmlns:a16="http://schemas.microsoft.com/office/drawing/2014/main" xmlns="" id="{20A3B158-B881-4E99-B8F7-CE9C57BDB489}"/>
               </a:ext>
             </a:extLst>
           </p:cNvPr>
@@ -25912,7 +25806,7 @@
           <p:cNvPr id="62" name="Tekst — symbol zastępczy 61">
             <a:extLst>
               <a:ext uri="{FF2B5EF4-FFF2-40B4-BE49-F238E27FC236}">
-                <a16:creationId xmlns:a16="http://schemas.microsoft.com/office/drawing/2014/main" id="{FFF63345-F566-48EC-9BCB-B89BD5BE3C16}"/>
+                <a16:creationId xmlns:a16="http://schemas.microsoft.com/office/drawing/2014/main" xmlns="" id="{FFF63345-F566-48EC-9BCB-B89BD5BE3C16}"/>
               </a:ext>
             </a:extLst>
           </p:cNvPr>
@@ -25946,7 +25840,7 @@
           <p:cNvPr id="63" name="Tekst — symbol zastępczy 62">
             <a:extLst>
               <a:ext uri="{FF2B5EF4-FFF2-40B4-BE49-F238E27FC236}">
-                <a16:creationId xmlns:a16="http://schemas.microsoft.com/office/drawing/2014/main" id="{241FDAF1-A29F-47DB-A53E-FEC9D6A8CDDA}"/>
+                <a16:creationId xmlns:a16="http://schemas.microsoft.com/office/drawing/2014/main" xmlns="" id="{241FDAF1-A29F-47DB-A53E-FEC9D6A8CDDA}"/>
               </a:ext>
             </a:extLst>
           </p:cNvPr>
@@ -25980,7 +25874,7 @@
           <p:cNvPr id="64" name="Tekst — symbol zastępczy 63">
             <a:extLst>
               <a:ext uri="{FF2B5EF4-FFF2-40B4-BE49-F238E27FC236}">
-                <a16:creationId xmlns:a16="http://schemas.microsoft.com/office/drawing/2014/main" id="{2596B801-B1AE-4F3B-9E54-ED35EA8D405C}"/>
+                <a16:creationId xmlns:a16="http://schemas.microsoft.com/office/drawing/2014/main" xmlns="" id="{2596B801-B1AE-4F3B-9E54-ED35EA8D405C}"/>
               </a:ext>
             </a:extLst>
           </p:cNvPr>
@@ -26014,7 +25908,7 @@
           <p:cNvPr id="65" name="Tekst — symbol zastępczy 64">
             <a:extLst>
               <a:ext uri="{FF2B5EF4-FFF2-40B4-BE49-F238E27FC236}">
-                <a16:creationId xmlns:a16="http://schemas.microsoft.com/office/drawing/2014/main" id="{C2EE8BE4-DC95-4D04-8195-9C4CDE8671EF}"/>
+                <a16:creationId xmlns:a16="http://schemas.microsoft.com/office/drawing/2014/main" xmlns="" id="{C2EE8BE4-DC95-4D04-8195-9C4CDE8671EF}"/>
               </a:ext>
             </a:extLst>
           </p:cNvPr>
@@ -26048,7 +25942,7 @@
           <p:cNvPr id="66" name="Tekst — symbol zastępczy 65">
             <a:extLst>
               <a:ext uri="{FF2B5EF4-FFF2-40B4-BE49-F238E27FC236}">
-                <a16:creationId xmlns:a16="http://schemas.microsoft.com/office/drawing/2014/main" id="{20FB149E-5D02-4014-A75A-9AC27158ABB5}"/>
+                <a16:creationId xmlns:a16="http://schemas.microsoft.com/office/drawing/2014/main" xmlns="" id="{20FB149E-5D02-4014-A75A-9AC27158ABB5}"/>
               </a:ext>
             </a:extLst>
           </p:cNvPr>
@@ -26082,7 +25976,7 @@
           <p:cNvPr id="67" name="Tekst — symbol zastępczy 66">
             <a:extLst>
               <a:ext uri="{FF2B5EF4-FFF2-40B4-BE49-F238E27FC236}">
-                <a16:creationId xmlns:a16="http://schemas.microsoft.com/office/drawing/2014/main" id="{93764DE0-D7E5-48EA-B262-B756750A641E}"/>
+                <a16:creationId xmlns:a16="http://schemas.microsoft.com/office/drawing/2014/main" xmlns="" id="{93764DE0-D7E5-48EA-B262-B756750A641E}"/>
               </a:ext>
             </a:extLst>
           </p:cNvPr>
@@ -26116,7 +26010,7 @@
           <p:cNvPr id="68" name="Tekst — symbol zastępczy 67">
             <a:extLst>
               <a:ext uri="{FF2B5EF4-FFF2-40B4-BE49-F238E27FC236}">
-                <a16:creationId xmlns:a16="http://schemas.microsoft.com/office/drawing/2014/main" id="{DB5D38E8-4E52-4AD7-94F1-C92DFF8069FC}"/>
+                <a16:creationId xmlns:a16="http://schemas.microsoft.com/office/drawing/2014/main" xmlns="" id="{DB5D38E8-4E52-4AD7-94F1-C92DFF8069FC}"/>
               </a:ext>
             </a:extLst>
           </p:cNvPr>
@@ -26150,10 +26044,10 @@
           <p:cNvPr id="42" name="Grupa 41">
             <a:extLst>
               <a:ext uri="{FF2B5EF4-FFF2-40B4-BE49-F238E27FC236}">
-                <a16:creationId xmlns:a16="http://schemas.microsoft.com/office/drawing/2014/main" id="{8AC390FF-17C3-4654-8DFC-8A42E5B056E5}"/>
+                <a16:creationId xmlns:a16="http://schemas.microsoft.com/office/drawing/2014/main" xmlns="" id="{8AC390FF-17C3-4654-8DFC-8A42E5B056E5}"/>
               </a:ext>
               <a:ext uri="{C183D7F6-B498-43B3-948B-1728B52AA6E4}">
-                <adec:decorative xmlns:adec="http://schemas.microsoft.com/office/drawing/2017/decorative" val="1"/>
+                <adec:decorative xmlns:adec="http://schemas.microsoft.com/office/drawing/2017/decorative" xmlns="" val="1"/>
               </a:ext>
             </a:extLst>
           </p:cNvPr>
@@ -26173,17 +26067,17 @@
             <p:cNvPr id="43" name="Łącznik prosty 42">
               <a:extLst>
                 <a:ext uri="{FF2B5EF4-FFF2-40B4-BE49-F238E27FC236}">
-                  <a16:creationId xmlns:a16="http://schemas.microsoft.com/office/drawing/2014/main" id="{AD5C6584-CB4B-4425-BA19-FF20E4E89C70}"/>
+                  <a16:creationId xmlns:a16="http://schemas.microsoft.com/office/drawing/2014/main" xmlns="" id="{AD5C6584-CB4B-4425-BA19-FF20E4E89C70}"/>
                 </a:ext>
                 <a:ext uri="{C183D7F6-B498-43B3-948B-1728B52AA6E4}">
-                  <adec:decorative xmlns:adec="http://schemas.microsoft.com/office/drawing/2017/decorative" val="1"/>
+                  <adec:decorative xmlns:adec="http://schemas.microsoft.com/office/drawing/2017/decorative" xmlns="" val="1"/>
                 </a:ext>
               </a:extLst>
             </p:cNvPr>
             <p:cNvCxnSpPr>
               <a:cxnSpLocks/>
             </p:cNvCxnSpPr>
-            <p:nvPr userDrawn="1"/>
+            <p:nvPr/>
           </p:nvCxnSpPr>
           <p:spPr>
             <a:xfrm flipH="1">
@@ -26221,17 +26115,17 @@
             <p:cNvPr id="44" name="Łącznik prosty 43">
               <a:extLst>
                 <a:ext uri="{FF2B5EF4-FFF2-40B4-BE49-F238E27FC236}">
-                  <a16:creationId xmlns:a16="http://schemas.microsoft.com/office/drawing/2014/main" id="{46FE0302-BE0A-4917-A64C-2F67EB9A2DD1}"/>
+                  <a16:creationId xmlns:a16="http://schemas.microsoft.com/office/drawing/2014/main" xmlns="" id="{46FE0302-BE0A-4917-A64C-2F67EB9A2DD1}"/>
                 </a:ext>
                 <a:ext uri="{C183D7F6-B498-43B3-948B-1728B52AA6E4}">
-                  <adec:decorative xmlns:adec="http://schemas.microsoft.com/office/drawing/2017/decorative" val="1"/>
+                  <adec:decorative xmlns:adec="http://schemas.microsoft.com/office/drawing/2017/decorative" xmlns="" val="1"/>
                 </a:ext>
               </a:extLst>
             </p:cNvPr>
             <p:cNvCxnSpPr>
               <a:cxnSpLocks/>
             </p:cNvCxnSpPr>
-            <p:nvPr userDrawn="1"/>
+            <p:nvPr/>
           </p:nvCxnSpPr>
           <p:spPr>
             <a:xfrm flipH="1">
@@ -26269,17 +26163,17 @@
             <p:cNvPr id="77" name="Łącznik prosty 76">
               <a:extLst>
                 <a:ext uri="{FF2B5EF4-FFF2-40B4-BE49-F238E27FC236}">
-                  <a16:creationId xmlns:a16="http://schemas.microsoft.com/office/drawing/2014/main" id="{3E22871C-55F4-49C5-9209-01CD6892A234}"/>
+                  <a16:creationId xmlns:a16="http://schemas.microsoft.com/office/drawing/2014/main" xmlns="" id="{3E22871C-55F4-49C5-9209-01CD6892A234}"/>
                 </a:ext>
                 <a:ext uri="{C183D7F6-B498-43B3-948B-1728B52AA6E4}">
-                  <adec:decorative xmlns:adec="http://schemas.microsoft.com/office/drawing/2017/decorative" val="1"/>
+                  <adec:decorative xmlns:adec="http://schemas.microsoft.com/office/drawing/2017/decorative" xmlns="" val="1"/>
                 </a:ext>
               </a:extLst>
             </p:cNvPr>
             <p:cNvCxnSpPr>
               <a:cxnSpLocks/>
             </p:cNvCxnSpPr>
-            <p:nvPr userDrawn="1"/>
+            <p:nvPr/>
           </p:nvCxnSpPr>
           <p:spPr>
             <a:xfrm flipH="1">
@@ -26318,10 +26212,10 @@
           <p:cNvPr id="78" name="Grupa 77">
             <a:extLst>
               <a:ext uri="{FF2B5EF4-FFF2-40B4-BE49-F238E27FC236}">
-                <a16:creationId xmlns:a16="http://schemas.microsoft.com/office/drawing/2014/main" id="{77AA2709-E2DF-4073-9240-0310E49F0E3F}"/>
+                <a16:creationId xmlns:a16="http://schemas.microsoft.com/office/drawing/2014/main" xmlns="" id="{77AA2709-E2DF-4073-9240-0310E49F0E3F}"/>
               </a:ext>
               <a:ext uri="{C183D7F6-B498-43B3-948B-1728B52AA6E4}">
-                <adec:decorative xmlns:adec="http://schemas.microsoft.com/office/drawing/2017/decorative" val="1"/>
+                <adec:decorative xmlns:adec="http://schemas.microsoft.com/office/drawing/2017/decorative" xmlns="" val="1"/>
               </a:ext>
             </a:extLst>
           </p:cNvPr>
@@ -26341,14 +26235,14 @@
             <p:cNvPr id="79" name="Łącznik prosty 78">
               <a:extLst>
                 <a:ext uri="{FF2B5EF4-FFF2-40B4-BE49-F238E27FC236}">
-                  <a16:creationId xmlns:a16="http://schemas.microsoft.com/office/drawing/2014/main" id="{F3563D7F-8827-4268-90EC-699C9868AAE8}"/>
+                  <a16:creationId xmlns:a16="http://schemas.microsoft.com/office/drawing/2014/main" xmlns="" id="{F3563D7F-8827-4268-90EC-699C9868AAE8}"/>
                 </a:ext>
               </a:extLst>
             </p:cNvPr>
             <p:cNvCxnSpPr>
               <a:cxnSpLocks/>
             </p:cNvCxnSpPr>
-            <p:nvPr userDrawn="1"/>
+            <p:nvPr/>
           </p:nvCxnSpPr>
           <p:spPr>
             <a:xfrm>
@@ -26386,14 +26280,14 @@
             <p:cNvPr id="80" name="Łącznik prosty 79">
               <a:extLst>
                 <a:ext uri="{FF2B5EF4-FFF2-40B4-BE49-F238E27FC236}">
-                  <a16:creationId xmlns:a16="http://schemas.microsoft.com/office/drawing/2014/main" id="{3CCD75BD-F32B-4639-AD76-0FCE6CDE302E}"/>
+                  <a16:creationId xmlns:a16="http://schemas.microsoft.com/office/drawing/2014/main" xmlns="" id="{3CCD75BD-F32B-4639-AD76-0FCE6CDE302E}"/>
                 </a:ext>
               </a:extLst>
             </p:cNvPr>
             <p:cNvCxnSpPr>
               <a:cxnSpLocks/>
             </p:cNvCxnSpPr>
-            <p:nvPr userDrawn="1"/>
+            <p:nvPr/>
           </p:nvCxnSpPr>
           <p:spPr>
             <a:xfrm>
@@ -26431,14 +26325,14 @@
             <p:cNvPr id="81" name="Łącznik prosty 80">
               <a:extLst>
                 <a:ext uri="{FF2B5EF4-FFF2-40B4-BE49-F238E27FC236}">
-                  <a16:creationId xmlns:a16="http://schemas.microsoft.com/office/drawing/2014/main" id="{2E473BCE-F933-45A7-AE3E-455153208888}"/>
+                  <a16:creationId xmlns:a16="http://schemas.microsoft.com/office/drawing/2014/main" xmlns="" id="{2E473BCE-F933-45A7-AE3E-455153208888}"/>
                 </a:ext>
               </a:extLst>
             </p:cNvPr>
             <p:cNvCxnSpPr>
               <a:cxnSpLocks/>
             </p:cNvCxnSpPr>
-            <p:nvPr userDrawn="1"/>
+            <p:nvPr/>
           </p:nvCxnSpPr>
           <p:spPr>
             <a:xfrm>
@@ -26476,14 +26370,14 @@
             <p:cNvPr id="82" name="Łącznik prosty 81">
               <a:extLst>
                 <a:ext uri="{FF2B5EF4-FFF2-40B4-BE49-F238E27FC236}">
-                  <a16:creationId xmlns:a16="http://schemas.microsoft.com/office/drawing/2014/main" id="{5D295C70-2616-4BE7-AFC6-DFBB0449DFEF}"/>
+                  <a16:creationId xmlns:a16="http://schemas.microsoft.com/office/drawing/2014/main" xmlns="" id="{5D295C70-2616-4BE7-AFC6-DFBB0449DFEF}"/>
                 </a:ext>
               </a:extLst>
             </p:cNvPr>
             <p:cNvCxnSpPr>
               <a:cxnSpLocks/>
             </p:cNvCxnSpPr>
-            <p:nvPr userDrawn="1"/>
+            <p:nvPr/>
           </p:nvCxnSpPr>
           <p:spPr>
             <a:xfrm>
@@ -26521,14 +26415,14 @@
             <p:cNvPr id="83" name="Łącznik prosty 82">
               <a:extLst>
                 <a:ext uri="{FF2B5EF4-FFF2-40B4-BE49-F238E27FC236}">
-                  <a16:creationId xmlns:a16="http://schemas.microsoft.com/office/drawing/2014/main" id="{F4C75960-6F07-4A00-AF65-3604AEDFB248}"/>
+                  <a16:creationId xmlns:a16="http://schemas.microsoft.com/office/drawing/2014/main" xmlns="" id="{F4C75960-6F07-4A00-AF65-3604AEDFB248}"/>
                 </a:ext>
               </a:extLst>
             </p:cNvPr>
             <p:cNvCxnSpPr>
               <a:cxnSpLocks/>
             </p:cNvCxnSpPr>
-            <p:nvPr userDrawn="1"/>
+            <p:nvPr/>
           </p:nvCxnSpPr>
           <p:spPr>
             <a:xfrm>
@@ -26566,14 +26460,14 @@
             <p:cNvPr id="84" name="Łącznik prosty 83">
               <a:extLst>
                 <a:ext uri="{FF2B5EF4-FFF2-40B4-BE49-F238E27FC236}">
-                  <a16:creationId xmlns:a16="http://schemas.microsoft.com/office/drawing/2014/main" id="{DDA5BCD3-3B54-421C-BCDE-537E2EE450A6}"/>
+                  <a16:creationId xmlns:a16="http://schemas.microsoft.com/office/drawing/2014/main" xmlns="" id="{DDA5BCD3-3B54-421C-BCDE-537E2EE450A6}"/>
                 </a:ext>
               </a:extLst>
             </p:cNvPr>
             <p:cNvCxnSpPr>
               <a:cxnSpLocks/>
             </p:cNvCxnSpPr>
-            <p:nvPr userDrawn="1"/>
+            <p:nvPr/>
           </p:nvCxnSpPr>
           <p:spPr>
             <a:xfrm>
@@ -26611,14 +26505,14 @@
             <p:cNvPr id="85" name="Łącznik prosty 84">
               <a:extLst>
                 <a:ext uri="{FF2B5EF4-FFF2-40B4-BE49-F238E27FC236}">
-                  <a16:creationId xmlns:a16="http://schemas.microsoft.com/office/drawing/2014/main" id="{442ED791-E85D-4F4F-A079-1B2340E093AB}"/>
+                  <a16:creationId xmlns:a16="http://schemas.microsoft.com/office/drawing/2014/main" xmlns="" id="{442ED791-E85D-4F4F-A079-1B2340E093AB}"/>
                 </a:ext>
               </a:extLst>
             </p:cNvPr>
             <p:cNvCxnSpPr>
               <a:cxnSpLocks/>
             </p:cNvCxnSpPr>
-            <p:nvPr userDrawn="1"/>
+            <p:nvPr/>
           </p:nvCxnSpPr>
           <p:spPr>
             <a:xfrm>
@@ -26656,14 +26550,14 @@
             <p:cNvPr id="86" name="Łącznik prosty 85">
               <a:extLst>
                 <a:ext uri="{FF2B5EF4-FFF2-40B4-BE49-F238E27FC236}">
-                  <a16:creationId xmlns:a16="http://schemas.microsoft.com/office/drawing/2014/main" id="{55692CC8-388F-42CD-BA01-87F70B113343}"/>
+                  <a16:creationId xmlns:a16="http://schemas.microsoft.com/office/drawing/2014/main" xmlns="" id="{55692CC8-388F-42CD-BA01-87F70B113343}"/>
                 </a:ext>
               </a:extLst>
             </p:cNvPr>
             <p:cNvCxnSpPr>
               <a:cxnSpLocks/>
             </p:cNvCxnSpPr>
-            <p:nvPr userDrawn="1"/>
+            <p:nvPr/>
           </p:nvCxnSpPr>
           <p:spPr>
             <a:xfrm>
@@ -26701,14 +26595,14 @@
             <p:cNvPr id="87" name="Łącznik prosty 86">
               <a:extLst>
                 <a:ext uri="{FF2B5EF4-FFF2-40B4-BE49-F238E27FC236}">
-                  <a16:creationId xmlns:a16="http://schemas.microsoft.com/office/drawing/2014/main" id="{5779C220-A612-4C64-BA15-EE86F6F7FF9F}"/>
+                  <a16:creationId xmlns:a16="http://schemas.microsoft.com/office/drawing/2014/main" xmlns="" id="{5779C220-A612-4C64-BA15-EE86F6F7FF9F}"/>
                 </a:ext>
               </a:extLst>
             </p:cNvPr>
             <p:cNvCxnSpPr>
               <a:cxnSpLocks/>
             </p:cNvCxnSpPr>
-            <p:nvPr userDrawn="1"/>
+            <p:nvPr/>
           </p:nvCxnSpPr>
           <p:spPr>
             <a:xfrm>
@@ -26746,14 +26640,14 @@
             <p:cNvPr id="88" name="Łącznik prosty 87">
               <a:extLst>
                 <a:ext uri="{FF2B5EF4-FFF2-40B4-BE49-F238E27FC236}">
-                  <a16:creationId xmlns:a16="http://schemas.microsoft.com/office/drawing/2014/main" id="{6F136CFD-DB6B-4835-AB32-D1826774CD7A}"/>
+                  <a16:creationId xmlns:a16="http://schemas.microsoft.com/office/drawing/2014/main" xmlns="" id="{6F136CFD-DB6B-4835-AB32-D1826774CD7A}"/>
                 </a:ext>
               </a:extLst>
             </p:cNvPr>
             <p:cNvCxnSpPr>
               <a:cxnSpLocks/>
             </p:cNvCxnSpPr>
-            <p:nvPr userDrawn="1"/>
+            <p:nvPr/>
           </p:nvCxnSpPr>
           <p:spPr>
             <a:xfrm>
@@ -26791,14 +26685,14 @@
             <p:cNvPr id="89" name="Łącznik prosty 88">
               <a:extLst>
                 <a:ext uri="{FF2B5EF4-FFF2-40B4-BE49-F238E27FC236}">
-                  <a16:creationId xmlns:a16="http://schemas.microsoft.com/office/drawing/2014/main" id="{B15BB495-14FA-435E-ADE2-7FB5AA0960DC}"/>
+                  <a16:creationId xmlns:a16="http://schemas.microsoft.com/office/drawing/2014/main" xmlns="" id="{B15BB495-14FA-435E-ADE2-7FB5AA0960DC}"/>
                 </a:ext>
               </a:extLst>
             </p:cNvPr>
             <p:cNvCxnSpPr>
               <a:cxnSpLocks/>
             </p:cNvCxnSpPr>
-            <p:nvPr userDrawn="1"/>
+            <p:nvPr/>
           </p:nvCxnSpPr>
           <p:spPr>
             <a:xfrm>
@@ -26837,10 +26731,10 @@
           <p:cNvPr id="90" name="Grupa 89">
             <a:extLst>
               <a:ext uri="{FF2B5EF4-FFF2-40B4-BE49-F238E27FC236}">
-                <a16:creationId xmlns:a16="http://schemas.microsoft.com/office/drawing/2014/main" id="{1C4091D7-8930-414F-87C8-3E306D263AEE}"/>
+                <a16:creationId xmlns:a16="http://schemas.microsoft.com/office/drawing/2014/main" xmlns="" id="{1C4091D7-8930-414F-87C8-3E306D263AEE}"/>
               </a:ext>
               <a:ext uri="{C183D7F6-B498-43B3-948B-1728B52AA6E4}">
-                <adec:decorative xmlns:adec="http://schemas.microsoft.com/office/drawing/2017/decorative" val="1"/>
+                <adec:decorative xmlns:adec="http://schemas.microsoft.com/office/drawing/2017/decorative" xmlns="" val="1"/>
               </a:ext>
             </a:extLst>
           </p:cNvPr>
@@ -26860,15 +26754,15 @@
             <p:cNvPr id="91" name="Owal 234">
               <a:extLst>
                 <a:ext uri="{FF2B5EF4-FFF2-40B4-BE49-F238E27FC236}">
-                  <a16:creationId xmlns:a16="http://schemas.microsoft.com/office/drawing/2014/main" id="{DE99BD70-B22A-4512-95C6-D036BD60C41E}"/>
+                  <a16:creationId xmlns:a16="http://schemas.microsoft.com/office/drawing/2014/main" xmlns="" id="{DE99BD70-B22A-4512-95C6-D036BD60C41E}"/>
                 </a:ext>
                 <a:ext uri="{C183D7F6-B498-43B3-948B-1728B52AA6E4}">
-                  <adec:decorative xmlns:adec="http://schemas.microsoft.com/office/drawing/2017/decorative" val="1"/>
+                  <adec:decorative xmlns:adec="http://schemas.microsoft.com/office/drawing/2017/decorative" xmlns="" val="1"/>
                 </a:ext>
               </a:extLst>
             </p:cNvPr>
             <p:cNvSpPr/>
-            <p:nvPr userDrawn="1"/>
+            <p:nvPr/>
           </p:nvSpPr>
           <p:spPr>
             <a:xfrm>
@@ -26917,15 +26811,15 @@
             <p:cNvPr id="92" name="Owal 236">
               <a:extLst>
                 <a:ext uri="{FF2B5EF4-FFF2-40B4-BE49-F238E27FC236}">
-                  <a16:creationId xmlns:a16="http://schemas.microsoft.com/office/drawing/2014/main" id="{B1A3DC00-645B-445A-96D7-37B1F48B6A28}"/>
+                  <a16:creationId xmlns:a16="http://schemas.microsoft.com/office/drawing/2014/main" xmlns="" id="{B1A3DC00-645B-445A-96D7-37B1F48B6A28}"/>
                 </a:ext>
                 <a:ext uri="{C183D7F6-B498-43B3-948B-1728B52AA6E4}">
-                  <adec:decorative xmlns:adec="http://schemas.microsoft.com/office/drawing/2017/decorative" val="1"/>
+                  <adec:decorative xmlns:adec="http://schemas.microsoft.com/office/drawing/2017/decorative" xmlns="" val="1"/>
                 </a:ext>
               </a:extLst>
             </p:cNvPr>
             <p:cNvSpPr/>
-            <p:nvPr userDrawn="1"/>
+            <p:nvPr/>
           </p:nvSpPr>
           <p:spPr>
             <a:xfrm>
@@ -26978,15 +26872,15 @@
             <p:cNvPr id="93" name="Owal 238">
               <a:extLst>
                 <a:ext uri="{FF2B5EF4-FFF2-40B4-BE49-F238E27FC236}">
-                  <a16:creationId xmlns:a16="http://schemas.microsoft.com/office/drawing/2014/main" id="{E137138B-B45C-485A-A79E-784DFC48D53E}"/>
+                  <a16:creationId xmlns:a16="http://schemas.microsoft.com/office/drawing/2014/main" xmlns="" id="{E137138B-B45C-485A-A79E-784DFC48D53E}"/>
                 </a:ext>
                 <a:ext uri="{C183D7F6-B498-43B3-948B-1728B52AA6E4}">
-                  <adec:decorative xmlns:adec="http://schemas.microsoft.com/office/drawing/2017/decorative" val="1"/>
+                  <adec:decorative xmlns:adec="http://schemas.microsoft.com/office/drawing/2017/decorative" xmlns="" val="1"/>
                 </a:ext>
               </a:extLst>
             </p:cNvPr>
             <p:cNvSpPr/>
-            <p:nvPr userDrawn="1"/>
+            <p:nvPr/>
           </p:nvSpPr>
           <p:spPr>
             <a:xfrm>
@@ -27035,15 +26929,15 @@
             <p:cNvPr id="94" name="Owal 240">
               <a:extLst>
                 <a:ext uri="{FF2B5EF4-FFF2-40B4-BE49-F238E27FC236}">
-                  <a16:creationId xmlns:a16="http://schemas.microsoft.com/office/drawing/2014/main" id="{3AC2A91C-205F-4847-B550-21C01641F9E9}"/>
+                  <a16:creationId xmlns:a16="http://schemas.microsoft.com/office/drawing/2014/main" xmlns="" id="{3AC2A91C-205F-4847-B550-21C01641F9E9}"/>
                 </a:ext>
                 <a:ext uri="{C183D7F6-B498-43B3-948B-1728B52AA6E4}">
-                  <adec:decorative xmlns:adec="http://schemas.microsoft.com/office/drawing/2017/decorative" val="1"/>
+                  <adec:decorative xmlns:adec="http://schemas.microsoft.com/office/drawing/2017/decorative" xmlns="" val="1"/>
                 </a:ext>
               </a:extLst>
             </p:cNvPr>
             <p:cNvSpPr/>
-            <p:nvPr userDrawn="1"/>
+            <p:nvPr/>
           </p:nvSpPr>
           <p:spPr>
             <a:xfrm>
@@ -27092,15 +26986,15 @@
             <p:cNvPr id="95" name="Owal 242">
               <a:extLst>
                 <a:ext uri="{FF2B5EF4-FFF2-40B4-BE49-F238E27FC236}">
-                  <a16:creationId xmlns:a16="http://schemas.microsoft.com/office/drawing/2014/main" id="{465BE634-14E3-4566-A60C-DBF0C96C315F}"/>
+                  <a16:creationId xmlns:a16="http://schemas.microsoft.com/office/drawing/2014/main" xmlns="" id="{465BE634-14E3-4566-A60C-DBF0C96C315F}"/>
                 </a:ext>
                 <a:ext uri="{C183D7F6-B498-43B3-948B-1728B52AA6E4}">
-                  <adec:decorative xmlns:adec="http://schemas.microsoft.com/office/drawing/2017/decorative" val="1"/>
+                  <adec:decorative xmlns:adec="http://schemas.microsoft.com/office/drawing/2017/decorative" xmlns="" val="1"/>
                 </a:ext>
               </a:extLst>
             </p:cNvPr>
             <p:cNvSpPr/>
-            <p:nvPr userDrawn="1"/>
+            <p:nvPr/>
           </p:nvSpPr>
           <p:spPr>
             <a:xfrm>
@@ -27149,15 +27043,15 @@
             <p:cNvPr id="96" name="Owal 244">
               <a:extLst>
                 <a:ext uri="{FF2B5EF4-FFF2-40B4-BE49-F238E27FC236}">
-                  <a16:creationId xmlns:a16="http://schemas.microsoft.com/office/drawing/2014/main" id="{96AFB552-F8FF-44B4-8EBB-39C0457EC1AC}"/>
+                  <a16:creationId xmlns:a16="http://schemas.microsoft.com/office/drawing/2014/main" xmlns="" id="{96AFB552-F8FF-44B4-8EBB-39C0457EC1AC}"/>
                 </a:ext>
                 <a:ext uri="{C183D7F6-B498-43B3-948B-1728B52AA6E4}">
-                  <adec:decorative xmlns:adec="http://schemas.microsoft.com/office/drawing/2017/decorative" val="1"/>
+                  <adec:decorative xmlns:adec="http://schemas.microsoft.com/office/drawing/2017/decorative" xmlns="" val="1"/>
                 </a:ext>
               </a:extLst>
             </p:cNvPr>
             <p:cNvSpPr/>
-            <p:nvPr userDrawn="1"/>
+            <p:nvPr/>
           </p:nvSpPr>
           <p:spPr>
             <a:xfrm>
@@ -27206,15 +27100,15 @@
             <p:cNvPr id="97" name="Owal 246">
               <a:extLst>
                 <a:ext uri="{FF2B5EF4-FFF2-40B4-BE49-F238E27FC236}">
-                  <a16:creationId xmlns:a16="http://schemas.microsoft.com/office/drawing/2014/main" id="{EFBDAFF1-80C9-4258-BE81-D66CE95AF20B}"/>
+                  <a16:creationId xmlns:a16="http://schemas.microsoft.com/office/drawing/2014/main" xmlns="" id="{EFBDAFF1-80C9-4258-BE81-D66CE95AF20B}"/>
                 </a:ext>
                 <a:ext uri="{C183D7F6-B498-43B3-948B-1728B52AA6E4}">
-                  <adec:decorative xmlns:adec="http://schemas.microsoft.com/office/drawing/2017/decorative" val="1"/>
+                  <adec:decorative xmlns:adec="http://schemas.microsoft.com/office/drawing/2017/decorative" xmlns="" val="1"/>
                 </a:ext>
               </a:extLst>
             </p:cNvPr>
             <p:cNvSpPr/>
-            <p:nvPr userDrawn="1"/>
+            <p:nvPr/>
           </p:nvSpPr>
           <p:spPr>
             <a:xfrm>
@@ -27263,15 +27157,15 @@
             <p:cNvPr id="98" name="Owal 248">
               <a:extLst>
                 <a:ext uri="{FF2B5EF4-FFF2-40B4-BE49-F238E27FC236}">
-                  <a16:creationId xmlns:a16="http://schemas.microsoft.com/office/drawing/2014/main" id="{6CAC3C6B-0DC0-42A8-A0F6-5DE8D3CD8E79}"/>
+                  <a16:creationId xmlns:a16="http://schemas.microsoft.com/office/drawing/2014/main" xmlns="" id="{6CAC3C6B-0DC0-42A8-A0F6-5DE8D3CD8E79}"/>
                 </a:ext>
                 <a:ext uri="{C183D7F6-B498-43B3-948B-1728B52AA6E4}">
-                  <adec:decorative xmlns:adec="http://schemas.microsoft.com/office/drawing/2017/decorative" val="1"/>
+                  <adec:decorative xmlns:adec="http://schemas.microsoft.com/office/drawing/2017/decorative" xmlns="" val="1"/>
                 </a:ext>
               </a:extLst>
             </p:cNvPr>
             <p:cNvSpPr/>
-            <p:nvPr userDrawn="1"/>
+            <p:nvPr/>
           </p:nvSpPr>
           <p:spPr>
             <a:xfrm>
@@ -27320,15 +27214,15 @@
             <p:cNvPr id="99" name="Owal 250">
               <a:extLst>
                 <a:ext uri="{FF2B5EF4-FFF2-40B4-BE49-F238E27FC236}">
-                  <a16:creationId xmlns:a16="http://schemas.microsoft.com/office/drawing/2014/main" id="{BD4E23F3-6767-48BC-9DDD-56352C37825C}"/>
+                  <a16:creationId xmlns:a16="http://schemas.microsoft.com/office/drawing/2014/main" xmlns="" id="{BD4E23F3-6767-48BC-9DDD-56352C37825C}"/>
                 </a:ext>
                 <a:ext uri="{C183D7F6-B498-43B3-948B-1728B52AA6E4}">
-                  <adec:decorative xmlns:adec="http://schemas.microsoft.com/office/drawing/2017/decorative" val="1"/>
+                  <adec:decorative xmlns:adec="http://schemas.microsoft.com/office/drawing/2017/decorative" xmlns="" val="1"/>
                 </a:ext>
               </a:extLst>
             </p:cNvPr>
             <p:cNvSpPr/>
-            <p:nvPr userDrawn="1"/>
+            <p:nvPr/>
           </p:nvSpPr>
           <p:spPr>
             <a:xfrm>
@@ -27377,15 +27271,15 @@
             <p:cNvPr id="100" name="Owal 252">
               <a:extLst>
                 <a:ext uri="{FF2B5EF4-FFF2-40B4-BE49-F238E27FC236}">
-                  <a16:creationId xmlns:a16="http://schemas.microsoft.com/office/drawing/2014/main" id="{4ED51602-81E7-4BE6-90A2-0A453C234258}"/>
+                  <a16:creationId xmlns:a16="http://schemas.microsoft.com/office/drawing/2014/main" xmlns="" id="{4ED51602-81E7-4BE6-90A2-0A453C234258}"/>
                 </a:ext>
                 <a:ext uri="{C183D7F6-B498-43B3-948B-1728B52AA6E4}">
-                  <adec:decorative xmlns:adec="http://schemas.microsoft.com/office/drawing/2017/decorative" val="1"/>
+                  <adec:decorative xmlns:adec="http://schemas.microsoft.com/office/drawing/2017/decorative" xmlns="" val="1"/>
                 </a:ext>
               </a:extLst>
             </p:cNvPr>
             <p:cNvSpPr/>
-            <p:nvPr userDrawn="1"/>
+            <p:nvPr/>
           </p:nvSpPr>
           <p:spPr>
             <a:xfrm>
@@ -27434,15 +27328,15 @@
             <p:cNvPr id="101" name="Owal 254">
               <a:extLst>
                 <a:ext uri="{FF2B5EF4-FFF2-40B4-BE49-F238E27FC236}">
-                  <a16:creationId xmlns:a16="http://schemas.microsoft.com/office/drawing/2014/main" id="{61A53BCB-2442-44E7-8C24-A5715EC37279}"/>
+                  <a16:creationId xmlns:a16="http://schemas.microsoft.com/office/drawing/2014/main" xmlns="" id="{61A53BCB-2442-44E7-8C24-A5715EC37279}"/>
                 </a:ext>
                 <a:ext uri="{C183D7F6-B498-43B3-948B-1728B52AA6E4}">
-                  <adec:decorative xmlns:adec="http://schemas.microsoft.com/office/drawing/2017/decorative" val="1"/>
+                  <adec:decorative xmlns:adec="http://schemas.microsoft.com/office/drawing/2017/decorative" xmlns="" val="1"/>
                 </a:ext>
               </a:extLst>
             </p:cNvPr>
             <p:cNvSpPr/>
-            <p:nvPr userDrawn="1"/>
+            <p:nvPr/>
           </p:nvSpPr>
           <p:spPr>
             <a:xfrm>
@@ -27491,15 +27385,15 @@
             <p:cNvPr id="102" name="Owal 256">
               <a:extLst>
                 <a:ext uri="{FF2B5EF4-FFF2-40B4-BE49-F238E27FC236}">
-                  <a16:creationId xmlns:a16="http://schemas.microsoft.com/office/drawing/2014/main" id="{64E53F16-D265-4F25-A9AC-C82E3D17CB73}"/>
+                  <a16:creationId xmlns:a16="http://schemas.microsoft.com/office/drawing/2014/main" xmlns="" id="{64E53F16-D265-4F25-A9AC-C82E3D17CB73}"/>
                 </a:ext>
                 <a:ext uri="{C183D7F6-B498-43B3-948B-1728B52AA6E4}">
-                  <adec:decorative xmlns:adec="http://schemas.microsoft.com/office/drawing/2017/decorative" val="1"/>
+                  <adec:decorative xmlns:adec="http://schemas.microsoft.com/office/drawing/2017/decorative" xmlns="" val="1"/>
                 </a:ext>
               </a:extLst>
             </p:cNvPr>
             <p:cNvSpPr/>
-            <p:nvPr userDrawn="1"/>
+            <p:nvPr/>
           </p:nvSpPr>
           <p:spPr>
             <a:xfrm>
@@ -27553,7 +27447,7 @@
           <p:cNvPr id="2" name="Data — symbol zastępczy 1">
             <a:extLst>
               <a:ext uri="{FF2B5EF4-FFF2-40B4-BE49-F238E27FC236}">
-                <a16:creationId xmlns:a16="http://schemas.microsoft.com/office/drawing/2014/main" id="{D8227771-6931-4829-9487-85B9A3EFA853}"/>
+                <a16:creationId xmlns:a16="http://schemas.microsoft.com/office/drawing/2014/main" xmlns="" id="{D8227771-6931-4829-9487-85B9A3EFA853}"/>
               </a:ext>
             </a:extLst>
           </p:cNvPr>
@@ -27574,11 +27468,11 @@
           <a:bodyPr rtlCol="0"/>
           <a:lstStyle/>
           <a:p>
-            <a:pPr rtl="0"/>
-            <a:r>
-              <a:rPr lang="pl-PL"/>
-              <a:t>20XX-08-03</a:t>
-            </a:r>
+            <a:r>
+              <a:rPr lang="pl-PL" dirty="0" smtClean="0"/>
+              <a:t>2022-05-29</a:t>
+            </a:r>
+            <a:endParaRPr lang="pl-PL" dirty="0"/>
           </a:p>
         </p:txBody>
       </p:sp>
@@ -27587,7 +27481,7 @@
           <p:cNvPr id="3" name="Stopka — symbol zastępczy 2">
             <a:extLst>
               <a:ext uri="{FF2B5EF4-FFF2-40B4-BE49-F238E27FC236}">
-                <a16:creationId xmlns:a16="http://schemas.microsoft.com/office/drawing/2014/main" id="{1014E736-C54A-452D-8B25-A16073C2B9CA}"/>
+                <a16:creationId xmlns:a16="http://schemas.microsoft.com/office/drawing/2014/main" xmlns="" id="{1014E736-C54A-452D-8B25-A16073C2B9CA}"/>
               </a:ext>
             </a:extLst>
           </p:cNvPr>
@@ -27608,11 +27502,11 @@
           <a:bodyPr rtlCol="0"/>
           <a:lstStyle/>
           <a:p>
-            <a:pPr rtl="0"/>
-            <a:r>
-              <a:rPr lang="pl-PL"/>
-              <a:t>PREZENTACJA</a:t>
-            </a:r>
+            <a:r>
+              <a:rPr lang="pl-PL" dirty="0" smtClean="0"/>
+              <a:t>REWARDING INSURANCE</a:t>
+            </a:r>
+            <a:endParaRPr lang="pl-PL" dirty="0"/>
           </a:p>
         </p:txBody>
       </p:sp>
@@ -27621,7 +27515,7 @@
           <p:cNvPr id="4" name="Numer slajdu — symbol zastępczy 3">
             <a:extLst>
               <a:ext uri="{FF2B5EF4-FFF2-40B4-BE49-F238E27FC236}">
-                <a16:creationId xmlns:a16="http://schemas.microsoft.com/office/drawing/2014/main" id="{0D2F8115-4311-4DBF-88A0-8C9B56B70ABB}"/>
+                <a16:creationId xmlns:a16="http://schemas.microsoft.com/office/drawing/2014/main" xmlns="" id="{0D2F8115-4311-4DBF-88A0-8C9B56B70ABB}"/>
               </a:ext>
             </a:extLst>
           </p:cNvPr>
@@ -27655,7 +27549,7 @@
     </p:spTree>
     <p:extLst>
       <p:ext uri="{BB962C8B-B14F-4D97-AF65-F5344CB8AC3E}">
-        <p14:creationId xmlns:p14="http://schemas.microsoft.com/office/powerpoint/2010/main" val="2280980496"/>
+        <p14:creationId xmlns:p14="http://schemas.microsoft.com/office/powerpoint/2010/main" xmlns="" val="2280980496"/>
       </p:ext>
     </p:extLst>
   </p:cSld>
@@ -27687,7 +27581,7 @@
           <p:cNvPr id="18" name="Tytuł 17">
             <a:extLst>
               <a:ext uri="{FF2B5EF4-FFF2-40B4-BE49-F238E27FC236}">
-                <a16:creationId xmlns:a16="http://schemas.microsoft.com/office/drawing/2014/main" id="{DA2EE157-139C-422D-88A0-3E908DC6BA04}"/>
+                <a16:creationId xmlns:a16="http://schemas.microsoft.com/office/drawing/2014/main" xmlns="" id="{DA2EE157-139C-422D-88A0-3E908DC6BA04}"/>
               </a:ext>
             </a:extLst>
           </p:cNvPr>
@@ -27721,7 +27615,7 @@
           <p:cNvPr id="5" name="Tabela 4">
             <a:extLst>
               <a:ext uri="{FF2B5EF4-FFF2-40B4-BE49-F238E27FC236}">
-                <a16:creationId xmlns:a16="http://schemas.microsoft.com/office/drawing/2014/main" id="{40EC84A2-A604-4E08-ACCD-4FB04FBD076F}"/>
+                <a16:creationId xmlns:a16="http://schemas.microsoft.com/office/drawing/2014/main" xmlns="" id="{40EC84A2-A604-4E08-ACCD-4FB04FBD076F}"/>
               </a:ext>
             </a:extLst>
           </p:cNvPr>
@@ -27731,7 +27625,7 @@
           <p:nvPr>
             <p:extLst>
               <p:ext uri="{D42A27DB-BD31-4B8C-83A1-F6EECF244321}">
-                <p14:modId xmlns:p14="http://schemas.microsoft.com/office/powerpoint/2010/main" val="234580255"/>
+                <p14:modId xmlns:p14="http://schemas.microsoft.com/office/powerpoint/2010/main" xmlns="" val="234580255"/>
               </p:ext>
             </p:extLst>
           </p:nvPr>
@@ -27750,35 +27644,35 @@
                 <a:gridCol w="2423757">
                   <a:extLst>
                     <a:ext uri="{9D8B030D-6E8A-4147-A177-3AD203B41FA5}">
-                      <a16:colId xmlns:a16="http://schemas.microsoft.com/office/drawing/2014/main" val="1517755082"/>
+                      <a16:colId xmlns:a16="http://schemas.microsoft.com/office/drawing/2014/main" xmlns="" val="1517755082"/>
                     </a:ext>
                   </a:extLst>
                 </a:gridCol>
                 <a:gridCol w="1535369">
                   <a:extLst>
                     <a:ext uri="{9D8B030D-6E8A-4147-A177-3AD203B41FA5}">
-                      <a16:colId xmlns:a16="http://schemas.microsoft.com/office/drawing/2014/main" val="2446386500"/>
+                      <a16:colId xmlns:a16="http://schemas.microsoft.com/office/drawing/2014/main" xmlns="" val="2446386500"/>
                     </a:ext>
                   </a:extLst>
                 </a:gridCol>
                 <a:gridCol w="1545026">
                   <a:extLst>
                     <a:ext uri="{9D8B030D-6E8A-4147-A177-3AD203B41FA5}">
-                      <a16:colId xmlns:a16="http://schemas.microsoft.com/office/drawing/2014/main" val="3308918160"/>
+                      <a16:colId xmlns:a16="http://schemas.microsoft.com/office/drawing/2014/main" xmlns="" val="3308918160"/>
                     </a:ext>
                   </a:extLst>
                 </a:gridCol>
                 <a:gridCol w="1390523">
                   <a:extLst>
                     <a:ext uri="{9D8B030D-6E8A-4147-A177-3AD203B41FA5}">
-                      <a16:colId xmlns:a16="http://schemas.microsoft.com/office/drawing/2014/main" val="1854486728"/>
+                      <a16:colId xmlns:a16="http://schemas.microsoft.com/office/drawing/2014/main" xmlns="" val="1854486728"/>
                     </a:ext>
                   </a:extLst>
                 </a:gridCol>
                 <a:gridCol w="608353">
                   <a:extLst>
                     <a:ext uri="{9D8B030D-6E8A-4147-A177-3AD203B41FA5}">
-                      <a16:colId xmlns:a16="http://schemas.microsoft.com/office/drawing/2014/main" val="1808496511"/>
+                      <a16:colId xmlns:a16="http://schemas.microsoft.com/office/drawing/2014/main" xmlns="" val="1808496511"/>
                     </a:ext>
                   </a:extLst>
                 </a:gridCol>
@@ -27879,7 +27773,7 @@
                 </a:tc>
                 <a:extLst>
                   <a:ext uri="{0D108BD9-81ED-4DB2-BD59-A6C34878D82A}">
-                    <a16:rowId xmlns:a16="http://schemas.microsoft.com/office/drawing/2014/main" val="3100351803"/>
+                    <a16:rowId xmlns:a16="http://schemas.microsoft.com/office/drawing/2014/main" xmlns="" val="3100351803"/>
                   </a:ext>
                 </a:extLst>
               </a:tr>
@@ -28071,7 +27965,7 @@
                 </a:tc>
                 <a:extLst>
                   <a:ext uri="{0D108BD9-81ED-4DB2-BD59-A6C34878D82A}">
-                    <a16:rowId xmlns:a16="http://schemas.microsoft.com/office/drawing/2014/main" val="559996714"/>
+                    <a16:rowId xmlns:a16="http://schemas.microsoft.com/office/drawing/2014/main" xmlns="" val="559996714"/>
                   </a:ext>
                 </a:extLst>
               </a:tr>
@@ -28308,7 +28202,7 @@
                 </a:tc>
                 <a:extLst>
                   <a:ext uri="{0D108BD9-81ED-4DB2-BD59-A6C34878D82A}">
-                    <a16:rowId xmlns:a16="http://schemas.microsoft.com/office/drawing/2014/main" val="2801628125"/>
+                    <a16:rowId xmlns:a16="http://schemas.microsoft.com/office/drawing/2014/main" xmlns="" val="2801628125"/>
                   </a:ext>
                 </a:extLst>
               </a:tr>
@@ -28575,7 +28469,7 @@
                 </a:tc>
                 <a:extLst>
                   <a:ext uri="{0D108BD9-81ED-4DB2-BD59-A6C34878D82A}">
-                    <a16:rowId xmlns:a16="http://schemas.microsoft.com/office/drawing/2014/main" val="3635382780"/>
+                    <a16:rowId xmlns:a16="http://schemas.microsoft.com/office/drawing/2014/main" xmlns="" val="3635382780"/>
                   </a:ext>
                 </a:extLst>
               </a:tr>
@@ -28824,7 +28718,7 @@
                 </a:tc>
                 <a:extLst>
                   <a:ext uri="{0D108BD9-81ED-4DB2-BD59-A6C34878D82A}">
-                    <a16:rowId xmlns:a16="http://schemas.microsoft.com/office/drawing/2014/main" val="2282084003"/>
+                    <a16:rowId xmlns:a16="http://schemas.microsoft.com/office/drawing/2014/main" xmlns="" val="2282084003"/>
                   </a:ext>
                 </a:extLst>
               </a:tr>
@@ -29091,7 +28985,7 @@
                 </a:tc>
                 <a:extLst>
                   <a:ext uri="{0D108BD9-81ED-4DB2-BD59-A6C34878D82A}">
-                    <a16:rowId xmlns:a16="http://schemas.microsoft.com/office/drawing/2014/main" val="1849756459"/>
+                    <a16:rowId xmlns:a16="http://schemas.microsoft.com/office/drawing/2014/main" xmlns="" val="1849756459"/>
                   </a:ext>
                 </a:extLst>
               </a:tr>
@@ -29253,7 +29147,7 @@
                 </a:tc>
                 <a:extLst>
                   <a:ext uri="{0D108BD9-81ED-4DB2-BD59-A6C34878D82A}">
-                    <a16:rowId xmlns:a16="http://schemas.microsoft.com/office/drawing/2014/main" val="3550227705"/>
+                    <a16:rowId xmlns:a16="http://schemas.microsoft.com/office/drawing/2014/main" xmlns="" val="3550227705"/>
                   </a:ext>
                 </a:extLst>
               </a:tr>
@@ -29457,7 +29351,7 @@
                 </a:tc>
                 <a:extLst>
                   <a:ext uri="{0D108BD9-81ED-4DB2-BD59-A6C34878D82A}">
-                    <a16:rowId xmlns:a16="http://schemas.microsoft.com/office/drawing/2014/main" val="2110867358"/>
+                    <a16:rowId xmlns:a16="http://schemas.microsoft.com/office/drawing/2014/main" xmlns="" val="2110867358"/>
                   </a:ext>
                 </a:extLst>
               </a:tr>
@@ -29706,7 +29600,7 @@
                 </a:tc>
                 <a:extLst>
                   <a:ext uri="{0D108BD9-81ED-4DB2-BD59-A6C34878D82A}">
-                    <a16:rowId xmlns:a16="http://schemas.microsoft.com/office/drawing/2014/main" val="4268114081"/>
+                    <a16:rowId xmlns:a16="http://schemas.microsoft.com/office/drawing/2014/main" xmlns="" val="4268114081"/>
                   </a:ext>
                 </a:extLst>
               </a:tr>
@@ -29973,7 +29867,7 @@
                 </a:tc>
                 <a:extLst>
                   <a:ext uri="{0D108BD9-81ED-4DB2-BD59-A6C34878D82A}">
-                    <a16:rowId xmlns:a16="http://schemas.microsoft.com/office/drawing/2014/main" val="1537267748"/>
+                    <a16:rowId xmlns:a16="http://schemas.microsoft.com/office/drawing/2014/main" xmlns="" val="1537267748"/>
                   </a:ext>
                 </a:extLst>
               </a:tr>
@@ -30210,7 +30104,7 @@
                 </a:tc>
                 <a:extLst>
                   <a:ext uri="{0D108BD9-81ED-4DB2-BD59-A6C34878D82A}">
-                    <a16:rowId xmlns:a16="http://schemas.microsoft.com/office/drawing/2014/main" val="1691341114"/>
+                    <a16:rowId xmlns:a16="http://schemas.microsoft.com/office/drawing/2014/main" xmlns="" val="1691341114"/>
                   </a:ext>
                 </a:extLst>
               </a:tr>
@@ -30477,7 +30371,7 @@
                 </a:tc>
                 <a:extLst>
                   <a:ext uri="{0D108BD9-81ED-4DB2-BD59-A6C34878D82A}">
-                    <a16:rowId xmlns:a16="http://schemas.microsoft.com/office/drawing/2014/main" val="280917110"/>
+                    <a16:rowId xmlns:a16="http://schemas.microsoft.com/office/drawing/2014/main" xmlns="" val="280917110"/>
                   </a:ext>
                 </a:extLst>
               </a:tr>
@@ -30627,7 +30521,7 @@
                 </a:tc>
                 <a:extLst>
                   <a:ext uri="{0D108BD9-81ED-4DB2-BD59-A6C34878D82A}">
-                    <a16:rowId xmlns:a16="http://schemas.microsoft.com/office/drawing/2014/main" val="3098074008"/>
+                    <a16:rowId xmlns:a16="http://schemas.microsoft.com/office/drawing/2014/main" xmlns="" val="3098074008"/>
                   </a:ext>
                 </a:extLst>
               </a:tr>
@@ -30640,7 +30534,7 @@
           <p:cNvPr id="2" name="Data — symbol zastępczy 1">
             <a:extLst>
               <a:ext uri="{FF2B5EF4-FFF2-40B4-BE49-F238E27FC236}">
-                <a16:creationId xmlns:a16="http://schemas.microsoft.com/office/drawing/2014/main" id="{FDCD5BD7-2194-41D8-924E-B7735948C95F}"/>
+                <a16:creationId xmlns:a16="http://schemas.microsoft.com/office/drawing/2014/main" xmlns="" id="{FDCD5BD7-2194-41D8-924E-B7735948C95F}"/>
               </a:ext>
             </a:extLst>
           </p:cNvPr>
@@ -30661,11 +30555,11 @@
           <a:bodyPr rtlCol="0"/>
           <a:lstStyle/>
           <a:p>
-            <a:pPr rtl="0"/>
-            <a:r>
-              <a:rPr lang="pl-PL"/>
-              <a:t>20XX-08-03</a:t>
-            </a:r>
+            <a:r>
+              <a:rPr lang="pl-PL" dirty="0" smtClean="0"/>
+              <a:t>2022-05-29</a:t>
+            </a:r>
+            <a:endParaRPr lang="pl-PL" dirty="0"/>
           </a:p>
         </p:txBody>
       </p:sp>
@@ -30674,7 +30568,7 @@
           <p:cNvPr id="3" name="Stopka — symbol zastępczy 2">
             <a:extLst>
               <a:ext uri="{FF2B5EF4-FFF2-40B4-BE49-F238E27FC236}">
-                <a16:creationId xmlns:a16="http://schemas.microsoft.com/office/drawing/2014/main" id="{7C821002-DE40-4F4D-AA04-D8F7F4AE3858}"/>
+                <a16:creationId xmlns:a16="http://schemas.microsoft.com/office/drawing/2014/main" xmlns="" id="{7C821002-DE40-4F4D-AA04-D8F7F4AE3858}"/>
               </a:ext>
             </a:extLst>
           </p:cNvPr>
@@ -30695,11 +30589,11 @@
           <a:bodyPr rtlCol="0"/>
           <a:lstStyle/>
           <a:p>
-            <a:pPr rtl="0"/>
-            <a:r>
-              <a:rPr lang="pl-PL"/>
-              <a:t>PREZENTACJA</a:t>
-            </a:r>
+            <a:r>
+              <a:rPr lang="pl-PL" dirty="0" smtClean="0"/>
+              <a:t>REWARDING INSURANCE</a:t>
+            </a:r>
+            <a:endParaRPr lang="pl-PL" dirty="0"/>
           </a:p>
         </p:txBody>
       </p:sp>
@@ -30708,7 +30602,7 @@
           <p:cNvPr id="4" name="Numer slajdu — symbol zastępczy 3">
             <a:extLst>
               <a:ext uri="{FF2B5EF4-FFF2-40B4-BE49-F238E27FC236}">
-                <a16:creationId xmlns:a16="http://schemas.microsoft.com/office/drawing/2014/main" id="{F84BDC9A-FBF6-43FE-9122-F7A91DC87A3F}"/>
+                <a16:creationId xmlns:a16="http://schemas.microsoft.com/office/drawing/2014/main" xmlns="" id="{F84BDC9A-FBF6-43FE-9122-F7A91DC87A3F}"/>
               </a:ext>
             </a:extLst>
           </p:cNvPr>
@@ -30742,7 +30636,7 @@
     </p:spTree>
     <p:extLst>
       <p:ext uri="{BB962C8B-B14F-4D97-AF65-F5344CB8AC3E}">
-        <p14:creationId xmlns:p14="http://schemas.microsoft.com/office/powerpoint/2010/main" val="2773932920"/>
+        <p14:creationId xmlns:p14="http://schemas.microsoft.com/office/powerpoint/2010/main" xmlns="" val="2773932920"/>
       </p:ext>
     </p:extLst>
   </p:cSld>
@@ -30774,7 +30668,7 @@
           <p:cNvPr id="65" name="Tytuł 64">
             <a:extLst>
               <a:ext uri="{FF2B5EF4-FFF2-40B4-BE49-F238E27FC236}">
-                <a16:creationId xmlns:a16="http://schemas.microsoft.com/office/drawing/2014/main" id="{64ABC1C5-3ACA-49D3-A339-04BA079636F7}"/>
+                <a16:creationId xmlns:a16="http://schemas.microsoft.com/office/drawing/2014/main" xmlns="" id="{64ABC1C5-3ACA-49D3-A339-04BA079636F7}"/>
               </a:ext>
             </a:extLst>
           </p:cNvPr>
@@ -30808,7 +30702,7 @@
           <p:cNvPr id="29" name="Tekst — symbol zastępczy 28">
             <a:extLst>
               <a:ext uri="{FF2B5EF4-FFF2-40B4-BE49-F238E27FC236}">
-                <a16:creationId xmlns:a16="http://schemas.microsoft.com/office/drawing/2014/main" id="{5BEF602E-F3C8-4D5A-86E0-DF63AD13E228}"/>
+                <a16:creationId xmlns:a16="http://schemas.microsoft.com/office/drawing/2014/main" xmlns="" id="{5BEF602E-F3C8-4D5A-86E0-DF63AD13E228}"/>
               </a:ext>
             </a:extLst>
           </p:cNvPr>
@@ -30842,10 +30736,10 @@
           <p:cNvPr id="78" name="Wykres 77" descr="Wykres">
             <a:extLst>
               <a:ext uri="{FF2B5EF4-FFF2-40B4-BE49-F238E27FC236}">
-                <a16:creationId xmlns:a16="http://schemas.microsoft.com/office/drawing/2014/main" id="{281461AE-467D-40F7-A03B-CE9CAED1FC98}"/>
+                <a16:creationId xmlns:a16="http://schemas.microsoft.com/office/drawing/2014/main" xmlns="" id="{281461AE-467D-40F7-A03B-CE9CAED1FC98}"/>
               </a:ext>
               <a:ext uri="{C183D7F6-B498-43B3-948B-1728B52AA6E4}">
-                <adec:decorative xmlns:adec="http://schemas.microsoft.com/office/drawing/2017/decorative" val="0"/>
+                <adec:decorative xmlns:adec="http://schemas.microsoft.com/office/drawing/2017/decorative" xmlns="" val="0"/>
               </a:ext>
             </a:extLst>
           </p:cNvPr>
@@ -30853,7 +30747,7 @@
           <p:nvPr>
             <p:extLst>
               <p:ext uri="{D42A27DB-BD31-4B8C-83A1-F6EECF244321}">
-                <p14:modId xmlns:p14="http://schemas.microsoft.com/office/powerpoint/2010/main" val="559465180"/>
+                <p14:modId xmlns:p14="http://schemas.microsoft.com/office/powerpoint/2010/main" xmlns="" val="559465180"/>
               </p:ext>
             </p:extLst>
           </p:nvPr>
@@ -30873,7 +30767,7 @@
           <p:cNvPr id="36" name="Tekst — symbol zastępczy 35">
             <a:extLst>
               <a:ext uri="{FF2B5EF4-FFF2-40B4-BE49-F238E27FC236}">
-                <a16:creationId xmlns:a16="http://schemas.microsoft.com/office/drawing/2014/main" id="{858F1CE5-2796-49BE-A32F-4545CF6DEA60}"/>
+                <a16:creationId xmlns:a16="http://schemas.microsoft.com/office/drawing/2014/main" xmlns="" id="{858F1CE5-2796-49BE-A32F-4545CF6DEA60}"/>
               </a:ext>
             </a:extLst>
           </p:cNvPr>
@@ -30907,7 +30801,7 @@
           <p:cNvPr id="35" name="Tekst — symbol zastępczy 34">
             <a:extLst>
               <a:ext uri="{FF2B5EF4-FFF2-40B4-BE49-F238E27FC236}">
-                <a16:creationId xmlns:a16="http://schemas.microsoft.com/office/drawing/2014/main" id="{F6C14ABA-1649-4DA7-9A13-28A051C2A919}"/>
+                <a16:creationId xmlns:a16="http://schemas.microsoft.com/office/drawing/2014/main" xmlns="" id="{F6C14ABA-1649-4DA7-9A13-28A051C2A919}"/>
               </a:ext>
             </a:extLst>
           </p:cNvPr>
@@ -30941,7 +30835,7 @@
           <p:cNvPr id="37" name="Tekst — symbol zastępczy 36">
             <a:extLst>
               <a:ext uri="{FF2B5EF4-FFF2-40B4-BE49-F238E27FC236}">
-                <a16:creationId xmlns:a16="http://schemas.microsoft.com/office/drawing/2014/main" id="{CFE5511E-21D0-45E7-8187-E1751A3B2BB9}"/>
+                <a16:creationId xmlns:a16="http://schemas.microsoft.com/office/drawing/2014/main" xmlns="" id="{CFE5511E-21D0-45E7-8187-E1751A3B2BB9}"/>
               </a:ext>
             </a:extLst>
           </p:cNvPr>
@@ -30975,10 +30869,10 @@
           <p:cNvPr id="80" name="Wykres 79" descr="Wykres">
             <a:extLst>
               <a:ext uri="{FF2B5EF4-FFF2-40B4-BE49-F238E27FC236}">
-                <a16:creationId xmlns:a16="http://schemas.microsoft.com/office/drawing/2014/main" id="{A7D4DF94-43C0-47EE-8300-50F61B92E7DF}"/>
+                <a16:creationId xmlns:a16="http://schemas.microsoft.com/office/drawing/2014/main" xmlns="" id="{A7D4DF94-43C0-47EE-8300-50F61B92E7DF}"/>
               </a:ext>
               <a:ext uri="{C183D7F6-B498-43B3-948B-1728B52AA6E4}">
-                <adec:decorative xmlns:adec="http://schemas.microsoft.com/office/drawing/2017/decorative" val="0"/>
+                <adec:decorative xmlns:adec="http://schemas.microsoft.com/office/drawing/2017/decorative" xmlns="" val="0"/>
               </a:ext>
             </a:extLst>
           </p:cNvPr>
@@ -30986,7 +30880,7 @@
           <p:nvPr>
             <p:extLst>
               <p:ext uri="{D42A27DB-BD31-4B8C-83A1-F6EECF244321}">
-                <p14:modId xmlns:p14="http://schemas.microsoft.com/office/powerpoint/2010/main" val="3505762906"/>
+                <p14:modId xmlns:p14="http://schemas.microsoft.com/office/powerpoint/2010/main" xmlns="" val="3505762906"/>
               </p:ext>
             </p:extLst>
           </p:nvPr>
@@ -31006,7 +30900,7 @@
           <p:cNvPr id="41" name="Tekst — symbol zastępczy 40">
             <a:extLst>
               <a:ext uri="{FF2B5EF4-FFF2-40B4-BE49-F238E27FC236}">
-                <a16:creationId xmlns:a16="http://schemas.microsoft.com/office/drawing/2014/main" id="{1C7B0FA3-67EC-444E-9D87-A07EDC3F366B}"/>
+                <a16:creationId xmlns:a16="http://schemas.microsoft.com/office/drawing/2014/main" xmlns="" id="{1C7B0FA3-67EC-444E-9D87-A07EDC3F366B}"/>
               </a:ext>
             </a:extLst>
           </p:cNvPr>
@@ -31042,7 +30936,7 @@
           <p:cNvPr id="40" name="Tekst — symbol zastępczy 39">
             <a:extLst>
               <a:ext uri="{FF2B5EF4-FFF2-40B4-BE49-F238E27FC236}">
-                <a16:creationId xmlns:a16="http://schemas.microsoft.com/office/drawing/2014/main" id="{3DD9F4AB-8692-45FD-AE13-689E238CB816}"/>
+                <a16:creationId xmlns:a16="http://schemas.microsoft.com/office/drawing/2014/main" xmlns="" id="{3DD9F4AB-8692-45FD-AE13-689E238CB816}"/>
               </a:ext>
             </a:extLst>
           </p:cNvPr>
@@ -31076,7 +30970,7 @@
           <p:cNvPr id="38" name="Tekst — symbol zastępczy 37">
             <a:extLst>
               <a:ext uri="{FF2B5EF4-FFF2-40B4-BE49-F238E27FC236}">
-                <a16:creationId xmlns:a16="http://schemas.microsoft.com/office/drawing/2014/main" id="{FA0ACB11-2B29-453C-9E60-63B83C76A191}"/>
+                <a16:creationId xmlns:a16="http://schemas.microsoft.com/office/drawing/2014/main" xmlns="" id="{FA0ACB11-2B29-453C-9E60-63B83C76A191}"/>
               </a:ext>
             </a:extLst>
           </p:cNvPr>
@@ -31110,10 +31004,10 @@
           <p:cNvPr id="82" name="Wykres 81" descr="Wykres">
             <a:extLst>
               <a:ext uri="{FF2B5EF4-FFF2-40B4-BE49-F238E27FC236}">
-                <a16:creationId xmlns:a16="http://schemas.microsoft.com/office/drawing/2014/main" id="{12C6B033-E0DD-40C4-8FA0-2F687A17FBEE}"/>
+                <a16:creationId xmlns:a16="http://schemas.microsoft.com/office/drawing/2014/main" xmlns="" id="{12C6B033-E0DD-40C4-8FA0-2F687A17FBEE}"/>
               </a:ext>
               <a:ext uri="{C183D7F6-B498-43B3-948B-1728B52AA6E4}">
-                <adec:decorative xmlns:adec="http://schemas.microsoft.com/office/drawing/2017/decorative" val="0"/>
+                <adec:decorative xmlns:adec="http://schemas.microsoft.com/office/drawing/2017/decorative" xmlns="" val="0"/>
               </a:ext>
             </a:extLst>
           </p:cNvPr>
@@ -31121,7 +31015,7 @@
           <p:nvPr>
             <p:extLst>
               <p:ext uri="{D42A27DB-BD31-4B8C-83A1-F6EECF244321}">
-                <p14:modId xmlns:p14="http://schemas.microsoft.com/office/powerpoint/2010/main" val="3553310095"/>
+                <p14:modId xmlns:p14="http://schemas.microsoft.com/office/powerpoint/2010/main" xmlns="" val="3553310095"/>
               </p:ext>
             </p:extLst>
           </p:nvPr>
@@ -31141,7 +31035,7 @@
           <p:cNvPr id="43" name="Tekst — symbol zastępczy 42">
             <a:extLst>
               <a:ext uri="{FF2B5EF4-FFF2-40B4-BE49-F238E27FC236}">
-                <a16:creationId xmlns:a16="http://schemas.microsoft.com/office/drawing/2014/main" id="{5CB33916-805F-42BB-A4D6-729824B52354}"/>
+                <a16:creationId xmlns:a16="http://schemas.microsoft.com/office/drawing/2014/main" xmlns="" id="{5CB33916-805F-42BB-A4D6-729824B52354}"/>
               </a:ext>
             </a:extLst>
           </p:cNvPr>
@@ -31175,7 +31069,7 @@
           <p:cNvPr id="42" name="Tekst — symbol zastępczy 41">
             <a:extLst>
               <a:ext uri="{FF2B5EF4-FFF2-40B4-BE49-F238E27FC236}">
-                <a16:creationId xmlns:a16="http://schemas.microsoft.com/office/drawing/2014/main" id="{A985ADA1-85AC-47E5-8BBA-E05D33073614}"/>
+                <a16:creationId xmlns:a16="http://schemas.microsoft.com/office/drawing/2014/main" xmlns="" id="{A985ADA1-85AC-47E5-8BBA-E05D33073614}"/>
               </a:ext>
             </a:extLst>
           </p:cNvPr>
@@ -31209,7 +31103,7 @@
           <p:cNvPr id="39" name="Tekst — symbol zastępczy 38">
             <a:extLst>
               <a:ext uri="{FF2B5EF4-FFF2-40B4-BE49-F238E27FC236}">
-                <a16:creationId xmlns:a16="http://schemas.microsoft.com/office/drawing/2014/main" id="{4F42D9D9-1550-48C9-9338-C0B7BF43A458}"/>
+                <a16:creationId xmlns:a16="http://schemas.microsoft.com/office/drawing/2014/main" xmlns="" id="{4F42D9D9-1550-48C9-9338-C0B7BF43A458}"/>
               </a:ext>
             </a:extLst>
           </p:cNvPr>
@@ -31243,10 +31137,10 @@
           <p:cNvPr id="84" name="Wykres 83" descr="Wykres">
             <a:extLst>
               <a:ext uri="{FF2B5EF4-FFF2-40B4-BE49-F238E27FC236}">
-                <a16:creationId xmlns:a16="http://schemas.microsoft.com/office/drawing/2014/main" id="{BDE2BA43-A9C2-432B-910D-6351A9203174}"/>
+                <a16:creationId xmlns:a16="http://schemas.microsoft.com/office/drawing/2014/main" xmlns="" id="{BDE2BA43-A9C2-432B-910D-6351A9203174}"/>
               </a:ext>
               <a:ext uri="{C183D7F6-B498-43B3-948B-1728B52AA6E4}">
-                <adec:decorative xmlns:adec="http://schemas.microsoft.com/office/drawing/2017/decorative" val="0"/>
+                <adec:decorative xmlns:adec="http://schemas.microsoft.com/office/drawing/2017/decorative" xmlns="" val="0"/>
               </a:ext>
             </a:extLst>
           </p:cNvPr>
@@ -31254,7 +31148,7 @@
           <p:nvPr>
             <p:extLst>
               <p:ext uri="{D42A27DB-BD31-4B8C-83A1-F6EECF244321}">
-                <p14:modId xmlns:p14="http://schemas.microsoft.com/office/powerpoint/2010/main" val="715724569"/>
+                <p14:modId xmlns:p14="http://schemas.microsoft.com/office/powerpoint/2010/main" xmlns="" val="715724569"/>
               </p:ext>
             </p:extLst>
           </p:nvPr>
@@ -31274,7 +31168,7 @@
           <p:cNvPr id="45" name="Tekst — symbol zastępczy 44">
             <a:extLst>
               <a:ext uri="{FF2B5EF4-FFF2-40B4-BE49-F238E27FC236}">
-                <a16:creationId xmlns:a16="http://schemas.microsoft.com/office/drawing/2014/main" id="{E8B2FE83-E19B-4417-B9F7-280B9DC32F92}"/>
+                <a16:creationId xmlns:a16="http://schemas.microsoft.com/office/drawing/2014/main" xmlns="" id="{E8B2FE83-E19B-4417-B9F7-280B9DC32F92}"/>
               </a:ext>
             </a:extLst>
           </p:cNvPr>
@@ -31308,7 +31202,7 @@
           <p:cNvPr id="44" name="Tekst — symbol zastępczy 43">
             <a:extLst>
               <a:ext uri="{FF2B5EF4-FFF2-40B4-BE49-F238E27FC236}">
-                <a16:creationId xmlns:a16="http://schemas.microsoft.com/office/drawing/2014/main" id="{E86528B4-9B53-451D-9179-5A9DC76A512A}"/>
+                <a16:creationId xmlns:a16="http://schemas.microsoft.com/office/drawing/2014/main" xmlns="" id="{E86528B4-9B53-451D-9179-5A9DC76A512A}"/>
               </a:ext>
             </a:extLst>
           </p:cNvPr>
@@ -31342,7 +31236,7 @@
           <p:cNvPr id="2" name="Data — symbol zastępczy 1">
             <a:extLst>
               <a:ext uri="{FF2B5EF4-FFF2-40B4-BE49-F238E27FC236}">
-                <a16:creationId xmlns:a16="http://schemas.microsoft.com/office/drawing/2014/main" id="{F1C12297-E034-4169-956B-88CDE4C45DF9}"/>
+                <a16:creationId xmlns:a16="http://schemas.microsoft.com/office/drawing/2014/main" xmlns="" id="{F1C12297-E034-4169-956B-88CDE4C45DF9}"/>
               </a:ext>
             </a:extLst>
           </p:cNvPr>
@@ -31363,11 +31257,11 @@
           <a:bodyPr rtlCol="0"/>
           <a:lstStyle/>
           <a:p>
-            <a:pPr rtl="0"/>
-            <a:r>
-              <a:rPr lang="pl-PL" dirty="0"/>
-              <a:t>20XX-08-03</a:t>
-            </a:r>
+            <a:r>
+              <a:rPr lang="pl-PL" dirty="0" smtClean="0"/>
+              <a:t>2022-05-29</a:t>
+            </a:r>
+            <a:endParaRPr lang="pl-PL" dirty="0"/>
           </a:p>
         </p:txBody>
       </p:sp>
@@ -31376,7 +31270,7 @@
           <p:cNvPr id="3" name="Stopka — symbol zastępczy 2">
             <a:extLst>
               <a:ext uri="{FF2B5EF4-FFF2-40B4-BE49-F238E27FC236}">
-                <a16:creationId xmlns:a16="http://schemas.microsoft.com/office/drawing/2014/main" id="{7422E0E0-867D-4AA9-B52E-B232D96B4414}"/>
+                <a16:creationId xmlns:a16="http://schemas.microsoft.com/office/drawing/2014/main" xmlns="" id="{7422E0E0-867D-4AA9-B52E-B232D96B4414}"/>
               </a:ext>
             </a:extLst>
           </p:cNvPr>
@@ -31397,11 +31291,11 @@
           <a:bodyPr rtlCol="0"/>
           <a:lstStyle/>
           <a:p>
-            <a:pPr rtl="0"/>
-            <a:r>
-              <a:rPr lang="pl-PL" dirty="0"/>
-              <a:t>PREZENTACJA</a:t>
-            </a:r>
+            <a:r>
+              <a:rPr lang="pl-PL" dirty="0" smtClean="0"/>
+              <a:t>REWARDING INSURANCE</a:t>
+            </a:r>
+            <a:endParaRPr lang="pl-PL" dirty="0"/>
           </a:p>
         </p:txBody>
       </p:sp>
@@ -31410,7 +31304,7 @@
           <p:cNvPr id="4" name="Numer slajdu — symbol zastępczy 3">
             <a:extLst>
               <a:ext uri="{FF2B5EF4-FFF2-40B4-BE49-F238E27FC236}">
-                <a16:creationId xmlns:a16="http://schemas.microsoft.com/office/drawing/2014/main" id="{88E4596B-5CB5-4C2C-813D-5EEC611C3F30}"/>
+                <a16:creationId xmlns:a16="http://schemas.microsoft.com/office/drawing/2014/main" xmlns="" id="{88E4596B-5CB5-4C2C-813D-5EEC611C3F30}"/>
               </a:ext>
             </a:extLst>
           </p:cNvPr>
@@ -31444,7 +31338,7 @@
     </p:spTree>
     <p:extLst>
       <p:ext uri="{BB962C8B-B14F-4D97-AF65-F5344CB8AC3E}">
-        <p14:creationId xmlns:p14="http://schemas.microsoft.com/office/powerpoint/2010/main" val="2203147182"/>
+        <p14:creationId xmlns:p14="http://schemas.microsoft.com/office/powerpoint/2010/main" xmlns="" val="2203147182"/>
       </p:ext>
     </p:extLst>
   </p:cSld>
@@ -31476,7 +31370,7 @@
           <p:cNvPr id="67" name="Picture 66">
             <a:extLst>
               <a:ext uri="{FF2B5EF4-FFF2-40B4-BE49-F238E27FC236}">
-                <a16:creationId xmlns:a16="http://schemas.microsoft.com/office/drawing/2014/main" id="{2BD9DB62-DF89-4270-B5DA-7B6C3EE82F13}"/>
+                <a16:creationId xmlns:a16="http://schemas.microsoft.com/office/drawing/2014/main" xmlns="" id="{2BD9DB62-DF89-4270-B5DA-7B6C3EE82F13}"/>
               </a:ext>
             </a:extLst>
           </p:cNvPr>
@@ -31505,7 +31399,7 @@
           <p:cNvPr id="55" name="Title 54">
             <a:extLst>
               <a:ext uri="{FF2B5EF4-FFF2-40B4-BE49-F238E27FC236}">
-                <a16:creationId xmlns:a16="http://schemas.microsoft.com/office/drawing/2014/main" id="{8D6AC4DF-0CFC-4642-B2F5-801718DB7A00}"/>
+                <a16:creationId xmlns:a16="http://schemas.microsoft.com/office/drawing/2014/main" xmlns="" id="{8D6AC4DF-0CFC-4642-B2F5-801718DB7A00}"/>
               </a:ext>
             </a:extLst>
           </p:cNvPr>
@@ -31546,7 +31440,7 @@
           <p:cNvPr id="2" name="Date Placeholder 1">
             <a:extLst>
               <a:ext uri="{FF2B5EF4-FFF2-40B4-BE49-F238E27FC236}">
-                <a16:creationId xmlns:a16="http://schemas.microsoft.com/office/drawing/2014/main" id="{2910C30C-A95C-48C8-BBD5-68C95191DB57}"/>
+                <a16:creationId xmlns:a16="http://schemas.microsoft.com/office/drawing/2014/main" xmlns="" id="{2910C30C-A95C-48C8-BBD5-68C95191DB57}"/>
               </a:ext>
             </a:extLst>
           </p:cNvPr>
@@ -31562,11 +31456,11 @@
           <a:bodyPr/>
           <a:lstStyle/>
           <a:p>
-            <a:pPr rtl="0"/>
-            <a:r>
-              <a:rPr lang="pl-PL" noProof="0"/>
-              <a:t>20XX-08-03</a:t>
-            </a:r>
+            <a:r>
+              <a:rPr lang="pl-PL" dirty="0" smtClean="0"/>
+              <a:t>2022-05-29</a:t>
+            </a:r>
+            <a:endParaRPr lang="pl-PL" dirty="0"/>
           </a:p>
         </p:txBody>
       </p:sp>
@@ -31575,7 +31469,7 @@
           <p:cNvPr id="3" name="Footer Placeholder 2">
             <a:extLst>
               <a:ext uri="{FF2B5EF4-FFF2-40B4-BE49-F238E27FC236}">
-                <a16:creationId xmlns:a16="http://schemas.microsoft.com/office/drawing/2014/main" id="{110B4519-818D-4940-8E1B-985EBC0CEF27}"/>
+                <a16:creationId xmlns:a16="http://schemas.microsoft.com/office/drawing/2014/main" xmlns="" id="{110B4519-818D-4940-8E1B-985EBC0CEF27}"/>
               </a:ext>
             </a:extLst>
           </p:cNvPr>
@@ -31591,11 +31485,11 @@
           <a:bodyPr/>
           <a:lstStyle/>
           <a:p>
-            <a:pPr rtl="0"/>
-            <a:r>
-              <a:rPr lang="pl-PL" noProof="0"/>
-              <a:t>PREZENTACJA</a:t>
-            </a:r>
+            <a:r>
+              <a:rPr lang="pl-PL" dirty="0" smtClean="0"/>
+              <a:t>REWARDING INSURANCE</a:t>
+            </a:r>
+            <a:endParaRPr lang="pl-PL" dirty="0"/>
           </a:p>
         </p:txBody>
       </p:sp>
@@ -31604,7 +31498,7 @@
           <p:cNvPr id="4" name="Slide Number Placeholder 3">
             <a:extLst>
               <a:ext uri="{FF2B5EF4-FFF2-40B4-BE49-F238E27FC236}">
-                <a16:creationId xmlns:a16="http://schemas.microsoft.com/office/drawing/2014/main" id="{5A03B823-0D3B-49FB-BF52-5D0A2ED96B86}"/>
+                <a16:creationId xmlns:a16="http://schemas.microsoft.com/office/drawing/2014/main" xmlns="" id="{5A03B823-0D3B-49FB-BF52-5D0A2ED96B86}"/>
               </a:ext>
             </a:extLst>
           </p:cNvPr>
@@ -31635,7 +31529,7 @@
           <p:cNvPr id="77" name="Group 76">
             <a:extLst>
               <a:ext uri="{FF2B5EF4-FFF2-40B4-BE49-F238E27FC236}">
-                <a16:creationId xmlns:a16="http://schemas.microsoft.com/office/drawing/2014/main" id="{866CE995-886E-4084-81BE-3502ACE36C12}"/>
+                <a16:creationId xmlns:a16="http://schemas.microsoft.com/office/drawing/2014/main" xmlns="" id="{866CE995-886E-4084-81BE-3502ACE36C12}"/>
               </a:ext>
             </a:extLst>
           </p:cNvPr>
@@ -31655,7 +31549,7 @@
             <p:cNvPr id="68" name="Text Placeholder 60">
               <a:extLst>
                 <a:ext uri="{FF2B5EF4-FFF2-40B4-BE49-F238E27FC236}">
-                  <a16:creationId xmlns:a16="http://schemas.microsoft.com/office/drawing/2014/main" id="{1EA0CB32-8C82-4526-8066-D38375B6D6B6}"/>
+                  <a16:creationId xmlns:a16="http://schemas.microsoft.com/office/drawing/2014/main" xmlns="" id="{1EA0CB32-8C82-4526-8066-D38375B6D6B6}"/>
                 </a:ext>
               </a:extLst>
             </p:cNvPr>
@@ -31855,7 +31749,7 @@
             <p:cNvPr id="69" name="Text Placeholder 57">
               <a:extLst>
                 <a:ext uri="{FF2B5EF4-FFF2-40B4-BE49-F238E27FC236}">
-                  <a16:creationId xmlns:a16="http://schemas.microsoft.com/office/drawing/2014/main" id="{C5FAFECB-DACD-4F24-8E88-6845A1614F23}"/>
+                  <a16:creationId xmlns:a16="http://schemas.microsoft.com/office/drawing/2014/main" xmlns="" id="{C5FAFECB-DACD-4F24-8E88-6845A1614F23}"/>
                 </a:ext>
               </a:extLst>
             </p:cNvPr>
@@ -32056,7 +31950,7 @@
           <p:cNvPr id="76" name="Group 75">
             <a:extLst>
               <a:ext uri="{FF2B5EF4-FFF2-40B4-BE49-F238E27FC236}">
-                <a16:creationId xmlns:a16="http://schemas.microsoft.com/office/drawing/2014/main" id="{5ABEE26D-8C96-4DAC-A3AB-4326CDEE7584}"/>
+                <a16:creationId xmlns:a16="http://schemas.microsoft.com/office/drawing/2014/main" xmlns="" id="{5ABEE26D-8C96-4DAC-A3AB-4326CDEE7584}"/>
               </a:ext>
             </a:extLst>
           </p:cNvPr>
@@ -32076,7 +31970,7 @@
             <p:cNvPr id="74" name="Text Placeholder 60">
               <a:extLst>
                 <a:ext uri="{FF2B5EF4-FFF2-40B4-BE49-F238E27FC236}">
-                  <a16:creationId xmlns:a16="http://schemas.microsoft.com/office/drawing/2014/main" id="{6610D7D1-50D4-452C-AC97-75583251FF3A}"/>
+                  <a16:creationId xmlns:a16="http://schemas.microsoft.com/office/drawing/2014/main" xmlns="" id="{6610D7D1-50D4-452C-AC97-75583251FF3A}"/>
                 </a:ext>
               </a:extLst>
             </p:cNvPr>
@@ -32276,7 +32170,7 @@
             <p:cNvPr id="75" name="Text Placeholder 57">
               <a:extLst>
                 <a:ext uri="{FF2B5EF4-FFF2-40B4-BE49-F238E27FC236}">
-                  <a16:creationId xmlns:a16="http://schemas.microsoft.com/office/drawing/2014/main" id="{EBFBC58E-C543-408B-BD97-9E18EF079CCB}"/>
+                  <a16:creationId xmlns:a16="http://schemas.microsoft.com/office/drawing/2014/main" xmlns="" id="{EBFBC58E-C543-408B-BD97-9E18EF079CCB}"/>
                 </a:ext>
               </a:extLst>
             </p:cNvPr>
@@ -32477,7 +32371,7 @@
           <p:cNvPr id="82" name="Group 81">
             <a:extLst>
               <a:ext uri="{FF2B5EF4-FFF2-40B4-BE49-F238E27FC236}">
-                <a16:creationId xmlns:a16="http://schemas.microsoft.com/office/drawing/2014/main" id="{D9C98871-148B-492D-A1C8-120E2EE9036C}"/>
+                <a16:creationId xmlns:a16="http://schemas.microsoft.com/office/drawing/2014/main" xmlns="" id="{D9C98871-148B-492D-A1C8-120E2EE9036C}"/>
               </a:ext>
             </a:extLst>
           </p:cNvPr>
@@ -32497,7 +32391,7 @@
             <p:cNvPr id="83" name="Text Placeholder 60">
               <a:extLst>
                 <a:ext uri="{FF2B5EF4-FFF2-40B4-BE49-F238E27FC236}">
-                  <a16:creationId xmlns:a16="http://schemas.microsoft.com/office/drawing/2014/main" id="{41BA4E0B-FF0D-42BD-A524-3DC165F65EF3}"/>
+                  <a16:creationId xmlns:a16="http://schemas.microsoft.com/office/drawing/2014/main" xmlns="" id="{41BA4E0B-FF0D-42BD-A524-3DC165F65EF3}"/>
                 </a:ext>
               </a:extLst>
             </p:cNvPr>
@@ -32697,7 +32591,7 @@
             <p:cNvPr id="84" name="Text Placeholder 57">
               <a:extLst>
                 <a:ext uri="{FF2B5EF4-FFF2-40B4-BE49-F238E27FC236}">
-                  <a16:creationId xmlns:a16="http://schemas.microsoft.com/office/drawing/2014/main" id="{303FFB07-B104-4087-9111-88AAE7B52198}"/>
+                  <a16:creationId xmlns:a16="http://schemas.microsoft.com/office/drawing/2014/main" xmlns="" id="{303FFB07-B104-4087-9111-88AAE7B52198}"/>
                 </a:ext>
               </a:extLst>
             </p:cNvPr>
@@ -32896,7 +32790,7 @@
     </p:spTree>
     <p:extLst>
       <p:ext uri="{BB962C8B-B14F-4D97-AF65-F5344CB8AC3E}">
-        <p14:creationId xmlns:p14="http://schemas.microsoft.com/office/powerpoint/2010/main" val="55898944"/>
+        <p14:creationId xmlns:p14="http://schemas.microsoft.com/office/powerpoint/2010/main" xmlns="" val="55898944"/>
       </p:ext>
     </p:extLst>
   </p:cSld>
@@ -32928,7 +32822,7 @@
           <p:cNvPr id="10" name="Group 9">
             <a:extLst>
               <a:ext uri="{FF2B5EF4-FFF2-40B4-BE49-F238E27FC236}">
-                <a16:creationId xmlns:a16="http://schemas.microsoft.com/office/drawing/2014/main" id="{2A66388B-5600-4254-AAB3-681E01239844}"/>
+                <a16:creationId xmlns:a16="http://schemas.microsoft.com/office/drawing/2014/main" xmlns="" id="{2A66388B-5600-4254-AAB3-681E01239844}"/>
               </a:ext>
             </a:extLst>
           </p:cNvPr>
@@ -32948,7 +32842,7 @@
             <p:cNvPr id="3" name="Picture 2">
               <a:extLst>
                 <a:ext uri="{FF2B5EF4-FFF2-40B4-BE49-F238E27FC236}">
-                  <a16:creationId xmlns:a16="http://schemas.microsoft.com/office/drawing/2014/main" id="{8773993A-853D-4B51-8DAB-CDCF5B80AAEB}"/>
+                  <a16:creationId xmlns:a16="http://schemas.microsoft.com/office/drawing/2014/main" xmlns="" id="{8773993A-853D-4B51-8DAB-CDCF5B80AAEB}"/>
                 </a:ext>
               </a:extLst>
             </p:cNvPr>
@@ -32978,7 +32872,7 @@
             <p:cNvPr id="5" name="Picture 4">
               <a:extLst>
                 <a:ext uri="{FF2B5EF4-FFF2-40B4-BE49-F238E27FC236}">
-                  <a16:creationId xmlns:a16="http://schemas.microsoft.com/office/drawing/2014/main" id="{864EAC0E-BA70-4F8E-BA30-CC8A9E3412FF}"/>
+                  <a16:creationId xmlns:a16="http://schemas.microsoft.com/office/drawing/2014/main" xmlns="" id="{864EAC0E-BA70-4F8E-BA30-CC8A9E3412FF}"/>
                 </a:ext>
               </a:extLst>
             </p:cNvPr>
@@ -33008,7 +32902,7 @@
             <p:cNvPr id="7" name="Picture 6">
               <a:extLst>
                 <a:ext uri="{FF2B5EF4-FFF2-40B4-BE49-F238E27FC236}">
-                  <a16:creationId xmlns:a16="http://schemas.microsoft.com/office/drawing/2014/main" id="{65C86178-ECA3-4D87-8CAC-031D90B2C1F6}"/>
+                  <a16:creationId xmlns:a16="http://schemas.microsoft.com/office/drawing/2014/main" xmlns="" id="{65C86178-ECA3-4D87-8CAC-031D90B2C1F6}"/>
                 </a:ext>
               </a:extLst>
             </p:cNvPr>
@@ -33038,7 +32932,7 @@
             <p:cNvPr id="9" name="Picture 8">
               <a:extLst>
                 <a:ext uri="{FF2B5EF4-FFF2-40B4-BE49-F238E27FC236}">
-                  <a16:creationId xmlns:a16="http://schemas.microsoft.com/office/drawing/2014/main" id="{A270F74C-91D7-4214-8015-218219191387}"/>
+                  <a16:creationId xmlns:a16="http://schemas.microsoft.com/office/drawing/2014/main" xmlns="" id="{A270F74C-91D7-4214-8015-218219191387}"/>
                 </a:ext>
               </a:extLst>
             </p:cNvPr>
@@ -33069,7 +32963,7 @@
           <p:cNvPr id="36" name="Data — symbol zastępczy 35">
             <a:extLst>
               <a:ext uri="{FF2B5EF4-FFF2-40B4-BE49-F238E27FC236}">
-                <a16:creationId xmlns:a16="http://schemas.microsoft.com/office/drawing/2014/main" id="{10694545-A8FE-483D-94C3-24FA9AB6BE91}"/>
+                <a16:creationId xmlns:a16="http://schemas.microsoft.com/office/drawing/2014/main" xmlns="" id="{10694545-A8FE-483D-94C3-24FA9AB6BE91}"/>
               </a:ext>
             </a:extLst>
           </p:cNvPr>
@@ -33085,11 +32979,11 @@
           <a:bodyPr rtlCol="0"/>
           <a:lstStyle/>
           <a:p>
-            <a:pPr rtl="0"/>
-            <a:r>
-              <a:rPr lang="pl-PL"/>
-              <a:t>20XX-08-03</a:t>
-            </a:r>
+            <a:r>
+              <a:rPr lang="pl-PL" dirty="0" smtClean="0"/>
+              <a:t>2022-05-29</a:t>
+            </a:r>
+            <a:endParaRPr lang="pl-PL" dirty="0"/>
           </a:p>
         </p:txBody>
       </p:sp>
@@ -33098,7 +32992,7 @@
           <p:cNvPr id="37" name="Stopka — symbol zastępczy 36">
             <a:extLst>
               <a:ext uri="{FF2B5EF4-FFF2-40B4-BE49-F238E27FC236}">
-                <a16:creationId xmlns:a16="http://schemas.microsoft.com/office/drawing/2014/main" id="{75D88A5F-229A-4F6F-BF0E-AC5CFF4F45DE}"/>
+                <a16:creationId xmlns:a16="http://schemas.microsoft.com/office/drawing/2014/main" xmlns="" id="{75D88A5F-229A-4F6F-BF0E-AC5CFF4F45DE}"/>
               </a:ext>
             </a:extLst>
           </p:cNvPr>
@@ -33114,11 +33008,11 @@
           <a:bodyPr rtlCol="0"/>
           <a:lstStyle/>
           <a:p>
-            <a:pPr rtl="0"/>
-            <a:r>
-              <a:rPr lang="pl-PL"/>
-              <a:t>PREZENTACJA</a:t>
-            </a:r>
+            <a:r>
+              <a:rPr lang="pl-PL" dirty="0" smtClean="0"/>
+              <a:t>REWARDING INSURANCE</a:t>
+            </a:r>
+            <a:endParaRPr lang="pl-PL" dirty="0"/>
           </a:p>
         </p:txBody>
       </p:sp>
@@ -33127,7 +33021,7 @@
           <p:cNvPr id="38" name="Numer slajdu — symbol zastępczy 37">
             <a:extLst>
               <a:ext uri="{FF2B5EF4-FFF2-40B4-BE49-F238E27FC236}">
-                <a16:creationId xmlns:a16="http://schemas.microsoft.com/office/drawing/2014/main" id="{75D4274A-BC04-4AC5-87FA-7EC4AD5BB950}"/>
+                <a16:creationId xmlns:a16="http://schemas.microsoft.com/office/drawing/2014/main" xmlns="" id="{75D4274A-BC04-4AC5-87FA-7EC4AD5BB950}"/>
               </a:ext>
             </a:extLst>
           </p:cNvPr>
@@ -33158,7 +33052,7 @@
           <p:cNvPr id="22" name="Tytuł 21">
             <a:extLst>
               <a:ext uri="{FF2B5EF4-FFF2-40B4-BE49-F238E27FC236}">
-                <a16:creationId xmlns:a16="http://schemas.microsoft.com/office/drawing/2014/main" id="{C972A2AA-2BCB-4C1E-90E7-26B47F79D5F2}"/>
+                <a16:creationId xmlns:a16="http://schemas.microsoft.com/office/drawing/2014/main" xmlns="" id="{C972A2AA-2BCB-4C1E-90E7-26B47F79D5F2}"/>
               </a:ext>
             </a:extLst>
           </p:cNvPr>
@@ -33190,7 +33084,7 @@
     </p:spTree>
     <p:extLst>
       <p:ext uri="{BB962C8B-B14F-4D97-AF65-F5344CB8AC3E}">
-        <p14:creationId xmlns:p14="http://schemas.microsoft.com/office/powerpoint/2010/main" val="2717377659"/>
+        <p14:creationId xmlns:p14="http://schemas.microsoft.com/office/powerpoint/2010/main" xmlns="" val="2717377659"/>
       </p:ext>
     </p:extLst>
   </p:cSld>
@@ -33222,7 +33116,7 @@
           <p:cNvPr id="11" name="Picture 10">
             <a:extLst>
               <a:ext uri="{FF2B5EF4-FFF2-40B4-BE49-F238E27FC236}">
-                <a16:creationId xmlns:a16="http://schemas.microsoft.com/office/drawing/2014/main" id="{5CFBD26B-74D8-454A-9D25-42F61691F2D2}"/>
+                <a16:creationId xmlns:a16="http://schemas.microsoft.com/office/drawing/2014/main" xmlns="" id="{5CFBD26B-74D8-454A-9D25-42F61691F2D2}"/>
               </a:ext>
             </a:extLst>
           </p:cNvPr>
@@ -33252,7 +33146,7 @@
           <p:cNvPr id="36" name="Data — symbol zastępczy 35">
             <a:extLst>
               <a:ext uri="{FF2B5EF4-FFF2-40B4-BE49-F238E27FC236}">
-                <a16:creationId xmlns:a16="http://schemas.microsoft.com/office/drawing/2014/main" id="{10694545-A8FE-483D-94C3-24FA9AB6BE91}"/>
+                <a16:creationId xmlns:a16="http://schemas.microsoft.com/office/drawing/2014/main" xmlns="" id="{10694545-A8FE-483D-94C3-24FA9AB6BE91}"/>
               </a:ext>
             </a:extLst>
           </p:cNvPr>
@@ -33268,11 +33162,11 @@
           <a:bodyPr rtlCol="0"/>
           <a:lstStyle/>
           <a:p>
-            <a:pPr rtl="0"/>
-            <a:r>
-              <a:rPr lang="pl-PL"/>
-              <a:t>20XX-08-03</a:t>
-            </a:r>
+            <a:r>
+              <a:rPr lang="pl-PL" dirty="0" smtClean="0"/>
+              <a:t>2022-05-29</a:t>
+            </a:r>
+            <a:endParaRPr lang="pl-PL" dirty="0"/>
           </a:p>
         </p:txBody>
       </p:sp>
@@ -33281,7 +33175,7 @@
           <p:cNvPr id="37" name="Stopka — symbol zastępczy 36">
             <a:extLst>
               <a:ext uri="{FF2B5EF4-FFF2-40B4-BE49-F238E27FC236}">
-                <a16:creationId xmlns:a16="http://schemas.microsoft.com/office/drawing/2014/main" id="{75D88A5F-229A-4F6F-BF0E-AC5CFF4F45DE}"/>
+                <a16:creationId xmlns:a16="http://schemas.microsoft.com/office/drawing/2014/main" xmlns="" id="{75D88A5F-229A-4F6F-BF0E-AC5CFF4F45DE}"/>
               </a:ext>
             </a:extLst>
           </p:cNvPr>
@@ -33297,11 +33191,11 @@
           <a:bodyPr rtlCol="0"/>
           <a:lstStyle/>
           <a:p>
-            <a:pPr rtl="0"/>
-            <a:r>
-              <a:rPr lang="pl-PL"/>
-              <a:t>PREZENTACJA</a:t>
-            </a:r>
+            <a:r>
+              <a:rPr lang="pl-PL" dirty="0" smtClean="0"/>
+              <a:t>REWARDING INSURANCE</a:t>
+            </a:r>
+            <a:endParaRPr lang="pl-PL" dirty="0"/>
           </a:p>
         </p:txBody>
       </p:sp>
@@ -33310,7 +33204,7 @@
           <p:cNvPr id="38" name="Numer slajdu — symbol zastępczy 37">
             <a:extLst>
               <a:ext uri="{FF2B5EF4-FFF2-40B4-BE49-F238E27FC236}">
-                <a16:creationId xmlns:a16="http://schemas.microsoft.com/office/drawing/2014/main" id="{75D4274A-BC04-4AC5-87FA-7EC4AD5BB950}"/>
+                <a16:creationId xmlns:a16="http://schemas.microsoft.com/office/drawing/2014/main" xmlns="" id="{75D4274A-BC04-4AC5-87FA-7EC4AD5BB950}"/>
               </a:ext>
             </a:extLst>
           </p:cNvPr>
@@ -33341,7 +33235,7 @@
           <p:cNvPr id="22" name="Tytuł 21">
             <a:extLst>
               <a:ext uri="{FF2B5EF4-FFF2-40B4-BE49-F238E27FC236}">
-                <a16:creationId xmlns:a16="http://schemas.microsoft.com/office/drawing/2014/main" id="{C972A2AA-2BCB-4C1E-90E7-26B47F79D5F2}"/>
+                <a16:creationId xmlns:a16="http://schemas.microsoft.com/office/drawing/2014/main" xmlns="" id="{C972A2AA-2BCB-4C1E-90E7-26B47F79D5F2}"/>
               </a:ext>
             </a:extLst>
           </p:cNvPr>
@@ -33379,7 +33273,7 @@
           <p:cNvPr id="8" name="Picture 7">
             <a:extLst>
               <a:ext uri="{FF2B5EF4-FFF2-40B4-BE49-F238E27FC236}">
-                <a16:creationId xmlns:a16="http://schemas.microsoft.com/office/drawing/2014/main" id="{763F6515-527E-4D7E-8557-A77CEBBF611C}"/>
+                <a16:creationId xmlns:a16="http://schemas.microsoft.com/office/drawing/2014/main" xmlns="" id="{763F6515-527E-4D7E-8557-A77CEBBF611C}"/>
               </a:ext>
             </a:extLst>
           </p:cNvPr>
@@ -33407,7 +33301,7 @@
     </p:spTree>
     <p:extLst>
       <p:ext uri="{BB962C8B-B14F-4D97-AF65-F5344CB8AC3E}">
-        <p14:creationId xmlns:p14="http://schemas.microsoft.com/office/powerpoint/2010/main" val="273945275"/>
+        <p14:creationId xmlns:p14="http://schemas.microsoft.com/office/powerpoint/2010/main" xmlns="" val="273945275"/>
       </p:ext>
     </p:extLst>
   </p:cSld>
@@ -33439,7 +33333,7 @@
           <p:cNvPr id="69" name="Tytuł 68">
             <a:extLst>
               <a:ext uri="{FF2B5EF4-FFF2-40B4-BE49-F238E27FC236}">
-                <a16:creationId xmlns:a16="http://schemas.microsoft.com/office/drawing/2014/main" id="{A74CEF14-9F3D-49A7-B904-B4E3A7113A15}"/>
+                <a16:creationId xmlns:a16="http://schemas.microsoft.com/office/drawing/2014/main" xmlns="" id="{A74CEF14-9F3D-49A7-B904-B4E3A7113A15}"/>
               </a:ext>
             </a:extLst>
           </p:cNvPr>
@@ -33473,7 +33367,7 @@
           <p:cNvPr id="15" name="Obraz — symbol zastępczy 14" descr="Zbliżenie pielęgniarki">
             <a:extLst>
               <a:ext uri="{FF2B5EF4-FFF2-40B4-BE49-F238E27FC236}">
-                <a16:creationId xmlns:a16="http://schemas.microsoft.com/office/drawing/2014/main" id="{D67D6F18-268F-4677-BF55-4B1B9EE4BF3E}"/>
+                <a16:creationId xmlns:a16="http://schemas.microsoft.com/office/drawing/2014/main" xmlns="" id="{D67D6F18-268F-4677-BF55-4B1B9EE4BF3E}"/>
               </a:ext>
             </a:extLst>
           </p:cNvPr>
@@ -33488,7 +33382,7 @@
           <a:blip r:embed="rId3">
             <a:extLst>
               <a:ext uri="{28A0092B-C50C-407E-A947-70E740481C1C}">
-                <a14:useLocalDpi xmlns:a14="http://schemas.microsoft.com/office/drawing/2010/main" val="0"/>
+                <a14:useLocalDpi xmlns:a14="http://schemas.microsoft.com/office/drawing/2010/main" xmlns="" val="0"/>
               </a:ext>
             </a:extLst>
           </a:blip>
@@ -33507,7 +33401,7 @@
           <p:cNvPr id="24" name="Tekst — symbol zastępczy 23">
             <a:extLst>
               <a:ext uri="{FF2B5EF4-FFF2-40B4-BE49-F238E27FC236}">
-                <a16:creationId xmlns:a16="http://schemas.microsoft.com/office/drawing/2014/main" id="{78FE74D7-D9BF-46B2-AB6D-79E819EB9A0F}"/>
+                <a16:creationId xmlns:a16="http://schemas.microsoft.com/office/drawing/2014/main" xmlns="" id="{78FE74D7-D9BF-46B2-AB6D-79E819EB9A0F}"/>
               </a:ext>
             </a:extLst>
           </p:cNvPr>
@@ -33588,7 +33482,7 @@
           <p:cNvPr id="2" name="Data — symbol zastępczy 1">
             <a:extLst>
               <a:ext uri="{FF2B5EF4-FFF2-40B4-BE49-F238E27FC236}">
-                <a16:creationId xmlns:a16="http://schemas.microsoft.com/office/drawing/2014/main" id="{25757BAE-6FA5-4586-884C-EE994B1527B1}"/>
+                <a16:creationId xmlns:a16="http://schemas.microsoft.com/office/drawing/2014/main" xmlns="" id="{25757BAE-6FA5-4586-884C-EE994B1527B1}"/>
               </a:ext>
             </a:extLst>
           </p:cNvPr>
@@ -33622,7 +33516,7 @@
           <p:cNvPr id="3" name="Stopka — symbol zastępczy 2">
             <a:extLst>
               <a:ext uri="{FF2B5EF4-FFF2-40B4-BE49-F238E27FC236}">
-                <a16:creationId xmlns:a16="http://schemas.microsoft.com/office/drawing/2014/main" id="{BFC05956-052B-4302-8116-91423E8E74F8}"/>
+                <a16:creationId xmlns:a16="http://schemas.microsoft.com/office/drawing/2014/main" xmlns="" id="{BFC05956-052B-4302-8116-91423E8E74F8}"/>
               </a:ext>
             </a:extLst>
           </p:cNvPr>
@@ -33656,7 +33550,7 @@
           <p:cNvPr id="4" name="Numer slajdu — symbol zastępczy 3">
             <a:extLst>
               <a:ext uri="{FF2B5EF4-FFF2-40B4-BE49-F238E27FC236}">
-                <a16:creationId xmlns:a16="http://schemas.microsoft.com/office/drawing/2014/main" id="{231B5EF5-D35E-4241-92D4-3A8164978425}"/>
+                <a16:creationId xmlns:a16="http://schemas.microsoft.com/office/drawing/2014/main" xmlns="" id="{231B5EF5-D35E-4241-92D4-3A8164978425}"/>
               </a:ext>
             </a:extLst>
           </p:cNvPr>
@@ -33680,7 +33574,7 @@
             <a:pPr rtl="0"/>
             <a:fld id="{BF860B6F-2FE3-4DE6-9496-980E987E7466}" type="slidenum">
               <a:rPr lang="pl-PL" smtClean="0"/>
-              <a:pPr/>
+              <a:pPr rtl="0"/>
               <a:t>2</a:t>
             </a:fld>
             <a:endParaRPr lang="pl-PL"/>
@@ -33690,7 +33584,7 @@
     </p:spTree>
     <p:extLst>
       <p:ext uri="{BB962C8B-B14F-4D97-AF65-F5344CB8AC3E}">
-        <p14:creationId xmlns:p14="http://schemas.microsoft.com/office/powerpoint/2010/main" val="1535750666"/>
+        <p14:creationId xmlns:p14="http://schemas.microsoft.com/office/powerpoint/2010/main" xmlns="" val="1535750666"/>
       </p:ext>
     </p:extLst>
   </p:cSld>
@@ -33722,7 +33616,7 @@
           <p:cNvPr id="26" name="Obraz — symbol zastępczy 25" descr="Lekarz rozmawiający z pacjentem">
             <a:extLst>
               <a:ext uri="{FF2B5EF4-FFF2-40B4-BE49-F238E27FC236}">
-                <a16:creationId xmlns:a16="http://schemas.microsoft.com/office/drawing/2014/main" id="{7FE1AC9B-A57B-4353-8973-F920411751FA}"/>
+                <a16:creationId xmlns:a16="http://schemas.microsoft.com/office/drawing/2014/main" xmlns="" id="{7FE1AC9B-A57B-4353-8973-F920411751FA}"/>
               </a:ext>
             </a:extLst>
           </p:cNvPr>
@@ -33737,7 +33631,7 @@
           <a:blip r:embed="rId3">
             <a:extLst>
               <a:ext uri="{28A0092B-C50C-407E-A947-70E740481C1C}">
-                <a14:useLocalDpi xmlns:a14="http://schemas.microsoft.com/office/drawing/2010/main" val="0"/>
+                <a14:useLocalDpi xmlns:a14="http://schemas.microsoft.com/office/drawing/2010/main" xmlns="" val="0"/>
               </a:ext>
             </a:extLst>
           </a:blip>
@@ -33756,7 +33650,7 @@
           <p:cNvPr id="31" name="Tytuł 30">
             <a:extLst>
               <a:ext uri="{FF2B5EF4-FFF2-40B4-BE49-F238E27FC236}">
-                <a16:creationId xmlns:a16="http://schemas.microsoft.com/office/drawing/2014/main" id="{BA3B1DAF-0A47-4D59-9DC4-7431D66560EF}"/>
+                <a16:creationId xmlns:a16="http://schemas.microsoft.com/office/drawing/2014/main" xmlns="" id="{BA3B1DAF-0A47-4D59-9DC4-7431D66560EF}"/>
               </a:ext>
             </a:extLst>
           </p:cNvPr>
@@ -33785,7 +33679,7 @@
           <p:cNvPr id="24" name="Tekst — symbol zastępczy 23">
             <a:extLst>
               <a:ext uri="{FF2B5EF4-FFF2-40B4-BE49-F238E27FC236}">
-                <a16:creationId xmlns:a16="http://schemas.microsoft.com/office/drawing/2014/main" id="{DFA678B9-627C-49D9-B624-2E3548C96F03}"/>
+                <a16:creationId xmlns:a16="http://schemas.microsoft.com/office/drawing/2014/main" xmlns="" id="{DFA678B9-627C-49D9-B624-2E3548C96F03}"/>
               </a:ext>
             </a:extLst>
           </p:cNvPr>
@@ -33818,7 +33712,7 @@
           <p:cNvPr id="2" name="Data — symbol zastępczy 1">
             <a:extLst>
               <a:ext uri="{FF2B5EF4-FFF2-40B4-BE49-F238E27FC236}">
-                <a16:creationId xmlns:a16="http://schemas.microsoft.com/office/drawing/2014/main" id="{DD90BED3-A8E4-4AF4-9D86-BF7D33CA691D}"/>
+                <a16:creationId xmlns:a16="http://schemas.microsoft.com/office/drawing/2014/main" xmlns="" id="{DD90BED3-A8E4-4AF4-9D86-BF7D33CA691D}"/>
               </a:ext>
             </a:extLst>
           </p:cNvPr>
@@ -33839,11 +33733,11 @@
           <a:bodyPr rtlCol="0"/>
           <a:lstStyle/>
           <a:p>
-            <a:pPr rtl="0"/>
-            <a:r>
-              <a:rPr lang="pl-PL"/>
-              <a:t>20XX-08-03</a:t>
-            </a:r>
+            <a:r>
+              <a:rPr lang="pl-PL" dirty="0" smtClean="0"/>
+              <a:t>2022-05-29</a:t>
+            </a:r>
+            <a:endParaRPr lang="pl-PL" dirty="0"/>
           </a:p>
         </p:txBody>
       </p:sp>
@@ -33852,7 +33746,7 @@
           <p:cNvPr id="3" name="Stopka — symbol zastępczy 2">
             <a:extLst>
               <a:ext uri="{FF2B5EF4-FFF2-40B4-BE49-F238E27FC236}">
-                <a16:creationId xmlns:a16="http://schemas.microsoft.com/office/drawing/2014/main" id="{CB8AE6D0-8ACF-4881-93B5-5304094DB6B8}"/>
+                <a16:creationId xmlns:a16="http://schemas.microsoft.com/office/drawing/2014/main" xmlns="" id="{CB8AE6D0-8ACF-4881-93B5-5304094DB6B8}"/>
               </a:ext>
             </a:extLst>
           </p:cNvPr>
@@ -33873,11 +33767,11 @@
           <a:bodyPr rtlCol="0"/>
           <a:lstStyle/>
           <a:p>
-            <a:pPr rtl="0"/>
-            <a:r>
-              <a:rPr lang="pl-PL"/>
-              <a:t>PREZENTACJA</a:t>
-            </a:r>
+            <a:r>
+              <a:rPr lang="pl-PL" dirty="0" smtClean="0"/>
+              <a:t>REWARDING INSURANCE</a:t>
+            </a:r>
+            <a:endParaRPr lang="pl-PL" dirty="0"/>
           </a:p>
         </p:txBody>
       </p:sp>
@@ -33886,7 +33780,7 @@
           <p:cNvPr id="4" name="Numer slajdu — symbol zastępczy 3">
             <a:extLst>
               <a:ext uri="{FF2B5EF4-FFF2-40B4-BE49-F238E27FC236}">
-                <a16:creationId xmlns:a16="http://schemas.microsoft.com/office/drawing/2014/main" id="{E5273321-CCC9-4D70-837F-ED5C0E7B3192}"/>
+                <a16:creationId xmlns:a16="http://schemas.microsoft.com/office/drawing/2014/main" xmlns="" id="{E5273321-CCC9-4D70-837F-ED5C0E7B3192}"/>
               </a:ext>
             </a:extLst>
           </p:cNvPr>
@@ -33920,7 +33814,7 @@
     </p:spTree>
     <p:extLst>
       <p:ext uri="{BB962C8B-B14F-4D97-AF65-F5344CB8AC3E}">
-        <p14:creationId xmlns:p14="http://schemas.microsoft.com/office/powerpoint/2010/main" val="884055489"/>
+        <p14:creationId xmlns:p14="http://schemas.microsoft.com/office/powerpoint/2010/main" xmlns="" val="884055489"/>
       </p:ext>
     </p:extLst>
   </p:cSld>
@@ -33952,7 +33846,7 @@
           <p:cNvPr id="97" name="Tytuł 96">
             <a:extLst>
               <a:ext uri="{FF2B5EF4-FFF2-40B4-BE49-F238E27FC236}">
-                <a16:creationId xmlns:a16="http://schemas.microsoft.com/office/drawing/2014/main" id="{65DB651D-EA46-4121-BBE6-8CF22F955E4B}"/>
+                <a16:creationId xmlns:a16="http://schemas.microsoft.com/office/drawing/2014/main" xmlns="" id="{65DB651D-EA46-4121-BBE6-8CF22F955E4B}"/>
               </a:ext>
             </a:extLst>
           </p:cNvPr>
@@ -33986,7 +33880,7 @@
           <p:cNvPr id="41" name="Obraz — symbol zastępczy 40" descr="Zdjęcie głowy członka zespołu">
             <a:extLst>
               <a:ext uri="{FF2B5EF4-FFF2-40B4-BE49-F238E27FC236}">
-                <a16:creationId xmlns:a16="http://schemas.microsoft.com/office/drawing/2014/main" id="{123EEB3A-4BCA-4C14-9996-7ACEFE46C64C}"/>
+                <a16:creationId xmlns:a16="http://schemas.microsoft.com/office/drawing/2014/main" xmlns="" id="{123EEB3A-4BCA-4C14-9996-7ACEFE46C64C}"/>
               </a:ext>
             </a:extLst>
           </p:cNvPr>
@@ -34001,7 +33895,7 @@
           <a:blip r:embed="rId3">
             <a:extLst>
               <a:ext uri="{28A0092B-C50C-407E-A947-70E740481C1C}">
-                <a14:useLocalDpi xmlns:a14="http://schemas.microsoft.com/office/drawing/2010/main" val="0"/>
+                <a14:useLocalDpi xmlns:a14="http://schemas.microsoft.com/office/drawing/2010/main" xmlns="" val="0"/>
               </a:ext>
             </a:extLst>
           </a:blip>
@@ -34020,7 +33914,7 @@
           <p:cNvPr id="29" name="Tekst — symbol zastępczy 28">
             <a:extLst>
               <a:ext uri="{FF2B5EF4-FFF2-40B4-BE49-F238E27FC236}">
-                <a16:creationId xmlns:a16="http://schemas.microsoft.com/office/drawing/2014/main" id="{6B7199E4-BA6F-4E67-BC55-8BDB0ADBFB31}"/>
+                <a16:creationId xmlns:a16="http://schemas.microsoft.com/office/drawing/2014/main" xmlns="" id="{6B7199E4-BA6F-4E67-BC55-8BDB0ADBFB31}"/>
               </a:ext>
             </a:extLst>
           </p:cNvPr>
@@ -34043,9 +33937,10 @@
           <a:p>
             <a:pPr rtl="0"/>
             <a:r>
-              <a:rPr lang="pl-PL"/>
-              <a:t>Adam Kowalski​</a:t>
-            </a:r>
+              <a:rPr lang="pl-PL" dirty="0" smtClean="0"/>
+              <a:t>Andrzej kończyk</a:t>
+            </a:r>
+            <a:endParaRPr lang="pl-PL" dirty="0"/>
           </a:p>
         </p:txBody>
       </p:sp>
@@ -34054,7 +33949,7 @@
           <p:cNvPr id="30" name="Tekst — symbol zastępczy 29">
             <a:extLst>
               <a:ext uri="{FF2B5EF4-FFF2-40B4-BE49-F238E27FC236}">
-                <a16:creationId xmlns:a16="http://schemas.microsoft.com/office/drawing/2014/main" id="{A2F36942-A720-4C06-A21B-D46044F0799C}"/>
+                <a16:creationId xmlns:a16="http://schemas.microsoft.com/office/drawing/2014/main" xmlns="" id="{A2F36942-A720-4C06-A21B-D46044F0799C}"/>
               </a:ext>
             </a:extLst>
           </p:cNvPr>
@@ -34076,10 +33971,7 @@
           <a:lstStyle/>
           <a:p>
             <a:pPr rtl="0"/>
-            <a:r>
-              <a:rPr lang="pl-PL"/>
-              <a:t>Prezes</a:t>
-            </a:r>
+            <a:endParaRPr lang="pl-PL" dirty="0"/>
           </a:p>
         </p:txBody>
       </p:sp>
@@ -34088,7 +33980,7 @@
           <p:cNvPr id="45" name="Obraz — symbol zastępczy 44" descr="Zdjęcie głowy członka zespołu">
             <a:extLst>
               <a:ext uri="{FF2B5EF4-FFF2-40B4-BE49-F238E27FC236}">
-                <a16:creationId xmlns:a16="http://schemas.microsoft.com/office/drawing/2014/main" id="{87D33E07-3E96-4015-8E9E-D0D8AE6D1ACB}"/>
+                <a16:creationId xmlns:a16="http://schemas.microsoft.com/office/drawing/2014/main" xmlns="" id="{87D33E07-3E96-4015-8E9E-D0D8AE6D1ACB}"/>
               </a:ext>
             </a:extLst>
           </p:cNvPr>
@@ -34103,7 +33995,7 @@
           <a:blip r:embed="rId4">
             <a:extLst>
               <a:ext uri="{28A0092B-C50C-407E-A947-70E740481C1C}">
-                <a14:useLocalDpi xmlns:a14="http://schemas.microsoft.com/office/drawing/2010/main" val="0"/>
+                <a14:useLocalDpi xmlns:a14="http://schemas.microsoft.com/office/drawing/2010/main" xmlns="" val="0"/>
               </a:ext>
             </a:extLst>
           </a:blip>
@@ -34122,7 +34014,7 @@
           <p:cNvPr id="35" name="Tekst — symbol zastępczy 34">
             <a:extLst>
               <a:ext uri="{FF2B5EF4-FFF2-40B4-BE49-F238E27FC236}">
-                <a16:creationId xmlns:a16="http://schemas.microsoft.com/office/drawing/2014/main" id="{71B01658-25FD-4B62-9F7D-D3D9C8EDFEE2}"/>
+                <a16:creationId xmlns:a16="http://schemas.microsoft.com/office/drawing/2014/main" xmlns="" id="{71B01658-25FD-4B62-9F7D-D3D9C8EDFEE2}"/>
               </a:ext>
             </a:extLst>
           </p:cNvPr>
@@ -34158,7 +34050,7 @@
           <p:cNvPr id="36" name="Tekst — symbol zastępczy 35">
             <a:extLst>
               <a:ext uri="{FF2B5EF4-FFF2-40B4-BE49-F238E27FC236}">
-                <a16:creationId xmlns:a16="http://schemas.microsoft.com/office/drawing/2014/main" id="{4BFCA8AB-26B0-4494-A3F9-3346DE17B449}"/>
+                <a16:creationId xmlns:a16="http://schemas.microsoft.com/office/drawing/2014/main" xmlns="" id="{4BFCA8AB-26B0-4494-A3F9-3346DE17B449}"/>
               </a:ext>
             </a:extLst>
           </p:cNvPr>
@@ -34194,7 +34086,7 @@
           <p:cNvPr id="43" name="Obraz — symbol zastępczy 42" descr="Zdjęcie głowy członka zespołu">
             <a:extLst>
               <a:ext uri="{FF2B5EF4-FFF2-40B4-BE49-F238E27FC236}">
-                <a16:creationId xmlns:a16="http://schemas.microsoft.com/office/drawing/2014/main" id="{84E9F226-0E51-45D4-8EDA-AA612E970DC1}"/>
+                <a16:creationId xmlns:a16="http://schemas.microsoft.com/office/drawing/2014/main" xmlns="" id="{84E9F226-0E51-45D4-8EDA-AA612E970DC1}"/>
               </a:ext>
             </a:extLst>
           </p:cNvPr>
@@ -34209,7 +34101,7 @@
           <a:blip r:embed="rId5">
             <a:extLst>
               <a:ext uri="{28A0092B-C50C-407E-A947-70E740481C1C}">
-                <a14:useLocalDpi xmlns:a14="http://schemas.microsoft.com/office/drawing/2010/main" val="0"/>
+                <a14:useLocalDpi xmlns:a14="http://schemas.microsoft.com/office/drawing/2010/main" xmlns="" val="0"/>
               </a:ext>
             </a:extLst>
           </a:blip>
@@ -34228,7 +34120,7 @@
           <p:cNvPr id="32" name="Tekst — symbol zastępczy 31">
             <a:extLst>
               <a:ext uri="{FF2B5EF4-FFF2-40B4-BE49-F238E27FC236}">
-                <a16:creationId xmlns:a16="http://schemas.microsoft.com/office/drawing/2014/main" id="{DFE05130-C3F9-489F-BA8F-82D8AF5FAABC}"/>
+                <a16:creationId xmlns:a16="http://schemas.microsoft.com/office/drawing/2014/main" xmlns="" id="{DFE05130-C3F9-489F-BA8F-82D8AF5FAABC}"/>
               </a:ext>
             </a:extLst>
           </p:cNvPr>
@@ -34264,7 +34156,7 @@
           <p:cNvPr id="33" name="Tekst — symbol zastępczy 32">
             <a:extLst>
               <a:ext uri="{FF2B5EF4-FFF2-40B4-BE49-F238E27FC236}">
-                <a16:creationId xmlns:a16="http://schemas.microsoft.com/office/drawing/2014/main" id="{AEBFC424-FB0F-4484-92B6-F37177303C3C}"/>
+                <a16:creationId xmlns:a16="http://schemas.microsoft.com/office/drawing/2014/main" xmlns="" id="{AEBFC424-FB0F-4484-92B6-F37177303C3C}"/>
               </a:ext>
             </a:extLst>
           </p:cNvPr>
@@ -34300,7 +34192,7 @@
           <p:cNvPr id="47" name="Obraz — symbol zastępczy 46" descr="Zdjęcie głowy członka zespołu">
             <a:extLst>
               <a:ext uri="{FF2B5EF4-FFF2-40B4-BE49-F238E27FC236}">
-                <a16:creationId xmlns:a16="http://schemas.microsoft.com/office/drawing/2014/main" id="{FAF3DC94-1ECD-473B-85EA-8792EFB137A1}"/>
+                <a16:creationId xmlns:a16="http://schemas.microsoft.com/office/drawing/2014/main" xmlns="" id="{FAF3DC94-1ECD-473B-85EA-8792EFB137A1}"/>
               </a:ext>
             </a:extLst>
           </p:cNvPr>
@@ -34315,7 +34207,7 @@
           <a:blip r:embed="rId6">
             <a:extLst>
               <a:ext uri="{28A0092B-C50C-407E-A947-70E740481C1C}">
-                <a14:useLocalDpi xmlns:a14="http://schemas.microsoft.com/office/drawing/2010/main" val="0"/>
+                <a14:useLocalDpi xmlns:a14="http://schemas.microsoft.com/office/drawing/2010/main" xmlns="" val="0"/>
               </a:ext>
             </a:extLst>
           </a:blip>
@@ -34334,7 +34226,7 @@
           <p:cNvPr id="38" name="Tekst — symbol zastępczy 37">
             <a:extLst>
               <a:ext uri="{FF2B5EF4-FFF2-40B4-BE49-F238E27FC236}">
-                <a16:creationId xmlns:a16="http://schemas.microsoft.com/office/drawing/2014/main" id="{73602E49-BDA6-4D83-ACA1-219CB1BD569A}"/>
+                <a16:creationId xmlns:a16="http://schemas.microsoft.com/office/drawing/2014/main" xmlns="" id="{73602E49-BDA6-4D83-ACA1-219CB1BD569A}"/>
               </a:ext>
             </a:extLst>
           </p:cNvPr>
@@ -34370,7 +34262,7 @@
           <p:cNvPr id="39" name="Tekst — symbol zastępczy 38">
             <a:extLst>
               <a:ext uri="{FF2B5EF4-FFF2-40B4-BE49-F238E27FC236}">
-                <a16:creationId xmlns:a16="http://schemas.microsoft.com/office/drawing/2014/main" id="{66865032-D666-40B2-8E54-86DCBA66FAED}"/>
+                <a16:creationId xmlns:a16="http://schemas.microsoft.com/office/drawing/2014/main" xmlns="" id="{66865032-D666-40B2-8E54-86DCBA66FAED}"/>
               </a:ext>
             </a:extLst>
           </p:cNvPr>
@@ -34406,7 +34298,7 @@
           <p:cNvPr id="2" name="Data — symbol zastępczy 1">
             <a:extLst>
               <a:ext uri="{FF2B5EF4-FFF2-40B4-BE49-F238E27FC236}">
-                <a16:creationId xmlns:a16="http://schemas.microsoft.com/office/drawing/2014/main" id="{5628E622-6E76-4C60-82FA-E4FFF304C0A5}"/>
+                <a16:creationId xmlns:a16="http://schemas.microsoft.com/office/drawing/2014/main" xmlns="" id="{5628E622-6E76-4C60-82FA-E4FFF304C0A5}"/>
               </a:ext>
             </a:extLst>
           </p:cNvPr>
@@ -34427,11 +34319,11 @@
           <a:bodyPr rtlCol="0"/>
           <a:lstStyle/>
           <a:p>
-            <a:pPr rtl="0"/>
-            <a:r>
-              <a:rPr lang="pl-PL"/>
-              <a:t>20XX-08-03</a:t>
-            </a:r>
+            <a:r>
+              <a:rPr lang="pl-PL" dirty="0" smtClean="0"/>
+              <a:t>2022-05-29</a:t>
+            </a:r>
+            <a:endParaRPr lang="pl-PL" dirty="0"/>
           </a:p>
         </p:txBody>
       </p:sp>
@@ -34440,7 +34332,7 @@
           <p:cNvPr id="3" name="Stopka — symbol zastępczy 2">
             <a:extLst>
               <a:ext uri="{FF2B5EF4-FFF2-40B4-BE49-F238E27FC236}">
-                <a16:creationId xmlns:a16="http://schemas.microsoft.com/office/drawing/2014/main" id="{6A4B0104-D652-4D7F-B8D6-6D7F062C7CFC}"/>
+                <a16:creationId xmlns:a16="http://schemas.microsoft.com/office/drawing/2014/main" xmlns="" id="{6A4B0104-D652-4D7F-B8D6-6D7F062C7CFC}"/>
               </a:ext>
             </a:extLst>
           </p:cNvPr>
@@ -34461,11 +34353,11 @@
           <a:bodyPr rtlCol="0"/>
           <a:lstStyle/>
           <a:p>
-            <a:pPr rtl="0"/>
-            <a:r>
-              <a:rPr lang="pl-PL"/>
-              <a:t>PREZENTACJA</a:t>
-            </a:r>
+            <a:r>
+              <a:rPr lang="pl-PL" dirty="0" smtClean="0"/>
+              <a:t>REWARDING INSURANCE</a:t>
+            </a:r>
+            <a:endParaRPr lang="pl-PL" dirty="0"/>
           </a:p>
         </p:txBody>
       </p:sp>
@@ -34474,7 +34366,7 @@
           <p:cNvPr id="4" name="Numer slajdu — symbol zastępczy 3">
             <a:extLst>
               <a:ext uri="{FF2B5EF4-FFF2-40B4-BE49-F238E27FC236}">
-                <a16:creationId xmlns:a16="http://schemas.microsoft.com/office/drawing/2014/main" id="{50F41187-A117-455B-ACA3-DC0B2F1EABBA}"/>
+                <a16:creationId xmlns:a16="http://schemas.microsoft.com/office/drawing/2014/main" xmlns="" id="{50F41187-A117-455B-ACA3-DC0B2F1EABBA}"/>
               </a:ext>
             </a:extLst>
           </p:cNvPr>
@@ -34508,7 +34400,7 @@
     </p:spTree>
     <p:extLst>
       <p:ext uri="{BB962C8B-B14F-4D97-AF65-F5344CB8AC3E}">
-        <p14:creationId xmlns:p14="http://schemas.microsoft.com/office/powerpoint/2010/main" val="2896358553"/>
+        <p14:creationId xmlns:p14="http://schemas.microsoft.com/office/powerpoint/2010/main" xmlns="" val="2896358553"/>
       </p:ext>
     </p:extLst>
   </p:cSld>
@@ -34540,7 +34432,7 @@
           <p:cNvPr id="111" name="Tytuł 110">
             <a:extLst>
               <a:ext uri="{FF2B5EF4-FFF2-40B4-BE49-F238E27FC236}">
-                <a16:creationId xmlns:a16="http://schemas.microsoft.com/office/drawing/2014/main" id="{27400555-FDF0-4051-BE1D-9F1757952D08}"/>
+                <a16:creationId xmlns:a16="http://schemas.microsoft.com/office/drawing/2014/main" xmlns="" id="{27400555-FDF0-4051-BE1D-9F1757952D08}"/>
               </a:ext>
             </a:extLst>
           </p:cNvPr>
@@ -34574,7 +34466,7 @@
           <p:cNvPr id="125" name="Tekst — symbol zastępczy 124">
             <a:extLst>
               <a:ext uri="{FF2B5EF4-FFF2-40B4-BE49-F238E27FC236}">
-                <a16:creationId xmlns:a16="http://schemas.microsoft.com/office/drawing/2014/main" id="{24A06C02-7294-4961-8375-FFBAE150C3AB}"/>
+                <a16:creationId xmlns:a16="http://schemas.microsoft.com/office/drawing/2014/main" xmlns="" id="{24A06C02-7294-4961-8375-FFBAE150C3AB}"/>
               </a:ext>
             </a:extLst>
           </p:cNvPr>
@@ -34608,7 +34500,7 @@
           <p:cNvPr id="124" name="Tekst — symbol zastępczy 123">
             <a:extLst>
               <a:ext uri="{FF2B5EF4-FFF2-40B4-BE49-F238E27FC236}">
-                <a16:creationId xmlns:a16="http://schemas.microsoft.com/office/drawing/2014/main" id="{3190266D-0F33-45C1-99B6-88C3D275ABBD}"/>
+                <a16:creationId xmlns:a16="http://schemas.microsoft.com/office/drawing/2014/main" xmlns="" id="{3190266D-0F33-45C1-99B6-88C3D275ABBD}"/>
               </a:ext>
             </a:extLst>
           </p:cNvPr>
@@ -34644,7 +34536,7 @@
           <p:cNvPr id="129" name="Tekst — symbol zastępczy 128">
             <a:extLst>
               <a:ext uri="{FF2B5EF4-FFF2-40B4-BE49-F238E27FC236}">
-                <a16:creationId xmlns:a16="http://schemas.microsoft.com/office/drawing/2014/main" id="{24CA3500-51E5-4AF6-9AE0-8124B5B6ECF1}"/>
+                <a16:creationId xmlns:a16="http://schemas.microsoft.com/office/drawing/2014/main" xmlns="" id="{24CA3500-51E5-4AF6-9AE0-8124B5B6ECF1}"/>
               </a:ext>
             </a:extLst>
           </p:cNvPr>
@@ -34678,7 +34570,7 @@
           <p:cNvPr id="128" name="Tekst — symbol zastępczy 127">
             <a:extLst>
               <a:ext uri="{FF2B5EF4-FFF2-40B4-BE49-F238E27FC236}">
-                <a16:creationId xmlns:a16="http://schemas.microsoft.com/office/drawing/2014/main" id="{22FD1740-CC8B-4FB4-8039-C542AFD0838D}"/>
+                <a16:creationId xmlns:a16="http://schemas.microsoft.com/office/drawing/2014/main" xmlns="" id="{22FD1740-CC8B-4FB4-8039-C542AFD0838D}"/>
               </a:ext>
             </a:extLst>
           </p:cNvPr>
@@ -34714,7 +34606,7 @@
           <p:cNvPr id="133" name="Tekst — symbol zastępczy 132">
             <a:extLst>
               <a:ext uri="{FF2B5EF4-FFF2-40B4-BE49-F238E27FC236}">
-                <a16:creationId xmlns:a16="http://schemas.microsoft.com/office/drawing/2014/main" id="{BB833D39-612C-4855-AA0C-F37FEF73994B}"/>
+                <a16:creationId xmlns:a16="http://schemas.microsoft.com/office/drawing/2014/main" xmlns="" id="{BB833D39-612C-4855-AA0C-F37FEF73994B}"/>
               </a:ext>
             </a:extLst>
           </p:cNvPr>
@@ -34748,7 +34640,7 @@
           <p:cNvPr id="132" name="Tekst — symbol zastępczy 131">
             <a:extLst>
               <a:ext uri="{FF2B5EF4-FFF2-40B4-BE49-F238E27FC236}">
-                <a16:creationId xmlns:a16="http://schemas.microsoft.com/office/drawing/2014/main" id="{67591C3B-1BC3-4E5D-B720-AEE8A0418657}"/>
+                <a16:creationId xmlns:a16="http://schemas.microsoft.com/office/drawing/2014/main" xmlns="" id="{67591C3B-1BC3-4E5D-B720-AEE8A0418657}"/>
               </a:ext>
             </a:extLst>
           </p:cNvPr>
@@ -34782,7 +34674,7 @@
           <p:cNvPr id="2" name="Data — symbol zastępczy 1">
             <a:extLst>
               <a:ext uri="{FF2B5EF4-FFF2-40B4-BE49-F238E27FC236}">
-                <a16:creationId xmlns:a16="http://schemas.microsoft.com/office/drawing/2014/main" id="{7FB1AADE-B19E-418B-8245-970830BD4DEB}"/>
+                <a16:creationId xmlns:a16="http://schemas.microsoft.com/office/drawing/2014/main" xmlns="" id="{7FB1AADE-B19E-418B-8245-970830BD4DEB}"/>
               </a:ext>
             </a:extLst>
           </p:cNvPr>
@@ -34816,7 +34708,7 @@
           <p:cNvPr id="3" name="Stopka — symbol zastępczy 2">
             <a:extLst>
               <a:ext uri="{FF2B5EF4-FFF2-40B4-BE49-F238E27FC236}">
-                <a16:creationId xmlns:a16="http://schemas.microsoft.com/office/drawing/2014/main" id="{52AE4C98-8D28-4E84-B804-8E35BF3ECA9D}"/>
+                <a16:creationId xmlns:a16="http://schemas.microsoft.com/office/drawing/2014/main" xmlns="" id="{52AE4C98-8D28-4E84-B804-8E35BF3ECA9D}"/>
               </a:ext>
             </a:extLst>
           </p:cNvPr>
@@ -34859,7 +34751,7 @@
           <p:cNvPr id="4" name="Numer slajdu — symbol zastępczy 3">
             <a:extLst>
               <a:ext uri="{FF2B5EF4-FFF2-40B4-BE49-F238E27FC236}">
-                <a16:creationId xmlns:a16="http://schemas.microsoft.com/office/drawing/2014/main" id="{CB7C6ECA-F6C9-4E40-9615-903B54C7BA2B}"/>
+                <a16:creationId xmlns:a16="http://schemas.microsoft.com/office/drawing/2014/main" xmlns="" id="{CB7C6ECA-F6C9-4E40-9615-903B54C7BA2B}"/>
               </a:ext>
             </a:extLst>
           </p:cNvPr>
@@ -34883,7 +34775,7 @@
             <a:pPr rtl="0"/>
             <a:fld id="{BF860B6F-2FE3-4DE6-9496-980E987E7466}" type="slidenum">
               <a:rPr lang="pl-PL" smtClean="0"/>
-              <a:pPr/>
+              <a:pPr rtl="0"/>
               <a:t>3</a:t>
             </a:fld>
             <a:endParaRPr lang="pl-PL"/>
@@ -34893,7 +34785,7 @@
     </p:spTree>
     <p:extLst>
       <p:ext uri="{BB962C8B-B14F-4D97-AF65-F5344CB8AC3E}">
-        <p14:creationId xmlns:p14="http://schemas.microsoft.com/office/powerpoint/2010/main" val="991619130"/>
+        <p14:creationId xmlns:p14="http://schemas.microsoft.com/office/powerpoint/2010/main" xmlns="" val="991619130"/>
       </p:ext>
     </p:extLst>
   </p:cSld>
@@ -34925,7 +34817,7 @@
           <p:cNvPr id="113" name="Tytuł 112">
             <a:extLst>
               <a:ext uri="{FF2B5EF4-FFF2-40B4-BE49-F238E27FC236}">
-                <a16:creationId xmlns:a16="http://schemas.microsoft.com/office/drawing/2014/main" id="{BFE2B5AB-A5E2-4E81-9A28-0F3EFE4B47B5}"/>
+                <a16:creationId xmlns:a16="http://schemas.microsoft.com/office/drawing/2014/main" xmlns="" id="{BFE2B5AB-A5E2-4E81-9A28-0F3EFE4B47B5}"/>
               </a:ext>
             </a:extLst>
           </p:cNvPr>
@@ -34959,7 +34851,7 @@
           <p:cNvPr id="70" name="Obraz — symbol zastępczy 69" descr="Opis sklepu">
             <a:extLst>
               <a:ext uri="{FF2B5EF4-FFF2-40B4-BE49-F238E27FC236}">
-                <a16:creationId xmlns:a16="http://schemas.microsoft.com/office/drawing/2014/main" id="{C5BC0C3F-C9C6-43FA-BA19-88445A15FF31}"/>
+                <a16:creationId xmlns:a16="http://schemas.microsoft.com/office/drawing/2014/main" xmlns="" id="{C5BC0C3F-C9C6-43FA-BA19-88445A15FF31}"/>
               </a:ext>
             </a:extLst>
           </p:cNvPr>
@@ -34974,10 +34866,10 @@
           <a:blip r:embed="rId3">
             <a:extLst>
               <a:ext uri="{28A0092B-C50C-407E-A947-70E740481C1C}">
-                <a14:useLocalDpi xmlns:a14="http://schemas.microsoft.com/office/drawing/2010/main" val="0"/>
+                <a14:useLocalDpi xmlns:a14="http://schemas.microsoft.com/office/drawing/2010/main" xmlns="" val="0"/>
               </a:ext>
               <a:ext uri="{96DAC541-7B7A-43D3-8B79-37D633B846F1}">
-                <asvg:svgBlip xmlns:asvg="http://schemas.microsoft.com/office/drawing/2016/SVG/main" r:embed="rId4"/>
+                <asvg:svgBlip xmlns:asvg="http://schemas.microsoft.com/office/drawing/2016/SVG/main" xmlns="" r:embed="rId4"/>
               </a:ext>
             </a:extLst>
           </a:blip>
@@ -34996,7 +34888,7 @@
           <p:cNvPr id="106" name="Tekst — symbol zastępczy 105">
             <a:extLst>
               <a:ext uri="{FF2B5EF4-FFF2-40B4-BE49-F238E27FC236}">
-                <a16:creationId xmlns:a16="http://schemas.microsoft.com/office/drawing/2014/main" id="{F602BA9F-64DF-443C-A15D-FB8E9129F19F}"/>
+                <a16:creationId xmlns:a16="http://schemas.microsoft.com/office/drawing/2014/main" xmlns="" id="{F602BA9F-64DF-443C-A15D-FB8E9129F19F}"/>
               </a:ext>
             </a:extLst>
           </p:cNvPr>
@@ -35030,7 +34922,7 @@
           <p:cNvPr id="102" name="Tekst — symbol zastępczy 101">
             <a:extLst>
               <a:ext uri="{FF2B5EF4-FFF2-40B4-BE49-F238E27FC236}">
-                <a16:creationId xmlns:a16="http://schemas.microsoft.com/office/drawing/2014/main" id="{87C9F3E7-849D-4701-91D9-6C693FCDFD4B}"/>
+                <a16:creationId xmlns:a16="http://schemas.microsoft.com/office/drawing/2014/main" xmlns="" id="{87C9F3E7-849D-4701-91D9-6C693FCDFD4B}"/>
               </a:ext>
             </a:extLst>
           </p:cNvPr>
@@ -35064,7 +34956,7 @@
           <p:cNvPr id="73" name="Obraz — symbol zastępczy 72" descr="Opis świnki skarbonki">
             <a:extLst>
               <a:ext uri="{FF2B5EF4-FFF2-40B4-BE49-F238E27FC236}">
-                <a16:creationId xmlns:a16="http://schemas.microsoft.com/office/drawing/2014/main" id="{171B782E-274D-43CA-B223-838F0D5ACED5}"/>
+                <a16:creationId xmlns:a16="http://schemas.microsoft.com/office/drawing/2014/main" xmlns="" id="{171B782E-274D-43CA-B223-838F0D5ACED5}"/>
               </a:ext>
             </a:extLst>
           </p:cNvPr>
@@ -35079,10 +34971,10 @@
           <a:blip r:embed="rId5">
             <a:extLst>
               <a:ext uri="{28A0092B-C50C-407E-A947-70E740481C1C}">
-                <a14:useLocalDpi xmlns:a14="http://schemas.microsoft.com/office/drawing/2010/main" val="0"/>
+                <a14:useLocalDpi xmlns:a14="http://schemas.microsoft.com/office/drawing/2010/main" xmlns="" val="0"/>
               </a:ext>
               <a:ext uri="{96DAC541-7B7A-43D3-8B79-37D633B846F1}">
-                <asvg:svgBlip xmlns:asvg="http://schemas.microsoft.com/office/drawing/2016/SVG/main" r:embed="rId6"/>
+                <asvg:svgBlip xmlns:asvg="http://schemas.microsoft.com/office/drawing/2016/SVG/main" xmlns="" r:embed="rId6"/>
               </a:ext>
             </a:extLst>
           </a:blip>
@@ -35101,7 +34993,7 @@
           <p:cNvPr id="108" name="Tekst — symbol zastępczy 107">
             <a:extLst>
               <a:ext uri="{FF2B5EF4-FFF2-40B4-BE49-F238E27FC236}">
-                <a16:creationId xmlns:a16="http://schemas.microsoft.com/office/drawing/2014/main" id="{F91A931F-104A-4201-B572-DEAC49B6EA57}"/>
+                <a16:creationId xmlns:a16="http://schemas.microsoft.com/office/drawing/2014/main" xmlns="" id="{F91A931F-104A-4201-B572-DEAC49B6EA57}"/>
               </a:ext>
             </a:extLst>
           </p:cNvPr>
@@ -35135,7 +35027,7 @@
           <p:cNvPr id="104" name="Tekst — symbol zastępczy 103">
             <a:extLst>
               <a:ext uri="{FF2B5EF4-FFF2-40B4-BE49-F238E27FC236}">
-                <a16:creationId xmlns:a16="http://schemas.microsoft.com/office/drawing/2014/main" id="{7A039369-92B6-432F-B823-6AAFAC119153}"/>
+                <a16:creationId xmlns:a16="http://schemas.microsoft.com/office/drawing/2014/main" xmlns="" id="{7A039369-92B6-432F-B823-6AAFAC119153}"/>
               </a:ext>
             </a:extLst>
           </p:cNvPr>
@@ -35200,7 +35092,7 @@
           <p:cNvPr id="71" name="Obraz — symbol zastępczy 70" descr="Zarys grupy kobiet">
             <a:extLst>
               <a:ext uri="{FF2B5EF4-FFF2-40B4-BE49-F238E27FC236}">
-                <a16:creationId xmlns:a16="http://schemas.microsoft.com/office/drawing/2014/main" id="{8737B8AB-109F-4DF2-8468-26ABD1CD1A97}"/>
+                <a16:creationId xmlns:a16="http://schemas.microsoft.com/office/drawing/2014/main" xmlns="" id="{8737B8AB-109F-4DF2-8468-26ABD1CD1A97}"/>
               </a:ext>
             </a:extLst>
           </p:cNvPr>
@@ -35215,10 +35107,10 @@
           <a:blip r:embed="rId7">
             <a:extLst>
               <a:ext uri="{28A0092B-C50C-407E-A947-70E740481C1C}">
-                <a14:useLocalDpi xmlns:a14="http://schemas.microsoft.com/office/drawing/2010/main" val="0"/>
+                <a14:useLocalDpi xmlns:a14="http://schemas.microsoft.com/office/drawing/2010/main" xmlns="" val="0"/>
               </a:ext>
               <a:ext uri="{96DAC541-7B7A-43D3-8B79-37D633B846F1}">
-                <asvg:svgBlip xmlns:asvg="http://schemas.microsoft.com/office/drawing/2016/SVG/main" r:embed="rId8"/>
+                <asvg:svgBlip xmlns:asvg="http://schemas.microsoft.com/office/drawing/2016/SVG/main" xmlns="" r:embed="rId8"/>
               </a:ext>
             </a:extLst>
           </a:blip>
@@ -35237,7 +35129,7 @@
           <p:cNvPr id="107" name="Tekst — symbol zastępczy 106">
             <a:extLst>
               <a:ext uri="{FF2B5EF4-FFF2-40B4-BE49-F238E27FC236}">
-                <a16:creationId xmlns:a16="http://schemas.microsoft.com/office/drawing/2014/main" id="{EE7D047E-59C2-45CD-92F2-D40EC13396D8}"/>
+                <a16:creationId xmlns:a16="http://schemas.microsoft.com/office/drawing/2014/main" xmlns="" id="{EE7D047E-59C2-45CD-92F2-D40EC13396D8}"/>
               </a:ext>
             </a:extLst>
           </p:cNvPr>
@@ -35271,7 +35163,7 @@
           <p:cNvPr id="103" name="Tekst — symbol zastępczy 102">
             <a:extLst>
               <a:ext uri="{FF2B5EF4-FFF2-40B4-BE49-F238E27FC236}">
-                <a16:creationId xmlns:a16="http://schemas.microsoft.com/office/drawing/2014/main" id="{646AF0A1-85BB-4AA7-A21D-31E3ACA4E484}"/>
+                <a16:creationId xmlns:a16="http://schemas.microsoft.com/office/drawing/2014/main" xmlns="" id="{646AF0A1-85BB-4AA7-A21D-31E3ACA4E484}"/>
               </a:ext>
             </a:extLst>
           </p:cNvPr>
@@ -35321,7 +35213,7 @@
           <p:cNvPr id="2" name="Data — symbol zastępczy 1">
             <a:extLst>
               <a:ext uri="{FF2B5EF4-FFF2-40B4-BE49-F238E27FC236}">
-                <a16:creationId xmlns:a16="http://schemas.microsoft.com/office/drawing/2014/main" id="{2998B4C9-559E-4482-B57E-1FC2E444FB95}"/>
+                <a16:creationId xmlns:a16="http://schemas.microsoft.com/office/drawing/2014/main" xmlns="" id="{2998B4C9-559E-4482-B57E-1FC2E444FB95}"/>
               </a:ext>
             </a:extLst>
           </p:cNvPr>
@@ -35342,11 +35234,11 @@
           <a:bodyPr rtlCol="0"/>
           <a:lstStyle/>
           <a:p>
-            <a:pPr rtl="0"/>
-            <a:r>
-              <a:rPr lang="pl-PL"/>
-              <a:t>20XX-08-03</a:t>
-            </a:r>
+            <a:r>
+              <a:rPr lang="pl-PL" dirty="0" smtClean="0"/>
+              <a:t>2022-05-29</a:t>
+            </a:r>
+            <a:endParaRPr lang="pl-PL" dirty="0"/>
           </a:p>
         </p:txBody>
       </p:sp>
@@ -35355,7 +35247,7 @@
           <p:cNvPr id="3" name="Stopka — symbol zastępczy 2">
             <a:extLst>
               <a:ext uri="{FF2B5EF4-FFF2-40B4-BE49-F238E27FC236}">
-                <a16:creationId xmlns:a16="http://schemas.microsoft.com/office/drawing/2014/main" id="{16AD95C1-F665-4F74-A306-5BD09EA20DAD}"/>
+                <a16:creationId xmlns:a16="http://schemas.microsoft.com/office/drawing/2014/main" xmlns="" id="{16AD95C1-F665-4F74-A306-5BD09EA20DAD}"/>
               </a:ext>
             </a:extLst>
           </p:cNvPr>
@@ -35389,7 +35281,7 @@
           <p:cNvPr id="4" name="Numer slajdu — symbol zastępczy 3">
             <a:extLst>
               <a:ext uri="{FF2B5EF4-FFF2-40B4-BE49-F238E27FC236}">
-                <a16:creationId xmlns:a16="http://schemas.microsoft.com/office/drawing/2014/main" id="{A2AC6252-4303-4C45-9EC4-303A08CB4B58}"/>
+                <a16:creationId xmlns:a16="http://schemas.microsoft.com/office/drawing/2014/main" xmlns="" id="{A2AC6252-4303-4C45-9EC4-303A08CB4B58}"/>
               </a:ext>
             </a:extLst>
           </p:cNvPr>
@@ -35413,7 +35305,7 @@
             <a:pPr rtl="0"/>
             <a:fld id="{BF860B6F-2FE3-4DE6-9496-980E987E7466}" type="slidenum">
               <a:rPr lang="pl-PL" smtClean="0"/>
-              <a:pPr/>
+              <a:pPr rtl="0"/>
               <a:t>4</a:t>
             </a:fld>
             <a:endParaRPr lang="pl-PL"/>
@@ -35423,7 +35315,7 @@
     </p:spTree>
     <p:extLst>
       <p:ext uri="{BB962C8B-B14F-4D97-AF65-F5344CB8AC3E}">
-        <p14:creationId xmlns:p14="http://schemas.microsoft.com/office/powerpoint/2010/main" val="481774274"/>
+        <p14:creationId xmlns:p14="http://schemas.microsoft.com/office/powerpoint/2010/main" xmlns="" val="481774274"/>
       </p:ext>
     </p:extLst>
   </p:cSld>
@@ -35455,7 +35347,7 @@
           <p:cNvPr id="85" name="Tytuł 84">
             <a:extLst>
               <a:ext uri="{FF2B5EF4-FFF2-40B4-BE49-F238E27FC236}">
-                <a16:creationId xmlns:a16="http://schemas.microsoft.com/office/drawing/2014/main" id="{583A8370-72B5-4ECE-B5E0-5B47654B2410}"/>
+                <a16:creationId xmlns:a16="http://schemas.microsoft.com/office/drawing/2014/main" xmlns="" id="{583A8370-72B5-4ECE-B5E0-5B47654B2410}"/>
               </a:ext>
             </a:extLst>
           </p:cNvPr>
@@ -35484,7 +35376,7 @@
           <p:cNvPr id="79" name="Obraz — symbol zastępczy 78" descr="Zbliżenie komórek pod mikroskopem">
             <a:extLst>
               <a:ext uri="{FF2B5EF4-FFF2-40B4-BE49-F238E27FC236}">
-                <a16:creationId xmlns:a16="http://schemas.microsoft.com/office/drawing/2014/main" id="{BBC72E1D-69D7-4CA2-B6AD-180B8084D757}"/>
+                <a16:creationId xmlns:a16="http://schemas.microsoft.com/office/drawing/2014/main" xmlns="" id="{BBC72E1D-69D7-4CA2-B6AD-180B8084D757}"/>
               </a:ext>
             </a:extLst>
           </p:cNvPr>
@@ -35499,7 +35391,7 @@
           <a:blip r:embed="rId3">
             <a:extLst>
               <a:ext uri="{28A0092B-C50C-407E-A947-70E740481C1C}">
-                <a14:useLocalDpi xmlns:a14="http://schemas.microsoft.com/office/drawing/2010/main" val="0"/>
+                <a14:useLocalDpi xmlns:a14="http://schemas.microsoft.com/office/drawing/2010/main" xmlns="" val="0"/>
               </a:ext>
             </a:extLst>
           </a:blip>
@@ -35518,7 +35410,7 @@
           <p:cNvPr id="69" name="Tekst — symbol zastępczy 68">
             <a:extLst>
               <a:ext uri="{FF2B5EF4-FFF2-40B4-BE49-F238E27FC236}">
-                <a16:creationId xmlns:a16="http://schemas.microsoft.com/office/drawing/2014/main" id="{D5A5B5EE-B963-4A0A-AB3C-8CDDDE24B855}"/>
+                <a16:creationId xmlns:a16="http://schemas.microsoft.com/office/drawing/2014/main" xmlns="" id="{D5A5B5EE-B963-4A0A-AB3C-8CDDDE24B855}"/>
               </a:ext>
             </a:extLst>
           </p:cNvPr>
@@ -35552,7 +35444,7 @@
           <p:cNvPr id="68" name="Tekst — symbol zastępczy 67">
             <a:extLst>
               <a:ext uri="{FF2B5EF4-FFF2-40B4-BE49-F238E27FC236}">
-                <a16:creationId xmlns:a16="http://schemas.microsoft.com/office/drawing/2014/main" id="{261BE4C3-90A1-4FC4-93CA-BF3A80B863C5}"/>
+                <a16:creationId xmlns:a16="http://schemas.microsoft.com/office/drawing/2014/main" xmlns="" id="{261BE4C3-90A1-4FC4-93CA-BF3A80B863C5}"/>
               </a:ext>
             </a:extLst>
           </p:cNvPr>
@@ -35586,7 +35478,7 @@
           <p:cNvPr id="73" name="Tekst — symbol zastępczy 72">
             <a:extLst>
               <a:ext uri="{FF2B5EF4-FFF2-40B4-BE49-F238E27FC236}">
-                <a16:creationId xmlns:a16="http://schemas.microsoft.com/office/drawing/2014/main" id="{026DDC61-3AC5-449B-8C25-482F5510466F}"/>
+                <a16:creationId xmlns:a16="http://schemas.microsoft.com/office/drawing/2014/main" xmlns="" id="{026DDC61-3AC5-449B-8C25-482F5510466F}"/>
               </a:ext>
             </a:extLst>
           </p:cNvPr>
@@ -35620,7 +35512,7 @@
           <p:cNvPr id="72" name="Tekst — symbol zastępczy 71">
             <a:extLst>
               <a:ext uri="{FF2B5EF4-FFF2-40B4-BE49-F238E27FC236}">
-                <a16:creationId xmlns:a16="http://schemas.microsoft.com/office/drawing/2014/main" id="{5CC67B51-3695-40FC-B51D-1CD99DF1626D}"/>
+                <a16:creationId xmlns:a16="http://schemas.microsoft.com/office/drawing/2014/main" xmlns="" id="{5CC67B51-3695-40FC-B51D-1CD99DF1626D}"/>
               </a:ext>
             </a:extLst>
           </p:cNvPr>
@@ -35654,7 +35546,7 @@
           <p:cNvPr id="71" name="Tekst — symbol zastępczy 70">
             <a:extLst>
               <a:ext uri="{FF2B5EF4-FFF2-40B4-BE49-F238E27FC236}">
-                <a16:creationId xmlns:a16="http://schemas.microsoft.com/office/drawing/2014/main" id="{79406243-F21B-4811-AE74-DA58E3665F07}"/>
+                <a16:creationId xmlns:a16="http://schemas.microsoft.com/office/drawing/2014/main" xmlns="" id="{79406243-F21B-4811-AE74-DA58E3665F07}"/>
               </a:ext>
             </a:extLst>
           </p:cNvPr>
@@ -35688,7 +35580,7 @@
           <p:cNvPr id="70" name="Tekst — symbol zastępczy 69">
             <a:extLst>
               <a:ext uri="{FF2B5EF4-FFF2-40B4-BE49-F238E27FC236}">
-                <a16:creationId xmlns:a16="http://schemas.microsoft.com/office/drawing/2014/main" id="{25C9712B-794E-4F23-928A-FFCA310FE747}"/>
+                <a16:creationId xmlns:a16="http://schemas.microsoft.com/office/drawing/2014/main" xmlns="" id="{25C9712B-794E-4F23-928A-FFCA310FE747}"/>
               </a:ext>
             </a:extLst>
           </p:cNvPr>
@@ -35722,7 +35614,7 @@
           <p:cNvPr id="75" name="Tekst — symbol zastępczy 74">
             <a:extLst>
               <a:ext uri="{FF2B5EF4-FFF2-40B4-BE49-F238E27FC236}">
-                <a16:creationId xmlns:a16="http://schemas.microsoft.com/office/drawing/2014/main" id="{205C921F-FFBE-48CD-9E47-0AF86467AC92}"/>
+                <a16:creationId xmlns:a16="http://schemas.microsoft.com/office/drawing/2014/main" xmlns="" id="{205C921F-FFBE-48CD-9E47-0AF86467AC92}"/>
               </a:ext>
             </a:extLst>
           </p:cNvPr>
@@ -35756,7 +35648,7 @@
           <p:cNvPr id="74" name="Tekst — symbol zastępczy 73">
             <a:extLst>
               <a:ext uri="{FF2B5EF4-FFF2-40B4-BE49-F238E27FC236}">
-                <a16:creationId xmlns:a16="http://schemas.microsoft.com/office/drawing/2014/main" id="{CDF4F5AB-B79A-4FAC-8AAF-D1AE5176A9D5}"/>
+                <a16:creationId xmlns:a16="http://schemas.microsoft.com/office/drawing/2014/main" xmlns="" id="{CDF4F5AB-B79A-4FAC-8AAF-D1AE5176A9D5}"/>
               </a:ext>
             </a:extLst>
           </p:cNvPr>
@@ -35795,7 +35687,7 @@
           <p:cNvPr id="2" name="Data — symbol zastępczy 1">
             <a:extLst>
               <a:ext uri="{FF2B5EF4-FFF2-40B4-BE49-F238E27FC236}">
-                <a16:creationId xmlns:a16="http://schemas.microsoft.com/office/drawing/2014/main" id="{1057F3FD-3004-40DE-B48F-5B3CB1567FFA}"/>
+                <a16:creationId xmlns:a16="http://schemas.microsoft.com/office/drawing/2014/main" xmlns="" id="{1057F3FD-3004-40DE-B48F-5B3CB1567FFA}"/>
               </a:ext>
             </a:extLst>
           </p:cNvPr>
@@ -35829,7 +35721,7 @@
           <p:cNvPr id="3" name="Stopka — symbol zastępczy 2">
             <a:extLst>
               <a:ext uri="{FF2B5EF4-FFF2-40B4-BE49-F238E27FC236}">
-                <a16:creationId xmlns:a16="http://schemas.microsoft.com/office/drawing/2014/main" id="{3FD8B4B9-2FC5-4962-A892-85B758FEB286}"/>
+                <a16:creationId xmlns:a16="http://schemas.microsoft.com/office/drawing/2014/main" xmlns="" id="{3FD8B4B9-2FC5-4962-A892-85B758FEB286}"/>
               </a:ext>
             </a:extLst>
           </p:cNvPr>
@@ -35872,7 +35764,7 @@
           <p:cNvPr id="4" name="Numer slajdu — symbol zastępczy 3">
             <a:extLst>
               <a:ext uri="{FF2B5EF4-FFF2-40B4-BE49-F238E27FC236}">
-                <a16:creationId xmlns:a16="http://schemas.microsoft.com/office/drawing/2014/main" id="{F637CBF2-4176-4C56-8824-858FA51AEF09}"/>
+                <a16:creationId xmlns:a16="http://schemas.microsoft.com/office/drawing/2014/main" xmlns="" id="{F637CBF2-4176-4C56-8824-858FA51AEF09}"/>
               </a:ext>
             </a:extLst>
           </p:cNvPr>
@@ -35896,7 +35788,7 @@
             <a:pPr rtl="0"/>
             <a:fld id="{BF860B6F-2FE3-4DE6-9496-980E987E7466}" type="slidenum">
               <a:rPr lang="pl-PL" smtClean="0"/>
-              <a:pPr/>
+              <a:pPr rtl="0"/>
               <a:t>5</a:t>
             </a:fld>
             <a:endParaRPr lang="pl-PL"/>
@@ -35906,7 +35798,7 @@
     </p:spTree>
     <p:extLst>
       <p:ext uri="{BB962C8B-B14F-4D97-AF65-F5344CB8AC3E}">
-        <p14:creationId xmlns:p14="http://schemas.microsoft.com/office/powerpoint/2010/main" val="106884304"/>
+        <p14:creationId xmlns:p14="http://schemas.microsoft.com/office/powerpoint/2010/main" xmlns="" val="106884304"/>
       </p:ext>
     </p:extLst>
   </p:cSld>
@@ -35938,7 +35830,7 @@
           <p:cNvPr id="32" name="Obraz — symbol zastępczy 31" descr="Zbliżenie pipety upuszczającej kroplę płynu do małego słoja">
             <a:extLst>
               <a:ext uri="{FF2B5EF4-FFF2-40B4-BE49-F238E27FC236}">
-                <a16:creationId xmlns:a16="http://schemas.microsoft.com/office/drawing/2014/main" id="{891E6FF4-A9FA-410B-9EF7-893DEF4A9239}"/>
+                <a16:creationId xmlns:a16="http://schemas.microsoft.com/office/drawing/2014/main" xmlns="" id="{891E6FF4-A9FA-410B-9EF7-893DEF4A9239}"/>
               </a:ext>
             </a:extLst>
           </p:cNvPr>
@@ -35953,7 +35845,7 @@
           <a:blip r:embed="rId3">
             <a:extLst>
               <a:ext uri="{28A0092B-C50C-407E-A947-70E740481C1C}">
-                <a14:useLocalDpi xmlns:a14="http://schemas.microsoft.com/office/drawing/2010/main" val="0"/>
+                <a14:useLocalDpi xmlns:a14="http://schemas.microsoft.com/office/drawing/2010/main" xmlns="" val="0"/>
               </a:ext>
             </a:extLst>
           </a:blip>
@@ -35972,7 +35864,7 @@
           <p:cNvPr id="2" name="Data — symbol zastępczy 1">
             <a:extLst>
               <a:ext uri="{FF2B5EF4-FFF2-40B4-BE49-F238E27FC236}">
-                <a16:creationId xmlns:a16="http://schemas.microsoft.com/office/drawing/2014/main" id="{DA8A598A-06FD-432A-889F-8AB629A5BEE8}"/>
+                <a16:creationId xmlns:a16="http://schemas.microsoft.com/office/drawing/2014/main" xmlns="" id="{DA8A598A-06FD-432A-889F-8AB629A5BEE8}"/>
               </a:ext>
             </a:extLst>
           </p:cNvPr>
@@ -36006,7 +35898,7 @@
           <p:cNvPr id="3" name="Stopka — symbol zastępczy 2">
             <a:extLst>
               <a:ext uri="{FF2B5EF4-FFF2-40B4-BE49-F238E27FC236}">
-                <a16:creationId xmlns:a16="http://schemas.microsoft.com/office/drawing/2014/main" id="{1DB7BC7A-6966-402B-B6D1-D650CA0FBF1A}"/>
+                <a16:creationId xmlns:a16="http://schemas.microsoft.com/office/drawing/2014/main" xmlns="" id="{1DB7BC7A-6966-402B-B6D1-D650CA0FBF1A}"/>
               </a:ext>
             </a:extLst>
           </p:cNvPr>
@@ -36049,7 +35941,7 @@
           <p:cNvPr id="4" name="Numer slajdu — symbol zastępczy 3">
             <a:extLst>
               <a:ext uri="{FF2B5EF4-FFF2-40B4-BE49-F238E27FC236}">
-                <a16:creationId xmlns:a16="http://schemas.microsoft.com/office/drawing/2014/main" id="{52D9679C-0ECA-4D9C-8BCA-A8E870679867}"/>
+                <a16:creationId xmlns:a16="http://schemas.microsoft.com/office/drawing/2014/main" xmlns="" id="{52D9679C-0ECA-4D9C-8BCA-A8E870679867}"/>
               </a:ext>
             </a:extLst>
           </p:cNvPr>
@@ -36073,7 +35965,7 @@
             <a:pPr rtl="0"/>
             <a:fld id="{BF860B6F-2FE3-4DE6-9496-980E987E7466}" type="slidenum">
               <a:rPr lang="pl-PL" smtClean="0"/>
-              <a:pPr/>
+              <a:pPr rtl="0"/>
               <a:t>6</a:t>
             </a:fld>
             <a:endParaRPr lang="pl-PL"/>
@@ -36085,7 +35977,7 @@
           <p:cNvPr id="10" name="Tekst — symbol zastępczy 9">
             <a:extLst>
               <a:ext uri="{FF2B5EF4-FFF2-40B4-BE49-F238E27FC236}">
-                <a16:creationId xmlns:a16="http://schemas.microsoft.com/office/drawing/2014/main" id="{3B8E3A6F-FAD5-4EAB-A050-6ED2FB78FB2B}"/>
+                <a16:creationId xmlns:a16="http://schemas.microsoft.com/office/drawing/2014/main" xmlns="" id="{3B8E3A6F-FAD5-4EAB-A050-6ED2FB78FB2B}"/>
               </a:ext>
             </a:extLst>
           </p:cNvPr>
@@ -36133,7 +36025,7 @@
           <p:cNvPr id="25" name="Tytuł 24">
             <a:extLst>
               <a:ext uri="{FF2B5EF4-FFF2-40B4-BE49-F238E27FC236}">
-                <a16:creationId xmlns:a16="http://schemas.microsoft.com/office/drawing/2014/main" id="{71B9304F-AE92-4F6B-85E5-32A85A55B53B}"/>
+                <a16:creationId xmlns:a16="http://schemas.microsoft.com/office/drawing/2014/main" xmlns="" id="{71B9304F-AE92-4F6B-85E5-32A85A55B53B}"/>
               </a:ext>
             </a:extLst>
           </p:cNvPr>
@@ -36165,7 +36057,7 @@
     </p:spTree>
     <p:extLst>
       <p:ext uri="{BB962C8B-B14F-4D97-AF65-F5344CB8AC3E}">
-        <p14:creationId xmlns:p14="http://schemas.microsoft.com/office/powerpoint/2010/main" val="988365015"/>
+        <p14:creationId xmlns:p14="http://schemas.microsoft.com/office/powerpoint/2010/main" xmlns="" val="988365015"/>
       </p:ext>
     </p:extLst>
   </p:cSld>
@@ -36197,7 +36089,7 @@
           <p:cNvPr id="12" name="Obraz — symbol zastępczy 11" descr="Osoba patrząca na ekran komputera&#10;">
             <a:extLst>
               <a:ext uri="{FF2B5EF4-FFF2-40B4-BE49-F238E27FC236}">
-                <a16:creationId xmlns:a16="http://schemas.microsoft.com/office/drawing/2014/main" id="{EACF9A43-5E16-41F1-82E2-77469D7E3D6A}"/>
+                <a16:creationId xmlns:a16="http://schemas.microsoft.com/office/drawing/2014/main" xmlns="" id="{EACF9A43-5E16-41F1-82E2-77469D7E3D6A}"/>
               </a:ext>
             </a:extLst>
           </p:cNvPr>
@@ -36212,7 +36104,7 @@
           <a:blip r:embed="rId3">
             <a:extLst>
               <a:ext uri="{28A0092B-C50C-407E-A947-70E740481C1C}">
-                <a14:useLocalDpi xmlns:a14="http://schemas.microsoft.com/office/drawing/2010/main" val="0"/>
+                <a14:useLocalDpi xmlns:a14="http://schemas.microsoft.com/office/drawing/2010/main" xmlns="" val="0"/>
               </a:ext>
             </a:extLst>
           </a:blip>
@@ -36231,7 +36123,7 @@
           <p:cNvPr id="5" name="Tytuł 4">
             <a:extLst>
               <a:ext uri="{FF2B5EF4-FFF2-40B4-BE49-F238E27FC236}">
-                <a16:creationId xmlns:a16="http://schemas.microsoft.com/office/drawing/2014/main" id="{270115D3-F5ED-4220-BDFD-9D87A29F2D4C}"/>
+                <a16:creationId xmlns:a16="http://schemas.microsoft.com/office/drawing/2014/main" xmlns="" id="{270115D3-F5ED-4220-BDFD-9D87A29F2D4C}"/>
               </a:ext>
             </a:extLst>
           </p:cNvPr>
@@ -36263,7 +36155,7 @@
     </p:spTree>
     <p:extLst>
       <p:ext uri="{BB962C8B-B14F-4D97-AF65-F5344CB8AC3E}">
-        <p14:creationId xmlns:p14="http://schemas.microsoft.com/office/powerpoint/2010/main" val="3337808068"/>
+        <p14:creationId xmlns:p14="http://schemas.microsoft.com/office/powerpoint/2010/main" xmlns="" val="3337808068"/>
       </p:ext>
     </p:extLst>
   </p:cSld>
@@ -36295,7 +36187,7 @@
           <p:cNvPr id="24" name="Obraz — symbol zastępczy 23" descr="Zbliżenie stetoskopu">
             <a:extLst>
               <a:ext uri="{FF2B5EF4-FFF2-40B4-BE49-F238E27FC236}">
-                <a16:creationId xmlns:a16="http://schemas.microsoft.com/office/drawing/2014/main" id="{DD2F3F3D-99FE-4AB9-BE87-81D580BFC2EA}"/>
+                <a16:creationId xmlns:a16="http://schemas.microsoft.com/office/drawing/2014/main" xmlns="" id="{DD2F3F3D-99FE-4AB9-BE87-81D580BFC2EA}"/>
               </a:ext>
             </a:extLst>
           </p:cNvPr>
@@ -36310,7 +36202,7 @@
           <a:blip r:embed="rId3">
             <a:extLst>
               <a:ext uri="{28A0092B-C50C-407E-A947-70E740481C1C}">
-                <a14:useLocalDpi xmlns:a14="http://schemas.microsoft.com/office/drawing/2010/main" val="0"/>
+                <a14:useLocalDpi xmlns:a14="http://schemas.microsoft.com/office/drawing/2010/main" xmlns="" val="0"/>
               </a:ext>
             </a:extLst>
           </a:blip>
@@ -36329,7 +36221,7 @@
           <p:cNvPr id="45" name="Tytuł 44">
             <a:extLst>
               <a:ext uri="{FF2B5EF4-FFF2-40B4-BE49-F238E27FC236}">
-                <a16:creationId xmlns:a16="http://schemas.microsoft.com/office/drawing/2014/main" id="{56DDD3FB-981D-46B3-9DF6-1D5D6429B804}"/>
+                <a16:creationId xmlns:a16="http://schemas.microsoft.com/office/drawing/2014/main" xmlns="" id="{56DDD3FB-981D-46B3-9DF6-1D5D6429B804}"/>
               </a:ext>
             </a:extLst>
           </p:cNvPr>
@@ -36358,7 +36250,7 @@
           <p:cNvPr id="15" name="Tekst — symbol zastępczy 14">
             <a:extLst>
               <a:ext uri="{FF2B5EF4-FFF2-40B4-BE49-F238E27FC236}">
-                <a16:creationId xmlns:a16="http://schemas.microsoft.com/office/drawing/2014/main" id="{6D400E89-A3FC-4A30-90D4-896304E917C8}"/>
+                <a16:creationId xmlns:a16="http://schemas.microsoft.com/office/drawing/2014/main" xmlns="" id="{6D400E89-A3FC-4A30-90D4-896304E917C8}"/>
               </a:ext>
             </a:extLst>
           </p:cNvPr>
@@ -36392,7 +36284,7 @@
           <p:cNvPr id="14" name="Tekst — symbol zastępczy 13">
             <a:extLst>
               <a:ext uri="{FF2B5EF4-FFF2-40B4-BE49-F238E27FC236}">
-                <a16:creationId xmlns:a16="http://schemas.microsoft.com/office/drawing/2014/main" id="{0321A7BC-BAD6-4CBA-9AD5-2AD73F8A426C}"/>
+                <a16:creationId xmlns:a16="http://schemas.microsoft.com/office/drawing/2014/main" xmlns="" id="{0321A7BC-BAD6-4CBA-9AD5-2AD73F8A426C}"/>
               </a:ext>
             </a:extLst>
           </p:cNvPr>
@@ -36423,7 +36315,7 @@
           <p:cNvPr id="17" name="Tekst — symbol zastępczy 16">
             <a:extLst>
               <a:ext uri="{FF2B5EF4-FFF2-40B4-BE49-F238E27FC236}">
-                <a16:creationId xmlns:a16="http://schemas.microsoft.com/office/drawing/2014/main" id="{711776CC-28DB-4411-A56D-DE696A68354D}"/>
+                <a16:creationId xmlns:a16="http://schemas.microsoft.com/office/drawing/2014/main" xmlns="" id="{711776CC-28DB-4411-A56D-DE696A68354D}"/>
               </a:ext>
             </a:extLst>
           </p:cNvPr>
@@ -36459,7 +36351,7 @@
           <p:cNvPr id="16" name="Tekst — symbol zastępczy 15">
             <a:extLst>
               <a:ext uri="{FF2B5EF4-FFF2-40B4-BE49-F238E27FC236}">
-                <a16:creationId xmlns:a16="http://schemas.microsoft.com/office/drawing/2014/main" id="{C13A8B1A-034D-495C-BF80-E42F8306CF2B}"/>
+                <a16:creationId xmlns:a16="http://schemas.microsoft.com/office/drawing/2014/main" xmlns="" id="{C13A8B1A-034D-495C-BF80-E42F8306CF2B}"/>
               </a:ext>
             </a:extLst>
           </p:cNvPr>
@@ -36492,7 +36384,7 @@
           <p:cNvPr id="19" name="Tekst — symbol zastępczy 18">
             <a:extLst>
               <a:ext uri="{FF2B5EF4-FFF2-40B4-BE49-F238E27FC236}">
-                <a16:creationId xmlns:a16="http://schemas.microsoft.com/office/drawing/2014/main" id="{2DA6ADCE-FA69-48D8-9057-62E7F0213EB0}"/>
+                <a16:creationId xmlns:a16="http://schemas.microsoft.com/office/drawing/2014/main" xmlns="" id="{2DA6ADCE-FA69-48D8-9057-62E7F0213EB0}"/>
               </a:ext>
             </a:extLst>
           </p:cNvPr>
@@ -36528,7 +36420,7 @@
           <p:cNvPr id="18" name="Tekst — symbol zastępczy 17">
             <a:extLst>
               <a:ext uri="{FF2B5EF4-FFF2-40B4-BE49-F238E27FC236}">
-                <a16:creationId xmlns:a16="http://schemas.microsoft.com/office/drawing/2014/main" id="{CF182DD3-EA3E-4EF6-BDC1-42B8FA257A7E}"/>
+                <a16:creationId xmlns:a16="http://schemas.microsoft.com/office/drawing/2014/main" xmlns="" id="{CF182DD3-EA3E-4EF6-BDC1-42B8FA257A7E}"/>
               </a:ext>
             </a:extLst>
           </p:cNvPr>
@@ -36561,7 +36453,7 @@
           <p:cNvPr id="20" name="Data — symbol zastępczy 19">
             <a:extLst>
               <a:ext uri="{FF2B5EF4-FFF2-40B4-BE49-F238E27FC236}">
-                <a16:creationId xmlns:a16="http://schemas.microsoft.com/office/drawing/2014/main" id="{809A94BE-80ED-4291-814B-FD0FF1BD1833}"/>
+                <a16:creationId xmlns:a16="http://schemas.microsoft.com/office/drawing/2014/main" xmlns="" id="{809A94BE-80ED-4291-814B-FD0FF1BD1833}"/>
               </a:ext>
             </a:extLst>
           </p:cNvPr>
@@ -36582,11 +36474,11 @@
           <a:bodyPr rtlCol="0"/>
           <a:lstStyle/>
           <a:p>
-            <a:pPr rtl="0"/>
-            <a:r>
-              <a:rPr lang="pl-PL"/>
-              <a:t>20XX-08-03</a:t>
-            </a:r>
+            <a:r>
+              <a:rPr lang="pl-PL" dirty="0" smtClean="0"/>
+              <a:t>2022-05-29</a:t>
+            </a:r>
+            <a:endParaRPr lang="pl-PL" dirty="0"/>
           </a:p>
         </p:txBody>
       </p:sp>
@@ -36595,7 +36487,7 @@
           <p:cNvPr id="21" name="Stopka — symbol zastępczy 20">
             <a:extLst>
               <a:ext uri="{FF2B5EF4-FFF2-40B4-BE49-F238E27FC236}">
-                <a16:creationId xmlns:a16="http://schemas.microsoft.com/office/drawing/2014/main" id="{94EE481C-D029-498C-ADD0-63AB510C7312}"/>
+                <a16:creationId xmlns:a16="http://schemas.microsoft.com/office/drawing/2014/main" xmlns="" id="{94EE481C-D029-498C-ADD0-63AB510C7312}"/>
               </a:ext>
             </a:extLst>
           </p:cNvPr>
@@ -36616,11 +36508,11 @@
           <a:bodyPr rtlCol="0"/>
           <a:lstStyle/>
           <a:p>
-            <a:pPr rtl="0"/>
-            <a:r>
-              <a:rPr lang="pl-PL"/>
-              <a:t>PREZENTACJA</a:t>
-            </a:r>
+            <a:r>
+              <a:rPr lang="pl-PL" dirty="0" smtClean="0"/>
+              <a:t>REWARDING INSURANCE</a:t>
+            </a:r>
+            <a:endParaRPr lang="pl-PL" dirty="0"/>
           </a:p>
         </p:txBody>
       </p:sp>
@@ -36629,7 +36521,7 @@
           <p:cNvPr id="22" name="Numer slajdu — symbol zastępczy 21">
             <a:extLst>
               <a:ext uri="{FF2B5EF4-FFF2-40B4-BE49-F238E27FC236}">
-                <a16:creationId xmlns:a16="http://schemas.microsoft.com/office/drawing/2014/main" id="{D83D237B-5C8E-4573-85F9-91EC63F3EA47}"/>
+                <a16:creationId xmlns:a16="http://schemas.microsoft.com/office/drawing/2014/main" xmlns="" id="{D83D237B-5C8E-4573-85F9-91EC63F3EA47}"/>
               </a:ext>
             </a:extLst>
           </p:cNvPr>
@@ -36653,7 +36545,7 @@
             <a:pPr rtl="0"/>
             <a:fld id="{BF860B6F-2FE3-4DE6-9496-980E987E7466}" type="slidenum">
               <a:rPr lang="pl-PL" smtClean="0"/>
-              <a:pPr/>
+              <a:pPr rtl="0"/>
               <a:t>8</a:t>
             </a:fld>
             <a:endParaRPr lang="pl-PL"/>
@@ -36663,7 +36555,7 @@
     </p:spTree>
     <p:extLst>
       <p:ext uri="{BB962C8B-B14F-4D97-AF65-F5344CB8AC3E}">
-        <p14:creationId xmlns:p14="http://schemas.microsoft.com/office/powerpoint/2010/main" val="1619313981"/>
+        <p14:creationId xmlns:p14="http://schemas.microsoft.com/office/powerpoint/2010/main" xmlns="" val="1619313981"/>
       </p:ext>
     </p:extLst>
   </p:cSld>
@@ -36695,7 +36587,7 @@
           <p:cNvPr id="45" name="Tytuł 44">
             <a:extLst>
               <a:ext uri="{FF2B5EF4-FFF2-40B4-BE49-F238E27FC236}">
-                <a16:creationId xmlns:a16="http://schemas.microsoft.com/office/drawing/2014/main" id="{C1422C90-427C-4AD4-97AD-6B9853B23F76}"/>
+                <a16:creationId xmlns:a16="http://schemas.microsoft.com/office/drawing/2014/main" xmlns="" id="{C1422C90-427C-4AD4-97AD-6B9853B23F76}"/>
               </a:ext>
             </a:extLst>
           </p:cNvPr>
@@ -36724,7 +36616,7 @@
           <p:cNvPr id="17" name="Obraz — symbol zastępczy 16" descr="Osoba trzymająca dziecko, gdy lekarz słucha serca">
             <a:extLst>
               <a:ext uri="{FF2B5EF4-FFF2-40B4-BE49-F238E27FC236}">
-                <a16:creationId xmlns:a16="http://schemas.microsoft.com/office/drawing/2014/main" id="{CB1FCAEC-7B83-4519-9EF3-BA0E904C316C}"/>
+                <a16:creationId xmlns:a16="http://schemas.microsoft.com/office/drawing/2014/main" xmlns="" id="{CB1FCAEC-7B83-4519-9EF3-BA0E904C316C}"/>
               </a:ext>
             </a:extLst>
           </p:cNvPr>
@@ -36739,7 +36631,7 @@
           <a:blip r:embed="rId3">
             <a:extLst>
               <a:ext uri="{28A0092B-C50C-407E-A947-70E740481C1C}">
-                <a14:useLocalDpi xmlns:a14="http://schemas.microsoft.com/office/drawing/2010/main" val="0"/>
+                <a14:useLocalDpi xmlns:a14="http://schemas.microsoft.com/office/drawing/2010/main" xmlns="" val="0"/>
               </a:ext>
             </a:extLst>
           </a:blip>
@@ -36758,7 +36650,7 @@
           <p:cNvPr id="24" name="Tekst — symbol zastępczy 23">
             <a:extLst>
               <a:ext uri="{FF2B5EF4-FFF2-40B4-BE49-F238E27FC236}">
-                <a16:creationId xmlns:a16="http://schemas.microsoft.com/office/drawing/2014/main" id="{7B521B55-CA93-422E-A413-4F38F20BA182}"/>
+                <a16:creationId xmlns:a16="http://schemas.microsoft.com/office/drawing/2014/main" xmlns="" id="{7B521B55-CA93-422E-A413-4F38F20BA182}"/>
               </a:ext>
             </a:extLst>
           </p:cNvPr>
@@ -36789,7 +36681,7 @@
           <p:cNvPr id="23" name="Tekst — symbol zastępczy 22">
             <a:extLst>
               <a:ext uri="{FF2B5EF4-FFF2-40B4-BE49-F238E27FC236}">
-                <a16:creationId xmlns:a16="http://schemas.microsoft.com/office/drawing/2014/main" id="{98221D68-CEED-411C-AC3A-7A72C4371319}"/>
+                <a16:creationId xmlns:a16="http://schemas.microsoft.com/office/drawing/2014/main" xmlns="" id="{98221D68-CEED-411C-AC3A-7A72C4371319}"/>
               </a:ext>
             </a:extLst>
           </p:cNvPr>
@@ -36822,7 +36714,7 @@
           <p:cNvPr id="28" name="Tekst — symbol zastępczy 27">
             <a:extLst>
               <a:ext uri="{FF2B5EF4-FFF2-40B4-BE49-F238E27FC236}">
-                <a16:creationId xmlns:a16="http://schemas.microsoft.com/office/drawing/2014/main" id="{721A5EF9-E3DB-4CA4-93F3-39B1B8D5E28A}"/>
+                <a16:creationId xmlns:a16="http://schemas.microsoft.com/office/drawing/2014/main" xmlns="" id="{721A5EF9-E3DB-4CA4-93F3-39B1B8D5E28A}"/>
               </a:ext>
             </a:extLst>
           </p:cNvPr>
@@ -36853,7 +36745,7 @@
           <p:cNvPr id="27" name="Tekst — symbol zastępczy 26">
             <a:extLst>
               <a:ext uri="{FF2B5EF4-FFF2-40B4-BE49-F238E27FC236}">
-                <a16:creationId xmlns:a16="http://schemas.microsoft.com/office/drawing/2014/main" id="{C076F9C5-3B11-41F8-AE36-0DAED2322784}"/>
+                <a16:creationId xmlns:a16="http://schemas.microsoft.com/office/drawing/2014/main" xmlns="" id="{C076F9C5-3B11-41F8-AE36-0DAED2322784}"/>
               </a:ext>
             </a:extLst>
           </p:cNvPr>
@@ -36886,7 +36778,7 @@
           <p:cNvPr id="26" name="Tekst — symbol zastępczy 25">
             <a:extLst>
               <a:ext uri="{FF2B5EF4-FFF2-40B4-BE49-F238E27FC236}">
-                <a16:creationId xmlns:a16="http://schemas.microsoft.com/office/drawing/2014/main" id="{A3F19829-ECF0-478F-BED1-112739B393C7}"/>
+                <a16:creationId xmlns:a16="http://schemas.microsoft.com/office/drawing/2014/main" xmlns="" id="{A3F19829-ECF0-478F-BED1-112739B393C7}"/>
               </a:ext>
             </a:extLst>
           </p:cNvPr>
@@ -36917,7 +36809,7 @@
           <p:cNvPr id="25" name="Tekst — symbol zastępczy 24">
             <a:extLst>
               <a:ext uri="{FF2B5EF4-FFF2-40B4-BE49-F238E27FC236}">
-                <a16:creationId xmlns:a16="http://schemas.microsoft.com/office/drawing/2014/main" id="{50EBA51D-BA19-453B-856F-01148078D94F}"/>
+                <a16:creationId xmlns:a16="http://schemas.microsoft.com/office/drawing/2014/main" xmlns="" id="{50EBA51D-BA19-453B-856F-01148078D94F}"/>
               </a:ext>
             </a:extLst>
           </p:cNvPr>
@@ -36950,7 +36842,7 @@
           <p:cNvPr id="2" name="Data — symbol zastępczy 1">
             <a:extLst>
               <a:ext uri="{FF2B5EF4-FFF2-40B4-BE49-F238E27FC236}">
-                <a16:creationId xmlns:a16="http://schemas.microsoft.com/office/drawing/2014/main" id="{9C3A22B3-849F-4C06-8221-BA818B212E1A}"/>
+                <a16:creationId xmlns:a16="http://schemas.microsoft.com/office/drawing/2014/main" xmlns="" id="{9C3A22B3-849F-4C06-8221-BA818B212E1A}"/>
               </a:ext>
             </a:extLst>
           </p:cNvPr>
@@ -36971,11 +36863,11 @@
           <a:bodyPr rtlCol="0"/>
           <a:lstStyle/>
           <a:p>
-            <a:pPr rtl="0"/>
-            <a:r>
-              <a:rPr lang="pl-PL"/>
-              <a:t>20XX-08-03</a:t>
-            </a:r>
+            <a:r>
+              <a:rPr lang="pl-PL" dirty="0" smtClean="0"/>
+              <a:t>2022-05-29</a:t>
+            </a:r>
+            <a:endParaRPr lang="pl-PL" dirty="0"/>
           </a:p>
         </p:txBody>
       </p:sp>
@@ -36984,7 +36876,7 @@
           <p:cNvPr id="3" name="Stopka — symbol zastępczy 2">
             <a:extLst>
               <a:ext uri="{FF2B5EF4-FFF2-40B4-BE49-F238E27FC236}">
-                <a16:creationId xmlns:a16="http://schemas.microsoft.com/office/drawing/2014/main" id="{D20FD375-4201-4035-9B0E-0E78EA549D1B}"/>
+                <a16:creationId xmlns:a16="http://schemas.microsoft.com/office/drawing/2014/main" xmlns="" id="{D20FD375-4201-4035-9B0E-0E78EA549D1B}"/>
               </a:ext>
             </a:extLst>
           </p:cNvPr>
@@ -37005,11 +36897,11 @@
           <a:bodyPr rtlCol="0"/>
           <a:lstStyle/>
           <a:p>
-            <a:pPr rtl="0"/>
-            <a:r>
-              <a:rPr lang="pl-PL"/>
-              <a:t>PREZENTACJA</a:t>
-            </a:r>
+            <a:r>
+              <a:rPr lang="pl-PL" dirty="0" smtClean="0"/>
+              <a:t>REWARDING INSURANCE</a:t>
+            </a:r>
+            <a:endParaRPr lang="pl-PL" dirty="0"/>
           </a:p>
         </p:txBody>
       </p:sp>
@@ -37018,7 +36910,7 @@
           <p:cNvPr id="4" name="Numer slajdu — symbol zastępczy 3">
             <a:extLst>
               <a:ext uri="{FF2B5EF4-FFF2-40B4-BE49-F238E27FC236}">
-                <a16:creationId xmlns:a16="http://schemas.microsoft.com/office/drawing/2014/main" id="{C9FA8E79-2231-42DD-834F-F399CC7D16DE}"/>
+                <a16:creationId xmlns:a16="http://schemas.microsoft.com/office/drawing/2014/main" xmlns="" id="{C9FA8E79-2231-42DD-834F-F399CC7D16DE}"/>
               </a:ext>
             </a:extLst>
           </p:cNvPr>
@@ -37042,7 +36934,7 @@
             <a:pPr rtl="0"/>
             <a:fld id="{BF860B6F-2FE3-4DE6-9496-980E987E7466}" type="slidenum">
               <a:rPr lang="pl-PL" smtClean="0"/>
-              <a:pPr/>
+              <a:pPr rtl="0"/>
               <a:t>9</a:t>
             </a:fld>
             <a:endParaRPr lang="pl-PL"/>
@@ -37052,7 +36944,7 @@
     </p:spTree>
     <p:extLst>
       <p:ext uri="{BB962C8B-B14F-4D97-AF65-F5344CB8AC3E}">
-        <p14:creationId xmlns:p14="http://schemas.microsoft.com/office/powerpoint/2010/main" val="2400646804"/>
+        <p14:creationId xmlns:p14="http://schemas.microsoft.com/office/powerpoint/2010/main" xmlns="" val="2400646804"/>
       </p:ext>
     </p:extLst>
   </p:cSld>
@@ -37257,7 +37149,7 @@
   <a:extraClrSchemeLst/>
   <a:extLst>
     <a:ext uri="{05A4C25C-085E-4340-85A3-A5531E510DB2}">
-      <thm15:themeFamily xmlns:thm15="http://schemas.microsoft.com/office/thememl/2012/main" name="Office_59945549_TF89652269_Win32" id="{6F033927-E5D8-4E52-91B9-B444EDCEA80F}" vid="{77B8F323-4E90-4968-AA63-1FCCFE17595A}"/>
+      <thm15:themeFamily xmlns:thm15="http://schemas.microsoft.com/office/thememl/2012/main" xmlns="" name="Office_59945549_TF89652269_Win32" id="{6F033927-E5D8-4E52-91B9-B444EDCEA80F}" vid="{77B8F323-4E90-4968-AA63-1FCCFE17595A}"/>
     </a:ext>
   </a:extLst>
 </a:theme>
@@ -37306,7 +37198,7 @@
     </a:clrScheme>
     <a:fontScheme name="Office">
       <a:majorFont>
-        <a:latin typeface="Calibri Light" panose="020F0302020204030204"/>
+        <a:latin typeface="Calibri Light"/>
         <a:ea typeface=""/>
         <a:cs typeface=""/>
         <a:font script="Jpan" typeface="游ゴシック Light"/>
@@ -37358,7 +37250,7 @@
         <a:font script="Tfng" typeface="Ebrima"/>
       </a:majorFont>
       <a:minorFont>
-        <a:latin typeface="Calibri" panose="020F0502020204030204"/>
+        <a:latin typeface="Calibri"/>
         <a:ea typeface=""/>
         <a:cs typeface=""/>
         <a:font script="Jpan" typeface="游ゴシック"/>
@@ -37552,7 +37444,7 @@
   <a:extraClrSchemeLst/>
   <a:extLst>
     <a:ext uri="{05A4C25C-085E-4340-85A3-A5531E510DB2}">
-      <thm15:themeFamily xmlns:thm15="http://schemas.microsoft.com/office/thememl/2012/main" name="Office Theme" id="{62F939B6-93AF-4DB8-9C6B-D6C7DFDC589F}" vid="{4A3C46E8-61CC-4603-A589-7422A47A8E4A}"/>
+      <thm15:themeFamily xmlns:thm15="http://schemas.microsoft.com/office/thememl/2012/main" xmlns="" name="Office Theme" id="{62F939B6-93AF-4DB8-9C6B-D6C7DFDC589F}" vid="{4A3C46E8-61CC-4603-A589-7422A47A8E4A}"/>
     </a:ext>
   </a:extLst>
 </a:theme>
@@ -37601,7 +37493,7 @@
     </a:clrScheme>
     <a:fontScheme name="Office">
       <a:majorFont>
-        <a:latin typeface="Calibri Light" panose="020F0302020204030204"/>
+        <a:latin typeface="Calibri Light"/>
         <a:ea typeface=""/>
         <a:cs typeface=""/>
         <a:font script="Jpan" typeface="游ゴシック Light"/>
@@ -37653,7 +37545,7 @@
         <a:font script="Tfng" typeface="Ebrima"/>
       </a:majorFont>
       <a:minorFont>
-        <a:latin typeface="Calibri" panose="020F0502020204030204"/>
+        <a:latin typeface="Calibri"/>
         <a:ea typeface=""/>
         <a:cs typeface=""/>
         <a:font script="Jpan" typeface="游ゴシック"/>
@@ -37847,29 +37739,19 @@
   <a:extraClrSchemeLst/>
   <a:extLst>
     <a:ext uri="{05A4C25C-085E-4340-85A3-A5531E510DB2}">
-      <thm15:themeFamily xmlns:thm15="http://schemas.microsoft.com/office/thememl/2012/main" name="Office Theme" id="{62F939B6-93AF-4DB8-9C6B-D6C7DFDC589F}" vid="{4A3C46E8-61CC-4603-A589-7422A47A8E4A}"/>
+      <thm15:themeFamily xmlns:thm15="http://schemas.microsoft.com/office/thememl/2012/main" xmlns="" name="Office Theme" id="{62F939B6-93AF-4DB8-9C6B-D6C7DFDC589F}" vid="{4A3C46E8-61CC-4603-A589-7422A47A8E4A}"/>
     </a:ext>
   </a:extLst>
 </a:theme>
 </file>
 
 <file path=customXml/item1.xml><?xml version="1.0" encoding="utf-8"?>
-<p:properties xmlns:p="http://schemas.microsoft.com/office/2006/metadata/properties" xmlns:xsi="http://www.w3.org/2001/XMLSchema-instance" xmlns:pc="http://schemas.microsoft.com/office/infopath/2007/PartnerControls">
-  <documentManagement>
-    <_ip_UnifiedCompliancePolicyUIAction xmlns="http://schemas.microsoft.com/sharepoint/v3" xsi:nil="true"/>
-    <Image xmlns="71af3243-3dd4-4a8d-8c0d-dd76da1f02a5">
-      <Url xsi:nil="true"/>
-      <Description xsi:nil="true"/>
-    </Image>
-    <Status xmlns="71af3243-3dd4-4a8d-8c0d-dd76da1f02a5">Not started</Status>
-    <_ip_UnifiedCompliancePolicyProperties xmlns="http://schemas.microsoft.com/sharepoint/v3" xsi:nil="true"/>
-    <ImageTagsTaxHTField xmlns="71af3243-3dd4-4a8d-8c0d-dd76da1f02a5">
-      <Terms xmlns="http://schemas.microsoft.com/office/infopath/2007/PartnerControls"/>
-    </ImageTagsTaxHTField>
-    <TaxCatchAll xmlns="230e9df3-be65-4c73-a93b-d1236ebd677e"/>
-    <MediaServiceKeyPoints xmlns="71af3243-3dd4-4a8d-8c0d-dd76da1f02a5" xsi:nil="true"/>
-  </documentManagement>
-</p:properties>
+<?mso-contentType ?>
+<FormTemplates xmlns="http://schemas.microsoft.com/sharepoint/v3/contenttype/forms">
+  <Display>DocumentLibraryForm</Display>
+  <Edit>DocumentLibraryForm</Edit>
+  <New>DocumentLibraryForm</New>
+</FormTemplates>
 </file>
 
 <file path=customXml/item2.xml><?xml version="1.0" encoding="utf-8"?>
@@ -38155,22 +38037,28 @@
 </file>
 
 <file path=customXml/item3.xml><?xml version="1.0" encoding="utf-8"?>
-<?mso-contentType ?>
-<FormTemplates xmlns="http://schemas.microsoft.com/sharepoint/v3/contenttype/forms">
-  <Display>DocumentLibraryForm</Display>
-  <Edit>DocumentLibraryForm</Edit>
-  <New>DocumentLibraryForm</New>
-</FormTemplates>
+<p:properties xmlns:p="http://schemas.microsoft.com/office/2006/metadata/properties" xmlns:xsi="http://www.w3.org/2001/XMLSchema-instance" xmlns:pc="http://schemas.microsoft.com/office/infopath/2007/PartnerControls">
+  <documentManagement>
+    <_ip_UnifiedCompliancePolicyUIAction xmlns="http://schemas.microsoft.com/sharepoint/v3" xsi:nil="true"/>
+    <Image xmlns="71af3243-3dd4-4a8d-8c0d-dd76da1f02a5">
+      <Url xsi:nil="true"/>
+      <Description xsi:nil="true"/>
+    </Image>
+    <Status xmlns="71af3243-3dd4-4a8d-8c0d-dd76da1f02a5">Not started</Status>
+    <_ip_UnifiedCompliancePolicyProperties xmlns="http://schemas.microsoft.com/sharepoint/v3" xsi:nil="true"/>
+    <ImageTagsTaxHTField xmlns="71af3243-3dd4-4a8d-8c0d-dd76da1f02a5">
+      <Terms xmlns="http://schemas.microsoft.com/office/infopath/2007/PartnerControls"/>
+    </ImageTagsTaxHTField>
+    <TaxCatchAll xmlns="230e9df3-be65-4c73-a93b-d1236ebd677e"/>
+    <MediaServiceKeyPoints xmlns="71af3243-3dd4-4a8d-8c0d-dd76da1f02a5" xsi:nil="true"/>
+  </documentManagement>
+</p:properties>
 </file>
 
 <file path=customXml/itemProps1.xml><?xml version="1.0" encoding="utf-8"?>
-<ds:datastoreItem xmlns:ds="http://schemas.openxmlformats.org/officeDocument/2006/customXml" ds:itemID="{33F4F0A7-9599-4FE3-A548-853A09CF0244}">
+<ds:datastoreItem xmlns:ds="http://schemas.openxmlformats.org/officeDocument/2006/customXml" ds:itemID="{B7064F8B-46A2-4F22-9203-449568FB5893}">
   <ds:schemaRefs>
-    <ds:schemaRef ds:uri="http://schemas.microsoft.com/office/2006/metadata/properties"/>
-    <ds:schemaRef ds:uri="http://schemas.microsoft.com/office/infopath/2007/PartnerControls"/>
-    <ds:schemaRef ds:uri="http://schemas.microsoft.com/sharepoint/v3"/>
-    <ds:schemaRef ds:uri="71af3243-3dd4-4a8d-8c0d-dd76da1f02a5"/>
-    <ds:schemaRef ds:uri="230e9df3-be65-4c73-a93b-d1236ebd677e"/>
+    <ds:schemaRef ds:uri="http://schemas.microsoft.com/sharepoint/v3/contenttype/forms"/>
   </ds:schemaRefs>
 </ds:datastoreItem>
 </file>
@@ -38197,9 +38085,13 @@
 </file>
 
 <file path=customXml/itemProps3.xml><?xml version="1.0" encoding="utf-8"?>
-<ds:datastoreItem xmlns:ds="http://schemas.openxmlformats.org/officeDocument/2006/customXml" ds:itemID="{B7064F8B-46A2-4F22-9203-449568FB5893}">
+<ds:datastoreItem xmlns:ds="http://schemas.openxmlformats.org/officeDocument/2006/customXml" ds:itemID="{33F4F0A7-9599-4FE3-A548-853A09CF0244}">
   <ds:schemaRefs>
-    <ds:schemaRef ds:uri="http://schemas.microsoft.com/sharepoint/v3/contenttype/forms"/>
+    <ds:schemaRef ds:uri="http://schemas.microsoft.com/office/2006/metadata/properties"/>
+    <ds:schemaRef ds:uri="http://schemas.microsoft.com/office/infopath/2007/PartnerControls"/>
+    <ds:schemaRef ds:uri="http://schemas.microsoft.com/sharepoint/v3"/>
+    <ds:schemaRef ds:uri="71af3243-3dd4-4a8d-8c0d-dd76da1f02a5"/>
+    <ds:schemaRef ds:uri="230e9df3-be65-4c73-a93b-d1236ebd677e"/>
   </ds:schemaRefs>
 </ds:datastoreItem>
 </file>
